--- a/JavaScript.pptx
+++ b/JavaScript.pptx
@@ -12,22 +12,26 @@
     <p:sldId id="259" r:id="rId6"/>
     <p:sldId id="264" r:id="rId7"/>
     <p:sldId id="277" r:id="rId8"/>
-    <p:sldId id="260" r:id="rId9"/>
-    <p:sldId id="263" r:id="rId10"/>
-    <p:sldId id="261" r:id="rId11"/>
-    <p:sldId id="272" r:id="rId12"/>
-    <p:sldId id="274" r:id="rId13"/>
-    <p:sldId id="266" r:id="rId14"/>
-    <p:sldId id="271" r:id="rId15"/>
-    <p:sldId id="265" r:id="rId16"/>
-    <p:sldId id="267" r:id="rId17"/>
-    <p:sldId id="268" r:id="rId18"/>
-    <p:sldId id="269" r:id="rId19"/>
-    <p:sldId id="270" r:id="rId20"/>
-    <p:sldId id="275" r:id="rId21"/>
-    <p:sldId id="276" r:id="rId22"/>
-    <p:sldId id="262" r:id="rId23"/>
-    <p:sldId id="278" r:id="rId24"/>
+    <p:sldId id="283" r:id="rId9"/>
+    <p:sldId id="260" r:id="rId10"/>
+    <p:sldId id="263" r:id="rId11"/>
+    <p:sldId id="261" r:id="rId12"/>
+    <p:sldId id="272" r:id="rId13"/>
+    <p:sldId id="274" r:id="rId14"/>
+    <p:sldId id="266" r:id="rId15"/>
+    <p:sldId id="271" r:id="rId16"/>
+    <p:sldId id="265" r:id="rId17"/>
+    <p:sldId id="267" r:id="rId18"/>
+    <p:sldId id="268" r:id="rId19"/>
+    <p:sldId id="269" r:id="rId20"/>
+    <p:sldId id="282" r:id="rId21"/>
+    <p:sldId id="270" r:id="rId22"/>
+    <p:sldId id="275" r:id="rId23"/>
+    <p:sldId id="276" r:id="rId24"/>
+    <p:sldId id="262" r:id="rId25"/>
+    <p:sldId id="278" r:id="rId26"/>
+    <p:sldId id="280" r:id="rId27"/>
+    <p:sldId id="281" r:id="rId28"/>
   </p:sldIdLst>
   <p:sldSz cx="12192000" cy="6858000"/>
   <p:notesSz cx="6858000" cy="9144000"/>
@@ -265,7 +269,7 @@
           <a:p>
             <a:fld id="{4A3BCC1E-7DA4-4F69-9C98-8B04424DF0E1}" type="datetimeFigureOut">
               <a:rPr lang="zh-CN" altLang="en-US" smtClean="0"/>
-              <a:t>2016/7/4</a:t>
+              <a:t>2016/7/5</a:t>
             </a:fld>
             <a:endParaRPr lang="zh-CN" altLang="en-US"/>
           </a:p>
@@ -435,7 +439,7 @@
           <a:p>
             <a:fld id="{4A3BCC1E-7DA4-4F69-9C98-8B04424DF0E1}" type="datetimeFigureOut">
               <a:rPr lang="zh-CN" altLang="en-US" smtClean="0"/>
-              <a:t>2016/7/4</a:t>
+              <a:t>2016/7/5</a:t>
             </a:fld>
             <a:endParaRPr lang="zh-CN" altLang="en-US"/>
           </a:p>
@@ -615,7 +619,7 @@
           <a:p>
             <a:fld id="{4A3BCC1E-7DA4-4F69-9C98-8B04424DF0E1}" type="datetimeFigureOut">
               <a:rPr lang="zh-CN" altLang="en-US" smtClean="0"/>
-              <a:t>2016/7/4</a:t>
+              <a:t>2016/7/5</a:t>
             </a:fld>
             <a:endParaRPr lang="zh-CN" altLang="en-US"/>
           </a:p>
@@ -785,7 +789,7 @@
           <a:p>
             <a:fld id="{4A3BCC1E-7DA4-4F69-9C98-8B04424DF0E1}" type="datetimeFigureOut">
               <a:rPr lang="zh-CN" altLang="en-US" smtClean="0"/>
-              <a:t>2016/7/4</a:t>
+              <a:t>2016/7/5</a:t>
             </a:fld>
             <a:endParaRPr lang="zh-CN" altLang="en-US"/>
           </a:p>
@@ -1031,7 +1035,7 @@
           <a:p>
             <a:fld id="{4A3BCC1E-7DA4-4F69-9C98-8B04424DF0E1}" type="datetimeFigureOut">
               <a:rPr lang="zh-CN" altLang="en-US" smtClean="0"/>
-              <a:t>2016/7/4</a:t>
+              <a:t>2016/7/5</a:t>
             </a:fld>
             <a:endParaRPr lang="zh-CN" altLang="en-US"/>
           </a:p>
@@ -1263,7 +1267,7 @@
           <a:p>
             <a:fld id="{4A3BCC1E-7DA4-4F69-9C98-8B04424DF0E1}" type="datetimeFigureOut">
               <a:rPr lang="zh-CN" altLang="en-US" smtClean="0"/>
-              <a:t>2016/7/4</a:t>
+              <a:t>2016/7/5</a:t>
             </a:fld>
             <a:endParaRPr lang="zh-CN" altLang="en-US"/>
           </a:p>
@@ -1630,7 +1634,7 @@
           <a:p>
             <a:fld id="{4A3BCC1E-7DA4-4F69-9C98-8B04424DF0E1}" type="datetimeFigureOut">
               <a:rPr lang="zh-CN" altLang="en-US" smtClean="0"/>
-              <a:t>2016/7/4</a:t>
+              <a:t>2016/7/5</a:t>
             </a:fld>
             <a:endParaRPr lang="zh-CN" altLang="en-US"/>
           </a:p>
@@ -1748,7 +1752,7 @@
           <a:p>
             <a:fld id="{4A3BCC1E-7DA4-4F69-9C98-8B04424DF0E1}" type="datetimeFigureOut">
               <a:rPr lang="zh-CN" altLang="en-US" smtClean="0"/>
-              <a:t>2016/7/4</a:t>
+              <a:t>2016/7/5</a:t>
             </a:fld>
             <a:endParaRPr lang="zh-CN" altLang="en-US"/>
           </a:p>
@@ -1843,7 +1847,7 @@
           <a:p>
             <a:fld id="{4A3BCC1E-7DA4-4F69-9C98-8B04424DF0E1}" type="datetimeFigureOut">
               <a:rPr lang="zh-CN" altLang="en-US" smtClean="0"/>
-              <a:t>2016/7/4</a:t>
+              <a:t>2016/7/5</a:t>
             </a:fld>
             <a:endParaRPr lang="zh-CN" altLang="en-US"/>
           </a:p>
@@ -2120,7 +2124,7 @@
           <a:p>
             <a:fld id="{4A3BCC1E-7DA4-4F69-9C98-8B04424DF0E1}" type="datetimeFigureOut">
               <a:rPr lang="zh-CN" altLang="en-US" smtClean="0"/>
-              <a:t>2016/7/4</a:t>
+              <a:t>2016/7/5</a:t>
             </a:fld>
             <a:endParaRPr lang="zh-CN" altLang="en-US"/>
           </a:p>
@@ -2373,7 +2377,7 @@
           <a:p>
             <a:fld id="{4A3BCC1E-7DA4-4F69-9C98-8B04424DF0E1}" type="datetimeFigureOut">
               <a:rPr lang="zh-CN" altLang="en-US" smtClean="0"/>
-              <a:t>2016/7/4</a:t>
+              <a:t>2016/7/5</a:t>
             </a:fld>
             <a:endParaRPr lang="zh-CN" altLang="en-US"/>
           </a:p>
@@ -2586,7 +2590,7 @@
           <a:p>
             <a:fld id="{4A3BCC1E-7DA4-4F69-9C98-8B04424DF0E1}" type="datetimeFigureOut">
               <a:rPr lang="zh-CN" altLang="en-US" smtClean="0"/>
-              <a:t>2016/7/4</a:t>
+              <a:t>2016/7/5</a:t>
             </a:fld>
             <a:endParaRPr lang="zh-CN" altLang="en-US"/>
           </a:p>
@@ -3082,6 +3086,184 @@
           </a:p>
         </p:txBody>
       </p:sp>
+      <p:sp>
+        <p:nvSpPr>
+          <p:cNvPr id="3" name="内容占位符 2"/>
+          <p:cNvSpPr>
+            <a:spLocks noGrp="1"/>
+          </p:cNvSpPr>
+          <p:nvPr>
+            <p:ph idx="1"/>
+          </p:nvPr>
+        </p:nvSpPr>
+        <p:spPr/>
+        <p:txBody>
+          <a:bodyPr/>
+          <a:lstStyle/>
+          <a:p>
+            <a:pPr marL="0" indent="0">
+              <a:buNone/>
+            </a:pPr>
+            <a:r>
+              <a:rPr lang="en-US" altLang="zh-CN" dirty="0" smtClean="0"/>
+              <a:t>function C(x) { </a:t>
+            </a:r>
+            <a:r>
+              <a:rPr lang="en-US" altLang="zh-CN" dirty="0" err="1" smtClean="0"/>
+              <a:t>this.x</a:t>
+            </a:r>
+            <a:r>
+              <a:rPr lang="en-US" altLang="zh-CN" dirty="0" smtClean="0"/>
+              <a:t> = x; }</a:t>
+            </a:r>
+          </a:p>
+          <a:p>
+            <a:pPr marL="0" indent="0">
+              <a:buNone/>
+            </a:pPr>
+            <a:r>
+              <a:rPr lang="en-US" altLang="zh-CN" dirty="0" err="1" smtClean="0"/>
+              <a:t>C.prototype.f</a:t>
+            </a:r>
+            <a:r>
+              <a:rPr lang="en-US" altLang="zh-CN" dirty="0" smtClean="0"/>
+              <a:t> = function() {</a:t>
+            </a:r>
+          </a:p>
+          <a:p>
+            <a:pPr marL="0" indent="0">
+              <a:buNone/>
+            </a:pPr>
+            <a:r>
+              <a:rPr lang="en-US" altLang="zh-CN" dirty="0" smtClean="0"/>
+              <a:t> return </a:t>
+            </a:r>
+            <a:r>
+              <a:rPr lang="en-US" altLang="zh-CN" dirty="0" err="1" smtClean="0"/>
+              <a:t>this.x</a:t>
+            </a:r>
+            <a:r>
+              <a:rPr lang="en-US" altLang="zh-CN" dirty="0" smtClean="0"/>
+              <a:t>;</a:t>
+            </a:r>
+          </a:p>
+          <a:p>
+            <a:pPr marL="0" indent="0">
+              <a:buNone/>
+            </a:pPr>
+            <a:r>
+              <a:rPr lang="en-US" altLang="zh-CN" dirty="0" smtClean="0"/>
+              <a:t>}</a:t>
+            </a:r>
+          </a:p>
+          <a:p>
+            <a:pPr marL="0" indent="0">
+              <a:buNone/>
+            </a:pPr>
+            <a:r>
+              <a:rPr lang="en-US" altLang="zh-CN" dirty="0" err="1" smtClean="0"/>
+              <a:t>var</a:t>
+            </a:r>
+            <a:r>
+              <a:rPr lang="en-US" altLang="zh-CN" dirty="0" smtClean="0"/>
+              <a:t> o = new C(42);</a:t>
+            </a:r>
+          </a:p>
+          <a:p>
+            <a:pPr marL="0" indent="0">
+              <a:buNone/>
+            </a:pPr>
+            <a:r>
+              <a:rPr lang="en-US" altLang="zh-CN" dirty="0" err="1" smtClean="0"/>
+              <a:t>o.f</a:t>
+            </a:r>
+            <a:r>
+              <a:rPr lang="en-US" altLang="zh-CN" dirty="0" smtClean="0"/>
+              <a:t>(); // Result: 42</a:t>
+            </a:r>
+          </a:p>
+          <a:p>
+            <a:pPr marL="0" indent="0">
+              <a:buNone/>
+            </a:pPr>
+            <a:r>
+              <a:rPr lang="en-US" altLang="zh-CN" dirty="0" err="1" smtClean="0"/>
+              <a:t>var</a:t>
+            </a:r>
+            <a:r>
+              <a:rPr lang="en-US" altLang="zh-CN" dirty="0" smtClean="0"/>
+              <a:t> p = new C(1);</a:t>
+            </a:r>
+          </a:p>
+          <a:p>
+            <a:pPr marL="0" indent="0">
+              <a:buNone/>
+            </a:pPr>
+            <a:r>
+              <a:rPr lang="en-US" altLang="zh-CN" dirty="0" err="1" smtClean="0"/>
+              <a:t>p.f</a:t>
+            </a:r>
+            <a:r>
+              <a:rPr lang="en-US" altLang="zh-CN" dirty="0" smtClean="0"/>
+              <a:t>(); // Result: 1</a:t>
+            </a:r>
+            <a:endParaRPr lang="zh-CN" altLang="en-US" dirty="0" smtClean="0"/>
+          </a:p>
+        </p:txBody>
+      </p:sp>
+    </p:spTree>
+    <p:extLst>
+      <p:ext uri="{BB962C8B-B14F-4D97-AF65-F5344CB8AC3E}">
+        <p14:creationId xmlns:p14="http://schemas.microsoft.com/office/powerpoint/2010/main" val="2849302240"/>
+      </p:ext>
+    </p:extLst>
+  </p:cSld>
+  <p:clrMapOvr>
+    <a:masterClrMapping/>
+  </p:clrMapOvr>
+</p:sld>
+</file>
+
+<file path=ppt/slides/slide11.xml><?xml version="1.0" encoding="utf-8"?>
+<p:sld xmlns:a="http://schemas.openxmlformats.org/drawingml/2006/main" xmlns:r="http://schemas.openxmlformats.org/officeDocument/2006/relationships" xmlns:p="http://schemas.openxmlformats.org/presentationml/2006/main">
+  <p:cSld>
+    <p:spTree>
+      <p:nvGrpSpPr>
+        <p:cNvPr id="1" name=""/>
+        <p:cNvGrpSpPr/>
+        <p:nvPr/>
+      </p:nvGrpSpPr>
+      <p:grpSpPr>
+        <a:xfrm>
+          <a:off x="0" y="0"/>
+          <a:ext cx="0" cy="0"/>
+          <a:chOff x="0" y="0"/>
+          <a:chExt cx="0" cy="0"/>
+        </a:xfrm>
+      </p:grpSpPr>
+      <p:sp>
+        <p:nvSpPr>
+          <p:cNvPr id="2" name="标题 1"/>
+          <p:cNvSpPr>
+            <a:spLocks noGrp="1"/>
+          </p:cNvSpPr>
+          <p:nvPr>
+            <p:ph type="title"/>
+          </p:nvPr>
+        </p:nvSpPr>
+        <p:spPr/>
+        <p:txBody>
+          <a:bodyPr/>
+          <a:lstStyle/>
+          <a:p>
+            <a:r>
+              <a:rPr lang="en-US" altLang="zh-CN" dirty="0" smtClean="0"/>
+              <a:t>JavaScript prototype</a:t>
+            </a:r>
+            <a:endParaRPr lang="zh-CN" altLang="en-US" dirty="0"/>
+          </a:p>
+        </p:txBody>
+      </p:sp>
       <p:pic>
         <p:nvPicPr>
           <p:cNvPr id="4" name="内容占位符 3"/>
@@ -3121,169 +3303,6 @@
 </p:sld>
 </file>
 
-<file path=ppt/slides/slide11.xml><?xml version="1.0" encoding="utf-8"?>
-<p:sld xmlns:a="http://schemas.openxmlformats.org/drawingml/2006/main" xmlns:r="http://schemas.openxmlformats.org/officeDocument/2006/relationships" xmlns:p="http://schemas.openxmlformats.org/presentationml/2006/main">
-  <p:cSld>
-    <p:spTree>
-      <p:nvGrpSpPr>
-        <p:cNvPr id="1" name=""/>
-        <p:cNvGrpSpPr/>
-        <p:nvPr/>
-      </p:nvGrpSpPr>
-      <p:grpSpPr>
-        <a:xfrm>
-          <a:off x="0" y="0"/>
-          <a:ext cx="0" cy="0"/>
-          <a:chOff x="0" y="0"/>
-          <a:chExt cx="0" cy="0"/>
-        </a:xfrm>
-      </p:grpSpPr>
-      <p:sp>
-        <p:nvSpPr>
-          <p:cNvPr id="2" name="标题 1"/>
-          <p:cNvSpPr>
-            <a:spLocks noGrp="1"/>
-          </p:cNvSpPr>
-          <p:nvPr>
-            <p:ph type="title"/>
-          </p:nvPr>
-        </p:nvSpPr>
-        <p:spPr/>
-        <p:txBody>
-          <a:bodyPr/>
-          <a:lstStyle/>
-          <a:p>
-            <a:r>
-              <a:rPr lang="en-US" altLang="zh-CN" dirty="0" smtClean="0"/>
-              <a:t>JavaScript prototype</a:t>
-            </a:r>
-            <a:endParaRPr lang="zh-CN" altLang="en-US" dirty="0"/>
-          </a:p>
-        </p:txBody>
-      </p:sp>
-      <p:sp>
-        <p:nvSpPr>
-          <p:cNvPr id="3" name="内容占位符 2"/>
-          <p:cNvSpPr>
-            <a:spLocks noGrp="1"/>
-          </p:cNvSpPr>
-          <p:nvPr>
-            <p:ph idx="1"/>
-          </p:nvPr>
-        </p:nvSpPr>
-        <p:spPr/>
-        <p:txBody>
-          <a:bodyPr/>
-          <a:lstStyle/>
-          <a:p>
-            <a:pPr marL="0" indent="0">
-              <a:buNone/>
-            </a:pPr>
-            <a:r>
-              <a:rPr lang="en-US" altLang="zh-CN" dirty="0" err="1" smtClean="0"/>
-              <a:t>Array.prototype.remove</a:t>
-            </a:r>
-            <a:r>
-              <a:rPr lang="en-US" altLang="zh-CN" dirty="0" smtClean="0"/>
-              <a:t> = </a:t>
-            </a:r>
-            <a:r>
-              <a:rPr lang="en-US" altLang="zh-CN" dirty="0" err="1" smtClean="0"/>
-              <a:t>Array.prototype.remove</a:t>
-            </a:r>
-            <a:r>
-              <a:rPr lang="en-US" altLang="zh-CN" dirty="0" smtClean="0"/>
-              <a:t> || function(member){</a:t>
-            </a:r>
-          </a:p>
-          <a:p>
-            <a:pPr marL="0" indent="0">
-              <a:buNone/>
-            </a:pPr>
-            <a:r>
-              <a:rPr lang="en-US" altLang="zh-CN" dirty="0"/>
-              <a:t> </a:t>
-            </a:r>
-            <a:r>
-              <a:rPr lang="en-US" altLang="zh-CN" dirty="0" smtClean="0"/>
-              <a:t>   </a:t>
-            </a:r>
-            <a:r>
-              <a:rPr lang="en-US" altLang="zh-CN" dirty="0" err="1" smtClean="0"/>
-              <a:t>var</a:t>
-            </a:r>
-            <a:r>
-              <a:rPr lang="en-US" altLang="zh-CN" dirty="0" smtClean="0"/>
-              <a:t> index = </a:t>
-            </a:r>
-            <a:r>
-              <a:rPr lang="en-US" altLang="zh-CN" dirty="0" err="1" smtClean="0"/>
-              <a:t>this.indexOf</a:t>
-            </a:r>
-            <a:r>
-              <a:rPr lang="en-US" altLang="zh-CN" dirty="0" smtClean="0"/>
-              <a:t>(member);</a:t>
-            </a:r>
-          </a:p>
-          <a:p>
-            <a:pPr marL="0" indent="0">
-              <a:buNone/>
-            </a:pPr>
-            <a:r>
-              <a:rPr lang="en-US" altLang="zh-CN" dirty="0"/>
-              <a:t> </a:t>
-            </a:r>
-            <a:r>
-              <a:rPr lang="en-US" altLang="zh-CN" dirty="0" smtClean="0"/>
-              <a:t>   if (index &gt; -1) {</a:t>
-            </a:r>
-            <a:r>
-              <a:rPr lang="en-US" altLang="zh-CN" dirty="0" err="1" smtClean="0"/>
-              <a:t>this.splice</a:t>
-            </a:r>
-            <a:r>
-              <a:rPr lang="en-US" altLang="zh-CN" dirty="0" smtClean="0"/>
-              <a:t>(index, 1);};</a:t>
-            </a:r>
-          </a:p>
-          <a:p>
-            <a:pPr marL="0" indent="0">
-              <a:buNone/>
-            </a:pPr>
-            <a:r>
-              <a:rPr lang="en-US" altLang="zh-CN" dirty="0"/>
-              <a:t> </a:t>
-            </a:r>
-            <a:r>
-              <a:rPr lang="en-US" altLang="zh-CN" dirty="0" smtClean="0"/>
-              <a:t>   return this;</a:t>
-            </a:r>
-          </a:p>
-          <a:p>
-            <a:pPr marL="0" indent="0">
-              <a:buNone/>
-            </a:pPr>
-            <a:r>
-              <a:rPr lang="en-US" altLang="zh-CN" dirty="0" smtClean="0"/>
-              <a:t>}</a:t>
-            </a:r>
-            <a:endParaRPr lang="zh-CN" altLang="en-US" dirty="0"/>
-          </a:p>
-        </p:txBody>
-      </p:sp>
-    </p:spTree>
-    <p:extLst>
-      <p:ext uri="{BB962C8B-B14F-4D97-AF65-F5344CB8AC3E}">
-        <p14:creationId xmlns:p14="http://schemas.microsoft.com/office/powerpoint/2010/main" val="3735561078"/>
-      </p:ext>
-    </p:extLst>
-  </p:cSld>
-  <p:clrMapOvr>
-    <a:masterClrMapping/>
-  </p:clrMapOvr>
-</p:sld>
-</file>
-
 <file path=ppt/slides/slide12.xml><?xml version="1.0" encoding="utf-8"?>
 <p:sld xmlns:a="http://schemas.openxmlformats.org/drawingml/2006/main" xmlns:r="http://schemas.openxmlformats.org/officeDocument/2006/relationships" xmlns:p="http://schemas.openxmlformats.org/presentationml/2006/main">
   <p:cSld>
@@ -3317,7 +3336,7 @@
           <a:lstStyle/>
           <a:p>
             <a:r>
-              <a:rPr lang="en-US" altLang="zh-CN" dirty="0"/>
+              <a:rPr lang="en-US" altLang="zh-CN" dirty="0" smtClean="0"/>
               <a:t>JavaScript prototype</a:t>
             </a:r>
             <a:endParaRPr lang="zh-CN" altLang="en-US" dirty="0"/>
@@ -3343,73 +3362,83 @@
               <a:buNone/>
             </a:pPr>
             <a:r>
-              <a:rPr lang="en-US" altLang="zh-CN" dirty="0" err="1"/>
-              <a:t>Object.prototype.isArray</a:t>
-            </a:r>
+              <a:rPr lang="en-US" altLang="zh-CN" dirty="0" err="1" smtClean="0"/>
+              <a:t>Array.prototype.remove</a:t>
+            </a:r>
+            <a:r>
+              <a:rPr lang="en-US" altLang="zh-CN" dirty="0" smtClean="0"/>
+              <a:t> = </a:t>
+            </a:r>
+            <a:r>
+              <a:rPr lang="en-US" altLang="zh-CN" dirty="0" err="1" smtClean="0"/>
+              <a:t>Array.prototype.remove</a:t>
+            </a:r>
+            <a:r>
+              <a:rPr lang="en-US" altLang="zh-CN" dirty="0" smtClean="0"/>
+              <a:t> || function(member){</a:t>
+            </a:r>
+          </a:p>
+          <a:p>
+            <a:pPr marL="0" indent="0">
+              <a:buNone/>
+            </a:pPr>
             <a:r>
               <a:rPr lang="en-US" altLang="zh-CN" dirty="0"/>
               <a:t> </a:t>
             </a:r>
             <a:r>
               <a:rPr lang="en-US" altLang="zh-CN" dirty="0" smtClean="0"/>
-              <a:t>|| </a:t>
+              <a:t>   </a:t>
             </a:r>
             <a:r>
               <a:rPr lang="en-US" altLang="zh-CN" dirty="0" err="1" smtClean="0"/>
-              <a:t>Object.prototype.isArray</a:t>
-            </a:r>
-            <a:r>
-              <a:rPr lang="en-US" altLang="zh-CN" dirty="0" smtClean="0"/>
-              <a:t> = function(</a:t>
+              <a:t>var</a:t>
+            </a:r>
+            <a:r>
+              <a:rPr lang="en-US" altLang="zh-CN" dirty="0" smtClean="0"/>
+              <a:t> index = </a:t>
             </a:r>
             <a:r>
               <a:rPr lang="en-US" altLang="zh-CN" dirty="0" err="1" smtClean="0"/>
-              <a:t>obj</a:t>
-            </a:r>
-            <a:r>
-              <a:rPr lang="en-US" altLang="zh-CN" dirty="0" smtClean="0"/>
-              <a:t>) {</a:t>
-            </a:r>
-          </a:p>
-          <a:p>
-            <a:pPr marL="0" indent="0">
-              <a:buNone/>
-            </a:pPr>
-            <a:r>
-              <a:rPr lang="en-US" altLang="zh-CN" dirty="0" smtClean="0"/>
-              <a:t>    return ({}).</a:t>
+              <a:t>this.indexOf</a:t>
+            </a:r>
+            <a:r>
+              <a:rPr lang="en-US" altLang="zh-CN" dirty="0" smtClean="0"/>
+              <a:t>(member);</a:t>
+            </a:r>
+          </a:p>
+          <a:p>
+            <a:pPr marL="0" indent="0">
+              <a:buNone/>
+            </a:pPr>
+            <a:r>
+              <a:rPr lang="en-US" altLang="zh-CN" dirty="0"/>
+              <a:t> </a:t>
+            </a:r>
+            <a:r>
+              <a:rPr lang="en-US" altLang="zh-CN" dirty="0" smtClean="0"/>
+              <a:t>   if (index &gt; -1) {</a:t>
             </a:r>
             <a:r>
               <a:rPr lang="en-US" altLang="zh-CN" dirty="0" err="1" smtClean="0"/>
-              <a:t>toString.call</a:t>
-            </a:r>
-            <a:r>
-              <a:rPr lang="en-US" altLang="zh-CN" dirty="0" smtClean="0"/>
-              <a:t>(</a:t>
-            </a:r>
-            <a:r>
-              <a:rPr lang="en-US" altLang="zh-CN" dirty="0" err="1" smtClean="0"/>
-              <a:t>obj</a:t>
-            </a:r>
-            <a:r>
-              <a:rPr lang="en-US" altLang="zh-CN" dirty="0" smtClean="0"/>
-              <a:t>).match(/\s([a-</a:t>
-            </a:r>
-            <a:r>
-              <a:rPr lang="en-US" altLang="zh-CN" dirty="0" err="1" smtClean="0"/>
-              <a:t>zA</a:t>
-            </a:r>
-            <a:r>
-              <a:rPr lang="en-US" altLang="zh-CN" dirty="0" smtClean="0"/>
-              <a:t>-Z])+/)[1].</a:t>
-            </a:r>
-            <a:r>
-              <a:rPr lang="en-US" altLang="zh-CN" dirty="0" err="1" smtClean="0"/>
-              <a:t>toLowerCase</a:t>
-            </a:r>
-            <a:r>
-              <a:rPr lang="en-US" altLang="zh-CN" dirty="0" smtClean="0"/>
-              <a:t>() === ‘array’;</a:t>
+              <a:t>this.splice</a:t>
+            </a:r>
+            <a:r>
+              <a:rPr lang="en-US" altLang="zh-CN" dirty="0" smtClean="0"/>
+              <a:t>(index, 1);};</a:t>
+            </a:r>
+          </a:p>
+          <a:p>
+            <a:pPr marL="0" indent="0">
+              <a:buNone/>
+            </a:pPr>
+            <a:r>
+              <a:rPr lang="en-US" altLang="zh-CN" dirty="0"/>
+              <a:t> </a:t>
+            </a:r>
+            <a:r>
+              <a:rPr lang="en-US" altLang="zh-CN" dirty="0" smtClean="0"/>
+              <a:t>   return this;</a:t>
             </a:r>
           </a:p>
           <a:p>
@@ -3427,7 +3456,7 @@
     </p:spTree>
     <p:extLst>
       <p:ext uri="{BB962C8B-B14F-4D97-AF65-F5344CB8AC3E}">
-        <p14:creationId xmlns:p14="http://schemas.microsoft.com/office/powerpoint/2010/main" val="2948346525"/>
+        <p14:creationId xmlns:p14="http://schemas.microsoft.com/office/powerpoint/2010/main" val="3735561078"/>
       </p:ext>
     </p:extLst>
   </p:cSld>
@@ -3470,7 +3499,7 @@
           <a:lstStyle/>
           <a:p>
             <a:r>
-              <a:rPr lang="en-US" altLang="zh-CN" dirty="0" smtClean="0"/>
+              <a:rPr lang="en-US" altLang="zh-CN" dirty="0"/>
               <a:t>JavaScript prototype</a:t>
             </a:r>
             <a:endParaRPr lang="zh-CN" altLang="en-US" dirty="0"/>
@@ -3492,133 +3521,86 @@
           <a:bodyPr/>
           <a:lstStyle/>
           <a:p>
-            <a:r>
-              <a:rPr lang="en-US" altLang="zh-CN" dirty="0" smtClean="0"/>
-              <a:t>All functions has a </a:t>
-            </a:r>
-            <a:r>
-              <a:rPr lang="en-US" altLang="zh-CN" dirty="0" smtClean="0">
-                <a:effectLst>
-                  <a:outerShdw blurRad="38100" dist="38100" dir="2700000" algn="tl">
-                    <a:srgbClr val="000000">
-                      <a:alpha val="43137"/>
-                    </a:srgbClr>
-                  </a:outerShdw>
-                </a:effectLst>
-              </a:rPr>
-              <a:t>prototype</a:t>
-            </a:r>
-            <a:r>
-              <a:rPr lang="en-US" altLang="zh-CN" dirty="0" smtClean="0"/>
-              <a:t> property</a:t>
-            </a:r>
-          </a:p>
-          <a:p>
-            <a:r>
-              <a:rPr lang="en-US" altLang="zh-CN" dirty="0" smtClean="0">
-                <a:effectLst>
-                  <a:outerShdw blurRad="38100" dist="38100" dir="2700000" algn="tl">
-                    <a:srgbClr val="000000">
-                      <a:alpha val="43137"/>
-                    </a:srgbClr>
-                  </a:outerShdw>
-                </a:effectLst>
-              </a:rPr>
-              <a:t>prototype</a:t>
-            </a:r>
-            <a:r>
-              <a:rPr lang="en-US" altLang="zh-CN" dirty="0" smtClean="0"/>
-              <a:t>, which is itself an object, inherits from its parent’s </a:t>
-            </a:r>
-            <a:r>
-              <a:rPr lang="en-US" altLang="zh-CN" dirty="0" smtClean="0">
-                <a:effectLst>
-                  <a:outerShdw blurRad="38100" dist="38100" dir="2700000" algn="tl">
-                    <a:srgbClr val="000000">
-                      <a:alpha val="43137"/>
-                    </a:srgbClr>
-                  </a:outerShdw>
-                </a:effectLst>
-              </a:rPr>
-              <a:t>prototype</a:t>
-            </a:r>
-            <a:r>
-              <a:rPr lang="en-US" altLang="zh-CN" dirty="0" smtClean="0"/>
-              <a:t>, which inherits from its parent’s </a:t>
-            </a:r>
-            <a:r>
-              <a:rPr lang="en-US" altLang="zh-CN" dirty="0" smtClean="0">
-                <a:effectLst>
-                  <a:outerShdw blurRad="38100" dist="38100" dir="2700000" algn="tl">
-                    <a:srgbClr val="000000">
-                      <a:alpha val="43137"/>
-                    </a:srgbClr>
-                  </a:outerShdw>
-                </a:effectLst>
-              </a:rPr>
-              <a:t>prototype</a:t>
-            </a:r>
-            <a:r>
-              <a:rPr lang="en-US" altLang="zh-CN" dirty="0" smtClean="0"/>
-              <a:t>, and </a:t>
+            <a:pPr marL="0" indent="0">
+              <a:buNone/>
+            </a:pPr>
+            <a:r>
+              <a:rPr lang="en-US" altLang="zh-CN" dirty="0" err="1"/>
+              <a:t>Object.prototype.isArray</a:t>
+            </a:r>
+            <a:r>
+              <a:rPr lang="en-US" altLang="zh-CN" dirty="0"/>
+              <a:t> </a:t>
+            </a:r>
+            <a:r>
+              <a:rPr lang="en-US" altLang="zh-CN" dirty="0" smtClean="0"/>
+              <a:t>|| </a:t>
             </a:r>
             <a:r>
               <a:rPr lang="en-US" altLang="zh-CN" dirty="0" err="1" smtClean="0"/>
-              <a:t>and</a:t>
-            </a:r>
-            <a:r>
-              <a:rPr lang="en-US" altLang="zh-CN" dirty="0" smtClean="0"/>
-              <a:t> so on. This is often referred to as the </a:t>
-            </a:r>
-            <a:r>
-              <a:rPr lang="en-US" altLang="zh-CN" dirty="0" smtClean="0">
-                <a:effectLst>
-                  <a:outerShdw blurRad="38100" dist="38100" dir="2700000" algn="tl">
-                    <a:srgbClr val="000000">
-                      <a:alpha val="43137"/>
-                    </a:srgbClr>
-                  </a:outerShdw>
-                </a:effectLst>
-              </a:rPr>
-              <a:t>[[prototype]] chain</a:t>
-            </a:r>
-            <a:r>
-              <a:rPr lang="en-US" altLang="zh-CN" dirty="0" smtClean="0"/>
-              <a:t>.</a:t>
-            </a:r>
-          </a:p>
-          <a:p>
-            <a:r>
-              <a:rPr lang="en-US" altLang="zh-CN" dirty="0" err="1" smtClean="0">
-                <a:effectLst>
-                  <a:outerShdw blurRad="38100" dist="38100" dir="2700000" algn="tl">
-                    <a:srgbClr val="000000">
-                      <a:alpha val="43137"/>
-                    </a:srgbClr>
-                  </a:outerShdw>
-                </a:effectLst>
-              </a:rPr>
-              <a:t>Object.prototype</a:t>
-            </a:r>
-            <a:r>
-              <a:rPr lang="en-US" altLang="zh-CN" dirty="0" smtClean="0"/>
-              <a:t>, which is always at the end of the </a:t>
-            </a:r>
-            <a:r>
-              <a:rPr lang="en-US" altLang="zh-CN" dirty="0" smtClean="0">
-                <a:effectLst>
-                  <a:outerShdw blurRad="38100" dist="38100" dir="2700000" algn="tl">
-                    <a:srgbClr val="000000">
-                      <a:alpha val="43137"/>
-                    </a:srgbClr>
-                  </a:outerShdw>
-                </a:effectLst>
-              </a:rPr>
-              <a:t>[[prototype]] chain</a:t>
-            </a:r>
-            <a:r>
-              <a:rPr lang="en-US" altLang="zh-CN" dirty="0" smtClean="0"/>
-              <a:t> (i.e., at the top of the prototypal inheritance tree)</a:t>
+              <a:t>Object.prototype.isArray</a:t>
+            </a:r>
+            <a:r>
+              <a:rPr lang="en-US" altLang="zh-CN" dirty="0" smtClean="0"/>
+              <a:t> = function(</a:t>
+            </a:r>
+            <a:r>
+              <a:rPr lang="en-US" altLang="zh-CN" dirty="0" err="1" smtClean="0"/>
+              <a:t>obj</a:t>
+            </a:r>
+            <a:r>
+              <a:rPr lang="en-US" altLang="zh-CN" dirty="0" smtClean="0"/>
+              <a:t>) {</a:t>
+            </a:r>
+          </a:p>
+          <a:p>
+            <a:pPr marL="0" indent="0">
+              <a:buNone/>
+            </a:pPr>
+            <a:r>
+              <a:rPr lang="en-US" altLang="zh-CN" dirty="0" smtClean="0"/>
+              <a:t>    return ({}).</a:t>
+            </a:r>
+            <a:r>
+              <a:rPr lang="en-US" altLang="zh-CN" dirty="0" err="1" smtClean="0"/>
+              <a:t>toString.call</a:t>
+            </a:r>
+            <a:r>
+              <a:rPr lang="en-US" altLang="zh-CN" dirty="0" smtClean="0"/>
+              <a:t>(</a:t>
+            </a:r>
+            <a:r>
+              <a:rPr lang="en-US" altLang="zh-CN" dirty="0" err="1" smtClean="0"/>
+              <a:t>obj</a:t>
+            </a:r>
+            <a:r>
+              <a:rPr lang="en-US" altLang="zh-CN" dirty="0" smtClean="0"/>
+              <a:t>).match(/\s([a-</a:t>
+            </a:r>
+            <a:r>
+              <a:rPr lang="en-US" altLang="zh-CN" dirty="0" err="1" smtClean="0"/>
+              <a:t>zA</a:t>
+            </a:r>
+            <a:r>
+              <a:rPr lang="en-US" altLang="zh-CN" dirty="0" smtClean="0"/>
+              <a:t>-Z])+/)[1].</a:t>
+            </a:r>
+            <a:r>
+              <a:rPr lang="en-US" altLang="zh-CN" dirty="0" err="1" smtClean="0"/>
+              <a:t>toLowerCase</a:t>
+            </a:r>
+            <a:r>
+              <a:rPr lang="en-US" altLang="zh-CN" dirty="0" smtClean="0"/>
+              <a:t>() === ‘array’;</a:t>
+            </a:r>
+          </a:p>
+          <a:p>
+            <a:pPr marL="0" indent="0">
+              <a:buNone/>
+            </a:pPr>
+            <a:r>
+              <a:rPr lang="en-US" altLang="zh-CN" dirty="0" smtClean="0"/>
+              <a:t>}</a:t>
             </a:r>
             <a:endParaRPr lang="zh-CN" altLang="en-US" dirty="0"/>
           </a:p>
@@ -3627,7 +3609,7 @@
     </p:spTree>
     <p:extLst>
       <p:ext uri="{BB962C8B-B14F-4D97-AF65-F5344CB8AC3E}">
-        <p14:creationId xmlns:p14="http://schemas.microsoft.com/office/powerpoint/2010/main" val="1566214702"/>
+        <p14:creationId xmlns:p14="http://schemas.microsoft.com/office/powerpoint/2010/main" val="2948346525"/>
       </p:ext>
     </p:extLst>
   </p:cSld>
@@ -3693,6 +3675,206 @@
           <a:lstStyle/>
           <a:p>
             <a:r>
+              <a:rPr lang="en-US" altLang="zh-CN" dirty="0" smtClean="0"/>
+              <a:t>All functions has a </a:t>
+            </a:r>
+            <a:r>
+              <a:rPr lang="en-US" altLang="zh-CN" dirty="0" smtClean="0">
+                <a:effectLst>
+                  <a:outerShdw blurRad="38100" dist="38100" dir="2700000" algn="tl">
+                    <a:srgbClr val="000000">
+                      <a:alpha val="43137"/>
+                    </a:srgbClr>
+                  </a:outerShdw>
+                </a:effectLst>
+              </a:rPr>
+              <a:t>prototype</a:t>
+            </a:r>
+            <a:r>
+              <a:rPr lang="en-US" altLang="zh-CN" dirty="0" smtClean="0"/>
+              <a:t> property</a:t>
+            </a:r>
+          </a:p>
+          <a:p>
+            <a:r>
+              <a:rPr lang="en-US" altLang="zh-CN" dirty="0" smtClean="0">
+                <a:effectLst>
+                  <a:outerShdw blurRad="38100" dist="38100" dir="2700000" algn="tl">
+                    <a:srgbClr val="000000">
+                      <a:alpha val="43137"/>
+                    </a:srgbClr>
+                  </a:outerShdw>
+                </a:effectLst>
+              </a:rPr>
+              <a:t>prototype</a:t>
+            </a:r>
+            <a:r>
+              <a:rPr lang="en-US" altLang="zh-CN" dirty="0" smtClean="0"/>
+              <a:t>, which is itself an object, inherits from its parent’s </a:t>
+            </a:r>
+            <a:r>
+              <a:rPr lang="en-US" altLang="zh-CN" dirty="0" smtClean="0">
+                <a:effectLst>
+                  <a:outerShdw blurRad="38100" dist="38100" dir="2700000" algn="tl">
+                    <a:srgbClr val="000000">
+                      <a:alpha val="43137"/>
+                    </a:srgbClr>
+                  </a:outerShdw>
+                </a:effectLst>
+              </a:rPr>
+              <a:t>prototype</a:t>
+            </a:r>
+            <a:r>
+              <a:rPr lang="en-US" altLang="zh-CN" dirty="0" smtClean="0"/>
+              <a:t>, which inherits from its parent’s </a:t>
+            </a:r>
+            <a:r>
+              <a:rPr lang="en-US" altLang="zh-CN" dirty="0" smtClean="0">
+                <a:effectLst>
+                  <a:outerShdw blurRad="38100" dist="38100" dir="2700000" algn="tl">
+                    <a:srgbClr val="000000">
+                      <a:alpha val="43137"/>
+                    </a:srgbClr>
+                  </a:outerShdw>
+                </a:effectLst>
+              </a:rPr>
+              <a:t>prototype</a:t>
+            </a:r>
+            <a:r>
+              <a:rPr lang="en-US" altLang="zh-CN" dirty="0" smtClean="0"/>
+              <a:t>, and </a:t>
+            </a:r>
+            <a:r>
+              <a:rPr lang="en-US" altLang="zh-CN" dirty="0" err="1" smtClean="0"/>
+              <a:t>and</a:t>
+            </a:r>
+            <a:r>
+              <a:rPr lang="en-US" altLang="zh-CN" dirty="0" smtClean="0"/>
+              <a:t> so on. This is often referred to as the </a:t>
+            </a:r>
+            <a:r>
+              <a:rPr lang="en-US" altLang="zh-CN" dirty="0" smtClean="0">
+                <a:effectLst>
+                  <a:outerShdw blurRad="38100" dist="38100" dir="2700000" algn="tl">
+                    <a:srgbClr val="000000">
+                      <a:alpha val="43137"/>
+                    </a:srgbClr>
+                  </a:outerShdw>
+                </a:effectLst>
+              </a:rPr>
+              <a:t>[[prototype]] chain</a:t>
+            </a:r>
+            <a:r>
+              <a:rPr lang="en-US" altLang="zh-CN" dirty="0" smtClean="0"/>
+              <a:t>.</a:t>
+            </a:r>
+          </a:p>
+          <a:p>
+            <a:r>
+              <a:rPr lang="en-US" altLang="zh-CN" dirty="0" err="1" smtClean="0">
+                <a:effectLst>
+                  <a:outerShdw blurRad="38100" dist="38100" dir="2700000" algn="tl">
+                    <a:srgbClr val="000000">
+                      <a:alpha val="43137"/>
+                    </a:srgbClr>
+                  </a:outerShdw>
+                </a:effectLst>
+              </a:rPr>
+              <a:t>Object.prototype</a:t>
+            </a:r>
+            <a:r>
+              <a:rPr lang="en-US" altLang="zh-CN" dirty="0" smtClean="0"/>
+              <a:t>, which is always at the end of the </a:t>
+            </a:r>
+            <a:r>
+              <a:rPr lang="en-US" altLang="zh-CN" dirty="0" smtClean="0">
+                <a:effectLst>
+                  <a:outerShdw blurRad="38100" dist="38100" dir="2700000" algn="tl">
+                    <a:srgbClr val="000000">
+                      <a:alpha val="43137"/>
+                    </a:srgbClr>
+                  </a:outerShdw>
+                </a:effectLst>
+              </a:rPr>
+              <a:t>[[prototype]] chain</a:t>
+            </a:r>
+            <a:r>
+              <a:rPr lang="en-US" altLang="zh-CN" dirty="0" smtClean="0"/>
+              <a:t> (i.e., at the top of the prototypal inheritance tree)</a:t>
+            </a:r>
+            <a:endParaRPr lang="zh-CN" altLang="en-US" dirty="0"/>
+          </a:p>
+        </p:txBody>
+      </p:sp>
+    </p:spTree>
+    <p:extLst>
+      <p:ext uri="{BB962C8B-B14F-4D97-AF65-F5344CB8AC3E}">
+        <p14:creationId xmlns:p14="http://schemas.microsoft.com/office/powerpoint/2010/main" val="1566214702"/>
+      </p:ext>
+    </p:extLst>
+  </p:cSld>
+  <p:clrMapOvr>
+    <a:masterClrMapping/>
+  </p:clrMapOvr>
+</p:sld>
+</file>
+
+<file path=ppt/slides/slide15.xml><?xml version="1.0" encoding="utf-8"?>
+<p:sld xmlns:a="http://schemas.openxmlformats.org/drawingml/2006/main" xmlns:r="http://schemas.openxmlformats.org/officeDocument/2006/relationships" xmlns:p="http://schemas.openxmlformats.org/presentationml/2006/main">
+  <p:cSld>
+    <p:spTree>
+      <p:nvGrpSpPr>
+        <p:cNvPr id="1" name=""/>
+        <p:cNvGrpSpPr/>
+        <p:nvPr/>
+      </p:nvGrpSpPr>
+      <p:grpSpPr>
+        <a:xfrm>
+          <a:off x="0" y="0"/>
+          <a:ext cx="0" cy="0"/>
+          <a:chOff x="0" y="0"/>
+          <a:chExt cx="0" cy="0"/>
+        </a:xfrm>
+      </p:grpSpPr>
+      <p:sp>
+        <p:nvSpPr>
+          <p:cNvPr id="2" name="标题 1"/>
+          <p:cNvSpPr>
+            <a:spLocks noGrp="1"/>
+          </p:cNvSpPr>
+          <p:nvPr>
+            <p:ph type="title"/>
+          </p:nvPr>
+        </p:nvSpPr>
+        <p:spPr/>
+        <p:txBody>
+          <a:bodyPr/>
+          <a:lstStyle/>
+          <a:p>
+            <a:r>
+              <a:rPr lang="en-US" altLang="zh-CN" dirty="0" smtClean="0"/>
+              <a:t>JavaScript prototype</a:t>
+            </a:r>
+            <a:endParaRPr lang="zh-CN" altLang="en-US" dirty="0"/>
+          </a:p>
+        </p:txBody>
+      </p:sp>
+      <p:sp>
+        <p:nvSpPr>
+          <p:cNvPr id="3" name="内容占位符 2"/>
+          <p:cNvSpPr>
+            <a:spLocks noGrp="1"/>
+          </p:cNvSpPr>
+          <p:nvPr>
+            <p:ph idx="1"/>
+          </p:nvPr>
+        </p:nvSpPr>
+        <p:spPr/>
+        <p:txBody>
+          <a:bodyPr/>
+          <a:lstStyle/>
+          <a:p>
+            <a:r>
               <a:rPr lang="en-US" altLang="zh-CN" dirty="0" err="1"/>
               <a:t>Object.getPrototypeOf</a:t>
             </a:r>
@@ -3760,7 +3942,7 @@
 </p:sld>
 </file>
 
-<file path=ppt/slides/slide15.xml><?xml version="1.0" encoding="utf-8"?>
+<file path=ppt/slides/slide16.xml><?xml version="1.0" encoding="utf-8"?>
 <p:sld xmlns:a="http://schemas.openxmlformats.org/drawingml/2006/main" xmlns:r="http://schemas.openxmlformats.org/officeDocument/2006/relationships" xmlns:p="http://schemas.openxmlformats.org/presentationml/2006/main">
   <p:cSld>
     <p:spTree>
@@ -3849,7 +4031,7 @@
 </p:sld>
 </file>
 
-<file path=ppt/slides/slide16.xml><?xml version="1.0" encoding="utf-8"?>
+<file path=ppt/slides/slide17.xml><?xml version="1.0" encoding="utf-8"?>
 <p:sld xmlns:a="http://schemas.openxmlformats.org/drawingml/2006/main" xmlns:r="http://schemas.openxmlformats.org/officeDocument/2006/relationships" xmlns:p="http://schemas.openxmlformats.org/presentationml/2006/main">
   <p:cSld>
     <p:spTree>
@@ -4142,7 +4324,7 @@
 </p:sld>
 </file>
 
-<file path=ppt/slides/slide17.xml><?xml version="1.0" encoding="utf-8"?>
+<file path=ppt/slides/slide18.xml><?xml version="1.0" encoding="utf-8"?>
 <p:sld xmlns:a="http://schemas.openxmlformats.org/drawingml/2006/main" xmlns:r="http://schemas.openxmlformats.org/officeDocument/2006/relationships" xmlns:p="http://schemas.openxmlformats.org/presentationml/2006/main">
   <p:cSld>
     <p:spTree>
@@ -4229,158 +4411,6 @@
 </p:sld>
 </file>
 
-<file path=ppt/slides/slide18.xml><?xml version="1.0" encoding="utf-8"?>
-<p:sld xmlns:a="http://schemas.openxmlformats.org/drawingml/2006/main" xmlns:r="http://schemas.openxmlformats.org/officeDocument/2006/relationships" xmlns:p="http://schemas.openxmlformats.org/presentationml/2006/main">
-  <p:cSld>
-    <p:spTree>
-      <p:nvGrpSpPr>
-        <p:cNvPr id="1" name=""/>
-        <p:cNvGrpSpPr/>
-        <p:nvPr/>
-      </p:nvGrpSpPr>
-      <p:grpSpPr>
-        <a:xfrm>
-          <a:off x="0" y="0"/>
-          <a:ext cx="0" cy="0"/>
-          <a:chOff x="0" y="0"/>
-          <a:chExt cx="0" cy="0"/>
-        </a:xfrm>
-      </p:grpSpPr>
-      <p:sp>
-        <p:nvSpPr>
-          <p:cNvPr id="2" name="标题 1"/>
-          <p:cNvSpPr>
-            <a:spLocks noGrp="1"/>
-          </p:cNvSpPr>
-          <p:nvPr>
-            <p:ph type="title"/>
-          </p:nvPr>
-        </p:nvSpPr>
-        <p:spPr/>
-        <p:txBody>
-          <a:bodyPr/>
-          <a:lstStyle/>
-          <a:p>
-            <a:r>
-              <a:rPr lang="en-US" altLang="zh-CN" dirty="0" smtClean="0"/>
-              <a:t>JavaScript encapsulation</a:t>
-            </a:r>
-            <a:endParaRPr lang="zh-CN" altLang="en-US" dirty="0"/>
-          </a:p>
-        </p:txBody>
-      </p:sp>
-      <p:sp>
-        <p:nvSpPr>
-          <p:cNvPr id="3" name="内容占位符 2"/>
-          <p:cNvSpPr>
-            <a:spLocks noGrp="1"/>
-          </p:cNvSpPr>
-          <p:nvPr>
-            <p:ph idx="1"/>
-          </p:nvPr>
-        </p:nvSpPr>
-        <p:spPr/>
-        <p:txBody>
-          <a:bodyPr/>
-          <a:lstStyle/>
-          <a:p>
-            <a:pPr marL="0" indent="0">
-              <a:buNone/>
-            </a:pPr>
-            <a:r>
-              <a:rPr lang="en-US" altLang="zh-CN" dirty="0" smtClean="0"/>
-              <a:t>function Person(name, age) {</a:t>
-            </a:r>
-          </a:p>
-          <a:p>
-            <a:pPr marL="0" indent="0">
-              <a:buNone/>
-            </a:pPr>
-            <a:r>
-              <a:rPr lang="en-US" altLang="zh-CN" dirty="0" smtClean="0"/>
-              <a:t> this.name = name;</a:t>
-            </a:r>
-          </a:p>
-          <a:p>
-            <a:pPr marL="0" indent="0">
-              <a:buNone/>
-            </a:pPr>
-            <a:r>
-              <a:rPr lang="en-US" altLang="zh-CN" dirty="0" smtClean="0"/>
-              <a:t> </a:t>
-            </a:r>
-            <a:r>
-              <a:rPr lang="en-US" altLang="zh-CN" dirty="0" err="1" smtClean="0"/>
-              <a:t>this.age</a:t>
-            </a:r>
-            <a:r>
-              <a:rPr lang="en-US" altLang="zh-CN" dirty="0" smtClean="0"/>
-              <a:t> = age;</a:t>
-            </a:r>
-          </a:p>
-          <a:p>
-            <a:pPr marL="0" indent="0">
-              <a:buNone/>
-            </a:pPr>
-            <a:r>
-              <a:rPr lang="en-US" altLang="zh-CN" dirty="0" smtClean="0"/>
-              <a:t> </a:t>
-            </a:r>
-            <a:r>
-              <a:rPr lang="en-US" altLang="zh-CN" dirty="0" err="1" smtClean="0"/>
-              <a:t>this.talk</a:t>
-            </a:r>
-            <a:r>
-              <a:rPr lang="en-US" altLang="zh-CN" dirty="0" smtClean="0"/>
-              <a:t> = function() {</a:t>
-            </a:r>
-          </a:p>
-          <a:p>
-            <a:pPr marL="0" indent="0">
-              <a:buNone/>
-            </a:pPr>
-            <a:r>
-              <a:rPr lang="en-US" altLang="zh-CN" dirty="0"/>
-              <a:t> </a:t>
-            </a:r>
-            <a:r>
-              <a:rPr lang="en-US" altLang="zh-CN" dirty="0" smtClean="0"/>
-              <a:t> return “hello!”;</a:t>
-            </a:r>
-          </a:p>
-          <a:p>
-            <a:pPr marL="0" indent="0">
-              <a:buNone/>
-            </a:pPr>
-            <a:r>
-              <a:rPr lang="en-US" altLang="zh-CN" dirty="0" smtClean="0"/>
-              <a:t> }</a:t>
-            </a:r>
-          </a:p>
-          <a:p>
-            <a:pPr marL="0" indent="0">
-              <a:buNone/>
-            </a:pPr>
-            <a:r>
-              <a:rPr lang="en-US" altLang="zh-CN" dirty="0" smtClean="0"/>
-              <a:t>}</a:t>
-            </a:r>
-          </a:p>
-        </p:txBody>
-      </p:sp>
-    </p:spTree>
-    <p:extLst>
-      <p:ext uri="{BB962C8B-B14F-4D97-AF65-F5344CB8AC3E}">
-        <p14:creationId xmlns:p14="http://schemas.microsoft.com/office/powerpoint/2010/main" val="1215488269"/>
-      </p:ext>
-    </p:extLst>
-  </p:cSld>
-  <p:clrMapOvr>
-    <a:masterClrMapping/>
-  </p:clrMapOvr>
-</p:sld>
-</file>
-
 <file path=ppt/slides/slide19.xml><?xml version="1.0" encoding="utf-8"?>
 <p:sld xmlns:a="http://schemas.openxmlformats.org/drawingml/2006/main" xmlns:r="http://schemas.openxmlformats.org/officeDocument/2006/relationships" xmlns:p="http://schemas.openxmlformats.org/presentationml/2006/main">
   <p:cSld>
@@ -4408,19 +4438,14 @@
             <p:ph type="title"/>
           </p:nvPr>
         </p:nvSpPr>
-        <p:spPr>
-          <a:xfrm>
-            <a:off x="838200" y="218941"/>
-            <a:ext cx="10515600" cy="965915"/>
-          </a:xfrm>
-        </p:spPr>
-        <p:txBody>
-          <a:bodyPr/>
-          <a:lstStyle/>
-          <a:p>
-            <a:r>
-              <a:rPr lang="en-US" altLang="zh-CN" dirty="0" smtClean="0"/>
-              <a:t>JavaScript polymorphism</a:t>
+        <p:spPr/>
+        <p:txBody>
+          <a:bodyPr/>
+          <a:lstStyle/>
+          <a:p>
+            <a:r>
+              <a:rPr lang="en-US" altLang="zh-CN" dirty="0" smtClean="0"/>
+              <a:t>JavaScript encapsulation</a:t>
             </a:r>
             <a:endParaRPr lang="zh-CN" altLang="en-US" dirty="0"/>
           </a:p>
@@ -4436,32 +4461,25 @@
             <p:ph idx="1"/>
           </p:nvPr>
         </p:nvSpPr>
-        <p:spPr>
-          <a:xfrm>
-            <a:off x="838199" y="1313646"/>
-            <a:ext cx="10714149" cy="5293216"/>
-          </a:xfrm>
-        </p:spPr>
-        <p:txBody>
-          <a:bodyPr>
-            <a:normAutofit/>
-          </a:bodyPr>
-          <a:lstStyle/>
-          <a:p>
-            <a:pPr marL="0" indent="0">
-              <a:buNone/>
-            </a:pPr>
-            <a:r>
-              <a:rPr lang="en-US" altLang="zh-CN" sz="2400" dirty="0" smtClean="0"/>
-              <a:t>function Person(name) {</a:t>
-            </a:r>
-          </a:p>
-          <a:p>
-            <a:pPr marL="0" indent="0">
-              <a:buNone/>
-            </a:pPr>
-            <a:r>
-              <a:rPr lang="en-US" altLang="zh-CN" sz="2400" dirty="0" smtClean="0"/>
+        <p:spPr/>
+        <p:txBody>
+          <a:bodyPr/>
+          <a:lstStyle/>
+          <a:p>
+            <a:pPr marL="0" indent="0">
+              <a:buNone/>
+            </a:pPr>
+            <a:r>
+              <a:rPr lang="en-US" altLang="zh-CN" dirty="0" smtClean="0"/>
+              <a:t>function Person(name, age) {</a:t>
+            </a:r>
+          </a:p>
+          <a:p>
+            <a:pPr marL="0" indent="0">
+              <a:buNone/>
+            </a:pPr>
+            <a:r>
+              <a:rPr lang="en-US" altLang="zh-CN" dirty="0" smtClean="0"/>
               <a:t> this.name = name;</a:t>
             </a:r>
           </a:p>
@@ -4470,15 +4488,32 @@
               <a:buNone/>
             </a:pPr>
             <a:r>
-              <a:rPr lang="en-US" altLang="zh-CN" sz="2400" dirty="0" smtClean="0"/>
+              <a:rPr lang="en-US" altLang="zh-CN" dirty="0" smtClean="0"/>
               <a:t> </a:t>
             </a:r>
             <a:r>
-              <a:rPr lang="en-US" altLang="zh-CN" sz="2400" dirty="0" err="1" smtClean="0"/>
-              <a:t>this.toString</a:t>
-            </a:r>
-            <a:r>
-              <a:rPr lang="en-US" altLang="zh-CN" sz="2400" dirty="0" smtClean="0"/>
+              <a:rPr lang="en-US" altLang="zh-CN" dirty="0" err="1" smtClean="0"/>
+              <a:t>this.age</a:t>
+            </a:r>
+            <a:r>
+              <a:rPr lang="en-US" altLang="zh-CN" dirty="0" smtClean="0"/>
+              <a:t> = age;</a:t>
+            </a:r>
+          </a:p>
+          <a:p>
+            <a:pPr marL="0" indent="0">
+              <a:buNone/>
+            </a:pPr>
+            <a:r>
+              <a:rPr lang="en-US" altLang="zh-CN" dirty="0" smtClean="0"/>
+              <a:t> </a:t>
+            </a:r>
+            <a:r>
+              <a:rPr lang="en-US" altLang="zh-CN" dirty="0" err="1" smtClean="0"/>
+              <a:t>this.talk</a:t>
+            </a:r>
+            <a:r>
+              <a:rPr lang="en-US" altLang="zh-CN" dirty="0" smtClean="0"/>
               <a:t> = function() {</a:t>
             </a:r>
           </a:p>
@@ -4487,16 +4522,20 @@
               <a:buNone/>
             </a:pPr>
             <a:r>
-              <a:rPr lang="en-US" altLang="zh-CN" sz="2400" dirty="0" smtClean="0"/>
-              <a:t>  return name;</a:t>
-            </a:r>
-          </a:p>
-          <a:p>
-            <a:pPr marL="0" indent="0">
-              <a:buNone/>
-            </a:pPr>
-            <a:r>
-              <a:rPr lang="en-US" altLang="zh-CN" sz="2400" dirty="0" smtClean="0"/>
+              <a:rPr lang="en-US" altLang="zh-CN" dirty="0"/>
+              <a:t> </a:t>
+            </a:r>
+            <a:r>
+              <a:rPr lang="en-US" altLang="zh-CN" dirty="0" smtClean="0"/>
+              <a:t> return “hello!”;</a:t>
+            </a:r>
+          </a:p>
+          <a:p>
+            <a:pPr marL="0" indent="0">
+              <a:buNone/>
+            </a:pPr>
+            <a:r>
+              <a:rPr lang="en-US" altLang="zh-CN" dirty="0" smtClean="0"/>
               <a:t> }</a:t>
             </a:r>
           </a:p>
@@ -4505,92 +4544,16 @@
               <a:buNone/>
             </a:pPr>
             <a:r>
-              <a:rPr lang="en-US" altLang="zh-CN" sz="2400" dirty="0" smtClean="0"/>
+              <a:rPr lang="en-US" altLang="zh-CN" dirty="0" smtClean="0"/>
               <a:t>}</a:t>
             </a:r>
-            <a:endParaRPr lang="en-US" altLang="zh-CN" sz="2400" dirty="0"/>
-          </a:p>
-          <a:p>
-            <a:pPr marL="0" indent="0">
-              <a:buNone/>
-            </a:pPr>
-            <a:r>
-              <a:rPr lang="en-US" altLang="zh-CN" sz="2400" dirty="0"/>
-              <a:t>f</a:t>
-            </a:r>
-            <a:r>
-              <a:rPr lang="en-US" altLang="zh-CN" sz="2400" dirty="0" smtClean="0"/>
-              <a:t>unction f1(</a:t>
-            </a:r>
-            <a:r>
-              <a:rPr lang="en-US" altLang="zh-CN" sz="2400" dirty="0" err="1" smtClean="0"/>
-              <a:t>obj</a:t>
-            </a:r>
-            <a:r>
-              <a:rPr lang="en-US" altLang="zh-CN" sz="2400" dirty="0" smtClean="0"/>
-              <a:t>) {</a:t>
-            </a:r>
-          </a:p>
-          <a:p>
-            <a:pPr marL="0" indent="0">
-              <a:buNone/>
-            </a:pPr>
-            <a:r>
-              <a:rPr lang="en-US" altLang="zh-CN" sz="2400" dirty="0"/>
-              <a:t> </a:t>
-            </a:r>
-            <a:r>
-              <a:rPr lang="en-US" altLang="zh-CN" sz="2400" dirty="0" smtClean="0"/>
-              <a:t>console.log(</a:t>
-            </a:r>
-            <a:r>
-              <a:rPr lang="en-US" altLang="zh-CN" sz="2400" dirty="0" err="1" smtClean="0"/>
-              <a:t>obj.toString</a:t>
-            </a:r>
-            <a:r>
-              <a:rPr lang="en-US" altLang="zh-CN" sz="2400" dirty="0" smtClean="0"/>
-              <a:t>());</a:t>
-            </a:r>
-          </a:p>
-          <a:p>
-            <a:pPr marL="0" indent="0">
-              <a:buNone/>
-            </a:pPr>
-            <a:r>
-              <a:rPr lang="en-US" altLang="zh-CN" sz="2400" dirty="0" smtClean="0"/>
-              <a:t>}</a:t>
-            </a:r>
-          </a:p>
-          <a:p>
-            <a:pPr marL="0" indent="0">
-              <a:buNone/>
-            </a:pPr>
-            <a:r>
-              <a:rPr lang="en-US" altLang="zh-CN" sz="2400" dirty="0" smtClean="0"/>
-              <a:t>f1(new Object());</a:t>
-            </a:r>
-          </a:p>
-          <a:p>
-            <a:pPr marL="0" indent="0">
-              <a:buNone/>
-            </a:pPr>
-            <a:r>
-              <a:rPr lang="en-US" altLang="zh-CN" sz="2400" dirty="0" smtClean="0"/>
-              <a:t>f1(new Person());</a:t>
-            </a:r>
-          </a:p>
-          <a:p>
-            <a:pPr marL="0" indent="0">
-              <a:buNone/>
-            </a:pPr>
-            <a:endParaRPr lang="zh-CN" altLang="en-US" sz="2400" dirty="0"/>
           </a:p>
         </p:txBody>
       </p:sp>
     </p:spTree>
     <p:extLst>
       <p:ext uri="{BB962C8B-B14F-4D97-AF65-F5344CB8AC3E}">
-        <p14:creationId xmlns:p14="http://schemas.microsoft.com/office/powerpoint/2010/main" val="286037670"/>
+        <p14:creationId xmlns:p14="http://schemas.microsoft.com/office/powerpoint/2010/main" val="1215488269"/>
       </p:ext>
     </p:extLst>
   </p:cSld>
@@ -4681,6 +4644,297 @@
             <p:ph type="title"/>
           </p:nvPr>
         </p:nvSpPr>
+        <p:spPr/>
+        <p:txBody>
+          <a:bodyPr/>
+          <a:lstStyle/>
+          <a:p>
+            <a:r>
+              <a:rPr lang="en-US" altLang="zh-CN" dirty="0"/>
+              <a:t>Calling the superclass' constructor</a:t>
+            </a:r>
+            <a:endParaRPr lang="zh-CN" altLang="en-US" dirty="0"/>
+          </a:p>
+        </p:txBody>
+      </p:sp>
+      <p:sp>
+        <p:nvSpPr>
+          <p:cNvPr id="3" name="内容占位符 2"/>
+          <p:cNvSpPr>
+            <a:spLocks noGrp="1"/>
+          </p:cNvSpPr>
+          <p:nvPr>
+            <p:ph idx="1"/>
+          </p:nvPr>
+        </p:nvSpPr>
+        <p:spPr/>
+        <p:txBody>
+          <a:bodyPr/>
+          <a:lstStyle/>
+          <a:p>
+            <a:endParaRPr lang="zh-CN" altLang="en-US" dirty="0"/>
+          </a:p>
+        </p:txBody>
+      </p:sp>
+    </p:spTree>
+    <p:extLst>
+      <p:ext uri="{BB962C8B-B14F-4D97-AF65-F5344CB8AC3E}">
+        <p14:creationId xmlns:p14="http://schemas.microsoft.com/office/powerpoint/2010/main" val="3808932139"/>
+      </p:ext>
+    </p:extLst>
+  </p:cSld>
+  <p:clrMapOvr>
+    <a:masterClrMapping/>
+  </p:clrMapOvr>
+</p:sld>
+</file>
+
+<file path=ppt/slides/slide21.xml><?xml version="1.0" encoding="utf-8"?>
+<p:sld xmlns:a="http://schemas.openxmlformats.org/drawingml/2006/main" xmlns:r="http://schemas.openxmlformats.org/officeDocument/2006/relationships" xmlns:p="http://schemas.openxmlformats.org/presentationml/2006/main">
+  <p:cSld>
+    <p:spTree>
+      <p:nvGrpSpPr>
+        <p:cNvPr id="1" name=""/>
+        <p:cNvGrpSpPr/>
+        <p:nvPr/>
+      </p:nvGrpSpPr>
+      <p:grpSpPr>
+        <a:xfrm>
+          <a:off x="0" y="0"/>
+          <a:ext cx="0" cy="0"/>
+          <a:chOff x="0" y="0"/>
+          <a:chExt cx="0" cy="0"/>
+        </a:xfrm>
+      </p:grpSpPr>
+      <p:sp>
+        <p:nvSpPr>
+          <p:cNvPr id="2" name="标题 1"/>
+          <p:cNvSpPr>
+            <a:spLocks noGrp="1"/>
+          </p:cNvSpPr>
+          <p:nvPr>
+            <p:ph type="title"/>
+          </p:nvPr>
+        </p:nvSpPr>
+        <p:spPr>
+          <a:xfrm>
+            <a:off x="838200" y="218941"/>
+            <a:ext cx="10515600" cy="965915"/>
+          </a:xfrm>
+        </p:spPr>
+        <p:txBody>
+          <a:bodyPr/>
+          <a:lstStyle/>
+          <a:p>
+            <a:r>
+              <a:rPr lang="en-US" altLang="zh-CN" dirty="0" smtClean="0"/>
+              <a:t>JavaScript polymorphism</a:t>
+            </a:r>
+            <a:endParaRPr lang="zh-CN" altLang="en-US" dirty="0"/>
+          </a:p>
+        </p:txBody>
+      </p:sp>
+      <p:sp>
+        <p:nvSpPr>
+          <p:cNvPr id="3" name="内容占位符 2"/>
+          <p:cNvSpPr>
+            <a:spLocks noGrp="1"/>
+          </p:cNvSpPr>
+          <p:nvPr>
+            <p:ph idx="1"/>
+          </p:nvPr>
+        </p:nvSpPr>
+        <p:spPr>
+          <a:xfrm>
+            <a:off x="838199" y="1313646"/>
+            <a:ext cx="10714149" cy="5293216"/>
+          </a:xfrm>
+        </p:spPr>
+        <p:txBody>
+          <a:bodyPr>
+            <a:normAutofit/>
+          </a:bodyPr>
+          <a:lstStyle/>
+          <a:p>
+            <a:pPr marL="0" indent="0">
+              <a:buNone/>
+            </a:pPr>
+            <a:r>
+              <a:rPr lang="en-US" altLang="zh-CN" sz="2400" dirty="0" smtClean="0"/>
+              <a:t>function Person(name) {</a:t>
+            </a:r>
+          </a:p>
+          <a:p>
+            <a:pPr marL="0" indent="0">
+              <a:buNone/>
+            </a:pPr>
+            <a:r>
+              <a:rPr lang="en-US" altLang="zh-CN" sz="2400" dirty="0" smtClean="0"/>
+              <a:t> this.name = name;</a:t>
+            </a:r>
+          </a:p>
+          <a:p>
+            <a:pPr marL="0" indent="0">
+              <a:buNone/>
+            </a:pPr>
+            <a:r>
+              <a:rPr lang="en-US" altLang="zh-CN" sz="2400" dirty="0" smtClean="0"/>
+              <a:t> </a:t>
+            </a:r>
+            <a:r>
+              <a:rPr lang="en-US" altLang="zh-CN" sz="2400" dirty="0" err="1" smtClean="0"/>
+              <a:t>this.toString</a:t>
+            </a:r>
+            <a:r>
+              <a:rPr lang="en-US" altLang="zh-CN" sz="2400" dirty="0" smtClean="0"/>
+              <a:t> = function() {</a:t>
+            </a:r>
+          </a:p>
+          <a:p>
+            <a:pPr marL="0" indent="0">
+              <a:buNone/>
+            </a:pPr>
+            <a:r>
+              <a:rPr lang="en-US" altLang="zh-CN" sz="2400" dirty="0" smtClean="0"/>
+              <a:t>  return name;</a:t>
+            </a:r>
+          </a:p>
+          <a:p>
+            <a:pPr marL="0" indent="0">
+              <a:buNone/>
+            </a:pPr>
+            <a:r>
+              <a:rPr lang="en-US" altLang="zh-CN" sz="2400" dirty="0" smtClean="0"/>
+              <a:t> }</a:t>
+            </a:r>
+          </a:p>
+          <a:p>
+            <a:pPr marL="0" indent="0">
+              <a:buNone/>
+            </a:pPr>
+            <a:r>
+              <a:rPr lang="en-US" altLang="zh-CN" sz="2400" dirty="0" smtClean="0"/>
+              <a:t>}</a:t>
+            </a:r>
+            <a:endParaRPr lang="en-US" altLang="zh-CN" sz="2400" dirty="0"/>
+          </a:p>
+          <a:p>
+            <a:pPr marL="0" indent="0">
+              <a:buNone/>
+            </a:pPr>
+            <a:r>
+              <a:rPr lang="en-US" altLang="zh-CN" sz="2400" dirty="0"/>
+              <a:t>f</a:t>
+            </a:r>
+            <a:r>
+              <a:rPr lang="en-US" altLang="zh-CN" sz="2400" dirty="0" smtClean="0"/>
+              <a:t>unction f1(</a:t>
+            </a:r>
+            <a:r>
+              <a:rPr lang="en-US" altLang="zh-CN" sz="2400" dirty="0" err="1" smtClean="0"/>
+              <a:t>obj</a:t>
+            </a:r>
+            <a:r>
+              <a:rPr lang="en-US" altLang="zh-CN" sz="2400" dirty="0" smtClean="0"/>
+              <a:t>) {</a:t>
+            </a:r>
+          </a:p>
+          <a:p>
+            <a:pPr marL="0" indent="0">
+              <a:buNone/>
+            </a:pPr>
+            <a:r>
+              <a:rPr lang="en-US" altLang="zh-CN" sz="2400" dirty="0"/>
+              <a:t> </a:t>
+            </a:r>
+            <a:r>
+              <a:rPr lang="en-US" altLang="zh-CN" sz="2400" dirty="0" smtClean="0"/>
+              <a:t>console.log(</a:t>
+            </a:r>
+            <a:r>
+              <a:rPr lang="en-US" altLang="zh-CN" sz="2400" dirty="0" err="1" smtClean="0"/>
+              <a:t>obj.toString</a:t>
+            </a:r>
+            <a:r>
+              <a:rPr lang="en-US" altLang="zh-CN" sz="2400" dirty="0" smtClean="0"/>
+              <a:t>());</a:t>
+            </a:r>
+          </a:p>
+          <a:p>
+            <a:pPr marL="0" indent="0">
+              <a:buNone/>
+            </a:pPr>
+            <a:r>
+              <a:rPr lang="en-US" altLang="zh-CN" sz="2400" dirty="0" smtClean="0"/>
+              <a:t>}</a:t>
+            </a:r>
+          </a:p>
+          <a:p>
+            <a:pPr marL="0" indent="0">
+              <a:buNone/>
+            </a:pPr>
+            <a:r>
+              <a:rPr lang="en-US" altLang="zh-CN" sz="2400" dirty="0" smtClean="0"/>
+              <a:t>f1(new Object());</a:t>
+            </a:r>
+          </a:p>
+          <a:p>
+            <a:pPr marL="0" indent="0">
+              <a:buNone/>
+            </a:pPr>
+            <a:r>
+              <a:rPr lang="en-US" altLang="zh-CN" sz="2400" dirty="0" smtClean="0"/>
+              <a:t>f1(new Person());</a:t>
+            </a:r>
+          </a:p>
+          <a:p>
+            <a:pPr marL="0" indent="0">
+              <a:buNone/>
+            </a:pPr>
+            <a:endParaRPr lang="zh-CN" altLang="en-US" sz="2400" dirty="0"/>
+          </a:p>
+        </p:txBody>
+      </p:sp>
+    </p:spTree>
+    <p:extLst>
+      <p:ext uri="{BB962C8B-B14F-4D97-AF65-F5344CB8AC3E}">
+        <p14:creationId xmlns:p14="http://schemas.microsoft.com/office/powerpoint/2010/main" val="286037670"/>
+      </p:ext>
+    </p:extLst>
+  </p:cSld>
+  <p:clrMapOvr>
+    <a:masterClrMapping/>
+  </p:clrMapOvr>
+</p:sld>
+</file>
+
+<file path=ppt/slides/slide22.xml><?xml version="1.0" encoding="utf-8"?>
+<p:sld xmlns:a="http://schemas.openxmlformats.org/drawingml/2006/main" xmlns:r="http://schemas.openxmlformats.org/officeDocument/2006/relationships" xmlns:p="http://schemas.openxmlformats.org/presentationml/2006/main">
+  <p:cSld>
+    <p:spTree>
+      <p:nvGrpSpPr>
+        <p:cNvPr id="1" name=""/>
+        <p:cNvGrpSpPr/>
+        <p:nvPr/>
+      </p:nvGrpSpPr>
+      <p:grpSpPr>
+        <a:xfrm>
+          <a:off x="0" y="0"/>
+          <a:ext cx="0" cy="0"/>
+          <a:chOff x="0" y="0"/>
+          <a:chExt cx="0" cy="0"/>
+        </a:xfrm>
+      </p:grpSpPr>
+      <p:sp>
+        <p:nvSpPr>
+          <p:cNvPr id="2" name="标题 1"/>
+          <p:cNvSpPr>
+            <a:spLocks noGrp="1"/>
+          </p:cNvSpPr>
+          <p:nvPr>
+            <p:ph type="title"/>
+          </p:nvPr>
+        </p:nvSpPr>
         <p:spPr>
           <a:xfrm>
             <a:off x="838200" y="257577"/>
@@ -4790,7 +5044,7 @@
 </p:sld>
 </file>
 
-<file path=ppt/slides/slide21.xml><?xml version="1.0" encoding="utf-8"?>
+<file path=ppt/slides/slide23.xml><?xml version="1.0" encoding="utf-8"?>
 <p:sld xmlns:a="http://schemas.openxmlformats.org/drawingml/2006/main" xmlns:r="http://schemas.openxmlformats.org/officeDocument/2006/relationships" xmlns:p="http://schemas.openxmlformats.org/presentationml/2006/main">
   <p:cSld>
     <p:spTree>
@@ -4947,7 +5201,7 @@
 </p:sld>
 </file>
 
-<file path=ppt/slides/slide22.xml><?xml version="1.0" encoding="utf-8"?>
+<file path=ppt/slides/slide24.xml><?xml version="1.0" encoding="utf-8"?>
 <p:sld xmlns:a="http://schemas.openxmlformats.org/drawingml/2006/main" xmlns:r="http://schemas.openxmlformats.org/officeDocument/2006/relationships" xmlns:p="http://schemas.openxmlformats.org/presentationml/2006/main">
   <p:cSld>
     <p:spTree>
@@ -4981,11 +5235,7 @@
           <a:p>
             <a:r>
               <a:rPr lang="en-US" altLang="zh-CN" dirty="0" smtClean="0"/>
-              <a:t>JavaScript </a:t>
-            </a:r>
-            <a:r>
-              <a:rPr lang="en-US" altLang="zh-CN" dirty="0" smtClean="0"/>
-              <a:t>closure</a:t>
+              <a:t>Curry</a:t>
             </a:r>
             <a:endParaRPr lang="zh-CN" altLang="en-US" dirty="0"/>
           </a:p>
@@ -5006,10 +5256,9 @@
           <a:bodyPr/>
           <a:lstStyle/>
           <a:p>
-            <a:r>
-              <a:rPr lang="en-US" altLang="zh-CN" dirty="0" smtClean="0"/>
-              <a:t>(function($) { /* jQuery plugin code referencing $ */ } )(jQuery);</a:t>
-            </a:r>
+            <a:pPr marL="0" indent="0">
+              <a:buNone/>
+            </a:pPr>
             <a:endParaRPr lang="zh-CN" altLang="en-US" dirty="0"/>
           </a:p>
         </p:txBody>
@@ -5027,7 +5276,7 @@
 </p:sld>
 </file>
 
-<file path=ppt/slides/slide23.xml><?xml version="1.0" encoding="utf-8"?>
+<file path=ppt/slides/slide25.xml><?xml version="1.0" encoding="utf-8"?>
 <p:sld xmlns:a="http://schemas.openxmlformats.org/drawingml/2006/main" xmlns:r="http://schemas.openxmlformats.org/officeDocument/2006/relationships" xmlns:p="http://schemas.openxmlformats.org/presentationml/2006/main">
   <p:cSld>
     <p:spTree>
@@ -5104,6 +5353,258 @@
 </p:sld>
 </file>
 
+<file path=ppt/slides/slide26.xml><?xml version="1.0" encoding="utf-8"?>
+<p:sld xmlns:a="http://schemas.openxmlformats.org/drawingml/2006/main" xmlns:r="http://schemas.openxmlformats.org/officeDocument/2006/relationships" xmlns:p="http://schemas.openxmlformats.org/presentationml/2006/main">
+  <p:cSld>
+    <p:spTree>
+      <p:nvGrpSpPr>
+        <p:cNvPr id="1" name=""/>
+        <p:cNvGrpSpPr/>
+        <p:nvPr/>
+      </p:nvGrpSpPr>
+      <p:grpSpPr>
+        <a:xfrm>
+          <a:off x="0" y="0"/>
+          <a:ext cx="0" cy="0"/>
+          <a:chOff x="0" y="0"/>
+          <a:chExt cx="0" cy="0"/>
+        </a:xfrm>
+      </p:grpSpPr>
+      <p:sp>
+        <p:nvSpPr>
+          <p:cNvPr id="2" name="标题 1"/>
+          <p:cNvSpPr>
+            <a:spLocks noGrp="1"/>
+          </p:cNvSpPr>
+          <p:nvPr>
+            <p:ph type="title"/>
+          </p:nvPr>
+        </p:nvSpPr>
+        <p:spPr/>
+        <p:txBody>
+          <a:bodyPr/>
+          <a:lstStyle/>
+          <a:p>
+            <a:r>
+              <a:rPr lang="en-US" altLang="zh-CN" dirty="0"/>
+              <a:t>t</a:t>
+            </a:r>
+            <a:r>
+              <a:rPr lang="en-US" altLang="zh-CN" dirty="0" smtClean="0"/>
+              <a:t>his keyword</a:t>
+            </a:r>
+            <a:endParaRPr lang="zh-CN" altLang="en-US" dirty="0"/>
+          </a:p>
+        </p:txBody>
+      </p:sp>
+      <p:sp>
+        <p:nvSpPr>
+          <p:cNvPr id="3" name="内容占位符 2"/>
+          <p:cNvSpPr>
+            <a:spLocks noGrp="1"/>
+          </p:cNvSpPr>
+          <p:nvPr>
+            <p:ph idx="1"/>
+          </p:nvPr>
+        </p:nvSpPr>
+        <p:spPr/>
+        <p:txBody>
+          <a:bodyPr/>
+          <a:lstStyle/>
+          <a:p>
+            <a:endParaRPr lang="zh-CN" altLang="en-US" dirty="0"/>
+          </a:p>
+        </p:txBody>
+      </p:sp>
+    </p:spTree>
+    <p:extLst>
+      <p:ext uri="{BB962C8B-B14F-4D97-AF65-F5344CB8AC3E}">
+        <p14:creationId xmlns:p14="http://schemas.microsoft.com/office/powerpoint/2010/main" val="412349578"/>
+      </p:ext>
+    </p:extLst>
+  </p:cSld>
+  <p:clrMapOvr>
+    <a:masterClrMapping/>
+  </p:clrMapOvr>
+</p:sld>
+</file>
+
+<file path=ppt/slides/slide27.xml><?xml version="1.0" encoding="utf-8"?>
+<p:sld xmlns:a="http://schemas.openxmlformats.org/drawingml/2006/main" xmlns:r="http://schemas.openxmlformats.org/officeDocument/2006/relationships" xmlns:p="http://schemas.openxmlformats.org/presentationml/2006/main">
+  <p:cSld>
+    <p:spTree>
+      <p:nvGrpSpPr>
+        <p:cNvPr id="1" name=""/>
+        <p:cNvGrpSpPr/>
+        <p:nvPr/>
+      </p:nvGrpSpPr>
+      <p:grpSpPr>
+        <a:xfrm>
+          <a:off x="0" y="0"/>
+          <a:ext cx="0" cy="0"/>
+          <a:chOff x="0" y="0"/>
+          <a:chExt cx="0" cy="0"/>
+        </a:xfrm>
+      </p:grpSpPr>
+      <p:sp>
+        <p:nvSpPr>
+          <p:cNvPr id="2" name="标题 1"/>
+          <p:cNvSpPr>
+            <a:spLocks noGrp="1"/>
+          </p:cNvSpPr>
+          <p:nvPr>
+            <p:ph type="title"/>
+          </p:nvPr>
+        </p:nvSpPr>
+        <p:spPr/>
+        <p:txBody>
+          <a:bodyPr/>
+          <a:lstStyle/>
+          <a:p>
+            <a:r>
+              <a:rPr lang="en-US" altLang="zh-CN" dirty="0" smtClean="0"/>
+              <a:t>If and “==”</a:t>
+            </a:r>
+            <a:endParaRPr lang="zh-CN" altLang="en-US" dirty="0"/>
+          </a:p>
+        </p:txBody>
+      </p:sp>
+      <p:sp>
+        <p:nvSpPr>
+          <p:cNvPr id="3" name="内容占位符 2"/>
+          <p:cNvSpPr>
+            <a:spLocks noGrp="1"/>
+          </p:cNvSpPr>
+          <p:nvPr>
+            <p:ph idx="1"/>
+          </p:nvPr>
+        </p:nvSpPr>
+        <p:spPr/>
+        <p:txBody>
+          <a:bodyPr/>
+          <a:lstStyle/>
+          <a:p>
+            <a:pPr lvl="0">
+              <a:buNone/>
+            </a:pPr>
+            <a:r>
+              <a:rPr lang="en" altLang="zh-CN" dirty="0"/>
+              <a:t>The following values are falsy</a:t>
+            </a:r>
+          </a:p>
+          <a:p>
+            <a:pPr marL="914400" lvl="1" indent="-381000">
+              <a:buClr>
+                <a:schemeClr val="dk2"/>
+              </a:buClr>
+              <a:buSzPct val="80000"/>
+              <a:buFont typeface="Courier New"/>
+              <a:buChar char="o"/>
+            </a:pPr>
+            <a:r>
+              <a:rPr lang="en" altLang="zh-CN" dirty="0"/>
+              <a:t>false</a:t>
+            </a:r>
+          </a:p>
+          <a:p>
+            <a:pPr marL="914400" lvl="1" indent="-381000">
+              <a:buClr>
+                <a:schemeClr val="dk2"/>
+              </a:buClr>
+              <a:buSzPct val="80000"/>
+              <a:buFont typeface="Courier New"/>
+              <a:buChar char="o"/>
+            </a:pPr>
+            <a:r>
+              <a:rPr lang="en" altLang="zh-CN" dirty="0"/>
+              <a:t>0 (zero)</a:t>
+            </a:r>
+          </a:p>
+          <a:p>
+            <a:pPr marL="914400" lvl="1" indent="-381000">
+              <a:buClr>
+                <a:schemeClr val="dk2"/>
+              </a:buClr>
+              <a:buSzPct val="80000"/>
+              <a:buFont typeface="Courier New"/>
+              <a:buChar char="o"/>
+            </a:pPr>
+            <a:r>
+              <a:rPr lang="en" altLang="zh-CN" dirty="0"/>
+              <a:t>“” (empty string”)</a:t>
+            </a:r>
+          </a:p>
+          <a:p>
+            <a:pPr marL="914400" lvl="1" indent="-381000">
+              <a:buClr>
+                <a:schemeClr val="dk2"/>
+              </a:buClr>
+              <a:buSzPct val="80000"/>
+              <a:buFont typeface="Courier New"/>
+              <a:buChar char="o"/>
+            </a:pPr>
+            <a:r>
+              <a:rPr lang="en" altLang="zh-CN" dirty="0"/>
+              <a:t>null</a:t>
+            </a:r>
+          </a:p>
+          <a:p>
+            <a:pPr marL="914400" lvl="1" indent="-381000">
+              <a:buClr>
+                <a:schemeClr val="dk2"/>
+              </a:buClr>
+              <a:buSzPct val="80000"/>
+              <a:buFont typeface="Courier New"/>
+              <a:buChar char="o"/>
+            </a:pPr>
+            <a:r>
+              <a:rPr lang="en" altLang="zh-CN" dirty="0"/>
+              <a:t>undefined</a:t>
+            </a:r>
+          </a:p>
+          <a:p>
+            <a:pPr marL="914400" lvl="1" indent="-381000">
+              <a:buClr>
+                <a:schemeClr val="dk2"/>
+              </a:buClr>
+              <a:buSzPct val="80000"/>
+              <a:buFont typeface="Courier New"/>
+              <a:buChar char="o"/>
+            </a:pPr>
+            <a:r>
+              <a:rPr lang="en" altLang="zh-CN" dirty="0"/>
+              <a:t>NaN (not a number)</a:t>
+            </a:r>
+          </a:p>
+          <a:p>
+            <a:pPr lvl="0">
+              <a:buNone/>
+            </a:pPr>
+            <a:r>
+              <a:rPr lang="en" altLang="zh-CN" dirty="0"/>
+              <a:t>Everything else is </a:t>
+            </a:r>
+            <a:r>
+              <a:rPr lang="en" altLang="zh-CN" dirty="0" smtClean="0"/>
+              <a:t>truthy</a:t>
+            </a:r>
+            <a:endParaRPr lang="en" altLang="zh-CN" dirty="0"/>
+          </a:p>
+        </p:txBody>
+      </p:sp>
+    </p:spTree>
+    <p:extLst>
+      <p:ext uri="{BB962C8B-B14F-4D97-AF65-F5344CB8AC3E}">
+        <p14:creationId xmlns:p14="http://schemas.microsoft.com/office/powerpoint/2010/main" val="1319081848"/>
+      </p:ext>
+    </p:extLst>
+  </p:cSld>
+  <p:clrMapOvr>
+    <a:masterClrMapping/>
+  </p:clrMapOvr>
+</p:sld>
+</file>
+
 <file path=ppt/slides/slide3.xml><?xml version="1.0" encoding="utf-8"?>
 <p:sld xmlns:a="http://schemas.openxmlformats.org/drawingml/2006/main" xmlns:r="http://schemas.openxmlformats.org/officeDocument/2006/relationships" xmlns:p="http://schemas.openxmlformats.org/presentationml/2006/main">
   <p:cSld>
@@ -5163,7 +5664,6 @@
               <a:rPr lang="en-US" altLang="zh-CN" dirty="0" smtClean="0"/>
               <a:t>Primitive types</a:t>
             </a:r>
-            <a:endParaRPr lang="en-US" altLang="zh-CN" dirty="0" smtClean="0"/>
           </a:p>
           <a:p>
             <a:pPr lvl="1"/>
@@ -5916,8 +6416,12 @@
           <a:lstStyle/>
           <a:p>
             <a:r>
-              <a:rPr lang="en-US" altLang="zh-CN" dirty="0" smtClean="0"/>
-              <a:t>JavaScript prototype</a:t>
+              <a:rPr lang="en-US" altLang="zh-CN" dirty="0"/>
+              <a:t>c</a:t>
+            </a:r>
+            <a:r>
+              <a:rPr lang="en-US" altLang="zh-CN" dirty="0" smtClean="0"/>
+              <a:t>all &amp;&amp; apply</a:t>
             </a:r>
             <a:endParaRPr lang="zh-CN" altLang="en-US" dirty="0"/>
           </a:p>
@@ -5933,67 +6437,95 @@
             <p:ph idx="1"/>
           </p:nvPr>
         </p:nvSpPr>
-        <p:spPr>
-          <a:xfrm>
-            <a:off x="838200" y="1825624"/>
-            <a:ext cx="10515600" cy="4755479"/>
-          </a:xfrm>
-        </p:spPr>
-        <p:txBody>
-          <a:bodyPr>
-            <a:normAutofit/>
-          </a:bodyPr>
-          <a:lstStyle/>
-          <a:p>
-            <a:r>
-              <a:rPr lang="en-US" altLang="zh-CN" sz="3600" dirty="0" smtClean="0"/>
-              <a:t>All objects have a </a:t>
-            </a:r>
-            <a:r>
-              <a:rPr lang="en-US" altLang="zh-CN" sz="3600" dirty="0" smtClean="0">
-                <a:effectLst>
-                  <a:outerShdw blurRad="38100" dist="38100" dir="2700000" algn="tl">
-                    <a:srgbClr val="000000">
-                      <a:alpha val="43137"/>
-                    </a:srgbClr>
-                  </a:outerShdw>
-                </a:effectLst>
-              </a:rPr>
-              <a:t>__proto__ </a:t>
-            </a:r>
-            <a:r>
-              <a:rPr lang="en-US" altLang="zh-CN" sz="3600" dirty="0" smtClean="0"/>
-              <a:t>property which can be either another object or null</a:t>
-            </a:r>
-          </a:p>
-          <a:p>
-            <a:r>
-              <a:rPr lang="en-US" altLang="zh-CN" sz="3600" dirty="0" smtClean="0"/>
-              <a:t>When accessing a property on an object the entire </a:t>
-            </a:r>
-            <a:r>
-              <a:rPr lang="en-US" altLang="zh-CN" sz="3600" dirty="0" smtClean="0">
-                <a:effectLst>
-                  <a:outerShdw blurRad="38100" dist="38100" dir="2700000" algn="tl">
-                    <a:srgbClr val="000000">
-                      <a:alpha val="43137"/>
-                    </a:srgbClr>
-                  </a:outerShdw>
-                </a:effectLst>
-              </a:rPr>
-              <a:t>[[prototype]] chain </a:t>
-            </a:r>
-            <a:r>
-              <a:rPr lang="en-US" altLang="zh-CN" sz="3600" dirty="0" smtClean="0"/>
-              <a:t>is searched</a:t>
-            </a:r>
+        <p:spPr/>
+        <p:txBody>
+          <a:bodyPr/>
+          <a:lstStyle/>
+          <a:p>
+            <a:pPr marL="0" indent="0">
+              <a:buNone/>
+            </a:pPr>
+            <a:r>
+              <a:rPr lang="en-US" altLang="zh-CN" dirty="0"/>
+              <a:t>function foo() {</a:t>
+            </a:r>
+          </a:p>
+          <a:p>
+            <a:pPr marL="0" indent="0">
+              <a:buNone/>
+            </a:pPr>
+            <a:r>
+              <a:rPr lang="en-US" altLang="zh-CN" dirty="0" smtClean="0"/>
+              <a:t>    </a:t>
+            </a:r>
+            <a:r>
+              <a:rPr lang="en-US" altLang="zh-CN" dirty="0" err="1" smtClean="0"/>
+              <a:t>this.bar</a:t>
+            </a:r>
+            <a:r>
+              <a:rPr lang="en-US" altLang="zh-CN" dirty="0"/>
+              <a:t>();</a:t>
+            </a:r>
+          </a:p>
+          <a:p>
+            <a:pPr marL="0" indent="0">
+              <a:buNone/>
+            </a:pPr>
+            <a:r>
+              <a:rPr lang="en-US" altLang="zh-CN" dirty="0"/>
+              <a:t>}; </a:t>
+            </a:r>
+          </a:p>
+          <a:p>
+            <a:pPr marL="0" indent="0">
+              <a:buNone/>
+            </a:pPr>
+            <a:r>
+              <a:rPr lang="en-US" altLang="zh-CN" dirty="0"/>
+              <a:t> </a:t>
+            </a:r>
+          </a:p>
+          <a:p>
+            <a:pPr marL="0" indent="0">
+              <a:buNone/>
+            </a:pPr>
+            <a:r>
+              <a:rPr lang="en-US" altLang="zh-CN" dirty="0" err="1" smtClean="0"/>
+              <a:t>foo.call</a:t>
+            </a:r>
+            <a:r>
+              <a:rPr lang="en-US" altLang="zh-CN" dirty="0" smtClean="0"/>
+              <a:t>(scope</a:t>
+            </a:r>
+            <a:r>
+              <a:rPr lang="en-US" altLang="zh-CN" dirty="0"/>
+              <a:t>, arg1, arg2, ... );</a:t>
+            </a:r>
+          </a:p>
+          <a:p>
+            <a:pPr marL="0" indent="0">
+              <a:buNone/>
+            </a:pPr>
+            <a:r>
+              <a:rPr lang="en-US" altLang="zh-CN" dirty="0" err="1" smtClean="0"/>
+              <a:t>foo.apply</a:t>
+            </a:r>
+            <a:r>
+              <a:rPr lang="en-US" altLang="zh-CN" smtClean="0"/>
+              <a:t>(scope</a:t>
+            </a:r>
+            <a:r>
+              <a:rPr lang="en-US" altLang="zh-CN" dirty="0"/>
+              <a:t>, [arg1, arg2, ...] );</a:t>
+            </a:r>
+            <a:endParaRPr lang="zh-CN" altLang="en-US" dirty="0"/>
           </a:p>
         </p:txBody>
       </p:sp>
     </p:spTree>
     <p:extLst>
       <p:ext uri="{BB962C8B-B14F-4D97-AF65-F5344CB8AC3E}">
-        <p14:creationId xmlns:p14="http://schemas.microsoft.com/office/powerpoint/2010/main" val="2095398027"/>
+        <p14:creationId xmlns:p14="http://schemas.microsoft.com/office/powerpoint/2010/main" val="3383850283"/>
       </p:ext>
     </p:extLst>
   </p:cSld>
@@ -6053,125 +6585,67 @@
             <p:ph idx="1"/>
           </p:nvPr>
         </p:nvSpPr>
-        <p:spPr/>
-        <p:txBody>
-          <a:bodyPr/>
-          <a:lstStyle/>
-          <a:p>
-            <a:pPr marL="0" indent="0">
-              <a:buNone/>
-            </a:pPr>
-            <a:r>
-              <a:rPr lang="en-US" altLang="zh-CN" dirty="0" smtClean="0"/>
-              <a:t>function C(x) { </a:t>
-            </a:r>
-            <a:r>
-              <a:rPr lang="en-US" altLang="zh-CN" dirty="0" err="1" smtClean="0"/>
-              <a:t>this.x</a:t>
-            </a:r>
-            <a:r>
-              <a:rPr lang="en-US" altLang="zh-CN" dirty="0" smtClean="0"/>
-              <a:t> = x; }</a:t>
-            </a:r>
-          </a:p>
-          <a:p>
-            <a:pPr marL="0" indent="0">
-              <a:buNone/>
-            </a:pPr>
-            <a:r>
-              <a:rPr lang="en-US" altLang="zh-CN" dirty="0" err="1" smtClean="0"/>
-              <a:t>C.prototype.f</a:t>
-            </a:r>
-            <a:r>
-              <a:rPr lang="en-US" altLang="zh-CN" dirty="0" smtClean="0"/>
-              <a:t> = function() {</a:t>
-            </a:r>
-          </a:p>
-          <a:p>
-            <a:pPr marL="0" indent="0">
-              <a:buNone/>
-            </a:pPr>
-            <a:r>
-              <a:rPr lang="en-US" altLang="zh-CN" dirty="0" smtClean="0"/>
-              <a:t> return </a:t>
-            </a:r>
-            <a:r>
-              <a:rPr lang="en-US" altLang="zh-CN" dirty="0" err="1" smtClean="0"/>
-              <a:t>this.x</a:t>
-            </a:r>
-            <a:r>
-              <a:rPr lang="en-US" altLang="zh-CN" dirty="0" smtClean="0"/>
-              <a:t>;</a:t>
-            </a:r>
-          </a:p>
-          <a:p>
-            <a:pPr marL="0" indent="0">
-              <a:buNone/>
-            </a:pPr>
-            <a:r>
-              <a:rPr lang="en-US" altLang="zh-CN" dirty="0" smtClean="0"/>
-              <a:t>}</a:t>
-            </a:r>
-          </a:p>
-          <a:p>
-            <a:pPr marL="0" indent="0">
-              <a:buNone/>
-            </a:pPr>
-            <a:r>
-              <a:rPr lang="en-US" altLang="zh-CN" dirty="0" err="1" smtClean="0"/>
-              <a:t>var</a:t>
-            </a:r>
-            <a:r>
-              <a:rPr lang="en-US" altLang="zh-CN" dirty="0" smtClean="0"/>
-              <a:t> o = new C(42);</a:t>
-            </a:r>
-          </a:p>
-          <a:p>
-            <a:pPr marL="0" indent="0">
-              <a:buNone/>
-            </a:pPr>
-            <a:r>
-              <a:rPr lang="en-US" altLang="zh-CN" dirty="0" err="1" smtClean="0"/>
-              <a:t>o.f</a:t>
-            </a:r>
-            <a:r>
-              <a:rPr lang="en-US" altLang="zh-CN" dirty="0" smtClean="0"/>
-              <a:t>(); // Result: 42</a:t>
-            </a:r>
-          </a:p>
-          <a:p>
-            <a:pPr marL="0" indent="0">
-              <a:buNone/>
-            </a:pPr>
-            <a:r>
-              <a:rPr lang="en-US" altLang="zh-CN" dirty="0" err="1" smtClean="0"/>
-              <a:t>var</a:t>
-            </a:r>
-            <a:r>
-              <a:rPr lang="en-US" altLang="zh-CN" dirty="0" smtClean="0"/>
-              <a:t> p = new C(1);</a:t>
-            </a:r>
-          </a:p>
-          <a:p>
-            <a:pPr marL="0" indent="0">
-              <a:buNone/>
-            </a:pPr>
-            <a:r>
-              <a:rPr lang="en-US" altLang="zh-CN" dirty="0" err="1" smtClean="0"/>
-              <a:t>p.f</a:t>
-            </a:r>
-            <a:r>
-              <a:rPr lang="en-US" altLang="zh-CN" dirty="0" smtClean="0"/>
-              <a:t>(); // Result: 1</a:t>
-            </a:r>
-            <a:endParaRPr lang="zh-CN" altLang="en-US" dirty="0" smtClean="0"/>
+        <p:spPr>
+          <a:xfrm>
+            <a:off x="838200" y="1825624"/>
+            <a:ext cx="10515600" cy="4755479"/>
+          </a:xfrm>
+        </p:spPr>
+        <p:txBody>
+          <a:bodyPr>
+            <a:normAutofit/>
+          </a:bodyPr>
+          <a:lstStyle/>
+          <a:p>
+            <a:r>
+              <a:rPr lang="en-US" altLang="zh-CN" sz="3600" dirty="0" smtClean="0"/>
+              <a:t>All objects have a </a:t>
+            </a:r>
+            <a:r>
+              <a:rPr lang="en-US" altLang="zh-CN" sz="3600" dirty="0" smtClean="0">
+                <a:effectLst>
+                  <a:outerShdw blurRad="38100" dist="38100" dir="2700000" algn="tl">
+                    <a:srgbClr val="000000">
+                      <a:alpha val="43137"/>
+                    </a:srgbClr>
+                  </a:outerShdw>
+                </a:effectLst>
+              </a:rPr>
+              <a:t>__proto__ </a:t>
+            </a:r>
+            <a:r>
+              <a:rPr lang="en-US" altLang="zh-CN" sz="3600" dirty="0" smtClean="0"/>
+              <a:t>property which can be either another object or null</a:t>
+            </a:r>
+          </a:p>
+          <a:p>
+            <a:r>
+              <a:rPr lang="en-US" altLang="zh-CN" sz="3600" dirty="0" smtClean="0"/>
+              <a:t>When accessing a property on an object the entire </a:t>
+            </a:r>
+            <a:r>
+              <a:rPr lang="en-US" altLang="zh-CN" sz="3600" dirty="0" smtClean="0">
+                <a:effectLst>
+                  <a:outerShdw blurRad="38100" dist="38100" dir="2700000" algn="tl">
+                    <a:srgbClr val="000000">
+                      <a:alpha val="43137"/>
+                    </a:srgbClr>
+                  </a:outerShdw>
+                </a:effectLst>
+              </a:rPr>
+              <a:t>[[prototype]] chain </a:t>
+            </a:r>
+            <a:r>
+              <a:rPr lang="en-US" altLang="zh-CN" sz="3600" dirty="0" smtClean="0"/>
+              <a:t>is searched</a:t>
+            </a:r>
           </a:p>
         </p:txBody>
       </p:sp>
     </p:spTree>
     <p:extLst>
       <p:ext uri="{BB962C8B-B14F-4D97-AF65-F5344CB8AC3E}">
-        <p14:creationId xmlns:p14="http://schemas.microsoft.com/office/powerpoint/2010/main" val="2849302240"/>
+        <p14:creationId xmlns:p14="http://schemas.microsoft.com/office/powerpoint/2010/main" val="2095398027"/>
       </p:ext>
     </p:extLst>
   </p:cSld>

--- a/JavaScript.pptx
+++ b/JavaScript.pptx
@@ -30,8 +30,15 @@
     <p:sldId id="276" r:id="rId24"/>
     <p:sldId id="262" r:id="rId25"/>
     <p:sldId id="278" r:id="rId26"/>
-    <p:sldId id="280" r:id="rId27"/>
-    <p:sldId id="281" r:id="rId28"/>
+    <p:sldId id="287" r:id="rId27"/>
+    <p:sldId id="288" r:id="rId28"/>
+    <p:sldId id="289" r:id="rId29"/>
+    <p:sldId id="290" r:id="rId30"/>
+    <p:sldId id="280" r:id="rId31"/>
+    <p:sldId id="281" r:id="rId32"/>
+    <p:sldId id="284" r:id="rId33"/>
+    <p:sldId id="285" r:id="rId34"/>
+    <p:sldId id="286" r:id="rId35"/>
   </p:sldIdLst>
   <p:sldSz cx="12192000" cy="6858000"/>
   <p:notesSz cx="6858000" cy="9144000"/>
@@ -269,7 +276,7 @@
           <a:p>
             <a:fld id="{4A3BCC1E-7DA4-4F69-9C98-8B04424DF0E1}" type="datetimeFigureOut">
               <a:rPr lang="zh-CN" altLang="en-US" smtClean="0"/>
-              <a:t>2016/7/5</a:t>
+              <a:t>2016/7/6</a:t>
             </a:fld>
             <a:endParaRPr lang="zh-CN" altLang="en-US"/>
           </a:p>
@@ -439,7 +446,7 @@
           <a:p>
             <a:fld id="{4A3BCC1E-7DA4-4F69-9C98-8B04424DF0E1}" type="datetimeFigureOut">
               <a:rPr lang="zh-CN" altLang="en-US" smtClean="0"/>
-              <a:t>2016/7/5</a:t>
+              <a:t>2016/7/6</a:t>
             </a:fld>
             <a:endParaRPr lang="zh-CN" altLang="en-US"/>
           </a:p>
@@ -619,7 +626,7 @@
           <a:p>
             <a:fld id="{4A3BCC1E-7DA4-4F69-9C98-8B04424DF0E1}" type="datetimeFigureOut">
               <a:rPr lang="zh-CN" altLang="en-US" smtClean="0"/>
-              <a:t>2016/7/5</a:t>
+              <a:t>2016/7/6</a:t>
             </a:fld>
             <a:endParaRPr lang="zh-CN" altLang="en-US"/>
           </a:p>
@@ -789,7 +796,7 @@
           <a:p>
             <a:fld id="{4A3BCC1E-7DA4-4F69-9C98-8B04424DF0E1}" type="datetimeFigureOut">
               <a:rPr lang="zh-CN" altLang="en-US" smtClean="0"/>
-              <a:t>2016/7/5</a:t>
+              <a:t>2016/7/6</a:t>
             </a:fld>
             <a:endParaRPr lang="zh-CN" altLang="en-US"/>
           </a:p>
@@ -1035,7 +1042,7 @@
           <a:p>
             <a:fld id="{4A3BCC1E-7DA4-4F69-9C98-8B04424DF0E1}" type="datetimeFigureOut">
               <a:rPr lang="zh-CN" altLang="en-US" smtClean="0"/>
-              <a:t>2016/7/5</a:t>
+              <a:t>2016/7/6</a:t>
             </a:fld>
             <a:endParaRPr lang="zh-CN" altLang="en-US"/>
           </a:p>
@@ -1267,7 +1274,7 @@
           <a:p>
             <a:fld id="{4A3BCC1E-7DA4-4F69-9C98-8B04424DF0E1}" type="datetimeFigureOut">
               <a:rPr lang="zh-CN" altLang="en-US" smtClean="0"/>
-              <a:t>2016/7/5</a:t>
+              <a:t>2016/7/6</a:t>
             </a:fld>
             <a:endParaRPr lang="zh-CN" altLang="en-US"/>
           </a:p>
@@ -1634,7 +1641,7 @@
           <a:p>
             <a:fld id="{4A3BCC1E-7DA4-4F69-9C98-8B04424DF0E1}" type="datetimeFigureOut">
               <a:rPr lang="zh-CN" altLang="en-US" smtClean="0"/>
-              <a:t>2016/7/5</a:t>
+              <a:t>2016/7/6</a:t>
             </a:fld>
             <a:endParaRPr lang="zh-CN" altLang="en-US"/>
           </a:p>
@@ -1752,7 +1759,7 @@
           <a:p>
             <a:fld id="{4A3BCC1E-7DA4-4F69-9C98-8B04424DF0E1}" type="datetimeFigureOut">
               <a:rPr lang="zh-CN" altLang="en-US" smtClean="0"/>
-              <a:t>2016/7/5</a:t>
+              <a:t>2016/7/6</a:t>
             </a:fld>
             <a:endParaRPr lang="zh-CN" altLang="en-US"/>
           </a:p>
@@ -1847,7 +1854,7 @@
           <a:p>
             <a:fld id="{4A3BCC1E-7DA4-4F69-9C98-8B04424DF0E1}" type="datetimeFigureOut">
               <a:rPr lang="zh-CN" altLang="en-US" smtClean="0"/>
-              <a:t>2016/7/5</a:t>
+              <a:t>2016/7/6</a:t>
             </a:fld>
             <a:endParaRPr lang="zh-CN" altLang="en-US"/>
           </a:p>
@@ -2124,7 +2131,7 @@
           <a:p>
             <a:fld id="{4A3BCC1E-7DA4-4F69-9C98-8B04424DF0E1}" type="datetimeFigureOut">
               <a:rPr lang="zh-CN" altLang="en-US" smtClean="0"/>
-              <a:t>2016/7/5</a:t>
+              <a:t>2016/7/6</a:t>
             </a:fld>
             <a:endParaRPr lang="zh-CN" altLang="en-US"/>
           </a:p>
@@ -2377,7 +2384,7 @@
           <a:p>
             <a:fld id="{4A3BCC1E-7DA4-4F69-9C98-8B04424DF0E1}" type="datetimeFigureOut">
               <a:rPr lang="zh-CN" altLang="en-US" smtClean="0"/>
-              <a:t>2016/7/5</a:t>
+              <a:t>2016/7/6</a:t>
             </a:fld>
             <a:endParaRPr lang="zh-CN" altLang="en-US"/>
           </a:p>
@@ -2590,7 +2597,7 @@
           <a:p>
             <a:fld id="{4A3BCC1E-7DA4-4F69-9C98-8B04424DF0E1}" type="datetimeFigureOut">
               <a:rPr lang="zh-CN" altLang="en-US" smtClean="0"/>
-              <a:t>2016/7/5</a:t>
+              <a:t>2016/7/6</a:t>
             </a:fld>
             <a:endParaRPr lang="zh-CN" altLang="en-US"/>
           </a:p>
@@ -3010,26 +3017,15 @@
           <a:bodyPr/>
           <a:lstStyle/>
           <a:p>
-            <a:endParaRPr lang="zh-CN" altLang="en-US"/>
-          </a:p>
-        </p:txBody>
-      </p:sp>
-      <p:sp>
-        <p:nvSpPr>
-          <p:cNvPr id="3" name="副标题 2"/>
-          <p:cNvSpPr>
-            <a:spLocks noGrp="1"/>
-          </p:cNvSpPr>
-          <p:nvPr>
-            <p:ph type="subTitle" idx="1"/>
-          </p:nvPr>
-        </p:nvSpPr>
-        <p:spPr/>
-        <p:txBody>
-          <a:bodyPr/>
-          <a:lstStyle/>
-          <a:p>
-            <a:endParaRPr lang="zh-CN" altLang="en-US"/>
+            <a:r>
+              <a:rPr lang="zh-CN" altLang="en-US" dirty="0" smtClean="0"/>
+              <a:t>面向对象的</a:t>
+            </a:r>
+            <a:r>
+              <a:rPr lang="en-US" altLang="zh-CN" dirty="0" smtClean="0"/>
+              <a:t>JavaScript</a:t>
+            </a:r>
+            <a:endParaRPr lang="zh-CN" altLang="en-US" dirty="0"/>
           </a:p>
         </p:txBody>
       </p:sp>
@@ -5253,12 +5249,150 @@
         </p:nvSpPr>
         <p:spPr/>
         <p:txBody>
-          <a:bodyPr/>
+          <a:bodyPr>
+            <a:normAutofit lnSpcReduction="10000"/>
+          </a:bodyPr>
           <a:lstStyle/>
           <a:p>
             <a:pPr marL="0" indent="0">
               <a:buNone/>
             </a:pPr>
+            <a:r>
+              <a:rPr lang="en-US" altLang="zh-CN" dirty="0" err="1"/>
+              <a:t>Function.prototype.curry</a:t>
+            </a:r>
+            <a:r>
+              <a:rPr lang="en-US" altLang="zh-CN" dirty="0"/>
+              <a:t> = function() {</a:t>
+            </a:r>
+          </a:p>
+          <a:p>
+            <a:pPr marL="0" indent="0">
+              <a:buNone/>
+            </a:pPr>
+            <a:r>
+              <a:rPr lang="en-US" altLang="zh-CN" dirty="0"/>
+              <a:t>    </a:t>
+            </a:r>
+            <a:r>
+              <a:rPr lang="en-US" altLang="zh-CN" dirty="0" err="1"/>
+              <a:t>var</a:t>
+            </a:r>
+            <a:r>
+              <a:rPr lang="en-US" altLang="zh-CN" dirty="0"/>
+              <a:t> </a:t>
+            </a:r>
+            <a:r>
+              <a:rPr lang="en-US" altLang="zh-CN" dirty="0" err="1"/>
+              <a:t>args</a:t>
+            </a:r>
+            <a:r>
+              <a:rPr lang="en-US" altLang="zh-CN" dirty="0"/>
+              <a:t> = </a:t>
+            </a:r>
+            <a:r>
+              <a:rPr lang="en-US" altLang="zh-CN" dirty="0" err="1"/>
+              <a:t>Array.prototype.slice.apply</a:t>
+            </a:r>
+            <a:r>
+              <a:rPr lang="en-US" altLang="zh-CN" dirty="0"/>
+              <a:t>(arguments);</a:t>
+            </a:r>
+          </a:p>
+          <a:p>
+            <a:pPr marL="0" indent="0">
+              <a:buNone/>
+            </a:pPr>
+            <a:r>
+              <a:rPr lang="en-US" altLang="zh-CN" dirty="0"/>
+              <a:t>    </a:t>
+            </a:r>
+          </a:p>
+          <a:p>
+            <a:pPr marL="0" indent="0">
+              <a:buNone/>
+            </a:pPr>
+            <a:r>
+              <a:rPr lang="en-US" altLang="zh-CN" dirty="0"/>
+              <a:t>    </a:t>
+            </a:r>
+            <a:r>
+              <a:rPr lang="en-US" altLang="zh-CN" dirty="0" err="1"/>
+              <a:t>var</a:t>
+            </a:r>
+            <a:r>
+              <a:rPr lang="en-US" altLang="zh-CN" dirty="0"/>
+              <a:t> __method = this</a:t>
+            </a:r>
+            <a:r>
+              <a:rPr lang="en-US" altLang="zh-CN" dirty="0" smtClean="0"/>
+              <a:t>;</a:t>
+            </a:r>
+            <a:endParaRPr lang="en-US" altLang="zh-CN" dirty="0"/>
+          </a:p>
+          <a:p>
+            <a:pPr marL="0" indent="0">
+              <a:buNone/>
+            </a:pPr>
+            <a:r>
+              <a:rPr lang="en-US" altLang="zh-CN" dirty="0"/>
+              <a:t>    return function() {</a:t>
+            </a:r>
+          </a:p>
+          <a:p>
+            <a:pPr marL="0" indent="0">
+              <a:buNone/>
+            </a:pPr>
+            <a:r>
+              <a:rPr lang="en-US" altLang="zh-CN" dirty="0"/>
+              <a:t>        return __</a:t>
+            </a:r>
+            <a:r>
+              <a:rPr lang="en-US" altLang="zh-CN" dirty="0" err="1"/>
+              <a:t>method.apply</a:t>
+            </a:r>
+            <a:r>
+              <a:rPr lang="en-US" altLang="zh-CN" dirty="0"/>
+              <a:t>(this, </a:t>
+            </a:r>
+            <a:r>
+              <a:rPr lang="en-US" altLang="zh-CN" dirty="0" err="1" smtClean="0"/>
+              <a:t>args.concat</a:t>
+            </a:r>
+            <a:r>
+              <a:rPr lang="en-US" altLang="zh-CN" dirty="0" smtClean="0"/>
+              <a:t>(</a:t>
+            </a:r>
+            <a:r>
+              <a:rPr lang="en-US" altLang="zh-CN" dirty="0" err="1" smtClean="0"/>
+              <a:t>Array.prototype.slice.apply</a:t>
+            </a:r>
+            <a:r>
+              <a:rPr lang="en-US" altLang="zh-CN" dirty="0" smtClean="0"/>
+              <a:t>(arguments</a:t>
+            </a:r>
+            <a:r>
+              <a:rPr lang="en-US" altLang="zh-CN" dirty="0"/>
+              <a:t>)));</a:t>
+            </a:r>
+          </a:p>
+          <a:p>
+            <a:pPr marL="0" indent="0">
+              <a:buNone/>
+            </a:pPr>
+            <a:r>
+              <a:rPr lang="en-US" altLang="zh-CN" dirty="0"/>
+              <a:t>    }</a:t>
+            </a:r>
+          </a:p>
+          <a:p>
+            <a:pPr marL="0" indent="0">
+              <a:buNone/>
+            </a:pPr>
+            <a:r>
+              <a:rPr lang="en-US" altLang="zh-CN" dirty="0"/>
+              <a:t>}</a:t>
+            </a:r>
             <a:endParaRPr lang="zh-CN" altLang="en-US" dirty="0"/>
           </a:p>
         </p:txBody>
@@ -5386,32 +5520,118 @@
           <a:lstStyle/>
           <a:p>
             <a:r>
+              <a:rPr lang="en-US" altLang="zh-CN" dirty="0" smtClean="0"/>
+              <a:t>Function hoisting</a:t>
+            </a:r>
+            <a:endParaRPr lang="zh-CN" altLang="en-US" dirty="0"/>
+          </a:p>
+        </p:txBody>
+      </p:sp>
+      <p:sp>
+        <p:nvSpPr>
+          <p:cNvPr id="3" name="内容占位符 2"/>
+          <p:cNvSpPr>
+            <a:spLocks noGrp="1"/>
+          </p:cNvSpPr>
+          <p:nvPr>
+            <p:ph idx="1"/>
+          </p:nvPr>
+        </p:nvSpPr>
+        <p:spPr/>
+        <p:txBody>
+          <a:bodyPr>
+            <a:normAutofit fontScale="92500" lnSpcReduction="20000"/>
+          </a:bodyPr>
+          <a:lstStyle/>
+          <a:p>
+            <a:pPr marL="0" indent="0">
+              <a:buNone/>
+            </a:pPr>
+            <a:r>
               <a:rPr lang="en-US" altLang="zh-CN" dirty="0"/>
-              <a:t>t</a:t>
-            </a:r>
-            <a:r>
-              <a:rPr lang="en-US" altLang="zh-CN" dirty="0" smtClean="0"/>
-              <a:t>his keyword</a:t>
-            </a:r>
-            <a:endParaRPr lang="zh-CN" altLang="en-US" dirty="0"/>
-          </a:p>
-        </p:txBody>
-      </p:sp>
-      <p:sp>
-        <p:nvSpPr>
-          <p:cNvPr id="3" name="内容占位符 2"/>
-          <p:cNvSpPr>
-            <a:spLocks noGrp="1"/>
-          </p:cNvSpPr>
-          <p:nvPr>
-            <p:ph idx="1"/>
-          </p:nvPr>
-        </p:nvSpPr>
-        <p:spPr/>
-        <p:txBody>
-          <a:bodyPr/>
-          <a:lstStyle/>
-          <a:p>
+              <a:t>function foo(){</a:t>
+            </a:r>
+          </a:p>
+          <a:p>
+            <a:pPr marL="0" indent="0">
+              <a:buNone/>
+            </a:pPr>
+            <a:r>
+              <a:rPr lang="en-US" altLang="zh-CN" dirty="0"/>
+              <a:t>    function bar() {</a:t>
+            </a:r>
+          </a:p>
+          <a:p>
+            <a:pPr marL="0" indent="0">
+              <a:buNone/>
+            </a:pPr>
+            <a:r>
+              <a:rPr lang="en-US" altLang="zh-CN" dirty="0"/>
+              <a:t>        return 3;</a:t>
+            </a:r>
+          </a:p>
+          <a:p>
+            <a:pPr marL="0" indent="0">
+              <a:buNone/>
+            </a:pPr>
+            <a:r>
+              <a:rPr lang="en-US" altLang="zh-CN" dirty="0"/>
+              <a:t>    }</a:t>
+            </a:r>
+          </a:p>
+          <a:p>
+            <a:pPr marL="0" indent="0">
+              <a:buNone/>
+            </a:pPr>
+            <a:r>
+              <a:rPr lang="en-US" altLang="zh-CN" dirty="0"/>
+              <a:t>    return bar();</a:t>
+            </a:r>
+          </a:p>
+          <a:p>
+            <a:pPr marL="0" indent="0">
+              <a:buNone/>
+            </a:pPr>
+            <a:r>
+              <a:rPr lang="en-US" altLang="zh-CN" dirty="0"/>
+              <a:t>    function bar() {</a:t>
+            </a:r>
+          </a:p>
+          <a:p>
+            <a:pPr marL="0" indent="0">
+              <a:buNone/>
+            </a:pPr>
+            <a:r>
+              <a:rPr lang="en-US" altLang="zh-CN" dirty="0"/>
+              <a:t>        return 8;</a:t>
+            </a:r>
+          </a:p>
+          <a:p>
+            <a:pPr marL="0" indent="0">
+              <a:buNone/>
+            </a:pPr>
+            <a:r>
+              <a:rPr lang="en-US" altLang="zh-CN" dirty="0"/>
+              <a:t>    }</a:t>
+            </a:r>
+          </a:p>
+          <a:p>
+            <a:pPr marL="0" indent="0">
+              <a:buNone/>
+            </a:pPr>
+            <a:r>
+              <a:rPr lang="en-US" altLang="zh-CN" dirty="0"/>
+              <a:t>}</a:t>
+            </a:r>
+          </a:p>
+          <a:p>
+            <a:pPr marL="0" indent="0">
+              <a:buNone/>
+            </a:pPr>
+            <a:r>
+              <a:rPr lang="en-US" altLang="zh-CN" dirty="0"/>
+              <a:t>alert(foo());</a:t>
+            </a:r>
             <a:endParaRPr lang="zh-CN" altLang="en-US" dirty="0"/>
           </a:p>
         </p:txBody>
@@ -5419,7 +5639,7 @@
     </p:spTree>
     <p:extLst>
       <p:ext uri="{BB962C8B-B14F-4D97-AF65-F5344CB8AC3E}">
-        <p14:creationId xmlns:p14="http://schemas.microsoft.com/office/powerpoint/2010/main" val="412349578"/>
+        <p14:creationId xmlns:p14="http://schemas.microsoft.com/office/powerpoint/2010/main" val="3761971431"/>
       </p:ext>
     </p:extLst>
   </p:cSld>
@@ -5463,7 +5683,7 @@
           <a:p>
             <a:r>
               <a:rPr lang="en-US" altLang="zh-CN" dirty="0" smtClean="0"/>
-              <a:t>If and “==”</a:t>
+              <a:t>Function hoisting</a:t>
             </a:r>
             <a:endParaRPr lang="zh-CN" altLang="en-US" dirty="0"/>
           </a:p>
@@ -5481,121 +5701,479 @@
         </p:nvSpPr>
         <p:spPr/>
         <p:txBody>
-          <a:bodyPr/>
+          <a:bodyPr>
+            <a:normAutofit fontScale="92500" lnSpcReduction="20000"/>
+          </a:bodyPr>
           <a:lstStyle/>
           <a:p>
-            <a:pPr lvl="0">
-              <a:buNone/>
-            </a:pPr>
-            <a:r>
-              <a:rPr lang="en" altLang="zh-CN" dirty="0"/>
-              <a:t>The following values are falsy</a:t>
-            </a:r>
-          </a:p>
-          <a:p>
-            <a:pPr marL="914400" lvl="1" indent="-381000">
-              <a:buClr>
-                <a:schemeClr val="dk2"/>
-              </a:buClr>
-              <a:buSzPct val="80000"/>
-              <a:buFont typeface="Courier New"/>
-              <a:buChar char="o"/>
-            </a:pPr>
-            <a:r>
-              <a:rPr lang="en" altLang="zh-CN" dirty="0"/>
-              <a:t>false</a:t>
-            </a:r>
-          </a:p>
-          <a:p>
-            <a:pPr marL="914400" lvl="1" indent="-381000">
-              <a:buClr>
-                <a:schemeClr val="dk2"/>
-              </a:buClr>
-              <a:buSzPct val="80000"/>
-              <a:buFont typeface="Courier New"/>
-              <a:buChar char="o"/>
-            </a:pPr>
-            <a:r>
-              <a:rPr lang="en" altLang="zh-CN" dirty="0"/>
-              <a:t>0 (zero)</a:t>
-            </a:r>
-          </a:p>
-          <a:p>
-            <a:pPr marL="914400" lvl="1" indent="-381000">
-              <a:buClr>
-                <a:schemeClr val="dk2"/>
-              </a:buClr>
-              <a:buSzPct val="80000"/>
-              <a:buFont typeface="Courier New"/>
-              <a:buChar char="o"/>
-            </a:pPr>
-            <a:r>
-              <a:rPr lang="en" altLang="zh-CN" dirty="0"/>
-              <a:t>“” (empty string”)</a:t>
-            </a:r>
-          </a:p>
-          <a:p>
-            <a:pPr marL="914400" lvl="1" indent="-381000">
-              <a:buClr>
-                <a:schemeClr val="dk2"/>
-              </a:buClr>
-              <a:buSzPct val="80000"/>
-              <a:buFont typeface="Courier New"/>
-              <a:buChar char="o"/>
-            </a:pPr>
-            <a:r>
-              <a:rPr lang="en" altLang="zh-CN" dirty="0"/>
-              <a:t>null</a:t>
-            </a:r>
-          </a:p>
-          <a:p>
-            <a:pPr marL="914400" lvl="1" indent="-381000">
-              <a:buClr>
-                <a:schemeClr val="dk2"/>
-              </a:buClr>
-              <a:buSzPct val="80000"/>
-              <a:buFont typeface="Courier New"/>
-              <a:buChar char="o"/>
-            </a:pPr>
-            <a:r>
-              <a:rPr lang="en" altLang="zh-CN" dirty="0"/>
-              <a:t>undefined</a:t>
-            </a:r>
-          </a:p>
-          <a:p>
-            <a:pPr marL="914400" lvl="1" indent="-381000">
-              <a:buClr>
-                <a:schemeClr val="dk2"/>
-              </a:buClr>
-              <a:buSzPct val="80000"/>
-              <a:buFont typeface="Courier New"/>
-              <a:buChar char="o"/>
-            </a:pPr>
-            <a:r>
-              <a:rPr lang="en" altLang="zh-CN" dirty="0"/>
-              <a:t>NaN (not a number)</a:t>
-            </a:r>
-          </a:p>
-          <a:p>
-            <a:pPr lvl="0">
-              <a:buNone/>
-            </a:pPr>
-            <a:r>
-              <a:rPr lang="en" altLang="zh-CN" dirty="0"/>
-              <a:t>Everything else is </a:t>
-            </a:r>
-            <a:r>
-              <a:rPr lang="en" altLang="zh-CN" dirty="0" smtClean="0"/>
-              <a:t>truthy</a:t>
-            </a:r>
-            <a:endParaRPr lang="en" altLang="zh-CN" dirty="0"/>
+            <a:pPr marL="0" indent="0">
+              <a:buNone/>
+            </a:pPr>
+            <a:r>
+              <a:rPr lang="en-US" altLang="zh-CN" dirty="0"/>
+              <a:t>function foo(){</a:t>
+            </a:r>
+          </a:p>
+          <a:p>
+            <a:pPr marL="0" indent="0">
+              <a:buNone/>
+            </a:pPr>
+            <a:r>
+              <a:rPr lang="en-US" altLang="zh-CN" dirty="0"/>
+              <a:t>    </a:t>
+            </a:r>
+            <a:r>
+              <a:rPr lang="en-US" altLang="zh-CN" dirty="0" err="1"/>
+              <a:t>var</a:t>
+            </a:r>
+            <a:r>
+              <a:rPr lang="en-US" altLang="zh-CN" dirty="0"/>
+              <a:t> bar = function() {</a:t>
+            </a:r>
+          </a:p>
+          <a:p>
+            <a:pPr marL="0" indent="0">
+              <a:buNone/>
+            </a:pPr>
+            <a:r>
+              <a:rPr lang="en-US" altLang="zh-CN" dirty="0"/>
+              <a:t>        return 3;</a:t>
+            </a:r>
+          </a:p>
+          <a:p>
+            <a:pPr marL="0" indent="0">
+              <a:buNone/>
+            </a:pPr>
+            <a:r>
+              <a:rPr lang="en-US" altLang="zh-CN" dirty="0"/>
+              <a:t>    };</a:t>
+            </a:r>
+          </a:p>
+          <a:p>
+            <a:pPr marL="0" indent="0">
+              <a:buNone/>
+            </a:pPr>
+            <a:r>
+              <a:rPr lang="en-US" altLang="zh-CN" dirty="0"/>
+              <a:t>    return bar();</a:t>
+            </a:r>
+          </a:p>
+          <a:p>
+            <a:pPr marL="0" indent="0">
+              <a:buNone/>
+            </a:pPr>
+            <a:r>
+              <a:rPr lang="en-US" altLang="zh-CN" dirty="0"/>
+              <a:t>    </a:t>
+            </a:r>
+            <a:r>
+              <a:rPr lang="en-US" altLang="zh-CN" dirty="0" err="1"/>
+              <a:t>var</a:t>
+            </a:r>
+            <a:r>
+              <a:rPr lang="en-US" altLang="zh-CN" dirty="0"/>
+              <a:t> bar = function() {</a:t>
+            </a:r>
+          </a:p>
+          <a:p>
+            <a:pPr marL="0" indent="0">
+              <a:buNone/>
+            </a:pPr>
+            <a:r>
+              <a:rPr lang="en-US" altLang="zh-CN" dirty="0"/>
+              <a:t>        return 8;</a:t>
+            </a:r>
+          </a:p>
+          <a:p>
+            <a:pPr marL="0" indent="0">
+              <a:buNone/>
+            </a:pPr>
+            <a:r>
+              <a:rPr lang="en-US" altLang="zh-CN" dirty="0"/>
+              <a:t>    };</a:t>
+            </a:r>
+          </a:p>
+          <a:p>
+            <a:pPr marL="0" indent="0">
+              <a:buNone/>
+            </a:pPr>
+            <a:r>
+              <a:rPr lang="en-US" altLang="zh-CN" dirty="0"/>
+              <a:t>}</a:t>
+            </a:r>
+          </a:p>
+          <a:p>
+            <a:pPr marL="0" indent="0">
+              <a:buNone/>
+            </a:pPr>
+            <a:r>
+              <a:rPr lang="en-US" altLang="zh-CN" dirty="0"/>
+              <a:t>alert(foo());</a:t>
+            </a:r>
+            <a:endParaRPr lang="zh-CN" altLang="en-US" dirty="0"/>
           </a:p>
         </p:txBody>
       </p:sp>
     </p:spTree>
     <p:extLst>
       <p:ext uri="{BB962C8B-B14F-4D97-AF65-F5344CB8AC3E}">
-        <p14:creationId xmlns:p14="http://schemas.microsoft.com/office/powerpoint/2010/main" val="1319081848"/>
+        <p14:creationId xmlns:p14="http://schemas.microsoft.com/office/powerpoint/2010/main" val="3559179306"/>
+      </p:ext>
+    </p:extLst>
+  </p:cSld>
+  <p:clrMapOvr>
+    <a:masterClrMapping/>
+  </p:clrMapOvr>
+</p:sld>
+</file>
+
+<file path=ppt/slides/slide28.xml><?xml version="1.0" encoding="utf-8"?>
+<p:sld xmlns:a="http://schemas.openxmlformats.org/drawingml/2006/main" xmlns:r="http://schemas.openxmlformats.org/officeDocument/2006/relationships" xmlns:p="http://schemas.openxmlformats.org/presentationml/2006/main">
+  <p:cSld>
+    <p:spTree>
+      <p:nvGrpSpPr>
+        <p:cNvPr id="1" name=""/>
+        <p:cNvGrpSpPr/>
+        <p:nvPr/>
+      </p:nvGrpSpPr>
+      <p:grpSpPr>
+        <a:xfrm>
+          <a:off x="0" y="0"/>
+          <a:ext cx="0" cy="0"/>
+          <a:chOff x="0" y="0"/>
+          <a:chExt cx="0" cy="0"/>
+        </a:xfrm>
+      </p:grpSpPr>
+      <p:sp>
+        <p:nvSpPr>
+          <p:cNvPr id="2" name="标题 1"/>
+          <p:cNvSpPr>
+            <a:spLocks noGrp="1"/>
+          </p:cNvSpPr>
+          <p:nvPr>
+            <p:ph type="title"/>
+          </p:nvPr>
+        </p:nvSpPr>
+        <p:spPr/>
+        <p:txBody>
+          <a:bodyPr/>
+          <a:lstStyle/>
+          <a:p>
+            <a:r>
+              <a:rPr lang="en-US" altLang="zh-CN" dirty="0" smtClean="0"/>
+              <a:t>Function hoisting</a:t>
+            </a:r>
+            <a:endParaRPr lang="zh-CN" altLang="en-US" dirty="0"/>
+          </a:p>
+        </p:txBody>
+      </p:sp>
+      <p:sp>
+        <p:nvSpPr>
+          <p:cNvPr id="3" name="内容占位符 2"/>
+          <p:cNvSpPr>
+            <a:spLocks noGrp="1"/>
+          </p:cNvSpPr>
+          <p:nvPr>
+            <p:ph idx="1"/>
+          </p:nvPr>
+        </p:nvSpPr>
+        <p:spPr/>
+        <p:txBody>
+          <a:bodyPr>
+            <a:normAutofit fontScale="92500" lnSpcReduction="20000"/>
+          </a:bodyPr>
+          <a:lstStyle/>
+          <a:p>
+            <a:pPr marL="0" indent="0">
+              <a:buNone/>
+            </a:pPr>
+            <a:r>
+              <a:rPr lang="en-US" altLang="zh-CN" dirty="0"/>
+              <a:t>alert(foo());</a:t>
+            </a:r>
+          </a:p>
+          <a:p>
+            <a:pPr marL="0" indent="0">
+              <a:buNone/>
+            </a:pPr>
+            <a:r>
+              <a:rPr lang="en-US" altLang="zh-CN" dirty="0"/>
+              <a:t>function foo(){</a:t>
+            </a:r>
+          </a:p>
+          <a:p>
+            <a:pPr marL="0" indent="0">
+              <a:buNone/>
+            </a:pPr>
+            <a:r>
+              <a:rPr lang="en-US" altLang="zh-CN" dirty="0"/>
+              <a:t>    </a:t>
+            </a:r>
+            <a:r>
+              <a:rPr lang="en-US" altLang="zh-CN" dirty="0" err="1"/>
+              <a:t>var</a:t>
+            </a:r>
+            <a:r>
+              <a:rPr lang="en-US" altLang="zh-CN" dirty="0"/>
+              <a:t> bar = function() {</a:t>
+            </a:r>
+          </a:p>
+          <a:p>
+            <a:pPr marL="0" indent="0">
+              <a:buNone/>
+            </a:pPr>
+            <a:r>
+              <a:rPr lang="en-US" altLang="zh-CN" dirty="0"/>
+              <a:t>        return 3;</a:t>
+            </a:r>
+          </a:p>
+          <a:p>
+            <a:pPr marL="0" indent="0">
+              <a:buNone/>
+            </a:pPr>
+            <a:r>
+              <a:rPr lang="en-US" altLang="zh-CN" dirty="0"/>
+              <a:t>    };</a:t>
+            </a:r>
+          </a:p>
+          <a:p>
+            <a:pPr marL="0" indent="0">
+              <a:buNone/>
+            </a:pPr>
+            <a:r>
+              <a:rPr lang="en-US" altLang="zh-CN" dirty="0"/>
+              <a:t>    return bar();</a:t>
+            </a:r>
+          </a:p>
+          <a:p>
+            <a:pPr marL="0" indent="0">
+              <a:buNone/>
+            </a:pPr>
+            <a:r>
+              <a:rPr lang="en-US" altLang="zh-CN" dirty="0"/>
+              <a:t>    </a:t>
+            </a:r>
+            <a:r>
+              <a:rPr lang="en-US" altLang="zh-CN" dirty="0" err="1"/>
+              <a:t>var</a:t>
+            </a:r>
+            <a:r>
+              <a:rPr lang="en-US" altLang="zh-CN" dirty="0"/>
+              <a:t> bar = function() {</a:t>
+            </a:r>
+          </a:p>
+          <a:p>
+            <a:pPr marL="0" indent="0">
+              <a:buNone/>
+            </a:pPr>
+            <a:r>
+              <a:rPr lang="en-US" altLang="zh-CN" dirty="0"/>
+              <a:t>        return 8;</a:t>
+            </a:r>
+          </a:p>
+          <a:p>
+            <a:pPr marL="0" indent="0">
+              <a:buNone/>
+            </a:pPr>
+            <a:r>
+              <a:rPr lang="en-US" altLang="zh-CN" dirty="0"/>
+              <a:t>    };</a:t>
+            </a:r>
+          </a:p>
+          <a:p>
+            <a:pPr marL="0" indent="0">
+              <a:buNone/>
+            </a:pPr>
+            <a:r>
+              <a:rPr lang="en-US" altLang="zh-CN" dirty="0"/>
+              <a:t>}</a:t>
+            </a:r>
+            <a:endParaRPr lang="zh-CN" altLang="en-US" dirty="0"/>
+          </a:p>
+        </p:txBody>
+      </p:sp>
+    </p:spTree>
+    <p:extLst>
+      <p:ext uri="{BB962C8B-B14F-4D97-AF65-F5344CB8AC3E}">
+        <p14:creationId xmlns:p14="http://schemas.microsoft.com/office/powerpoint/2010/main" val="2462918122"/>
+      </p:ext>
+    </p:extLst>
+  </p:cSld>
+  <p:clrMapOvr>
+    <a:masterClrMapping/>
+  </p:clrMapOvr>
+</p:sld>
+</file>
+
+<file path=ppt/slides/slide29.xml><?xml version="1.0" encoding="utf-8"?>
+<p:sld xmlns:a="http://schemas.openxmlformats.org/drawingml/2006/main" xmlns:r="http://schemas.openxmlformats.org/officeDocument/2006/relationships" xmlns:p="http://schemas.openxmlformats.org/presentationml/2006/main">
+  <p:cSld>
+    <p:spTree>
+      <p:nvGrpSpPr>
+        <p:cNvPr id="1" name=""/>
+        <p:cNvGrpSpPr/>
+        <p:nvPr/>
+      </p:nvGrpSpPr>
+      <p:grpSpPr>
+        <a:xfrm>
+          <a:off x="0" y="0"/>
+          <a:ext cx="0" cy="0"/>
+          <a:chOff x="0" y="0"/>
+          <a:chExt cx="0" cy="0"/>
+        </a:xfrm>
+      </p:grpSpPr>
+      <p:sp>
+        <p:nvSpPr>
+          <p:cNvPr id="2" name="标题 1"/>
+          <p:cNvSpPr>
+            <a:spLocks noGrp="1"/>
+          </p:cNvSpPr>
+          <p:nvPr>
+            <p:ph type="title"/>
+          </p:nvPr>
+        </p:nvSpPr>
+        <p:spPr/>
+        <p:txBody>
+          <a:bodyPr/>
+          <a:lstStyle/>
+          <a:p>
+            <a:r>
+              <a:rPr lang="en-US" altLang="zh-CN" dirty="0" smtClean="0"/>
+              <a:t>Function hoisting</a:t>
+            </a:r>
+            <a:endParaRPr lang="zh-CN" altLang="en-US" dirty="0"/>
+          </a:p>
+        </p:txBody>
+      </p:sp>
+      <p:sp>
+        <p:nvSpPr>
+          <p:cNvPr id="3" name="内容占位符 2"/>
+          <p:cNvSpPr>
+            <a:spLocks noGrp="1"/>
+          </p:cNvSpPr>
+          <p:nvPr>
+            <p:ph idx="1"/>
+          </p:nvPr>
+        </p:nvSpPr>
+        <p:spPr/>
+        <p:txBody>
+          <a:bodyPr>
+            <a:normAutofit fontScale="92500" lnSpcReduction="20000"/>
+          </a:bodyPr>
+          <a:lstStyle/>
+          <a:p>
+            <a:pPr marL="0" indent="0">
+              <a:buNone/>
+            </a:pPr>
+            <a:r>
+              <a:rPr lang="en-US" altLang="zh-CN" dirty="0"/>
+              <a:t>function foo(){</a:t>
+            </a:r>
+          </a:p>
+          <a:p>
+            <a:pPr marL="0" indent="0">
+              <a:buNone/>
+            </a:pPr>
+            <a:r>
+              <a:rPr lang="en-US" altLang="zh-CN" dirty="0"/>
+              <a:t>    return bar();</a:t>
+            </a:r>
+          </a:p>
+          <a:p>
+            <a:pPr marL="0" indent="0">
+              <a:buNone/>
+            </a:pPr>
+            <a:r>
+              <a:rPr lang="en-US" altLang="zh-CN" dirty="0"/>
+              <a:t>    </a:t>
+            </a:r>
+            <a:r>
+              <a:rPr lang="en-US" altLang="zh-CN" dirty="0" err="1"/>
+              <a:t>var</a:t>
+            </a:r>
+            <a:r>
+              <a:rPr lang="en-US" altLang="zh-CN" dirty="0"/>
+              <a:t> bar = function() {</a:t>
+            </a:r>
+          </a:p>
+          <a:p>
+            <a:pPr marL="0" indent="0">
+              <a:buNone/>
+            </a:pPr>
+            <a:r>
+              <a:rPr lang="en-US" altLang="zh-CN" dirty="0"/>
+              <a:t>        return 3;</a:t>
+            </a:r>
+          </a:p>
+          <a:p>
+            <a:pPr marL="0" indent="0">
+              <a:buNone/>
+            </a:pPr>
+            <a:r>
+              <a:rPr lang="en-US" altLang="zh-CN" dirty="0"/>
+              <a:t>    };</a:t>
+            </a:r>
+          </a:p>
+          <a:p>
+            <a:pPr marL="0" indent="0">
+              <a:buNone/>
+            </a:pPr>
+            <a:r>
+              <a:rPr lang="en-US" altLang="zh-CN" dirty="0"/>
+              <a:t>    </a:t>
+            </a:r>
+            <a:r>
+              <a:rPr lang="en-US" altLang="zh-CN" dirty="0" err="1"/>
+              <a:t>var</a:t>
+            </a:r>
+            <a:r>
+              <a:rPr lang="en-US" altLang="zh-CN" dirty="0"/>
+              <a:t> bar = function() {</a:t>
+            </a:r>
+          </a:p>
+          <a:p>
+            <a:pPr marL="0" indent="0">
+              <a:buNone/>
+            </a:pPr>
+            <a:r>
+              <a:rPr lang="en-US" altLang="zh-CN" dirty="0"/>
+              <a:t>        return 8;</a:t>
+            </a:r>
+          </a:p>
+          <a:p>
+            <a:pPr marL="0" indent="0">
+              <a:buNone/>
+            </a:pPr>
+            <a:r>
+              <a:rPr lang="en-US" altLang="zh-CN" dirty="0"/>
+              <a:t>    };</a:t>
+            </a:r>
+          </a:p>
+          <a:p>
+            <a:pPr marL="0" indent="0">
+              <a:buNone/>
+            </a:pPr>
+            <a:r>
+              <a:rPr lang="en-US" altLang="zh-CN" dirty="0"/>
+              <a:t>}</a:t>
+            </a:r>
+          </a:p>
+          <a:p>
+            <a:pPr marL="0" indent="0">
+              <a:buNone/>
+            </a:pPr>
+            <a:r>
+              <a:rPr lang="en-US" altLang="zh-CN" dirty="0"/>
+              <a:t>alert(foo());</a:t>
+            </a:r>
+            <a:endParaRPr lang="zh-CN" altLang="en-US" dirty="0"/>
+          </a:p>
+        </p:txBody>
+      </p:sp>
+    </p:spTree>
+    <p:extLst>
+      <p:ext uri="{BB962C8B-B14F-4D97-AF65-F5344CB8AC3E}">
+        <p14:creationId xmlns:p14="http://schemas.microsoft.com/office/powerpoint/2010/main" val="2639215744"/>
       </p:ext>
     </p:extLst>
   </p:cSld>
@@ -5729,6 +6307,3301 @@
 </p:sld>
 </file>
 
+<file path=ppt/slides/slide30.xml><?xml version="1.0" encoding="utf-8"?>
+<p:sld xmlns:a="http://schemas.openxmlformats.org/drawingml/2006/main" xmlns:r="http://schemas.openxmlformats.org/officeDocument/2006/relationships" xmlns:p="http://schemas.openxmlformats.org/presentationml/2006/main">
+  <p:cSld>
+    <p:spTree>
+      <p:nvGrpSpPr>
+        <p:cNvPr id="1" name=""/>
+        <p:cNvGrpSpPr/>
+        <p:nvPr/>
+      </p:nvGrpSpPr>
+      <p:grpSpPr>
+        <a:xfrm>
+          <a:off x="0" y="0"/>
+          <a:ext cx="0" cy="0"/>
+          <a:chOff x="0" y="0"/>
+          <a:chExt cx="0" cy="0"/>
+        </a:xfrm>
+      </p:grpSpPr>
+      <p:sp>
+        <p:nvSpPr>
+          <p:cNvPr id="2" name="标题 1"/>
+          <p:cNvSpPr>
+            <a:spLocks noGrp="1"/>
+          </p:cNvSpPr>
+          <p:nvPr>
+            <p:ph type="title"/>
+          </p:nvPr>
+        </p:nvSpPr>
+        <p:spPr/>
+        <p:txBody>
+          <a:bodyPr/>
+          <a:lstStyle/>
+          <a:p>
+            <a:r>
+              <a:rPr lang="en-US" altLang="zh-CN" dirty="0"/>
+              <a:t>t</a:t>
+            </a:r>
+            <a:r>
+              <a:rPr lang="en-US" altLang="zh-CN" dirty="0" smtClean="0"/>
+              <a:t>his keyword</a:t>
+            </a:r>
+            <a:endParaRPr lang="zh-CN" altLang="en-US" dirty="0"/>
+          </a:p>
+        </p:txBody>
+      </p:sp>
+      <p:graphicFrame>
+        <p:nvGraphicFramePr>
+          <p:cNvPr id="4" name="内容占位符 3"/>
+          <p:cNvGraphicFramePr>
+            <a:graphicFrameLocks noGrp="1"/>
+          </p:cNvGraphicFramePr>
+          <p:nvPr>
+            <p:ph idx="1"/>
+            <p:extLst>
+              <p:ext uri="{D42A27DB-BD31-4B8C-83A1-F6EECF244321}">
+                <p14:modId xmlns:p14="http://schemas.microsoft.com/office/powerpoint/2010/main" val="3640083195"/>
+              </p:ext>
+            </p:extLst>
+          </p:nvPr>
+        </p:nvGraphicFramePr>
+        <p:xfrm>
+          <a:off x="3431023" y="1553669"/>
+          <a:ext cx="5033246" cy="4623293"/>
+        </p:xfrm>
+        <a:graphic>
+          <a:graphicData uri="http://schemas.openxmlformats.org/drawingml/2006/table">
+            <a:tbl>
+              <a:tblPr/>
+              <a:tblGrid>
+                <a:gridCol w="838875"/>
+                <a:gridCol w="2330206"/>
+                <a:gridCol w="1864165"/>
+              </a:tblGrid>
+              <a:tr h="668367">
+                <a:tc>
+                  <a:txBody>
+                    <a:bodyPr/>
+                    <a:lstStyle/>
+                    <a:p>
+                      <a:pPr algn="l" fontAlgn="ctr"/>
+                      <a:r>
+                        <a:rPr lang="en-US" sz="1100" b="1" i="1">
+                          <a:effectLst/>
+                        </a:rPr>
+                        <a:t>Execution Context</a:t>
+                      </a:r>
+                    </a:p>
+                  </a:txBody>
+                  <a:tcPr marL="118243" marR="59121" marT="59121" marB="59121" anchor="ctr">
+                    <a:lnL w="9525" cap="flat" cmpd="sng" algn="ctr">
+                      <a:solidFill>
+                        <a:srgbClr val="DDDDDD"/>
+                      </a:solidFill>
+                      <a:prstDash val="solid"/>
+                      <a:round/>
+                      <a:headEnd type="none" w="med" len="med"/>
+                      <a:tailEnd type="none" w="med" len="med"/>
+                    </a:lnL>
+                    <a:lnR w="9525" cap="flat" cmpd="sng" algn="ctr">
+                      <a:solidFill>
+                        <a:srgbClr val="DDDDDD"/>
+                      </a:solidFill>
+                      <a:prstDash val="solid"/>
+                      <a:round/>
+                      <a:headEnd type="none" w="med" len="med"/>
+                      <a:tailEnd type="none" w="med" len="med"/>
+                    </a:lnR>
+                    <a:lnT>
+                      <a:noFill/>
+                    </a:lnT>
+                    <a:lnB w="9525" cap="flat" cmpd="sng" algn="ctr">
+                      <a:solidFill>
+                        <a:srgbClr val="DDDDDD"/>
+                      </a:solidFill>
+                      <a:prstDash val="solid"/>
+                      <a:round/>
+                      <a:headEnd type="none" w="med" len="med"/>
+                      <a:tailEnd type="none" w="med" len="med"/>
+                    </a:lnB>
+                    <a:solidFill>
+                      <a:srgbClr val="AAAAAA"/>
+                    </a:solidFill>
+                  </a:tcPr>
+                </a:tc>
+                <a:tc>
+                  <a:txBody>
+                    <a:bodyPr/>
+                    <a:lstStyle/>
+                    <a:p>
+                      <a:pPr algn="l" fontAlgn="ctr"/>
+                      <a:r>
+                        <a:rPr lang="en-US" sz="1100" b="1" i="1">
+                          <a:effectLst/>
+                        </a:rPr>
+                        <a:t>Syntax of function call</a:t>
+                      </a:r>
+                    </a:p>
+                  </a:txBody>
+                  <a:tcPr marL="118243" marR="59121" marT="59121" marB="59121" anchor="ctr">
+                    <a:lnL w="9525" cap="flat" cmpd="sng" algn="ctr">
+                      <a:solidFill>
+                        <a:srgbClr val="DDDDDD"/>
+                      </a:solidFill>
+                      <a:prstDash val="solid"/>
+                      <a:round/>
+                      <a:headEnd type="none" w="med" len="med"/>
+                      <a:tailEnd type="none" w="med" len="med"/>
+                    </a:lnL>
+                    <a:lnR w="9525" cap="flat" cmpd="sng" algn="ctr">
+                      <a:solidFill>
+                        <a:srgbClr val="DDDDDD"/>
+                      </a:solidFill>
+                      <a:prstDash val="solid"/>
+                      <a:round/>
+                      <a:headEnd type="none" w="med" len="med"/>
+                      <a:tailEnd type="none" w="med" len="med"/>
+                    </a:lnR>
+                    <a:lnT>
+                      <a:noFill/>
+                    </a:lnT>
+                    <a:lnB w="9525" cap="flat" cmpd="sng" algn="ctr">
+                      <a:solidFill>
+                        <a:srgbClr val="DDDDDD"/>
+                      </a:solidFill>
+                      <a:prstDash val="solid"/>
+                      <a:round/>
+                      <a:headEnd type="none" w="med" len="med"/>
+                      <a:tailEnd type="none" w="med" len="med"/>
+                    </a:lnB>
+                    <a:solidFill>
+                      <a:srgbClr val="AAAAAA"/>
+                    </a:solidFill>
+                  </a:tcPr>
+                </a:tc>
+                <a:tc>
+                  <a:txBody>
+                    <a:bodyPr/>
+                    <a:lstStyle/>
+                    <a:p>
+                      <a:pPr algn="l" fontAlgn="ctr"/>
+                      <a:r>
+                        <a:rPr lang="en-US" sz="1100" b="1" i="1">
+                          <a:effectLst/>
+                        </a:rPr>
+                        <a:t>Value of this</a:t>
+                      </a:r>
+                    </a:p>
+                  </a:txBody>
+                  <a:tcPr marL="118243" marR="59121" marT="59121" marB="59121" anchor="ctr">
+                    <a:lnL w="9525" cap="flat" cmpd="sng" algn="ctr">
+                      <a:solidFill>
+                        <a:srgbClr val="DDDDDD"/>
+                      </a:solidFill>
+                      <a:prstDash val="solid"/>
+                      <a:round/>
+                      <a:headEnd type="none" w="med" len="med"/>
+                      <a:tailEnd type="none" w="med" len="med"/>
+                    </a:lnL>
+                    <a:lnR w="9525" cap="flat" cmpd="sng" algn="ctr">
+                      <a:solidFill>
+                        <a:srgbClr val="DDDDDD"/>
+                      </a:solidFill>
+                      <a:prstDash val="solid"/>
+                      <a:round/>
+                      <a:headEnd type="none" w="med" len="med"/>
+                      <a:tailEnd type="none" w="med" len="med"/>
+                    </a:lnR>
+                    <a:lnT>
+                      <a:noFill/>
+                    </a:lnT>
+                    <a:lnB w="9525" cap="flat" cmpd="sng" algn="ctr">
+                      <a:solidFill>
+                        <a:srgbClr val="DDDDDD"/>
+                      </a:solidFill>
+                      <a:prstDash val="solid"/>
+                      <a:round/>
+                      <a:headEnd type="none" w="med" len="med"/>
+                      <a:tailEnd type="none" w="med" len="med"/>
+                    </a:lnB>
+                    <a:solidFill>
+                      <a:srgbClr val="AAAAAA"/>
+                    </a:solidFill>
+                  </a:tcPr>
+                </a:tc>
+              </a:tr>
+              <a:tr h="487456">
+                <a:tc>
+                  <a:txBody>
+                    <a:bodyPr/>
+                    <a:lstStyle/>
+                    <a:p>
+                      <a:r>
+                        <a:rPr lang="en-US" sz="1100" b="0">
+                          <a:effectLst/>
+                        </a:rPr>
+                        <a:t>Global</a:t>
+                      </a:r>
+                    </a:p>
+                  </a:txBody>
+                  <a:tcPr marL="118243" marR="59121" marT="59121" marB="59121">
+                    <a:lnL w="9525" cap="flat" cmpd="sng" algn="ctr">
+                      <a:solidFill>
+                        <a:srgbClr val="DDDDDD"/>
+                      </a:solidFill>
+                      <a:prstDash val="solid"/>
+                      <a:round/>
+                      <a:headEnd type="none" w="med" len="med"/>
+                      <a:tailEnd type="none" w="med" len="med"/>
+                    </a:lnL>
+                    <a:lnR w="9525" cap="flat" cmpd="sng" algn="ctr">
+                      <a:solidFill>
+                        <a:srgbClr val="DDDDDD"/>
+                      </a:solidFill>
+                      <a:prstDash val="solid"/>
+                      <a:round/>
+                      <a:headEnd type="none" w="med" len="med"/>
+                      <a:tailEnd type="none" w="med" len="med"/>
+                    </a:lnR>
+                    <a:lnT w="9525" cap="flat" cmpd="sng" algn="ctr">
+                      <a:solidFill>
+                        <a:srgbClr val="DDDDDD"/>
+                      </a:solidFill>
+                      <a:prstDash val="solid"/>
+                      <a:round/>
+                      <a:headEnd type="none" w="med" len="med"/>
+                      <a:tailEnd type="none" w="med" len="med"/>
+                    </a:lnT>
+                    <a:lnB w="9525" cap="flat" cmpd="sng" algn="ctr">
+                      <a:solidFill>
+                        <a:srgbClr val="DDDDDD"/>
+                      </a:solidFill>
+                      <a:prstDash val="solid"/>
+                      <a:round/>
+                      <a:headEnd type="none" w="med" len="med"/>
+                      <a:tailEnd type="none" w="med" len="med"/>
+                    </a:lnB>
+                    <a:solidFill>
+                      <a:srgbClr val="F7F7F7"/>
+                    </a:solidFill>
+                  </a:tcPr>
+                </a:tc>
+                <a:tc>
+                  <a:txBody>
+                    <a:bodyPr/>
+                    <a:lstStyle/>
+                    <a:p>
+                      <a:r>
+                        <a:rPr lang="en-US" sz="1100" b="0" dirty="0">
+                          <a:effectLst/>
+                        </a:rPr>
+                        <a:t>n/a</a:t>
+                      </a:r>
+                    </a:p>
+                  </a:txBody>
+                  <a:tcPr marL="118243" marR="59121" marT="59121" marB="59121" anchor="ctr">
+                    <a:lnL w="9525" cap="flat" cmpd="sng" algn="ctr">
+                      <a:solidFill>
+                        <a:srgbClr val="DDDDDD"/>
+                      </a:solidFill>
+                      <a:prstDash val="solid"/>
+                      <a:round/>
+                      <a:headEnd type="none" w="med" len="med"/>
+                      <a:tailEnd type="none" w="med" len="med"/>
+                    </a:lnL>
+                    <a:lnR w="9525" cap="flat" cmpd="sng" algn="ctr">
+                      <a:solidFill>
+                        <a:srgbClr val="DDDDDD"/>
+                      </a:solidFill>
+                      <a:prstDash val="solid"/>
+                      <a:round/>
+                      <a:headEnd type="none" w="med" len="med"/>
+                      <a:tailEnd type="none" w="med" len="med"/>
+                    </a:lnR>
+                    <a:lnT w="9525" cap="flat" cmpd="sng" algn="ctr">
+                      <a:solidFill>
+                        <a:srgbClr val="DDDDDD"/>
+                      </a:solidFill>
+                      <a:prstDash val="solid"/>
+                      <a:round/>
+                      <a:headEnd type="none" w="med" len="med"/>
+                      <a:tailEnd type="none" w="med" len="med"/>
+                    </a:lnT>
+                    <a:lnB w="9525" cap="flat" cmpd="sng" algn="ctr">
+                      <a:solidFill>
+                        <a:srgbClr val="DDDDDD"/>
+                      </a:solidFill>
+                      <a:prstDash val="solid"/>
+                      <a:round/>
+                      <a:headEnd type="none" w="med" len="med"/>
+                      <a:tailEnd type="none" w="med" len="med"/>
+                    </a:lnB>
+                    <a:solidFill>
+                      <a:srgbClr val="F7F7F7"/>
+                    </a:solidFill>
+                  </a:tcPr>
+                </a:tc>
+                <a:tc>
+                  <a:txBody>
+                    <a:bodyPr/>
+                    <a:lstStyle/>
+                    <a:p>
+                      <a:r>
+                        <a:rPr lang="en-US" sz="1100" b="0">
+                          <a:effectLst/>
+                        </a:rPr>
+                        <a:t>global object (e.g. window)</a:t>
+                      </a:r>
+                    </a:p>
+                  </a:txBody>
+                  <a:tcPr marL="118243" marR="59121" marT="59121" marB="59121" anchor="ctr">
+                    <a:lnL w="9525" cap="flat" cmpd="sng" algn="ctr">
+                      <a:solidFill>
+                        <a:srgbClr val="DDDDDD"/>
+                      </a:solidFill>
+                      <a:prstDash val="solid"/>
+                      <a:round/>
+                      <a:headEnd type="none" w="med" len="med"/>
+                      <a:tailEnd type="none" w="med" len="med"/>
+                    </a:lnL>
+                    <a:lnR w="9525" cap="flat" cmpd="sng" algn="ctr">
+                      <a:solidFill>
+                        <a:srgbClr val="DDDDDD"/>
+                      </a:solidFill>
+                      <a:prstDash val="solid"/>
+                      <a:round/>
+                      <a:headEnd type="none" w="med" len="med"/>
+                      <a:tailEnd type="none" w="med" len="med"/>
+                    </a:lnR>
+                    <a:lnT w="9525" cap="flat" cmpd="sng" algn="ctr">
+                      <a:solidFill>
+                        <a:srgbClr val="DDDDDD"/>
+                      </a:solidFill>
+                      <a:prstDash val="solid"/>
+                      <a:round/>
+                      <a:headEnd type="none" w="med" len="med"/>
+                      <a:tailEnd type="none" w="med" len="med"/>
+                    </a:lnT>
+                    <a:lnB w="9525" cap="flat" cmpd="sng" algn="ctr">
+                      <a:solidFill>
+                        <a:srgbClr val="DDDDDD"/>
+                      </a:solidFill>
+                      <a:prstDash val="solid"/>
+                      <a:round/>
+                      <a:headEnd type="none" w="med" len="med"/>
+                      <a:tailEnd type="none" w="med" len="med"/>
+                    </a:lnB>
+                    <a:solidFill>
+                      <a:srgbClr val="F7F7F7"/>
+                    </a:solidFill>
+                  </a:tcPr>
+                </a:tc>
+              </a:tr>
+              <a:tr h="487456">
+                <a:tc>
+                  <a:txBody>
+                    <a:bodyPr/>
+                    <a:lstStyle/>
+                    <a:p>
+                      <a:r>
+                        <a:rPr lang="en-US" sz="1100" b="0">
+                          <a:effectLst/>
+                        </a:rPr>
+                        <a:t>Function</a:t>
+                      </a:r>
+                    </a:p>
+                  </a:txBody>
+                  <a:tcPr marL="118243" marR="59121" marT="59121" marB="59121">
+                    <a:lnL w="9525" cap="flat" cmpd="sng" algn="ctr">
+                      <a:solidFill>
+                        <a:srgbClr val="DDDDDD"/>
+                      </a:solidFill>
+                      <a:prstDash val="solid"/>
+                      <a:round/>
+                      <a:headEnd type="none" w="med" len="med"/>
+                      <a:tailEnd type="none" w="med" len="med"/>
+                    </a:lnL>
+                    <a:lnR w="9525" cap="flat" cmpd="sng" algn="ctr">
+                      <a:solidFill>
+                        <a:srgbClr val="DDDDDD"/>
+                      </a:solidFill>
+                      <a:prstDash val="solid"/>
+                      <a:round/>
+                      <a:headEnd type="none" w="med" len="med"/>
+                      <a:tailEnd type="none" w="med" len="med"/>
+                    </a:lnR>
+                    <a:lnT w="9525" cap="flat" cmpd="sng" algn="ctr">
+                      <a:solidFill>
+                        <a:srgbClr val="DDDDDD"/>
+                      </a:solidFill>
+                      <a:prstDash val="solid"/>
+                      <a:round/>
+                      <a:headEnd type="none" w="med" len="med"/>
+                      <a:tailEnd type="none" w="med" len="med"/>
+                    </a:lnT>
+                    <a:lnB w="9525" cap="flat" cmpd="sng" algn="ctr">
+                      <a:solidFill>
+                        <a:srgbClr val="DDDDDD"/>
+                      </a:solidFill>
+                      <a:prstDash val="solid"/>
+                      <a:round/>
+                      <a:headEnd type="none" w="med" len="med"/>
+                      <a:tailEnd type="none" w="med" len="med"/>
+                    </a:lnB>
+                    <a:solidFill>
+                      <a:srgbClr val="F7F7F7"/>
+                    </a:solidFill>
+                  </a:tcPr>
+                </a:tc>
+                <a:tc>
+                  <a:txBody>
+                    <a:bodyPr/>
+                    <a:lstStyle/>
+                    <a:p>
+                      <a:r>
+                        <a:rPr lang="en-US" sz="1100" b="0">
+                          <a:effectLst/>
+                        </a:rPr>
+                        <a:t>Method call:</a:t>
+                      </a:r>
+                      <a:br>
+                        <a:rPr lang="en-US" sz="1100" b="0">
+                          <a:effectLst/>
+                        </a:rPr>
+                      </a:br>
+                      <a:r>
+                        <a:rPr lang="en-US" sz="1100" b="0">
+                          <a:effectLst/>
+                        </a:rPr>
+                        <a:t>myObject.foo();</a:t>
+                      </a:r>
+                    </a:p>
+                  </a:txBody>
+                  <a:tcPr marL="118243" marR="59121" marT="59121" marB="59121" anchor="ctr">
+                    <a:lnL w="9525" cap="flat" cmpd="sng" algn="ctr">
+                      <a:solidFill>
+                        <a:srgbClr val="DDDDDD"/>
+                      </a:solidFill>
+                      <a:prstDash val="solid"/>
+                      <a:round/>
+                      <a:headEnd type="none" w="med" len="med"/>
+                      <a:tailEnd type="none" w="med" len="med"/>
+                    </a:lnL>
+                    <a:lnR w="9525" cap="flat" cmpd="sng" algn="ctr">
+                      <a:solidFill>
+                        <a:srgbClr val="DDDDDD"/>
+                      </a:solidFill>
+                      <a:prstDash val="solid"/>
+                      <a:round/>
+                      <a:headEnd type="none" w="med" len="med"/>
+                      <a:tailEnd type="none" w="med" len="med"/>
+                    </a:lnR>
+                    <a:lnT w="9525" cap="flat" cmpd="sng" algn="ctr">
+                      <a:solidFill>
+                        <a:srgbClr val="DDDDDD"/>
+                      </a:solidFill>
+                      <a:prstDash val="solid"/>
+                      <a:round/>
+                      <a:headEnd type="none" w="med" len="med"/>
+                      <a:tailEnd type="none" w="med" len="med"/>
+                    </a:lnT>
+                    <a:lnB w="9525" cap="flat" cmpd="sng" algn="ctr">
+                      <a:solidFill>
+                        <a:srgbClr val="DDDDDD"/>
+                      </a:solidFill>
+                      <a:prstDash val="solid"/>
+                      <a:round/>
+                      <a:headEnd type="none" w="med" len="med"/>
+                      <a:tailEnd type="none" w="med" len="med"/>
+                    </a:lnB>
+                    <a:solidFill>
+                      <a:srgbClr val="F7F7F7"/>
+                    </a:solidFill>
+                  </a:tcPr>
+                </a:tc>
+                <a:tc>
+                  <a:txBody>
+                    <a:bodyPr/>
+                    <a:lstStyle/>
+                    <a:p>
+                      <a:r>
+                        <a:rPr lang="en-US" sz="1100" b="0">
+                          <a:effectLst/>
+                        </a:rPr>
+                        <a:t>myObject</a:t>
+                      </a:r>
+                    </a:p>
+                  </a:txBody>
+                  <a:tcPr marL="118243" marR="59121" marT="59121" marB="59121" anchor="ctr">
+                    <a:lnL w="9525" cap="flat" cmpd="sng" algn="ctr">
+                      <a:solidFill>
+                        <a:srgbClr val="DDDDDD"/>
+                      </a:solidFill>
+                      <a:prstDash val="solid"/>
+                      <a:round/>
+                      <a:headEnd type="none" w="med" len="med"/>
+                      <a:tailEnd type="none" w="med" len="med"/>
+                    </a:lnL>
+                    <a:lnR w="9525" cap="flat" cmpd="sng" algn="ctr">
+                      <a:solidFill>
+                        <a:srgbClr val="DDDDDD"/>
+                      </a:solidFill>
+                      <a:prstDash val="solid"/>
+                      <a:round/>
+                      <a:headEnd type="none" w="med" len="med"/>
+                      <a:tailEnd type="none" w="med" len="med"/>
+                    </a:lnR>
+                    <a:lnT w="9525" cap="flat" cmpd="sng" algn="ctr">
+                      <a:solidFill>
+                        <a:srgbClr val="DDDDDD"/>
+                      </a:solidFill>
+                      <a:prstDash val="solid"/>
+                      <a:round/>
+                      <a:headEnd type="none" w="med" len="med"/>
+                      <a:tailEnd type="none" w="med" len="med"/>
+                    </a:lnT>
+                    <a:lnB w="9525" cap="flat" cmpd="sng" algn="ctr">
+                      <a:solidFill>
+                        <a:srgbClr val="DDDDDD"/>
+                      </a:solidFill>
+                      <a:prstDash val="solid"/>
+                      <a:round/>
+                      <a:headEnd type="none" w="med" len="med"/>
+                      <a:tailEnd type="none" w="med" len="med"/>
+                    </a:lnB>
+                    <a:solidFill>
+                      <a:srgbClr val="F7F7F7"/>
+                    </a:solidFill>
+                  </a:tcPr>
+                </a:tc>
+              </a:tr>
+              <a:tr h="849279">
+                <a:tc>
+                  <a:txBody>
+                    <a:bodyPr/>
+                    <a:lstStyle/>
+                    <a:p>
+                      <a:r>
+                        <a:rPr lang="en-US" sz="1100" b="0">
+                          <a:effectLst/>
+                        </a:rPr>
+                        <a:t>Function</a:t>
+                      </a:r>
+                    </a:p>
+                  </a:txBody>
+                  <a:tcPr marL="118243" marR="59121" marT="59121" marB="59121">
+                    <a:lnL w="9525" cap="flat" cmpd="sng" algn="ctr">
+                      <a:solidFill>
+                        <a:srgbClr val="DDDDDD"/>
+                      </a:solidFill>
+                      <a:prstDash val="solid"/>
+                      <a:round/>
+                      <a:headEnd type="none" w="med" len="med"/>
+                      <a:tailEnd type="none" w="med" len="med"/>
+                    </a:lnL>
+                    <a:lnR w="9525" cap="flat" cmpd="sng" algn="ctr">
+                      <a:solidFill>
+                        <a:srgbClr val="DDDDDD"/>
+                      </a:solidFill>
+                      <a:prstDash val="solid"/>
+                      <a:round/>
+                      <a:headEnd type="none" w="med" len="med"/>
+                      <a:tailEnd type="none" w="med" len="med"/>
+                    </a:lnR>
+                    <a:lnT w="9525" cap="flat" cmpd="sng" algn="ctr">
+                      <a:solidFill>
+                        <a:srgbClr val="DDDDDD"/>
+                      </a:solidFill>
+                      <a:prstDash val="solid"/>
+                      <a:round/>
+                      <a:headEnd type="none" w="med" len="med"/>
+                      <a:tailEnd type="none" w="med" len="med"/>
+                    </a:lnT>
+                    <a:lnB w="9525" cap="flat" cmpd="sng" algn="ctr">
+                      <a:solidFill>
+                        <a:srgbClr val="DDDDDD"/>
+                      </a:solidFill>
+                      <a:prstDash val="solid"/>
+                      <a:round/>
+                      <a:headEnd type="none" w="med" len="med"/>
+                      <a:tailEnd type="none" w="med" len="med"/>
+                    </a:lnB>
+                    <a:solidFill>
+                      <a:srgbClr val="F7F7F7"/>
+                    </a:solidFill>
+                  </a:tcPr>
+                </a:tc>
+                <a:tc>
+                  <a:txBody>
+                    <a:bodyPr/>
+                    <a:lstStyle/>
+                    <a:p>
+                      <a:r>
+                        <a:rPr lang="en-US" sz="1100" b="0">
+                          <a:effectLst/>
+                        </a:rPr>
+                        <a:t>Baseless function call:</a:t>
+                      </a:r>
+                      <a:br>
+                        <a:rPr lang="en-US" sz="1100" b="0">
+                          <a:effectLst/>
+                        </a:rPr>
+                      </a:br>
+                      <a:r>
+                        <a:rPr lang="en-US" sz="1100" b="0">
+                          <a:effectLst/>
+                        </a:rPr>
+                        <a:t>foo();</a:t>
+                      </a:r>
+                    </a:p>
+                  </a:txBody>
+                  <a:tcPr marL="118243" marR="59121" marT="59121" marB="59121" anchor="ctr">
+                    <a:lnL w="9525" cap="flat" cmpd="sng" algn="ctr">
+                      <a:solidFill>
+                        <a:srgbClr val="DDDDDD"/>
+                      </a:solidFill>
+                      <a:prstDash val="solid"/>
+                      <a:round/>
+                      <a:headEnd type="none" w="med" len="med"/>
+                      <a:tailEnd type="none" w="med" len="med"/>
+                    </a:lnL>
+                    <a:lnR w="9525" cap="flat" cmpd="sng" algn="ctr">
+                      <a:solidFill>
+                        <a:srgbClr val="DDDDDD"/>
+                      </a:solidFill>
+                      <a:prstDash val="solid"/>
+                      <a:round/>
+                      <a:headEnd type="none" w="med" len="med"/>
+                      <a:tailEnd type="none" w="med" len="med"/>
+                    </a:lnR>
+                    <a:lnT w="9525" cap="flat" cmpd="sng" algn="ctr">
+                      <a:solidFill>
+                        <a:srgbClr val="DDDDDD"/>
+                      </a:solidFill>
+                      <a:prstDash val="solid"/>
+                      <a:round/>
+                      <a:headEnd type="none" w="med" len="med"/>
+                      <a:tailEnd type="none" w="med" len="med"/>
+                    </a:lnT>
+                    <a:lnB w="9525" cap="flat" cmpd="sng" algn="ctr">
+                      <a:solidFill>
+                        <a:srgbClr val="DDDDDD"/>
+                      </a:solidFill>
+                      <a:prstDash val="solid"/>
+                      <a:round/>
+                      <a:headEnd type="none" w="med" len="med"/>
+                      <a:tailEnd type="none" w="med" len="med"/>
+                    </a:lnB>
+                    <a:solidFill>
+                      <a:srgbClr val="F7F7F7"/>
+                    </a:solidFill>
+                  </a:tcPr>
+                </a:tc>
+                <a:tc>
+                  <a:txBody>
+                    <a:bodyPr/>
+                    <a:lstStyle/>
+                    <a:p>
+                      <a:r>
+                        <a:rPr lang="en-US" sz="1100" b="0">
+                          <a:effectLst/>
+                        </a:rPr>
+                        <a:t>global object (e.g. window)</a:t>
+                      </a:r>
+                      <a:br>
+                        <a:rPr lang="en-US" sz="1100" b="0">
+                          <a:effectLst/>
+                        </a:rPr>
+                      </a:br>
+                      <a:r>
+                        <a:rPr lang="en-US" sz="1100" b="0">
+                          <a:effectLst/>
+                        </a:rPr>
+                        <a:t>(undefined in strict mode)</a:t>
+                      </a:r>
+                    </a:p>
+                  </a:txBody>
+                  <a:tcPr marL="118243" marR="59121" marT="59121" marB="59121" anchor="ctr">
+                    <a:lnL w="9525" cap="flat" cmpd="sng" algn="ctr">
+                      <a:solidFill>
+                        <a:srgbClr val="DDDDDD"/>
+                      </a:solidFill>
+                      <a:prstDash val="solid"/>
+                      <a:round/>
+                      <a:headEnd type="none" w="med" len="med"/>
+                      <a:tailEnd type="none" w="med" len="med"/>
+                    </a:lnL>
+                    <a:lnR w="9525" cap="flat" cmpd="sng" algn="ctr">
+                      <a:solidFill>
+                        <a:srgbClr val="DDDDDD"/>
+                      </a:solidFill>
+                      <a:prstDash val="solid"/>
+                      <a:round/>
+                      <a:headEnd type="none" w="med" len="med"/>
+                      <a:tailEnd type="none" w="med" len="med"/>
+                    </a:lnR>
+                    <a:lnT w="9525" cap="flat" cmpd="sng" algn="ctr">
+                      <a:solidFill>
+                        <a:srgbClr val="DDDDDD"/>
+                      </a:solidFill>
+                      <a:prstDash val="solid"/>
+                      <a:round/>
+                      <a:headEnd type="none" w="med" len="med"/>
+                      <a:tailEnd type="none" w="med" len="med"/>
+                    </a:lnT>
+                    <a:lnB w="9525" cap="flat" cmpd="sng" algn="ctr">
+                      <a:solidFill>
+                        <a:srgbClr val="DDDDDD"/>
+                      </a:solidFill>
+                      <a:prstDash val="solid"/>
+                      <a:round/>
+                      <a:headEnd type="none" w="med" len="med"/>
+                      <a:tailEnd type="none" w="med" len="med"/>
+                    </a:lnB>
+                    <a:solidFill>
+                      <a:srgbClr val="F7F7F7"/>
+                    </a:solidFill>
+                  </a:tcPr>
+                </a:tc>
+              </a:tr>
+              <a:tr h="487456">
+                <a:tc>
+                  <a:txBody>
+                    <a:bodyPr/>
+                    <a:lstStyle/>
+                    <a:p>
+                      <a:r>
+                        <a:rPr lang="en-US" sz="1100" b="0">
+                          <a:effectLst/>
+                        </a:rPr>
+                        <a:t>Function</a:t>
+                      </a:r>
+                    </a:p>
+                  </a:txBody>
+                  <a:tcPr marL="118243" marR="59121" marT="59121" marB="59121">
+                    <a:lnL w="9525" cap="flat" cmpd="sng" algn="ctr">
+                      <a:solidFill>
+                        <a:srgbClr val="DDDDDD"/>
+                      </a:solidFill>
+                      <a:prstDash val="solid"/>
+                      <a:round/>
+                      <a:headEnd type="none" w="med" len="med"/>
+                      <a:tailEnd type="none" w="med" len="med"/>
+                    </a:lnL>
+                    <a:lnR w="9525" cap="flat" cmpd="sng" algn="ctr">
+                      <a:solidFill>
+                        <a:srgbClr val="DDDDDD"/>
+                      </a:solidFill>
+                      <a:prstDash val="solid"/>
+                      <a:round/>
+                      <a:headEnd type="none" w="med" len="med"/>
+                      <a:tailEnd type="none" w="med" len="med"/>
+                    </a:lnR>
+                    <a:lnT w="9525" cap="flat" cmpd="sng" algn="ctr">
+                      <a:solidFill>
+                        <a:srgbClr val="DDDDDD"/>
+                      </a:solidFill>
+                      <a:prstDash val="solid"/>
+                      <a:round/>
+                      <a:headEnd type="none" w="med" len="med"/>
+                      <a:tailEnd type="none" w="med" len="med"/>
+                    </a:lnT>
+                    <a:lnB w="9525" cap="flat" cmpd="sng" algn="ctr">
+                      <a:solidFill>
+                        <a:srgbClr val="DDDDDD"/>
+                      </a:solidFill>
+                      <a:prstDash val="solid"/>
+                      <a:round/>
+                      <a:headEnd type="none" w="med" len="med"/>
+                      <a:tailEnd type="none" w="med" len="med"/>
+                    </a:lnB>
+                    <a:solidFill>
+                      <a:srgbClr val="F7F7F7"/>
+                    </a:solidFill>
+                  </a:tcPr>
+                </a:tc>
+                <a:tc>
+                  <a:txBody>
+                    <a:bodyPr/>
+                    <a:lstStyle/>
+                    <a:p>
+                      <a:r>
+                        <a:rPr lang="en-US" sz="1100" b="0">
+                          <a:effectLst/>
+                        </a:rPr>
+                        <a:t>Using call:</a:t>
+                      </a:r>
+                      <a:br>
+                        <a:rPr lang="en-US" sz="1100" b="0">
+                          <a:effectLst/>
+                        </a:rPr>
+                      </a:br>
+                      <a:r>
+                        <a:rPr lang="en-US" sz="1100" b="0">
+                          <a:effectLst/>
+                        </a:rPr>
+                        <a:t>foo.call(context, myArg);</a:t>
+                      </a:r>
+                    </a:p>
+                  </a:txBody>
+                  <a:tcPr marL="118243" marR="59121" marT="59121" marB="59121" anchor="ctr">
+                    <a:lnL w="9525" cap="flat" cmpd="sng" algn="ctr">
+                      <a:solidFill>
+                        <a:srgbClr val="DDDDDD"/>
+                      </a:solidFill>
+                      <a:prstDash val="solid"/>
+                      <a:round/>
+                      <a:headEnd type="none" w="med" len="med"/>
+                      <a:tailEnd type="none" w="med" len="med"/>
+                    </a:lnL>
+                    <a:lnR w="9525" cap="flat" cmpd="sng" algn="ctr">
+                      <a:solidFill>
+                        <a:srgbClr val="DDDDDD"/>
+                      </a:solidFill>
+                      <a:prstDash val="solid"/>
+                      <a:round/>
+                      <a:headEnd type="none" w="med" len="med"/>
+                      <a:tailEnd type="none" w="med" len="med"/>
+                    </a:lnR>
+                    <a:lnT w="9525" cap="flat" cmpd="sng" algn="ctr">
+                      <a:solidFill>
+                        <a:srgbClr val="DDDDDD"/>
+                      </a:solidFill>
+                      <a:prstDash val="solid"/>
+                      <a:round/>
+                      <a:headEnd type="none" w="med" len="med"/>
+                      <a:tailEnd type="none" w="med" len="med"/>
+                    </a:lnT>
+                    <a:lnB w="9525" cap="flat" cmpd="sng" algn="ctr">
+                      <a:solidFill>
+                        <a:srgbClr val="DDDDDD"/>
+                      </a:solidFill>
+                      <a:prstDash val="solid"/>
+                      <a:round/>
+                      <a:headEnd type="none" w="med" len="med"/>
+                      <a:tailEnd type="none" w="med" len="med"/>
+                    </a:lnB>
+                    <a:solidFill>
+                      <a:srgbClr val="F7F7F7"/>
+                    </a:solidFill>
+                  </a:tcPr>
+                </a:tc>
+                <a:tc>
+                  <a:txBody>
+                    <a:bodyPr/>
+                    <a:lstStyle/>
+                    <a:p>
+                      <a:r>
+                        <a:rPr lang="en-US" sz="1100" b="0">
+                          <a:effectLst/>
+                        </a:rPr>
+                        <a:t>context</a:t>
+                      </a:r>
+                    </a:p>
+                  </a:txBody>
+                  <a:tcPr marL="118243" marR="59121" marT="59121" marB="59121" anchor="ctr">
+                    <a:lnL w="9525" cap="flat" cmpd="sng" algn="ctr">
+                      <a:solidFill>
+                        <a:srgbClr val="DDDDDD"/>
+                      </a:solidFill>
+                      <a:prstDash val="solid"/>
+                      <a:round/>
+                      <a:headEnd type="none" w="med" len="med"/>
+                      <a:tailEnd type="none" w="med" len="med"/>
+                    </a:lnL>
+                    <a:lnR w="9525" cap="flat" cmpd="sng" algn="ctr">
+                      <a:solidFill>
+                        <a:srgbClr val="DDDDDD"/>
+                      </a:solidFill>
+                      <a:prstDash val="solid"/>
+                      <a:round/>
+                      <a:headEnd type="none" w="med" len="med"/>
+                      <a:tailEnd type="none" w="med" len="med"/>
+                    </a:lnR>
+                    <a:lnT w="9525" cap="flat" cmpd="sng" algn="ctr">
+                      <a:solidFill>
+                        <a:srgbClr val="DDDDDD"/>
+                      </a:solidFill>
+                      <a:prstDash val="solid"/>
+                      <a:round/>
+                      <a:headEnd type="none" w="med" len="med"/>
+                      <a:tailEnd type="none" w="med" len="med"/>
+                    </a:lnT>
+                    <a:lnB w="9525" cap="flat" cmpd="sng" algn="ctr">
+                      <a:solidFill>
+                        <a:srgbClr val="DDDDDD"/>
+                      </a:solidFill>
+                      <a:prstDash val="solid"/>
+                      <a:round/>
+                      <a:headEnd type="none" w="med" len="med"/>
+                      <a:tailEnd type="none" w="med" len="med"/>
+                    </a:lnB>
+                    <a:solidFill>
+                      <a:srgbClr val="F7F7F7"/>
+                    </a:solidFill>
+                  </a:tcPr>
+                </a:tc>
+              </a:tr>
+              <a:tr h="487456">
+                <a:tc>
+                  <a:txBody>
+                    <a:bodyPr/>
+                    <a:lstStyle/>
+                    <a:p>
+                      <a:r>
+                        <a:rPr lang="en-US" sz="1100" b="0">
+                          <a:effectLst/>
+                        </a:rPr>
+                        <a:t>Function</a:t>
+                      </a:r>
+                    </a:p>
+                  </a:txBody>
+                  <a:tcPr marL="118243" marR="59121" marT="59121" marB="59121">
+                    <a:lnL w="9525" cap="flat" cmpd="sng" algn="ctr">
+                      <a:solidFill>
+                        <a:srgbClr val="DDDDDD"/>
+                      </a:solidFill>
+                      <a:prstDash val="solid"/>
+                      <a:round/>
+                      <a:headEnd type="none" w="med" len="med"/>
+                      <a:tailEnd type="none" w="med" len="med"/>
+                    </a:lnL>
+                    <a:lnR w="9525" cap="flat" cmpd="sng" algn="ctr">
+                      <a:solidFill>
+                        <a:srgbClr val="DDDDDD"/>
+                      </a:solidFill>
+                      <a:prstDash val="solid"/>
+                      <a:round/>
+                      <a:headEnd type="none" w="med" len="med"/>
+                      <a:tailEnd type="none" w="med" len="med"/>
+                    </a:lnR>
+                    <a:lnT w="9525" cap="flat" cmpd="sng" algn="ctr">
+                      <a:solidFill>
+                        <a:srgbClr val="DDDDDD"/>
+                      </a:solidFill>
+                      <a:prstDash val="solid"/>
+                      <a:round/>
+                      <a:headEnd type="none" w="med" len="med"/>
+                      <a:tailEnd type="none" w="med" len="med"/>
+                    </a:lnT>
+                    <a:lnB w="9525" cap="flat" cmpd="sng" algn="ctr">
+                      <a:solidFill>
+                        <a:srgbClr val="DDDDDD"/>
+                      </a:solidFill>
+                      <a:prstDash val="solid"/>
+                      <a:round/>
+                      <a:headEnd type="none" w="med" len="med"/>
+                      <a:tailEnd type="none" w="med" len="med"/>
+                    </a:lnB>
+                    <a:solidFill>
+                      <a:srgbClr val="F7F7F7"/>
+                    </a:solidFill>
+                  </a:tcPr>
+                </a:tc>
+                <a:tc>
+                  <a:txBody>
+                    <a:bodyPr/>
+                    <a:lstStyle/>
+                    <a:p>
+                      <a:r>
+                        <a:rPr lang="en-US" sz="1100" b="0">
+                          <a:effectLst/>
+                        </a:rPr>
+                        <a:t>Using apply:</a:t>
+                      </a:r>
+                      <a:br>
+                        <a:rPr lang="en-US" sz="1100" b="0">
+                          <a:effectLst/>
+                        </a:rPr>
+                      </a:br>
+                      <a:r>
+                        <a:rPr lang="en-US" sz="1100" b="0">
+                          <a:effectLst/>
+                        </a:rPr>
+                        <a:t>foo.apply(context, [myArgs]);</a:t>
+                      </a:r>
+                    </a:p>
+                  </a:txBody>
+                  <a:tcPr marL="118243" marR="59121" marT="59121" marB="59121" anchor="ctr">
+                    <a:lnL w="9525" cap="flat" cmpd="sng" algn="ctr">
+                      <a:solidFill>
+                        <a:srgbClr val="DDDDDD"/>
+                      </a:solidFill>
+                      <a:prstDash val="solid"/>
+                      <a:round/>
+                      <a:headEnd type="none" w="med" len="med"/>
+                      <a:tailEnd type="none" w="med" len="med"/>
+                    </a:lnL>
+                    <a:lnR w="9525" cap="flat" cmpd="sng" algn="ctr">
+                      <a:solidFill>
+                        <a:srgbClr val="DDDDDD"/>
+                      </a:solidFill>
+                      <a:prstDash val="solid"/>
+                      <a:round/>
+                      <a:headEnd type="none" w="med" len="med"/>
+                      <a:tailEnd type="none" w="med" len="med"/>
+                    </a:lnR>
+                    <a:lnT w="9525" cap="flat" cmpd="sng" algn="ctr">
+                      <a:solidFill>
+                        <a:srgbClr val="DDDDDD"/>
+                      </a:solidFill>
+                      <a:prstDash val="solid"/>
+                      <a:round/>
+                      <a:headEnd type="none" w="med" len="med"/>
+                      <a:tailEnd type="none" w="med" len="med"/>
+                    </a:lnT>
+                    <a:lnB w="9525" cap="flat" cmpd="sng" algn="ctr">
+                      <a:solidFill>
+                        <a:srgbClr val="DDDDDD"/>
+                      </a:solidFill>
+                      <a:prstDash val="solid"/>
+                      <a:round/>
+                      <a:headEnd type="none" w="med" len="med"/>
+                      <a:tailEnd type="none" w="med" len="med"/>
+                    </a:lnB>
+                    <a:solidFill>
+                      <a:srgbClr val="F7F7F7"/>
+                    </a:solidFill>
+                  </a:tcPr>
+                </a:tc>
+                <a:tc>
+                  <a:txBody>
+                    <a:bodyPr/>
+                    <a:lstStyle/>
+                    <a:p>
+                      <a:r>
+                        <a:rPr lang="en-US" sz="1100" b="0">
+                          <a:effectLst/>
+                        </a:rPr>
+                        <a:t>context</a:t>
+                      </a:r>
+                    </a:p>
+                  </a:txBody>
+                  <a:tcPr marL="118243" marR="59121" marT="59121" marB="59121" anchor="ctr">
+                    <a:lnL w="9525" cap="flat" cmpd="sng" algn="ctr">
+                      <a:solidFill>
+                        <a:srgbClr val="DDDDDD"/>
+                      </a:solidFill>
+                      <a:prstDash val="solid"/>
+                      <a:round/>
+                      <a:headEnd type="none" w="med" len="med"/>
+                      <a:tailEnd type="none" w="med" len="med"/>
+                    </a:lnL>
+                    <a:lnR w="9525" cap="flat" cmpd="sng" algn="ctr">
+                      <a:solidFill>
+                        <a:srgbClr val="DDDDDD"/>
+                      </a:solidFill>
+                      <a:prstDash val="solid"/>
+                      <a:round/>
+                      <a:headEnd type="none" w="med" len="med"/>
+                      <a:tailEnd type="none" w="med" len="med"/>
+                    </a:lnR>
+                    <a:lnT w="9525" cap="flat" cmpd="sng" algn="ctr">
+                      <a:solidFill>
+                        <a:srgbClr val="DDDDDD"/>
+                      </a:solidFill>
+                      <a:prstDash val="solid"/>
+                      <a:round/>
+                      <a:headEnd type="none" w="med" len="med"/>
+                      <a:tailEnd type="none" w="med" len="med"/>
+                    </a:lnT>
+                    <a:lnB w="9525" cap="flat" cmpd="sng" algn="ctr">
+                      <a:solidFill>
+                        <a:srgbClr val="DDDDDD"/>
+                      </a:solidFill>
+                      <a:prstDash val="solid"/>
+                      <a:round/>
+                      <a:headEnd type="none" w="med" len="med"/>
+                      <a:tailEnd type="none" w="med" len="med"/>
+                    </a:lnB>
+                    <a:solidFill>
+                      <a:srgbClr val="F7F7F7"/>
+                    </a:solidFill>
+                  </a:tcPr>
+                </a:tc>
+              </a:tr>
+              <a:tr h="668367">
+                <a:tc>
+                  <a:txBody>
+                    <a:bodyPr/>
+                    <a:lstStyle/>
+                    <a:p>
+                      <a:r>
+                        <a:rPr lang="en-US" sz="1100" b="0">
+                          <a:effectLst/>
+                        </a:rPr>
+                        <a:t>Function</a:t>
+                      </a:r>
+                    </a:p>
+                  </a:txBody>
+                  <a:tcPr marL="118243" marR="59121" marT="59121" marB="59121">
+                    <a:lnL w="9525" cap="flat" cmpd="sng" algn="ctr">
+                      <a:solidFill>
+                        <a:srgbClr val="DDDDDD"/>
+                      </a:solidFill>
+                      <a:prstDash val="solid"/>
+                      <a:round/>
+                      <a:headEnd type="none" w="med" len="med"/>
+                      <a:tailEnd type="none" w="med" len="med"/>
+                    </a:lnL>
+                    <a:lnR w="9525" cap="flat" cmpd="sng" algn="ctr">
+                      <a:solidFill>
+                        <a:srgbClr val="DDDDDD"/>
+                      </a:solidFill>
+                      <a:prstDash val="solid"/>
+                      <a:round/>
+                      <a:headEnd type="none" w="med" len="med"/>
+                      <a:tailEnd type="none" w="med" len="med"/>
+                    </a:lnR>
+                    <a:lnT w="9525" cap="flat" cmpd="sng" algn="ctr">
+                      <a:solidFill>
+                        <a:srgbClr val="DDDDDD"/>
+                      </a:solidFill>
+                      <a:prstDash val="solid"/>
+                      <a:round/>
+                      <a:headEnd type="none" w="med" len="med"/>
+                      <a:tailEnd type="none" w="med" len="med"/>
+                    </a:lnT>
+                    <a:lnB w="9525" cap="flat" cmpd="sng" algn="ctr">
+                      <a:solidFill>
+                        <a:srgbClr val="DDDDDD"/>
+                      </a:solidFill>
+                      <a:prstDash val="solid"/>
+                      <a:round/>
+                      <a:headEnd type="none" w="med" len="med"/>
+                      <a:tailEnd type="none" w="med" len="med"/>
+                    </a:lnB>
+                    <a:solidFill>
+                      <a:srgbClr val="F7F7F7"/>
+                    </a:solidFill>
+                  </a:tcPr>
+                </a:tc>
+                <a:tc>
+                  <a:txBody>
+                    <a:bodyPr/>
+                    <a:lstStyle/>
+                    <a:p>
+                      <a:r>
+                        <a:rPr lang="en-US" sz="1100" b="0">
+                          <a:effectLst/>
+                        </a:rPr>
+                        <a:t>Constructor with new:</a:t>
+                      </a:r>
+                      <a:br>
+                        <a:rPr lang="en-US" sz="1100" b="0">
+                          <a:effectLst/>
+                        </a:rPr>
+                      </a:br>
+                      <a:r>
+                        <a:rPr lang="en-US" sz="1100" b="0">
+                          <a:effectLst/>
+                        </a:rPr>
+                        <a:t>var newFoo = new Foo();</a:t>
+                      </a:r>
+                    </a:p>
+                  </a:txBody>
+                  <a:tcPr marL="118243" marR="59121" marT="59121" marB="59121" anchor="ctr">
+                    <a:lnL w="9525" cap="flat" cmpd="sng" algn="ctr">
+                      <a:solidFill>
+                        <a:srgbClr val="DDDDDD"/>
+                      </a:solidFill>
+                      <a:prstDash val="solid"/>
+                      <a:round/>
+                      <a:headEnd type="none" w="med" len="med"/>
+                      <a:tailEnd type="none" w="med" len="med"/>
+                    </a:lnL>
+                    <a:lnR w="9525" cap="flat" cmpd="sng" algn="ctr">
+                      <a:solidFill>
+                        <a:srgbClr val="DDDDDD"/>
+                      </a:solidFill>
+                      <a:prstDash val="solid"/>
+                      <a:round/>
+                      <a:headEnd type="none" w="med" len="med"/>
+                      <a:tailEnd type="none" w="med" len="med"/>
+                    </a:lnR>
+                    <a:lnT w="9525" cap="flat" cmpd="sng" algn="ctr">
+                      <a:solidFill>
+                        <a:srgbClr val="DDDDDD"/>
+                      </a:solidFill>
+                      <a:prstDash val="solid"/>
+                      <a:round/>
+                      <a:headEnd type="none" w="med" len="med"/>
+                      <a:tailEnd type="none" w="med" len="med"/>
+                    </a:lnT>
+                    <a:lnB w="9525" cap="flat" cmpd="sng" algn="ctr">
+                      <a:solidFill>
+                        <a:srgbClr val="DDDDDD"/>
+                      </a:solidFill>
+                      <a:prstDash val="solid"/>
+                      <a:round/>
+                      <a:headEnd type="none" w="med" len="med"/>
+                      <a:tailEnd type="none" w="med" len="med"/>
+                    </a:lnB>
+                    <a:solidFill>
+                      <a:srgbClr val="F7F7F7"/>
+                    </a:solidFill>
+                  </a:tcPr>
+                </a:tc>
+                <a:tc>
+                  <a:txBody>
+                    <a:bodyPr/>
+                    <a:lstStyle/>
+                    <a:p>
+                      <a:r>
+                        <a:rPr lang="en-US" sz="1100" b="0">
+                          <a:effectLst/>
+                        </a:rPr>
+                        <a:t>the new instance</a:t>
+                      </a:r>
+                      <a:br>
+                        <a:rPr lang="en-US" sz="1100" b="0">
+                          <a:effectLst/>
+                        </a:rPr>
+                      </a:br>
+                      <a:r>
+                        <a:rPr lang="en-US" sz="1100" b="0">
+                          <a:effectLst/>
+                        </a:rPr>
+                        <a:t>(e.g. newFoo)</a:t>
+                      </a:r>
+                      <a:br>
+                        <a:rPr lang="en-US" sz="1100" b="0">
+                          <a:effectLst/>
+                        </a:rPr>
+                      </a:br>
+                      <a:endParaRPr lang="en-US" sz="1100" b="0">
+                        <a:effectLst/>
+                      </a:endParaRPr>
+                    </a:p>
+                  </a:txBody>
+                  <a:tcPr marL="118243" marR="59121" marT="59121" marB="59121" anchor="ctr">
+                    <a:lnL w="9525" cap="flat" cmpd="sng" algn="ctr">
+                      <a:solidFill>
+                        <a:srgbClr val="DDDDDD"/>
+                      </a:solidFill>
+                      <a:prstDash val="solid"/>
+                      <a:round/>
+                      <a:headEnd type="none" w="med" len="med"/>
+                      <a:tailEnd type="none" w="med" len="med"/>
+                    </a:lnL>
+                    <a:lnR w="9525" cap="flat" cmpd="sng" algn="ctr">
+                      <a:solidFill>
+                        <a:srgbClr val="DDDDDD"/>
+                      </a:solidFill>
+                      <a:prstDash val="solid"/>
+                      <a:round/>
+                      <a:headEnd type="none" w="med" len="med"/>
+                      <a:tailEnd type="none" w="med" len="med"/>
+                    </a:lnR>
+                    <a:lnT w="9525" cap="flat" cmpd="sng" algn="ctr">
+                      <a:solidFill>
+                        <a:srgbClr val="DDDDDD"/>
+                      </a:solidFill>
+                      <a:prstDash val="solid"/>
+                      <a:round/>
+                      <a:headEnd type="none" w="med" len="med"/>
+                      <a:tailEnd type="none" w="med" len="med"/>
+                    </a:lnT>
+                    <a:lnB w="9525" cap="flat" cmpd="sng" algn="ctr">
+                      <a:solidFill>
+                        <a:srgbClr val="DDDDDD"/>
+                      </a:solidFill>
+                      <a:prstDash val="solid"/>
+                      <a:round/>
+                      <a:headEnd type="none" w="med" len="med"/>
+                      <a:tailEnd type="none" w="med" len="med"/>
+                    </a:lnB>
+                    <a:solidFill>
+                      <a:srgbClr val="F7F7F7"/>
+                    </a:solidFill>
+                  </a:tcPr>
+                </a:tc>
+              </a:tr>
+              <a:tr h="487456">
+                <a:tc>
+                  <a:txBody>
+                    <a:bodyPr/>
+                    <a:lstStyle/>
+                    <a:p>
+                      <a:r>
+                        <a:rPr lang="en-US" sz="1100" b="0">
+                          <a:effectLst/>
+                        </a:rPr>
+                        <a:t>Evaluation</a:t>
+                      </a:r>
+                    </a:p>
+                  </a:txBody>
+                  <a:tcPr marL="118243" marR="59121" marT="59121" marB="59121">
+                    <a:lnL w="9525" cap="flat" cmpd="sng" algn="ctr">
+                      <a:solidFill>
+                        <a:srgbClr val="DDDDDD"/>
+                      </a:solidFill>
+                      <a:prstDash val="solid"/>
+                      <a:round/>
+                      <a:headEnd type="none" w="med" len="med"/>
+                      <a:tailEnd type="none" w="med" len="med"/>
+                    </a:lnL>
+                    <a:lnR w="9525" cap="flat" cmpd="sng" algn="ctr">
+                      <a:solidFill>
+                        <a:srgbClr val="DDDDDD"/>
+                      </a:solidFill>
+                      <a:prstDash val="solid"/>
+                      <a:round/>
+                      <a:headEnd type="none" w="med" len="med"/>
+                      <a:tailEnd type="none" w="med" len="med"/>
+                    </a:lnR>
+                    <a:lnT w="9525" cap="flat" cmpd="sng" algn="ctr">
+                      <a:solidFill>
+                        <a:srgbClr val="DDDDDD"/>
+                      </a:solidFill>
+                      <a:prstDash val="solid"/>
+                      <a:round/>
+                      <a:headEnd type="none" w="med" len="med"/>
+                      <a:tailEnd type="none" w="med" len="med"/>
+                    </a:lnT>
+                    <a:lnB w="9525" cap="flat" cmpd="sng" algn="ctr">
+                      <a:solidFill>
+                        <a:srgbClr val="DDDDDD"/>
+                      </a:solidFill>
+                      <a:prstDash val="solid"/>
+                      <a:round/>
+                      <a:headEnd type="none" w="med" len="med"/>
+                      <a:tailEnd type="none" w="med" len="med"/>
+                    </a:lnB>
+                    <a:solidFill>
+                      <a:srgbClr val="F7F7F7"/>
+                    </a:solidFill>
+                  </a:tcPr>
+                </a:tc>
+                <a:tc>
+                  <a:txBody>
+                    <a:bodyPr/>
+                    <a:lstStyle/>
+                    <a:p>
+                      <a:r>
+                        <a:rPr lang="en-US" sz="1100" b="0">
+                          <a:effectLst/>
+                        </a:rPr>
+                        <a:t>n/a</a:t>
+                      </a:r>
+                    </a:p>
+                  </a:txBody>
+                  <a:tcPr marL="118243" marR="59121" marT="59121" marB="59121" anchor="ctr">
+                    <a:lnL w="9525" cap="flat" cmpd="sng" algn="ctr">
+                      <a:solidFill>
+                        <a:srgbClr val="DDDDDD"/>
+                      </a:solidFill>
+                      <a:prstDash val="solid"/>
+                      <a:round/>
+                      <a:headEnd type="none" w="med" len="med"/>
+                      <a:tailEnd type="none" w="med" len="med"/>
+                    </a:lnL>
+                    <a:lnR w="9525" cap="flat" cmpd="sng" algn="ctr">
+                      <a:solidFill>
+                        <a:srgbClr val="DDDDDD"/>
+                      </a:solidFill>
+                      <a:prstDash val="solid"/>
+                      <a:round/>
+                      <a:headEnd type="none" w="med" len="med"/>
+                      <a:tailEnd type="none" w="med" len="med"/>
+                    </a:lnR>
+                    <a:lnT w="9525" cap="flat" cmpd="sng" algn="ctr">
+                      <a:solidFill>
+                        <a:srgbClr val="DDDDDD"/>
+                      </a:solidFill>
+                      <a:prstDash val="solid"/>
+                      <a:round/>
+                      <a:headEnd type="none" w="med" len="med"/>
+                      <a:tailEnd type="none" w="med" len="med"/>
+                    </a:lnT>
+                    <a:lnB w="9525" cap="flat" cmpd="sng" algn="ctr">
+                      <a:solidFill>
+                        <a:srgbClr val="DDDDDD"/>
+                      </a:solidFill>
+                      <a:prstDash val="solid"/>
+                      <a:round/>
+                      <a:headEnd type="none" w="med" len="med"/>
+                      <a:tailEnd type="none" w="med" len="med"/>
+                    </a:lnB>
+                    <a:solidFill>
+                      <a:srgbClr val="F7F7F7"/>
+                    </a:solidFill>
+                  </a:tcPr>
+                </a:tc>
+                <a:tc>
+                  <a:txBody>
+                    <a:bodyPr/>
+                    <a:lstStyle/>
+                    <a:p>
+                      <a:r>
+                        <a:rPr lang="en-US" sz="1100" b="0" dirty="0">
+                          <a:effectLst/>
+                        </a:rPr>
+                        <a:t>value of this in parent context</a:t>
+                      </a:r>
+                    </a:p>
+                  </a:txBody>
+                  <a:tcPr marL="118243" marR="59121" marT="59121" marB="59121" anchor="ctr">
+                    <a:lnL w="9525" cap="flat" cmpd="sng" algn="ctr">
+                      <a:solidFill>
+                        <a:srgbClr val="DDDDDD"/>
+                      </a:solidFill>
+                      <a:prstDash val="solid"/>
+                      <a:round/>
+                      <a:headEnd type="none" w="med" len="med"/>
+                      <a:tailEnd type="none" w="med" len="med"/>
+                    </a:lnL>
+                    <a:lnR w="9525" cap="flat" cmpd="sng" algn="ctr">
+                      <a:solidFill>
+                        <a:srgbClr val="DDDDDD"/>
+                      </a:solidFill>
+                      <a:prstDash val="solid"/>
+                      <a:round/>
+                      <a:headEnd type="none" w="med" len="med"/>
+                      <a:tailEnd type="none" w="med" len="med"/>
+                    </a:lnR>
+                    <a:lnT w="9525" cap="flat" cmpd="sng" algn="ctr">
+                      <a:solidFill>
+                        <a:srgbClr val="DDDDDD"/>
+                      </a:solidFill>
+                      <a:prstDash val="solid"/>
+                      <a:round/>
+                      <a:headEnd type="none" w="med" len="med"/>
+                      <a:tailEnd type="none" w="med" len="med"/>
+                    </a:lnT>
+                    <a:lnB w="9525" cap="flat" cmpd="sng" algn="ctr">
+                      <a:solidFill>
+                        <a:srgbClr val="DDDDDD"/>
+                      </a:solidFill>
+                      <a:prstDash val="solid"/>
+                      <a:round/>
+                      <a:headEnd type="none" w="med" len="med"/>
+                      <a:tailEnd type="none" w="med" len="med"/>
+                    </a:lnB>
+                    <a:solidFill>
+                      <a:srgbClr val="F7F7F7"/>
+                    </a:solidFill>
+                  </a:tcPr>
+                </a:tc>
+              </a:tr>
+            </a:tbl>
+          </a:graphicData>
+        </a:graphic>
+      </p:graphicFrame>
+    </p:spTree>
+    <p:extLst>
+      <p:ext uri="{BB962C8B-B14F-4D97-AF65-F5344CB8AC3E}">
+        <p14:creationId xmlns:p14="http://schemas.microsoft.com/office/powerpoint/2010/main" val="412349578"/>
+      </p:ext>
+    </p:extLst>
+  </p:cSld>
+  <p:clrMapOvr>
+    <a:masterClrMapping/>
+  </p:clrMapOvr>
+</p:sld>
+</file>
+
+<file path=ppt/slides/slide31.xml><?xml version="1.0" encoding="utf-8"?>
+<p:sld xmlns:a="http://schemas.openxmlformats.org/drawingml/2006/main" xmlns:r="http://schemas.openxmlformats.org/officeDocument/2006/relationships" xmlns:p="http://schemas.openxmlformats.org/presentationml/2006/main">
+  <p:cSld>
+    <p:spTree>
+      <p:nvGrpSpPr>
+        <p:cNvPr id="1" name=""/>
+        <p:cNvGrpSpPr/>
+        <p:nvPr/>
+      </p:nvGrpSpPr>
+      <p:grpSpPr>
+        <a:xfrm>
+          <a:off x="0" y="0"/>
+          <a:ext cx="0" cy="0"/>
+          <a:chOff x="0" y="0"/>
+          <a:chExt cx="0" cy="0"/>
+        </a:xfrm>
+      </p:grpSpPr>
+      <p:sp>
+        <p:nvSpPr>
+          <p:cNvPr id="2" name="标题 1"/>
+          <p:cNvSpPr>
+            <a:spLocks noGrp="1"/>
+          </p:cNvSpPr>
+          <p:nvPr>
+            <p:ph type="title"/>
+          </p:nvPr>
+        </p:nvSpPr>
+        <p:spPr/>
+        <p:txBody>
+          <a:bodyPr/>
+          <a:lstStyle/>
+          <a:p>
+            <a:r>
+              <a:rPr lang="en-US" altLang="zh-CN" b="1" dirty="0"/>
+              <a:t>Truth, Equality</a:t>
+            </a:r>
+          </a:p>
+        </p:txBody>
+      </p:sp>
+      <p:sp>
+        <p:nvSpPr>
+          <p:cNvPr id="3" name="内容占位符 2"/>
+          <p:cNvSpPr>
+            <a:spLocks noGrp="1"/>
+          </p:cNvSpPr>
+          <p:nvPr>
+            <p:ph idx="1"/>
+          </p:nvPr>
+        </p:nvSpPr>
+        <p:spPr/>
+        <p:txBody>
+          <a:bodyPr/>
+          <a:lstStyle/>
+          <a:p>
+            <a:pPr lvl="0">
+              <a:buNone/>
+            </a:pPr>
+            <a:r>
+              <a:rPr lang="en" altLang="zh-CN" dirty="0"/>
+              <a:t>The following values are falsy</a:t>
+            </a:r>
+          </a:p>
+          <a:p>
+            <a:pPr marL="914400" lvl="1" indent="-381000">
+              <a:buClr>
+                <a:schemeClr val="dk2"/>
+              </a:buClr>
+              <a:buSzPct val="80000"/>
+              <a:buFont typeface="Courier New"/>
+              <a:buChar char="o"/>
+            </a:pPr>
+            <a:r>
+              <a:rPr lang="en" altLang="zh-CN" dirty="0"/>
+              <a:t>false</a:t>
+            </a:r>
+          </a:p>
+          <a:p>
+            <a:pPr marL="914400" lvl="1" indent="-381000">
+              <a:buClr>
+                <a:schemeClr val="dk2"/>
+              </a:buClr>
+              <a:buSzPct val="80000"/>
+              <a:buFont typeface="Courier New"/>
+              <a:buChar char="o"/>
+            </a:pPr>
+            <a:r>
+              <a:rPr lang="en" altLang="zh-CN" dirty="0"/>
+              <a:t>0 (zero)</a:t>
+            </a:r>
+          </a:p>
+          <a:p>
+            <a:pPr marL="914400" lvl="1" indent="-381000">
+              <a:buClr>
+                <a:schemeClr val="dk2"/>
+              </a:buClr>
+              <a:buSzPct val="80000"/>
+              <a:buFont typeface="Courier New"/>
+              <a:buChar char="o"/>
+            </a:pPr>
+            <a:r>
+              <a:rPr lang="en" altLang="zh-CN" dirty="0"/>
+              <a:t>“” (empty string”)</a:t>
+            </a:r>
+          </a:p>
+          <a:p>
+            <a:pPr marL="914400" lvl="1" indent="-381000">
+              <a:buClr>
+                <a:schemeClr val="dk2"/>
+              </a:buClr>
+              <a:buSzPct val="80000"/>
+              <a:buFont typeface="Courier New"/>
+              <a:buChar char="o"/>
+            </a:pPr>
+            <a:r>
+              <a:rPr lang="en" altLang="zh-CN" dirty="0"/>
+              <a:t>null</a:t>
+            </a:r>
+          </a:p>
+          <a:p>
+            <a:pPr marL="914400" lvl="1" indent="-381000">
+              <a:buClr>
+                <a:schemeClr val="dk2"/>
+              </a:buClr>
+              <a:buSzPct val="80000"/>
+              <a:buFont typeface="Courier New"/>
+              <a:buChar char="o"/>
+            </a:pPr>
+            <a:r>
+              <a:rPr lang="en" altLang="zh-CN" dirty="0"/>
+              <a:t>undefined</a:t>
+            </a:r>
+          </a:p>
+          <a:p>
+            <a:pPr marL="914400" lvl="1" indent="-381000">
+              <a:buClr>
+                <a:schemeClr val="dk2"/>
+              </a:buClr>
+              <a:buSzPct val="80000"/>
+              <a:buFont typeface="Courier New"/>
+              <a:buChar char="o"/>
+            </a:pPr>
+            <a:r>
+              <a:rPr lang="en" altLang="zh-CN" dirty="0"/>
+              <a:t>NaN (not a number)</a:t>
+            </a:r>
+          </a:p>
+          <a:p>
+            <a:pPr lvl="0">
+              <a:buNone/>
+            </a:pPr>
+            <a:r>
+              <a:rPr lang="en" altLang="zh-CN" dirty="0"/>
+              <a:t>Everything else is </a:t>
+            </a:r>
+            <a:r>
+              <a:rPr lang="en" altLang="zh-CN" dirty="0" smtClean="0"/>
+              <a:t>truthy</a:t>
+            </a:r>
+            <a:endParaRPr lang="en" altLang="zh-CN" dirty="0"/>
+          </a:p>
+        </p:txBody>
+      </p:sp>
+    </p:spTree>
+    <p:extLst>
+      <p:ext uri="{BB962C8B-B14F-4D97-AF65-F5344CB8AC3E}">
+        <p14:creationId xmlns:p14="http://schemas.microsoft.com/office/powerpoint/2010/main" val="1319081848"/>
+      </p:ext>
+    </p:extLst>
+  </p:cSld>
+  <p:clrMapOvr>
+    <a:masterClrMapping/>
+  </p:clrMapOvr>
+</p:sld>
+</file>
+
+<file path=ppt/slides/slide32.xml><?xml version="1.0" encoding="utf-8"?>
+<p:sld xmlns:a="http://schemas.openxmlformats.org/drawingml/2006/main" xmlns:r="http://schemas.openxmlformats.org/officeDocument/2006/relationships" xmlns:p="http://schemas.openxmlformats.org/presentationml/2006/main">
+  <p:cSld>
+    <p:spTree>
+      <p:nvGrpSpPr>
+        <p:cNvPr id="1" name=""/>
+        <p:cNvGrpSpPr/>
+        <p:nvPr/>
+      </p:nvGrpSpPr>
+      <p:grpSpPr>
+        <a:xfrm>
+          <a:off x="0" y="0"/>
+          <a:ext cx="0" cy="0"/>
+          <a:chOff x="0" y="0"/>
+          <a:chExt cx="0" cy="0"/>
+        </a:xfrm>
+      </p:grpSpPr>
+      <p:sp>
+        <p:nvSpPr>
+          <p:cNvPr id="2" name="标题 1"/>
+          <p:cNvSpPr>
+            <a:spLocks noGrp="1"/>
+          </p:cNvSpPr>
+          <p:nvPr>
+            <p:ph type="title"/>
+          </p:nvPr>
+        </p:nvSpPr>
+        <p:spPr/>
+        <p:txBody>
+          <a:bodyPr/>
+          <a:lstStyle/>
+          <a:p>
+            <a:r>
+              <a:rPr lang="en-US" altLang="zh-CN" b="1" dirty="0"/>
+              <a:t>Truth, Equality</a:t>
+            </a:r>
+            <a:endParaRPr lang="zh-CN" altLang="en-US" dirty="0"/>
+          </a:p>
+        </p:txBody>
+      </p:sp>
+      <p:sp>
+        <p:nvSpPr>
+          <p:cNvPr id="3" name="内容占位符 2"/>
+          <p:cNvSpPr>
+            <a:spLocks noGrp="1"/>
+          </p:cNvSpPr>
+          <p:nvPr>
+            <p:ph idx="1"/>
+          </p:nvPr>
+        </p:nvSpPr>
+        <p:spPr/>
+        <p:txBody>
+          <a:bodyPr/>
+          <a:lstStyle/>
+          <a:p>
+            <a:pPr marL="0" indent="0">
+              <a:buNone/>
+            </a:pPr>
+            <a:r>
+              <a:rPr lang="en-US" altLang="zh-CN" dirty="0" smtClean="0"/>
+              <a:t>if ([0]) {</a:t>
+            </a:r>
+          </a:p>
+          <a:p>
+            <a:pPr marL="0" indent="0">
+              <a:buNone/>
+            </a:pPr>
+            <a:r>
+              <a:rPr lang="en-US" altLang="zh-CN" dirty="0" smtClean="0"/>
+              <a:t>    console.log([0] == true);</a:t>
+            </a:r>
+            <a:endParaRPr lang="en-US" altLang="zh-CN" dirty="0"/>
+          </a:p>
+          <a:p>
+            <a:pPr marL="0" indent="0">
+              <a:buNone/>
+            </a:pPr>
+            <a:r>
+              <a:rPr lang="en-US" altLang="zh-CN" dirty="0" smtClean="0"/>
+              <a:t>}</a:t>
+            </a:r>
+          </a:p>
+          <a:p>
+            <a:pPr marL="0" indent="0">
+              <a:buNone/>
+            </a:pPr>
+            <a:endParaRPr lang="en-US" altLang="zh-CN" dirty="0"/>
+          </a:p>
+          <a:p>
+            <a:pPr marL="0" indent="0">
+              <a:buNone/>
+            </a:pPr>
+            <a:r>
+              <a:rPr lang="en-US" altLang="zh-CN" dirty="0"/>
+              <a:t>i</a:t>
+            </a:r>
+            <a:r>
+              <a:rPr lang="en-US" altLang="zh-CN" dirty="0" smtClean="0"/>
+              <a:t>f (“potato”) {</a:t>
+            </a:r>
+          </a:p>
+          <a:p>
+            <a:pPr marL="0" indent="0">
+              <a:buNone/>
+            </a:pPr>
+            <a:r>
+              <a:rPr lang="en-US" altLang="zh-CN" dirty="0" smtClean="0"/>
+              <a:t>    console.log(“potato” == false);</a:t>
+            </a:r>
+          </a:p>
+          <a:p>
+            <a:pPr marL="0" indent="0">
+              <a:buNone/>
+            </a:pPr>
+            <a:r>
+              <a:rPr lang="en-US" altLang="zh-CN" dirty="0"/>
+              <a:t> </a:t>
+            </a:r>
+            <a:r>
+              <a:rPr lang="en-US" altLang="zh-CN" dirty="0" smtClean="0"/>
+              <a:t>   console.log(“potato” == true);</a:t>
+            </a:r>
+            <a:endParaRPr lang="en-US" altLang="zh-CN" dirty="0"/>
+          </a:p>
+          <a:p>
+            <a:pPr marL="0" indent="0">
+              <a:buNone/>
+            </a:pPr>
+            <a:r>
+              <a:rPr lang="en-US" altLang="zh-CN" dirty="0" smtClean="0"/>
+              <a:t>}</a:t>
+            </a:r>
+            <a:endParaRPr lang="zh-CN" altLang="en-US" dirty="0"/>
+          </a:p>
+        </p:txBody>
+      </p:sp>
+    </p:spTree>
+    <p:extLst>
+      <p:ext uri="{BB962C8B-B14F-4D97-AF65-F5344CB8AC3E}">
+        <p14:creationId xmlns:p14="http://schemas.microsoft.com/office/powerpoint/2010/main" val="2051506767"/>
+      </p:ext>
+    </p:extLst>
+  </p:cSld>
+  <p:clrMapOvr>
+    <a:masterClrMapping/>
+  </p:clrMapOvr>
+</p:sld>
+</file>
+
+<file path=ppt/slides/slide33.xml><?xml version="1.0" encoding="utf-8"?>
+<p:sld xmlns:a="http://schemas.openxmlformats.org/drawingml/2006/main" xmlns:r="http://schemas.openxmlformats.org/officeDocument/2006/relationships" xmlns:p="http://schemas.openxmlformats.org/presentationml/2006/main">
+  <p:cSld>
+    <p:spTree>
+      <p:nvGrpSpPr>
+        <p:cNvPr id="1" name=""/>
+        <p:cNvGrpSpPr/>
+        <p:nvPr/>
+      </p:nvGrpSpPr>
+      <p:grpSpPr>
+        <a:xfrm>
+          <a:off x="0" y="0"/>
+          <a:ext cx="0" cy="0"/>
+          <a:chOff x="0" y="0"/>
+          <a:chExt cx="0" cy="0"/>
+        </a:xfrm>
+      </p:grpSpPr>
+      <p:sp>
+        <p:nvSpPr>
+          <p:cNvPr id="2" name="标题 1"/>
+          <p:cNvSpPr>
+            <a:spLocks noGrp="1"/>
+          </p:cNvSpPr>
+          <p:nvPr>
+            <p:ph type="title"/>
+          </p:nvPr>
+        </p:nvSpPr>
+        <p:spPr/>
+        <p:txBody>
+          <a:bodyPr/>
+          <a:lstStyle/>
+          <a:p>
+            <a:r>
+              <a:rPr lang="en-US" altLang="zh-CN" dirty="0" err="1" smtClean="0"/>
+              <a:t>toNumber</a:t>
+            </a:r>
+            <a:endParaRPr lang="zh-CN" altLang="en-US" dirty="0"/>
+          </a:p>
+        </p:txBody>
+      </p:sp>
+      <p:graphicFrame>
+        <p:nvGraphicFramePr>
+          <p:cNvPr id="4" name="内容占位符 3"/>
+          <p:cNvGraphicFramePr>
+            <a:graphicFrameLocks noGrp="1"/>
+          </p:cNvGraphicFramePr>
+          <p:nvPr>
+            <p:ph idx="1"/>
+            <p:extLst>
+              <p:ext uri="{D42A27DB-BD31-4B8C-83A1-F6EECF244321}">
+                <p14:modId xmlns:p14="http://schemas.microsoft.com/office/powerpoint/2010/main" val="3325505866"/>
+              </p:ext>
+            </p:extLst>
+          </p:nvPr>
+        </p:nvGraphicFramePr>
+        <p:xfrm>
+          <a:off x="2816352" y="1923529"/>
+          <a:ext cx="6556248" cy="4352971"/>
+        </p:xfrm>
+        <a:graphic>
+          <a:graphicData uri="http://schemas.openxmlformats.org/drawingml/2006/table">
+            <a:tbl>
+              <a:tblPr/>
+              <a:tblGrid>
+                <a:gridCol w="2106686"/>
+                <a:gridCol w="4449562"/>
+              </a:tblGrid>
+              <a:tr h="406237">
+                <a:tc>
+                  <a:txBody>
+                    <a:bodyPr/>
+                    <a:lstStyle/>
+                    <a:p>
+                      <a:pPr algn="l" fontAlgn="ctr"/>
+                      <a:r>
+                        <a:rPr lang="en-US" sz="1000" b="1" i="1" dirty="0">
+                          <a:effectLst/>
+                        </a:rPr>
+                        <a:t>Argument Type</a:t>
+                      </a:r>
+                    </a:p>
+                  </a:txBody>
+                  <a:tcPr marL="104700" marR="52350" marT="52350" marB="52350" anchor="ctr">
+                    <a:lnL>
+                      <a:noFill/>
+                    </a:lnL>
+                    <a:lnR w="9525" cap="flat" cmpd="sng" algn="ctr">
+                      <a:solidFill>
+                        <a:srgbClr val="DDDDDD"/>
+                      </a:solidFill>
+                      <a:prstDash val="solid"/>
+                      <a:round/>
+                      <a:headEnd type="none" w="med" len="med"/>
+                      <a:tailEnd type="none" w="med" len="med"/>
+                    </a:lnR>
+                    <a:lnT>
+                      <a:noFill/>
+                    </a:lnT>
+                    <a:lnB w="9525" cap="flat" cmpd="sng" algn="ctr">
+                      <a:solidFill>
+                        <a:srgbClr val="DDDDDD"/>
+                      </a:solidFill>
+                      <a:prstDash val="solid"/>
+                      <a:round/>
+                      <a:headEnd type="none" w="med" len="med"/>
+                      <a:tailEnd type="none" w="med" len="med"/>
+                    </a:lnB>
+                    <a:solidFill>
+                      <a:srgbClr val="AAAAAA"/>
+                    </a:solidFill>
+                  </a:tcPr>
+                </a:tc>
+                <a:tc>
+                  <a:txBody>
+                    <a:bodyPr/>
+                    <a:lstStyle/>
+                    <a:p>
+                      <a:pPr algn="l" fontAlgn="ctr"/>
+                      <a:r>
+                        <a:rPr lang="en-US" sz="1000" b="1" i="1" dirty="0">
+                          <a:effectLst/>
+                        </a:rPr>
+                        <a:t>Result</a:t>
+                      </a:r>
+                    </a:p>
+                  </a:txBody>
+                  <a:tcPr marL="104700" marR="52350" marT="52350" marB="52350" anchor="ctr">
+                    <a:lnL w="9525" cap="flat" cmpd="sng" algn="ctr">
+                      <a:solidFill>
+                        <a:srgbClr val="DDDDDD"/>
+                      </a:solidFill>
+                      <a:prstDash val="solid"/>
+                      <a:round/>
+                      <a:headEnd type="none" w="med" len="med"/>
+                      <a:tailEnd type="none" w="med" len="med"/>
+                    </a:lnL>
+                    <a:lnR>
+                      <a:noFill/>
+                    </a:lnR>
+                    <a:lnT>
+                      <a:noFill/>
+                    </a:lnT>
+                    <a:lnB w="9525" cap="flat" cmpd="sng" algn="ctr">
+                      <a:solidFill>
+                        <a:srgbClr val="DDDDDD"/>
+                      </a:solidFill>
+                      <a:prstDash val="solid"/>
+                      <a:round/>
+                      <a:headEnd type="none" w="med" len="med"/>
+                      <a:tailEnd type="none" w="med" len="med"/>
+                    </a:lnB>
+                    <a:solidFill>
+                      <a:srgbClr val="AAAAAA"/>
+                    </a:solidFill>
+                  </a:tcPr>
+                </a:tc>
+              </a:tr>
+              <a:tr h="406237">
+                <a:tc>
+                  <a:txBody>
+                    <a:bodyPr/>
+                    <a:lstStyle/>
+                    <a:p>
+                      <a:pPr algn="l"/>
+                      <a:r>
+                        <a:rPr lang="en-US" sz="1000" b="0">
+                          <a:effectLst/>
+                        </a:rPr>
+                        <a:t>Undefined</a:t>
+                      </a:r>
+                    </a:p>
+                  </a:txBody>
+                  <a:tcPr marL="104700" marR="52350" marT="52350" marB="52350" anchor="ctr">
+                    <a:lnL>
+                      <a:noFill/>
+                    </a:lnL>
+                    <a:lnR w="9525" cap="flat" cmpd="sng" algn="ctr">
+                      <a:solidFill>
+                        <a:srgbClr val="DDDDDD"/>
+                      </a:solidFill>
+                      <a:prstDash val="solid"/>
+                      <a:round/>
+                      <a:headEnd type="none" w="med" len="med"/>
+                      <a:tailEnd type="none" w="med" len="med"/>
+                    </a:lnR>
+                    <a:lnT w="9525" cap="flat" cmpd="sng" algn="ctr">
+                      <a:solidFill>
+                        <a:srgbClr val="DDDDDD"/>
+                      </a:solidFill>
+                      <a:prstDash val="solid"/>
+                      <a:round/>
+                      <a:headEnd type="none" w="med" len="med"/>
+                      <a:tailEnd type="none" w="med" len="med"/>
+                    </a:lnT>
+                    <a:lnB w="9525" cap="flat" cmpd="sng" algn="ctr">
+                      <a:solidFill>
+                        <a:srgbClr val="DDDDDD"/>
+                      </a:solidFill>
+                      <a:prstDash val="solid"/>
+                      <a:round/>
+                      <a:headEnd type="none" w="med" len="med"/>
+                      <a:tailEnd type="none" w="med" len="med"/>
+                    </a:lnB>
+                    <a:solidFill>
+                      <a:srgbClr val="F7F7F7"/>
+                    </a:solidFill>
+                  </a:tcPr>
+                </a:tc>
+                <a:tc>
+                  <a:txBody>
+                    <a:bodyPr/>
+                    <a:lstStyle/>
+                    <a:p>
+                      <a:pPr algn="l"/>
+                      <a:r>
+                        <a:rPr lang="en-US" sz="1000" b="1">
+                          <a:effectLst/>
+                        </a:rPr>
+                        <a:t>NaN</a:t>
+                      </a:r>
+                      <a:endParaRPr lang="en-US" sz="1000" b="0">
+                        <a:effectLst/>
+                      </a:endParaRPr>
+                    </a:p>
+                  </a:txBody>
+                  <a:tcPr marL="104700" marR="52350" marT="52350" marB="52350" anchor="ctr">
+                    <a:lnL w="9525" cap="flat" cmpd="sng" algn="ctr">
+                      <a:solidFill>
+                        <a:srgbClr val="DDDDDD"/>
+                      </a:solidFill>
+                      <a:prstDash val="solid"/>
+                      <a:round/>
+                      <a:headEnd type="none" w="med" len="med"/>
+                      <a:tailEnd type="none" w="med" len="med"/>
+                    </a:lnL>
+                    <a:lnR>
+                      <a:noFill/>
+                    </a:lnR>
+                    <a:lnT w="9525" cap="flat" cmpd="sng" algn="ctr">
+                      <a:solidFill>
+                        <a:srgbClr val="DDDDDD"/>
+                      </a:solidFill>
+                      <a:prstDash val="solid"/>
+                      <a:round/>
+                      <a:headEnd type="none" w="med" len="med"/>
+                      <a:tailEnd type="none" w="med" len="med"/>
+                    </a:lnT>
+                    <a:lnB w="9525" cap="flat" cmpd="sng" algn="ctr">
+                      <a:solidFill>
+                        <a:srgbClr val="DDDDDD"/>
+                      </a:solidFill>
+                      <a:prstDash val="solid"/>
+                      <a:round/>
+                      <a:headEnd type="none" w="med" len="med"/>
+                      <a:tailEnd type="none" w="med" len="med"/>
+                    </a:lnB>
+                    <a:solidFill>
+                      <a:srgbClr val="F7F7F7"/>
+                    </a:solidFill>
+                  </a:tcPr>
+                </a:tc>
+              </a:tr>
+              <a:tr h="255468">
+                <a:tc>
+                  <a:txBody>
+                    <a:bodyPr/>
+                    <a:lstStyle/>
+                    <a:p>
+                      <a:pPr algn="l"/>
+                      <a:r>
+                        <a:rPr lang="en-US" sz="1000" b="0">
+                          <a:effectLst/>
+                        </a:rPr>
+                        <a:t>Null</a:t>
+                      </a:r>
+                    </a:p>
+                  </a:txBody>
+                  <a:tcPr marL="104700" marR="52350" marT="52350" marB="52350" anchor="ctr">
+                    <a:lnL>
+                      <a:noFill/>
+                    </a:lnL>
+                    <a:lnR w="9525" cap="flat" cmpd="sng" algn="ctr">
+                      <a:solidFill>
+                        <a:srgbClr val="DDDDDD"/>
+                      </a:solidFill>
+                      <a:prstDash val="solid"/>
+                      <a:round/>
+                      <a:headEnd type="none" w="med" len="med"/>
+                      <a:tailEnd type="none" w="med" len="med"/>
+                    </a:lnR>
+                    <a:lnT w="9525" cap="flat" cmpd="sng" algn="ctr">
+                      <a:solidFill>
+                        <a:srgbClr val="DDDDDD"/>
+                      </a:solidFill>
+                      <a:prstDash val="solid"/>
+                      <a:round/>
+                      <a:headEnd type="none" w="med" len="med"/>
+                      <a:tailEnd type="none" w="med" len="med"/>
+                    </a:lnT>
+                    <a:lnB w="9525" cap="flat" cmpd="sng" algn="ctr">
+                      <a:solidFill>
+                        <a:srgbClr val="DDDDDD"/>
+                      </a:solidFill>
+                      <a:prstDash val="solid"/>
+                      <a:round/>
+                      <a:headEnd type="none" w="med" len="med"/>
+                      <a:tailEnd type="none" w="med" len="med"/>
+                    </a:lnB>
+                    <a:solidFill>
+                      <a:srgbClr val="F7F7F7"/>
+                    </a:solidFill>
+                  </a:tcPr>
+                </a:tc>
+                <a:tc>
+                  <a:txBody>
+                    <a:bodyPr/>
+                    <a:lstStyle/>
+                    <a:p>
+                      <a:pPr algn="l"/>
+                      <a:r>
+                        <a:rPr lang="en-US" altLang="zh-CN" sz="1000" b="1">
+                          <a:effectLst/>
+                        </a:rPr>
+                        <a:t>+0</a:t>
+                      </a:r>
+                      <a:endParaRPr lang="zh-CN" altLang="en-US" sz="1000" b="0">
+                        <a:effectLst/>
+                      </a:endParaRPr>
+                    </a:p>
+                  </a:txBody>
+                  <a:tcPr marL="104700" marR="52350" marT="52350" marB="52350" anchor="ctr">
+                    <a:lnL w="9525" cap="flat" cmpd="sng" algn="ctr">
+                      <a:solidFill>
+                        <a:srgbClr val="DDDDDD"/>
+                      </a:solidFill>
+                      <a:prstDash val="solid"/>
+                      <a:round/>
+                      <a:headEnd type="none" w="med" len="med"/>
+                      <a:tailEnd type="none" w="med" len="med"/>
+                    </a:lnL>
+                    <a:lnR>
+                      <a:noFill/>
+                    </a:lnR>
+                    <a:lnT w="9525" cap="flat" cmpd="sng" algn="ctr">
+                      <a:solidFill>
+                        <a:srgbClr val="DDDDDD"/>
+                      </a:solidFill>
+                      <a:prstDash val="solid"/>
+                      <a:round/>
+                      <a:headEnd type="none" w="med" len="med"/>
+                      <a:tailEnd type="none" w="med" len="med"/>
+                    </a:lnT>
+                    <a:lnB w="9525" cap="flat" cmpd="sng" algn="ctr">
+                      <a:solidFill>
+                        <a:srgbClr val="DDDDDD"/>
+                      </a:solidFill>
+                      <a:prstDash val="solid"/>
+                      <a:round/>
+                      <a:headEnd type="none" w="med" len="med"/>
+                      <a:tailEnd type="none" w="med" len="med"/>
+                    </a:lnB>
+                    <a:solidFill>
+                      <a:srgbClr val="F7F7F7"/>
+                    </a:solidFill>
+                  </a:tcPr>
+                </a:tc>
+              </a:tr>
+              <a:tr h="707773">
+                <a:tc>
+                  <a:txBody>
+                    <a:bodyPr/>
+                    <a:lstStyle/>
+                    <a:p>
+                      <a:pPr algn="l"/>
+                      <a:r>
+                        <a:rPr lang="en-US" sz="1000" b="0">
+                          <a:effectLst/>
+                        </a:rPr>
+                        <a:t>Boolean</a:t>
+                      </a:r>
+                    </a:p>
+                  </a:txBody>
+                  <a:tcPr marL="104700" marR="52350" marT="52350" marB="52350" anchor="ctr">
+                    <a:lnL>
+                      <a:noFill/>
+                    </a:lnL>
+                    <a:lnR w="9525" cap="flat" cmpd="sng" algn="ctr">
+                      <a:solidFill>
+                        <a:srgbClr val="DDDDDD"/>
+                      </a:solidFill>
+                      <a:prstDash val="solid"/>
+                      <a:round/>
+                      <a:headEnd type="none" w="med" len="med"/>
+                      <a:tailEnd type="none" w="med" len="med"/>
+                    </a:lnR>
+                    <a:lnT w="9525" cap="flat" cmpd="sng" algn="ctr">
+                      <a:solidFill>
+                        <a:srgbClr val="DDDDDD"/>
+                      </a:solidFill>
+                      <a:prstDash val="solid"/>
+                      <a:round/>
+                      <a:headEnd type="none" w="med" len="med"/>
+                      <a:tailEnd type="none" w="med" len="med"/>
+                    </a:lnT>
+                    <a:lnB w="9525" cap="flat" cmpd="sng" algn="ctr">
+                      <a:solidFill>
+                        <a:srgbClr val="DDDDDD"/>
+                      </a:solidFill>
+                      <a:prstDash val="solid"/>
+                      <a:round/>
+                      <a:headEnd type="none" w="med" len="med"/>
+                      <a:tailEnd type="none" w="med" len="med"/>
+                    </a:lnB>
+                    <a:solidFill>
+                      <a:srgbClr val="F7F7F7"/>
+                    </a:solidFill>
+                  </a:tcPr>
+                </a:tc>
+                <a:tc>
+                  <a:txBody>
+                    <a:bodyPr/>
+                    <a:lstStyle/>
+                    <a:p>
+                      <a:pPr algn="l"/>
+                      <a:r>
+                        <a:rPr lang="en-US" sz="1000" b="0" dirty="0">
+                          <a:effectLst/>
+                        </a:rPr>
+                        <a:t>The result is </a:t>
+                      </a:r>
+                      <a:r>
+                        <a:rPr lang="en-US" sz="1000" b="1" dirty="0">
+                          <a:effectLst/>
+                        </a:rPr>
+                        <a:t>1</a:t>
+                      </a:r>
+                      <a:r>
+                        <a:rPr lang="en-US" sz="1000" b="0" dirty="0">
+                          <a:effectLst/>
+                        </a:rPr>
+                        <a:t> if the argument is </a:t>
+                      </a:r>
+                      <a:r>
+                        <a:rPr lang="en-US" sz="1000" b="1" dirty="0">
+                          <a:effectLst/>
+                        </a:rPr>
+                        <a:t>true</a:t>
+                      </a:r>
+                      <a:r>
+                        <a:rPr lang="en-US" sz="1000" b="0" dirty="0">
+                          <a:effectLst/>
+                        </a:rPr>
+                        <a:t>.</a:t>
+                      </a:r>
+                      <a:br>
+                        <a:rPr lang="en-US" sz="1000" b="0" dirty="0">
+                          <a:effectLst/>
+                        </a:rPr>
+                      </a:br>
+                      <a:r>
+                        <a:rPr lang="en-US" sz="1000" b="0" dirty="0">
+                          <a:effectLst/>
+                        </a:rPr>
+                        <a:t>The result is </a:t>
+                      </a:r>
+                      <a:r>
+                        <a:rPr lang="en-US" sz="1000" b="1" dirty="0">
+                          <a:effectLst/>
+                        </a:rPr>
+                        <a:t>+0</a:t>
+                      </a:r>
+                      <a:r>
+                        <a:rPr lang="en-US" sz="1000" b="0" dirty="0">
+                          <a:effectLst/>
+                        </a:rPr>
+                        <a:t> if the argument is false.</a:t>
+                      </a:r>
+                    </a:p>
+                  </a:txBody>
+                  <a:tcPr marL="104700" marR="52350" marT="52350" marB="52350" anchor="ctr">
+                    <a:lnL w="9525" cap="flat" cmpd="sng" algn="ctr">
+                      <a:solidFill>
+                        <a:srgbClr val="DDDDDD"/>
+                      </a:solidFill>
+                      <a:prstDash val="solid"/>
+                      <a:round/>
+                      <a:headEnd type="none" w="med" len="med"/>
+                      <a:tailEnd type="none" w="med" len="med"/>
+                    </a:lnL>
+                    <a:lnR>
+                      <a:noFill/>
+                    </a:lnR>
+                    <a:lnT w="9525" cap="flat" cmpd="sng" algn="ctr">
+                      <a:solidFill>
+                        <a:srgbClr val="DDDDDD"/>
+                      </a:solidFill>
+                      <a:prstDash val="solid"/>
+                      <a:round/>
+                      <a:headEnd type="none" w="med" len="med"/>
+                      <a:tailEnd type="none" w="med" len="med"/>
+                    </a:lnT>
+                    <a:lnB w="9525" cap="flat" cmpd="sng" algn="ctr">
+                      <a:solidFill>
+                        <a:srgbClr val="DDDDDD"/>
+                      </a:solidFill>
+                      <a:prstDash val="solid"/>
+                      <a:round/>
+                      <a:headEnd type="none" w="med" len="med"/>
+                      <a:tailEnd type="none" w="med" len="med"/>
+                    </a:lnB>
+                    <a:solidFill>
+                      <a:srgbClr val="F7F7F7"/>
+                    </a:solidFill>
+                  </a:tcPr>
+                </a:tc>
+              </a:tr>
+              <a:tr h="557005">
+                <a:tc>
+                  <a:txBody>
+                    <a:bodyPr/>
+                    <a:lstStyle/>
+                    <a:p>
+                      <a:pPr algn="l"/>
+                      <a:r>
+                        <a:rPr lang="en-US" sz="1000" b="0">
+                          <a:effectLst/>
+                        </a:rPr>
+                        <a:t>Number</a:t>
+                      </a:r>
+                    </a:p>
+                  </a:txBody>
+                  <a:tcPr marL="104700" marR="52350" marT="52350" marB="52350" anchor="ctr">
+                    <a:lnL>
+                      <a:noFill/>
+                    </a:lnL>
+                    <a:lnR w="9525" cap="flat" cmpd="sng" algn="ctr">
+                      <a:solidFill>
+                        <a:srgbClr val="DDDDDD"/>
+                      </a:solidFill>
+                      <a:prstDash val="solid"/>
+                      <a:round/>
+                      <a:headEnd type="none" w="med" len="med"/>
+                      <a:tailEnd type="none" w="med" len="med"/>
+                    </a:lnR>
+                    <a:lnT w="9525" cap="flat" cmpd="sng" algn="ctr">
+                      <a:solidFill>
+                        <a:srgbClr val="DDDDDD"/>
+                      </a:solidFill>
+                      <a:prstDash val="solid"/>
+                      <a:round/>
+                      <a:headEnd type="none" w="med" len="med"/>
+                      <a:tailEnd type="none" w="med" len="med"/>
+                    </a:lnT>
+                    <a:lnB w="9525" cap="flat" cmpd="sng" algn="ctr">
+                      <a:solidFill>
+                        <a:srgbClr val="DDDDDD"/>
+                      </a:solidFill>
+                      <a:prstDash val="solid"/>
+                      <a:round/>
+                      <a:headEnd type="none" w="med" len="med"/>
+                      <a:tailEnd type="none" w="med" len="med"/>
+                    </a:lnB>
+                    <a:solidFill>
+                      <a:srgbClr val="F7F7F7"/>
+                    </a:solidFill>
+                  </a:tcPr>
+                </a:tc>
+                <a:tc>
+                  <a:txBody>
+                    <a:bodyPr/>
+                    <a:lstStyle/>
+                    <a:p>
+                      <a:pPr algn="l"/>
+                      <a:r>
+                        <a:rPr lang="en-US" sz="1000" b="0">
+                          <a:effectLst/>
+                        </a:rPr>
+                        <a:t>The result equals the input argument (no conversion).</a:t>
+                      </a:r>
+                    </a:p>
+                  </a:txBody>
+                  <a:tcPr marL="104700" marR="52350" marT="52350" marB="52350" anchor="ctr">
+                    <a:lnL w="9525" cap="flat" cmpd="sng" algn="ctr">
+                      <a:solidFill>
+                        <a:srgbClr val="DDDDDD"/>
+                      </a:solidFill>
+                      <a:prstDash val="solid"/>
+                      <a:round/>
+                      <a:headEnd type="none" w="med" len="med"/>
+                      <a:tailEnd type="none" w="med" len="med"/>
+                    </a:lnL>
+                    <a:lnR>
+                      <a:noFill/>
+                    </a:lnR>
+                    <a:lnT w="9525" cap="flat" cmpd="sng" algn="ctr">
+                      <a:solidFill>
+                        <a:srgbClr val="DDDDDD"/>
+                      </a:solidFill>
+                      <a:prstDash val="solid"/>
+                      <a:round/>
+                      <a:headEnd type="none" w="med" len="med"/>
+                      <a:tailEnd type="none" w="med" len="med"/>
+                    </a:lnT>
+                    <a:lnB w="9525" cap="flat" cmpd="sng" algn="ctr">
+                      <a:solidFill>
+                        <a:srgbClr val="DDDDDD"/>
+                      </a:solidFill>
+                      <a:prstDash val="solid"/>
+                      <a:round/>
+                      <a:headEnd type="none" w="med" len="med"/>
+                      <a:tailEnd type="none" w="med" len="med"/>
+                    </a:lnB>
+                    <a:solidFill>
+                      <a:srgbClr val="F7F7F7"/>
+                    </a:solidFill>
+                  </a:tcPr>
+                </a:tc>
+              </a:tr>
+              <a:tr h="707773">
+                <a:tc>
+                  <a:txBody>
+                    <a:bodyPr/>
+                    <a:lstStyle/>
+                    <a:p>
+                      <a:pPr algn="l"/>
+                      <a:r>
+                        <a:rPr lang="en-US" sz="1000" b="0" dirty="0">
+                          <a:effectLst/>
+                        </a:rPr>
+                        <a:t>String</a:t>
+                      </a:r>
+                    </a:p>
+                  </a:txBody>
+                  <a:tcPr marL="104700" marR="52350" marT="52350" marB="52350" anchor="ctr">
+                    <a:lnL>
+                      <a:noFill/>
+                    </a:lnL>
+                    <a:lnR w="9525" cap="flat" cmpd="sng" algn="ctr">
+                      <a:solidFill>
+                        <a:srgbClr val="DDDDDD"/>
+                      </a:solidFill>
+                      <a:prstDash val="solid"/>
+                      <a:round/>
+                      <a:headEnd type="none" w="med" len="med"/>
+                      <a:tailEnd type="none" w="med" len="med"/>
+                    </a:lnR>
+                    <a:lnT w="9525" cap="flat" cmpd="sng" algn="ctr">
+                      <a:solidFill>
+                        <a:srgbClr val="DDDDDD"/>
+                      </a:solidFill>
+                      <a:prstDash val="solid"/>
+                      <a:round/>
+                      <a:headEnd type="none" w="med" len="med"/>
+                      <a:tailEnd type="none" w="med" len="med"/>
+                    </a:lnT>
+                    <a:lnB w="9525" cap="flat" cmpd="sng" algn="ctr">
+                      <a:solidFill>
+                        <a:srgbClr val="DDDDDD"/>
+                      </a:solidFill>
+                      <a:prstDash val="solid"/>
+                      <a:round/>
+                      <a:headEnd type="none" w="med" len="med"/>
+                      <a:tailEnd type="none" w="med" len="med"/>
+                    </a:lnB>
+                    <a:solidFill>
+                      <a:srgbClr val="F7F7F7"/>
+                    </a:solidFill>
+                  </a:tcPr>
+                </a:tc>
+                <a:tc>
+                  <a:txBody>
+                    <a:bodyPr/>
+                    <a:lstStyle/>
+                    <a:p>
+                      <a:pPr algn="l"/>
+                      <a:r>
+                        <a:rPr lang="en-US" sz="1000" b="0" dirty="0">
+                          <a:effectLst/>
+                        </a:rPr>
+                        <a:t>In effect evaluates Number(</a:t>
+                      </a:r>
+                      <a:r>
+                        <a:rPr lang="en-US" sz="1000" b="0" i="1" dirty="0">
+                          <a:effectLst/>
+                        </a:rPr>
+                        <a:t>string</a:t>
+                      </a:r>
+                      <a:r>
+                        <a:rPr lang="en-US" sz="1000" b="0" dirty="0">
+                          <a:effectLst/>
+                        </a:rPr>
+                        <a:t>)</a:t>
+                      </a:r>
+                      <a:br>
+                        <a:rPr lang="en-US" sz="1000" b="0" dirty="0">
+                          <a:effectLst/>
+                        </a:rPr>
+                      </a:br>
+                      <a:r>
+                        <a:rPr lang="en-US" sz="1000" b="0" dirty="0">
+                          <a:effectLst/>
+                        </a:rPr>
+                        <a:t>“</a:t>
+                      </a:r>
+                      <a:r>
+                        <a:rPr lang="en-US" sz="1000" b="0" dirty="0" err="1">
+                          <a:effectLst/>
+                        </a:rPr>
+                        <a:t>abc</a:t>
+                      </a:r>
+                      <a:r>
+                        <a:rPr lang="en-US" sz="1000" b="0" dirty="0">
+                          <a:effectLst/>
+                        </a:rPr>
+                        <a:t>” -&gt; </a:t>
+                      </a:r>
+                      <a:r>
+                        <a:rPr lang="en-US" sz="1000" b="0" dirty="0" err="1">
+                          <a:effectLst/>
+                        </a:rPr>
+                        <a:t>NaN</a:t>
+                      </a:r>
+                      <a:r>
+                        <a:rPr lang="en-US" sz="1000" b="0" dirty="0">
+                          <a:effectLst/>
+                        </a:rPr>
+                        <a:t/>
+                      </a:r>
+                      <a:br>
+                        <a:rPr lang="en-US" sz="1000" b="0" dirty="0">
+                          <a:effectLst/>
+                        </a:rPr>
+                      </a:br>
+                      <a:r>
+                        <a:rPr lang="en-US" sz="1000" b="0" dirty="0">
+                          <a:effectLst/>
+                        </a:rPr>
+                        <a:t>“123” -&gt; 123</a:t>
+                      </a:r>
+                    </a:p>
+                  </a:txBody>
+                  <a:tcPr marL="104700" marR="52350" marT="52350" marB="52350" anchor="ctr">
+                    <a:lnL w="9525" cap="flat" cmpd="sng" algn="ctr">
+                      <a:solidFill>
+                        <a:srgbClr val="DDDDDD"/>
+                      </a:solidFill>
+                      <a:prstDash val="solid"/>
+                      <a:round/>
+                      <a:headEnd type="none" w="med" len="med"/>
+                      <a:tailEnd type="none" w="med" len="med"/>
+                    </a:lnL>
+                    <a:lnR>
+                      <a:noFill/>
+                    </a:lnR>
+                    <a:lnT w="9525" cap="flat" cmpd="sng" algn="ctr">
+                      <a:solidFill>
+                        <a:srgbClr val="DDDDDD"/>
+                      </a:solidFill>
+                      <a:prstDash val="solid"/>
+                      <a:round/>
+                      <a:headEnd type="none" w="med" len="med"/>
+                      <a:tailEnd type="none" w="med" len="med"/>
+                    </a:lnT>
+                    <a:lnB w="9525" cap="flat" cmpd="sng" algn="ctr">
+                      <a:solidFill>
+                        <a:srgbClr val="DDDDDD"/>
+                      </a:solidFill>
+                      <a:prstDash val="solid"/>
+                      <a:round/>
+                      <a:headEnd type="none" w="med" len="med"/>
+                      <a:tailEnd type="none" w="med" len="med"/>
+                    </a:lnB>
+                    <a:solidFill>
+                      <a:srgbClr val="F7F7F7"/>
+                    </a:solidFill>
+                  </a:tcPr>
+                </a:tc>
+              </a:tr>
+              <a:tr h="1310846">
+                <a:tc>
+                  <a:txBody>
+                    <a:bodyPr/>
+                    <a:lstStyle/>
+                    <a:p>
+                      <a:pPr algn="l"/>
+                      <a:r>
+                        <a:rPr lang="en-US" sz="1000" b="0" dirty="0">
+                          <a:effectLst/>
+                        </a:rPr>
+                        <a:t>Object</a:t>
+                      </a:r>
+                    </a:p>
+                  </a:txBody>
+                  <a:tcPr marL="104700" marR="52350" marT="52350" marB="52350" anchor="ctr">
+                    <a:lnL>
+                      <a:noFill/>
+                    </a:lnL>
+                    <a:lnR w="9525" cap="flat" cmpd="sng" algn="ctr">
+                      <a:solidFill>
+                        <a:srgbClr val="DDDDDD"/>
+                      </a:solidFill>
+                      <a:prstDash val="solid"/>
+                      <a:round/>
+                      <a:headEnd type="none" w="med" len="med"/>
+                      <a:tailEnd type="none" w="med" len="med"/>
+                    </a:lnR>
+                    <a:lnT w="9525" cap="flat" cmpd="sng" algn="ctr">
+                      <a:solidFill>
+                        <a:srgbClr val="DDDDDD"/>
+                      </a:solidFill>
+                      <a:prstDash val="solid"/>
+                      <a:round/>
+                      <a:headEnd type="none" w="med" len="med"/>
+                      <a:tailEnd type="none" w="med" len="med"/>
+                    </a:lnT>
+                    <a:lnB>
+                      <a:noFill/>
+                    </a:lnB>
+                    <a:solidFill>
+                      <a:srgbClr val="F7F7F7"/>
+                    </a:solidFill>
+                  </a:tcPr>
+                </a:tc>
+                <a:tc>
+                  <a:txBody>
+                    <a:bodyPr/>
+                    <a:lstStyle/>
+                    <a:p>
+                      <a:pPr algn="l"/>
+                      <a:r>
+                        <a:rPr lang="en-US" sz="1000" b="0" dirty="0">
+                          <a:effectLst/>
+                        </a:rPr>
+                        <a:t>Apply the following steps:</a:t>
+                      </a:r>
+                    </a:p>
+                    <a:p>
+                      <a:pPr algn="l"/>
+                      <a:r>
+                        <a:rPr lang="en-US" sz="1000" b="0" dirty="0">
+                          <a:effectLst/>
+                        </a:rPr>
+                        <a:t>1. Let </a:t>
+                      </a:r>
+                      <a:r>
+                        <a:rPr lang="en-US" sz="1000" b="0" i="1" dirty="0" err="1">
+                          <a:effectLst/>
+                        </a:rPr>
+                        <a:t>primValue</a:t>
+                      </a:r>
+                      <a:r>
+                        <a:rPr lang="en-US" sz="1000" b="0" dirty="0">
+                          <a:effectLst/>
+                        </a:rPr>
+                        <a:t> be </a:t>
+                      </a:r>
+                      <a:r>
+                        <a:rPr lang="en-US" sz="1000" b="0" dirty="0" err="1">
+                          <a:effectLst/>
+                        </a:rPr>
+                        <a:t>ToPrimitive</a:t>
+                      </a:r>
+                      <a:r>
+                        <a:rPr lang="en-US" sz="1000" b="0" dirty="0">
+                          <a:effectLst/>
+                        </a:rPr>
+                        <a:t>(</a:t>
+                      </a:r>
+                      <a:r>
+                        <a:rPr lang="en-US" sz="1000" b="0" i="1" dirty="0">
+                          <a:effectLst/>
+                        </a:rPr>
+                        <a:t>input argument</a:t>
+                      </a:r>
+                      <a:r>
+                        <a:rPr lang="en-US" sz="1000" b="0" dirty="0">
+                          <a:effectLst/>
+                        </a:rPr>
+                        <a:t>, hint Number).</a:t>
+                      </a:r>
+                      <a:br>
+                        <a:rPr lang="en-US" sz="1000" b="0" dirty="0">
+                          <a:effectLst/>
+                        </a:rPr>
+                      </a:br>
+                      <a:r>
+                        <a:rPr lang="en-US" sz="1000" b="0" dirty="0">
+                          <a:effectLst/>
+                        </a:rPr>
+                        <a:t>2. Return </a:t>
+                      </a:r>
+                      <a:r>
+                        <a:rPr lang="en-US" sz="1000" b="0" dirty="0" err="1">
+                          <a:effectLst/>
+                        </a:rPr>
+                        <a:t>ToNumber</a:t>
+                      </a:r>
+                      <a:r>
+                        <a:rPr lang="en-US" sz="1000" b="0" dirty="0">
+                          <a:effectLst/>
+                        </a:rPr>
+                        <a:t>(</a:t>
+                      </a:r>
+                      <a:r>
+                        <a:rPr lang="en-US" sz="1000" b="0" i="1" dirty="0" err="1">
+                          <a:effectLst/>
+                        </a:rPr>
+                        <a:t>primValue</a:t>
+                      </a:r>
+                      <a:r>
+                        <a:rPr lang="en-US" sz="1000" b="0" dirty="0">
+                          <a:effectLst/>
+                        </a:rPr>
+                        <a:t>).</a:t>
+                      </a:r>
+                    </a:p>
+                  </a:txBody>
+                  <a:tcPr marL="104700" marR="52350" marT="52350" marB="52350" anchor="ctr">
+                    <a:lnL w="9525" cap="flat" cmpd="sng" algn="ctr">
+                      <a:solidFill>
+                        <a:srgbClr val="DDDDDD"/>
+                      </a:solidFill>
+                      <a:prstDash val="solid"/>
+                      <a:round/>
+                      <a:headEnd type="none" w="med" len="med"/>
+                      <a:tailEnd type="none" w="med" len="med"/>
+                    </a:lnL>
+                    <a:lnR>
+                      <a:noFill/>
+                    </a:lnR>
+                    <a:lnT w="9525" cap="flat" cmpd="sng" algn="ctr">
+                      <a:solidFill>
+                        <a:srgbClr val="DDDDDD"/>
+                      </a:solidFill>
+                      <a:prstDash val="solid"/>
+                      <a:round/>
+                      <a:headEnd type="none" w="med" len="med"/>
+                      <a:tailEnd type="none" w="med" len="med"/>
+                    </a:lnT>
+                    <a:lnB>
+                      <a:noFill/>
+                    </a:lnB>
+                    <a:solidFill>
+                      <a:srgbClr val="F7F7F7"/>
+                    </a:solidFill>
+                  </a:tcPr>
+                </a:tc>
+              </a:tr>
+            </a:tbl>
+          </a:graphicData>
+        </a:graphic>
+      </p:graphicFrame>
+      <p:sp>
+        <p:nvSpPr>
+          <p:cNvPr id="5" name="Rectangle 1"/>
+          <p:cNvSpPr>
+            <a:spLocks noChangeArrowheads="1"/>
+          </p:cNvSpPr>
+          <p:nvPr/>
+        </p:nvSpPr>
+        <p:spPr bwMode="auto">
+          <a:xfrm>
+            <a:off x="-26908072" y="43934"/>
+            <a:ext cx="39100072" cy="369332"/>
+          </a:xfrm>
+          <a:prstGeom prst="rect">
+            <a:avLst/>
+          </a:prstGeom>
+          <a:noFill/>
+          <a:ln>
+            <a:noFill/>
+          </a:ln>
+          <a:effectLst/>
+          <a:extLst>
+            <a:ext uri="{909E8E84-426E-40DD-AFC4-6F175D3DCCD1}">
+              <a14:hiddenFill xmlns:a14="http://schemas.microsoft.com/office/drawing/2010/main">
+                <a:solidFill>
+                  <a:schemeClr val="accent1"/>
+                </a:solidFill>
+              </a14:hiddenFill>
+            </a:ext>
+            <a:ext uri="{91240B29-F687-4F45-9708-019B960494DF}">
+              <a14:hiddenLine xmlns:a14="http://schemas.microsoft.com/office/drawing/2010/main" w="9525">
+                <a:solidFill>
+                  <a:schemeClr val="tx1"/>
+                </a:solidFill>
+                <a:miter lim="800000"/>
+                <a:headEnd/>
+                <a:tailEnd/>
+              </a14:hiddenLine>
+            </a:ext>
+            <a:ext uri="{AF507438-7753-43E0-B8FC-AC1667EBCBE1}">
+              <a14:hiddenEffects xmlns:a14="http://schemas.microsoft.com/office/drawing/2010/main">
+                <a:effectLst>
+                  <a:outerShdw dist="35921" dir="2700000" algn="ctr" rotWithShape="0">
+                    <a:schemeClr val="bg2"/>
+                  </a:outerShdw>
+                </a:effectLst>
+              </a14:hiddenEffects>
+            </a:ext>
+          </a:extLst>
+        </p:spPr>
+        <p:txBody>
+          <a:bodyPr vert="horz" wrap="square" lIns="91440" tIns="45720" rIns="91440" bIns="45720" numCol="1" anchor="ctr" anchorCtr="0" compatLnSpc="1">
+            <a:prstTxWarp prst="textNoShape">
+              <a:avLst/>
+            </a:prstTxWarp>
+            <a:spAutoFit/>
+          </a:bodyPr>
+          <a:lstStyle/>
+          <a:p>
+            <a:pPr marL="0" marR="0" lvl="0" indent="0" algn="l" defTabSz="914400" rtl="0" eaLnBrk="0" fontAlgn="base" latinLnBrk="0" hangingPunct="0">
+              <a:lnSpc>
+                <a:spcPct val="100000"/>
+              </a:lnSpc>
+              <a:spcBef>
+                <a:spcPct val="0"/>
+              </a:spcBef>
+              <a:spcAft>
+                <a:spcPct val="0"/>
+              </a:spcAft>
+              <a:buClrTx/>
+              <a:buSzTx/>
+              <a:buFontTx/>
+              <a:buNone/>
+              <a:tabLst/>
+            </a:pPr>
+            <a:r>
+              <a:rPr kumimoji="0" lang="zh-CN" altLang="zh-CN" sz="1800" b="1" i="0" u="none" strike="noStrike" cap="none" normalizeH="0" baseline="0" smtClean="0">
+                <a:ln>
+                  <a:noFill/>
+                </a:ln>
+                <a:solidFill>
+                  <a:srgbClr val="333333"/>
+                </a:solidFill>
+                <a:effectLst/>
+                <a:latin typeface="Arial" panose="020B0604020202020204" pitchFamily="34" charset="0"/>
+              </a:rPr>
+              <a:t>ToNumber</a:t>
+            </a:r>
+            <a:endParaRPr kumimoji="0" lang="zh-CN" altLang="zh-CN" sz="1800" b="0" i="0" u="none" strike="noStrike" cap="none" normalizeH="0" baseline="0" smtClean="0">
+              <a:ln>
+                <a:noFill/>
+              </a:ln>
+              <a:solidFill>
+                <a:schemeClr val="tx1"/>
+              </a:solidFill>
+              <a:effectLst/>
+              <a:latin typeface="Arial" panose="020B0604020202020204" pitchFamily="34" charset="0"/>
+            </a:endParaRPr>
+          </a:p>
+        </p:txBody>
+      </p:sp>
+    </p:spTree>
+    <p:extLst>
+      <p:ext uri="{BB962C8B-B14F-4D97-AF65-F5344CB8AC3E}">
+        <p14:creationId xmlns:p14="http://schemas.microsoft.com/office/powerpoint/2010/main" val="295902931"/>
+      </p:ext>
+    </p:extLst>
+  </p:cSld>
+  <p:clrMapOvr>
+    <a:masterClrMapping/>
+  </p:clrMapOvr>
+</p:sld>
+</file>
+
+<file path=ppt/slides/slide34.xml><?xml version="1.0" encoding="utf-8"?>
+<p:sld xmlns:a="http://schemas.openxmlformats.org/drawingml/2006/main" xmlns:r="http://schemas.openxmlformats.org/officeDocument/2006/relationships" xmlns:p="http://schemas.openxmlformats.org/presentationml/2006/main">
+  <p:cSld>
+    <p:spTree>
+      <p:nvGrpSpPr>
+        <p:cNvPr id="1" name=""/>
+        <p:cNvGrpSpPr/>
+        <p:nvPr/>
+      </p:nvGrpSpPr>
+      <p:grpSpPr>
+        <a:xfrm>
+          <a:off x="0" y="0"/>
+          <a:ext cx="0" cy="0"/>
+          <a:chOff x="0" y="0"/>
+          <a:chExt cx="0" cy="0"/>
+        </a:xfrm>
+      </p:grpSpPr>
+      <p:sp>
+        <p:nvSpPr>
+          <p:cNvPr id="2" name="标题 1"/>
+          <p:cNvSpPr>
+            <a:spLocks noGrp="1"/>
+          </p:cNvSpPr>
+          <p:nvPr>
+            <p:ph type="title"/>
+          </p:nvPr>
+        </p:nvSpPr>
+        <p:spPr/>
+        <p:txBody>
+          <a:bodyPr/>
+          <a:lstStyle/>
+          <a:p>
+            <a:r>
+              <a:rPr lang="en-US" altLang="zh-CN" dirty="0" err="1" smtClean="0"/>
+              <a:t>ToPrimitive</a:t>
+            </a:r>
+            <a:endParaRPr lang="zh-CN" altLang="en-US" dirty="0"/>
+          </a:p>
+        </p:txBody>
+      </p:sp>
+      <p:graphicFrame>
+        <p:nvGraphicFramePr>
+          <p:cNvPr id="5" name="内容占位符 4"/>
+          <p:cNvGraphicFramePr>
+            <a:graphicFrameLocks noGrp="1"/>
+          </p:cNvGraphicFramePr>
+          <p:nvPr>
+            <p:ph idx="1"/>
+            <p:extLst>
+              <p:ext uri="{D42A27DB-BD31-4B8C-83A1-F6EECF244321}">
+                <p14:modId xmlns:p14="http://schemas.microsoft.com/office/powerpoint/2010/main" val="2614221164"/>
+              </p:ext>
+            </p:extLst>
+          </p:nvPr>
+        </p:nvGraphicFramePr>
+        <p:xfrm>
+          <a:off x="2249424" y="2755424"/>
+          <a:ext cx="7452360" cy="2217420"/>
+        </p:xfrm>
+        <a:graphic>
+          <a:graphicData uri="http://schemas.openxmlformats.org/drawingml/2006/table">
+            <a:tbl>
+              <a:tblPr/>
+              <a:tblGrid>
+                <a:gridCol w="1399032"/>
+                <a:gridCol w="6053328"/>
+              </a:tblGrid>
+              <a:tr h="228600">
+                <a:tc>
+                  <a:txBody>
+                    <a:bodyPr/>
+                    <a:lstStyle/>
+                    <a:p>
+                      <a:pPr algn="l" fontAlgn="ctr"/>
+                      <a:r>
+                        <a:rPr lang="en-US" b="1" i="1">
+                          <a:effectLst/>
+                        </a:rPr>
+                        <a:t>Argument Type</a:t>
+                      </a:r>
+                    </a:p>
+                  </a:txBody>
+                  <a:tcPr marL="190500" marR="95250" marT="95250" marB="95250" anchor="ctr">
+                    <a:lnL w="9525" cap="flat" cmpd="sng" algn="ctr">
+                      <a:solidFill>
+                        <a:srgbClr val="DDDDDD"/>
+                      </a:solidFill>
+                      <a:prstDash val="solid"/>
+                      <a:round/>
+                      <a:headEnd type="none" w="med" len="med"/>
+                      <a:tailEnd type="none" w="med" len="med"/>
+                    </a:lnL>
+                    <a:lnR w="9525" cap="flat" cmpd="sng" algn="ctr">
+                      <a:solidFill>
+                        <a:srgbClr val="DDDDDD"/>
+                      </a:solidFill>
+                      <a:prstDash val="solid"/>
+                      <a:round/>
+                      <a:headEnd type="none" w="med" len="med"/>
+                      <a:tailEnd type="none" w="med" len="med"/>
+                    </a:lnR>
+                    <a:lnT>
+                      <a:noFill/>
+                    </a:lnT>
+                    <a:lnB w="9525" cap="flat" cmpd="sng" algn="ctr">
+                      <a:solidFill>
+                        <a:srgbClr val="DDDDDD"/>
+                      </a:solidFill>
+                      <a:prstDash val="solid"/>
+                      <a:round/>
+                      <a:headEnd type="none" w="med" len="med"/>
+                      <a:tailEnd type="none" w="med" len="med"/>
+                    </a:lnB>
+                    <a:solidFill>
+                      <a:srgbClr val="AAAAAA"/>
+                    </a:solidFill>
+                  </a:tcPr>
+                </a:tc>
+                <a:tc>
+                  <a:txBody>
+                    <a:bodyPr/>
+                    <a:lstStyle/>
+                    <a:p>
+                      <a:pPr algn="l" fontAlgn="ctr"/>
+                      <a:r>
+                        <a:rPr lang="en-US" b="1" i="1">
+                          <a:effectLst/>
+                        </a:rPr>
+                        <a:t>Result</a:t>
+                      </a:r>
+                    </a:p>
+                  </a:txBody>
+                  <a:tcPr marL="190500" marR="95250" marT="95250" marB="95250" anchor="ctr">
+                    <a:lnL w="9525" cap="flat" cmpd="sng" algn="ctr">
+                      <a:solidFill>
+                        <a:srgbClr val="DDDDDD"/>
+                      </a:solidFill>
+                      <a:prstDash val="solid"/>
+                      <a:round/>
+                      <a:headEnd type="none" w="med" len="med"/>
+                      <a:tailEnd type="none" w="med" len="med"/>
+                    </a:lnL>
+                    <a:lnR w="9525" cap="flat" cmpd="sng" algn="ctr">
+                      <a:solidFill>
+                        <a:srgbClr val="DDDDDD"/>
+                      </a:solidFill>
+                      <a:prstDash val="solid"/>
+                      <a:round/>
+                      <a:headEnd type="none" w="med" len="med"/>
+                      <a:tailEnd type="none" w="med" len="med"/>
+                    </a:lnR>
+                    <a:lnT>
+                      <a:noFill/>
+                    </a:lnT>
+                    <a:lnB w="9525" cap="flat" cmpd="sng" algn="ctr">
+                      <a:solidFill>
+                        <a:srgbClr val="DDDDDD"/>
+                      </a:solidFill>
+                      <a:prstDash val="solid"/>
+                      <a:round/>
+                      <a:headEnd type="none" w="med" len="med"/>
+                      <a:tailEnd type="none" w="med" len="med"/>
+                    </a:lnB>
+                    <a:solidFill>
+                      <a:srgbClr val="AAAAAA"/>
+                    </a:solidFill>
+                  </a:tcPr>
+                </a:tc>
+              </a:tr>
+              <a:tr h="0">
+                <a:tc>
+                  <a:txBody>
+                    <a:bodyPr/>
+                    <a:lstStyle/>
+                    <a:p>
+                      <a:r>
+                        <a:rPr lang="en-US" b="0">
+                          <a:effectLst/>
+                        </a:rPr>
+                        <a:t>Object</a:t>
+                      </a:r>
+                    </a:p>
+                  </a:txBody>
+                  <a:tcPr marL="190500" marR="95250" marT="95250" marB="95250" anchor="ctr">
+                    <a:lnL w="9525" cap="flat" cmpd="sng" algn="ctr">
+                      <a:solidFill>
+                        <a:srgbClr val="DDDDDD"/>
+                      </a:solidFill>
+                      <a:prstDash val="solid"/>
+                      <a:round/>
+                      <a:headEnd type="none" w="med" len="med"/>
+                      <a:tailEnd type="none" w="med" len="med"/>
+                    </a:lnL>
+                    <a:lnR w="9525" cap="flat" cmpd="sng" algn="ctr">
+                      <a:solidFill>
+                        <a:srgbClr val="DDDDDD"/>
+                      </a:solidFill>
+                      <a:prstDash val="solid"/>
+                      <a:round/>
+                      <a:headEnd type="none" w="med" len="med"/>
+                      <a:tailEnd type="none" w="med" len="med"/>
+                    </a:lnR>
+                    <a:lnT w="9525" cap="flat" cmpd="sng" algn="ctr">
+                      <a:solidFill>
+                        <a:srgbClr val="DDDDDD"/>
+                      </a:solidFill>
+                      <a:prstDash val="solid"/>
+                      <a:round/>
+                      <a:headEnd type="none" w="med" len="med"/>
+                      <a:tailEnd type="none" w="med" len="med"/>
+                    </a:lnT>
+                    <a:lnB w="9525" cap="flat" cmpd="sng" algn="ctr">
+                      <a:solidFill>
+                        <a:srgbClr val="DDDDDD"/>
+                      </a:solidFill>
+                      <a:prstDash val="solid"/>
+                      <a:round/>
+                      <a:headEnd type="none" w="med" len="med"/>
+                      <a:tailEnd type="none" w="med" len="med"/>
+                    </a:lnB>
+                    <a:solidFill>
+                      <a:srgbClr val="F7F7F7"/>
+                    </a:solidFill>
+                  </a:tcPr>
+                </a:tc>
+                <a:tc>
+                  <a:txBody>
+                    <a:bodyPr/>
+                    <a:lstStyle/>
+                    <a:p>
+                      <a:r>
+                        <a:rPr lang="en-US" b="0">
+                          <a:effectLst/>
+                        </a:rPr>
+                        <a:t>(in the case of equality operator coercion) if valueOf returns a primitive, return it. Otherwise if toString returns a primitive return it. Otherwise throw an error</a:t>
+                      </a:r>
+                    </a:p>
+                  </a:txBody>
+                  <a:tcPr marL="190500" marR="95250" marT="95250" marB="95250" anchor="ctr">
+                    <a:lnL w="9525" cap="flat" cmpd="sng" algn="ctr">
+                      <a:solidFill>
+                        <a:srgbClr val="DDDDDD"/>
+                      </a:solidFill>
+                      <a:prstDash val="solid"/>
+                      <a:round/>
+                      <a:headEnd type="none" w="med" len="med"/>
+                      <a:tailEnd type="none" w="med" len="med"/>
+                    </a:lnL>
+                    <a:lnR w="9525" cap="flat" cmpd="sng" algn="ctr">
+                      <a:solidFill>
+                        <a:srgbClr val="DDDDDD"/>
+                      </a:solidFill>
+                      <a:prstDash val="solid"/>
+                      <a:round/>
+                      <a:headEnd type="none" w="med" len="med"/>
+                      <a:tailEnd type="none" w="med" len="med"/>
+                    </a:lnR>
+                    <a:lnT w="9525" cap="flat" cmpd="sng" algn="ctr">
+                      <a:solidFill>
+                        <a:srgbClr val="DDDDDD"/>
+                      </a:solidFill>
+                      <a:prstDash val="solid"/>
+                      <a:round/>
+                      <a:headEnd type="none" w="med" len="med"/>
+                      <a:tailEnd type="none" w="med" len="med"/>
+                    </a:lnT>
+                    <a:lnB w="9525" cap="flat" cmpd="sng" algn="ctr">
+                      <a:solidFill>
+                        <a:srgbClr val="DDDDDD"/>
+                      </a:solidFill>
+                      <a:prstDash val="solid"/>
+                      <a:round/>
+                      <a:headEnd type="none" w="med" len="med"/>
+                      <a:tailEnd type="none" w="med" len="med"/>
+                    </a:lnB>
+                    <a:solidFill>
+                      <a:srgbClr val="F7F7F7"/>
+                    </a:solidFill>
+                  </a:tcPr>
+                </a:tc>
+              </a:tr>
+              <a:tr h="0">
+                <a:tc>
+                  <a:txBody>
+                    <a:bodyPr/>
+                    <a:lstStyle/>
+                    <a:p>
+                      <a:r>
+                        <a:rPr lang="en-US" b="0">
+                          <a:effectLst/>
+                        </a:rPr>
+                        <a:t>otherwise…</a:t>
+                      </a:r>
+                    </a:p>
+                  </a:txBody>
+                  <a:tcPr marL="190500" marR="95250" marT="95250" marB="95250" anchor="ctr">
+                    <a:lnL w="9525" cap="flat" cmpd="sng" algn="ctr">
+                      <a:solidFill>
+                        <a:srgbClr val="DDDDDD"/>
+                      </a:solidFill>
+                      <a:prstDash val="solid"/>
+                      <a:round/>
+                      <a:headEnd type="none" w="med" len="med"/>
+                      <a:tailEnd type="none" w="med" len="med"/>
+                    </a:lnL>
+                    <a:lnR w="9525" cap="flat" cmpd="sng" algn="ctr">
+                      <a:solidFill>
+                        <a:srgbClr val="DDDDDD"/>
+                      </a:solidFill>
+                      <a:prstDash val="solid"/>
+                      <a:round/>
+                      <a:headEnd type="none" w="med" len="med"/>
+                      <a:tailEnd type="none" w="med" len="med"/>
+                    </a:lnR>
+                    <a:lnT w="9525" cap="flat" cmpd="sng" algn="ctr">
+                      <a:solidFill>
+                        <a:srgbClr val="DDDDDD"/>
+                      </a:solidFill>
+                      <a:prstDash val="solid"/>
+                      <a:round/>
+                      <a:headEnd type="none" w="med" len="med"/>
+                      <a:tailEnd type="none" w="med" len="med"/>
+                    </a:lnT>
+                    <a:lnB w="9525" cap="flat" cmpd="sng" algn="ctr">
+                      <a:solidFill>
+                        <a:srgbClr val="DDDDDD"/>
+                      </a:solidFill>
+                      <a:prstDash val="solid"/>
+                      <a:round/>
+                      <a:headEnd type="none" w="med" len="med"/>
+                      <a:tailEnd type="none" w="med" len="med"/>
+                    </a:lnB>
+                    <a:solidFill>
+                      <a:srgbClr val="F7F7F7"/>
+                    </a:solidFill>
+                  </a:tcPr>
+                </a:tc>
+                <a:tc>
+                  <a:txBody>
+                    <a:bodyPr/>
+                    <a:lstStyle/>
+                    <a:p>
+                      <a:r>
+                        <a:rPr lang="en-US" b="0" dirty="0">
+                          <a:effectLst/>
+                        </a:rPr>
+                        <a:t>The result equals the input argument (no conversion).</a:t>
+                      </a:r>
+                    </a:p>
+                  </a:txBody>
+                  <a:tcPr marL="190500" marR="95250" marT="95250" marB="95250" anchor="ctr">
+                    <a:lnL w="9525" cap="flat" cmpd="sng" algn="ctr">
+                      <a:solidFill>
+                        <a:srgbClr val="DDDDDD"/>
+                      </a:solidFill>
+                      <a:prstDash val="solid"/>
+                      <a:round/>
+                      <a:headEnd type="none" w="med" len="med"/>
+                      <a:tailEnd type="none" w="med" len="med"/>
+                    </a:lnL>
+                    <a:lnR w="9525" cap="flat" cmpd="sng" algn="ctr">
+                      <a:solidFill>
+                        <a:srgbClr val="DDDDDD"/>
+                      </a:solidFill>
+                      <a:prstDash val="solid"/>
+                      <a:round/>
+                      <a:headEnd type="none" w="med" len="med"/>
+                      <a:tailEnd type="none" w="med" len="med"/>
+                    </a:lnR>
+                    <a:lnT w="9525" cap="flat" cmpd="sng" algn="ctr">
+                      <a:solidFill>
+                        <a:srgbClr val="DDDDDD"/>
+                      </a:solidFill>
+                      <a:prstDash val="solid"/>
+                      <a:round/>
+                      <a:headEnd type="none" w="med" len="med"/>
+                      <a:tailEnd type="none" w="med" len="med"/>
+                    </a:lnT>
+                    <a:lnB w="9525" cap="flat" cmpd="sng" algn="ctr">
+                      <a:solidFill>
+                        <a:srgbClr val="DDDDDD"/>
+                      </a:solidFill>
+                      <a:prstDash val="solid"/>
+                      <a:round/>
+                      <a:headEnd type="none" w="med" len="med"/>
+                      <a:tailEnd type="none" w="med" len="med"/>
+                    </a:lnB>
+                    <a:solidFill>
+                      <a:srgbClr val="F7F7F7"/>
+                    </a:solidFill>
+                  </a:tcPr>
+                </a:tc>
+              </a:tr>
+            </a:tbl>
+          </a:graphicData>
+        </a:graphic>
+      </p:graphicFrame>
+    </p:spTree>
+    <p:extLst>
+      <p:ext uri="{BB962C8B-B14F-4D97-AF65-F5344CB8AC3E}">
+        <p14:creationId xmlns:p14="http://schemas.microsoft.com/office/powerpoint/2010/main" val="1572224073"/>
+      </p:ext>
+    </p:extLst>
+  </p:cSld>
+  <p:clrMapOvr>
+    <a:masterClrMapping/>
+  </p:clrMapOvr>
+</p:sld>
+</file>
+
 <file path=ppt/slides/slide4.xml><?xml version="1.0" encoding="utf-8"?>
 <p:sld xmlns:a="http://schemas.openxmlformats.org/drawingml/2006/main" xmlns:r="http://schemas.openxmlformats.org/officeDocument/2006/relationships" xmlns:p="http://schemas.openxmlformats.org/presentationml/2006/main">
   <p:cSld>
@@ -5796,12 +9669,13 @@
           </a:bodyPr>
           <a:lstStyle/>
           <a:p>
-            <a:r>
-              <a:rPr lang="en-US" altLang="zh-CN" dirty="0" smtClean="0"/>
-              <a:t>An object is </a:t>
-            </a:r>
-            <a:r>
-              <a:rPr lang="en-US" altLang="zh-CN" dirty="0" smtClean="0">
+            <a:pPr lvl="0"/>
+            <a:r>
+              <a:rPr lang="en" altLang="zh-CN" dirty="0"/>
+              <a:t>Object is nothing but </a:t>
+            </a:r>
+            <a:r>
+              <a:rPr lang="en" altLang="zh-CN" dirty="0">
                 <a:effectLst>
                   <a:outerShdw blurRad="38100" dist="38100" dir="2700000" algn="tl">
                     <a:srgbClr val="000000">
@@ -5810,19 +9684,38 @@
                   </a:outerShdw>
                 </a:effectLst>
               </a:rPr>
-              <a:t>a collection of properties</a:t>
-            </a:r>
-          </a:p>
-          <a:p>
-            <a:r>
-              <a:rPr lang="en-US" altLang="zh-CN" dirty="0" smtClean="0"/>
-              <a:t>A property has a name and a value</a:t>
-            </a:r>
-          </a:p>
-          <a:p>
-            <a:r>
-              <a:rPr lang="en-US" altLang="zh-CN" dirty="0" smtClean="0"/>
-              <a:t>Properties can be </a:t>
+              <a:t>key/value </a:t>
+            </a:r>
+            <a:r>
+              <a:rPr lang="en" altLang="zh-CN" dirty="0" smtClean="0">
+                <a:effectLst>
+                  <a:outerShdw blurRad="38100" dist="38100" dir="2700000" algn="tl">
+                    <a:srgbClr val="000000">
+                      <a:alpha val="43137"/>
+                    </a:srgbClr>
+                  </a:outerShdw>
+                </a:effectLst>
+              </a:rPr>
+              <a:t>pair</a:t>
+            </a:r>
+            <a:endParaRPr lang="en-US" altLang="zh-CN" dirty="0" smtClean="0">
+              <a:effectLst>
+                <a:outerShdw blurRad="38100" dist="38100" dir="2700000" algn="tl">
+                  <a:srgbClr val="000000">
+                    <a:alpha val="43137"/>
+                  </a:srgbClr>
+                </a:outerShdw>
+              </a:effectLst>
+            </a:endParaRPr>
+          </a:p>
+          <a:p>
+            <a:r>
+              <a:rPr lang="en-US" altLang="zh-CN" dirty="0" smtClean="0"/>
+              <a:t>Properties </a:t>
+            </a:r>
+            <a:r>
+              <a:rPr lang="en-US" altLang="zh-CN" dirty="0" smtClean="0"/>
+              <a:t>can be </a:t>
             </a:r>
             <a:r>
               <a:rPr lang="en-US" altLang="zh-CN" dirty="0" smtClean="0">
@@ -6316,7 +10209,7 @@
           <a:p>
             <a:r>
               <a:rPr lang="en-US" altLang="zh-CN" dirty="0" smtClean="0"/>
-              <a:t>Return values</a:t>
+              <a:t>Function overload</a:t>
             </a:r>
             <a:endParaRPr lang="zh-CN" altLang="en-US" dirty="0"/>
           </a:p>
@@ -6337,36 +10230,10 @@
           <a:bodyPr/>
           <a:lstStyle/>
           <a:p>
-            <a:r>
-              <a:rPr lang="en-US" altLang="zh-CN" dirty="0" smtClean="0"/>
-              <a:t>All functions always return a value</a:t>
-            </a:r>
-          </a:p>
-          <a:p>
-            <a:r>
-              <a:rPr lang="en-US" altLang="zh-CN" dirty="0" smtClean="0"/>
-              <a:t>If a function doesn’t return a value explicitly, it returns </a:t>
-            </a:r>
-            <a:r>
-              <a:rPr lang="en-US" altLang="zh-CN" dirty="0" smtClean="0">
-                <a:solidFill>
-                  <a:srgbClr val="FF0000"/>
-                </a:solidFill>
-                <a:effectLst>
-                  <a:outerShdw blurRad="38100" dist="38100" dir="2700000" algn="tl">
-                    <a:srgbClr val="000000">
-                      <a:alpha val="43137"/>
-                    </a:srgbClr>
-                  </a:outerShdw>
-                </a:effectLst>
-              </a:rPr>
-              <a:t>undefined </a:t>
-            </a:r>
-            <a:r>
-              <a:rPr lang="en-US" altLang="zh-CN" i="1" u="sng" dirty="0" smtClean="0"/>
-              <a:t>(except for new)</a:t>
-            </a:r>
-            <a:endParaRPr lang="zh-CN" altLang="en-US" i="1" u="sng" dirty="0"/>
+            <a:pPr marL="0" indent="0">
+              <a:buNone/>
+            </a:pPr>
+            <a:endParaRPr lang="en-US" altLang="zh-CN" dirty="0" smtClean="0"/>
           </a:p>
         </p:txBody>
       </p:sp>

--- a/JavaScript.pptx
+++ b/JavaScript.pptx
@@ -23,37 +23,37 @@
     <p:sldId id="300" r:id="rId17"/>
     <p:sldId id="301" r:id="rId18"/>
     <p:sldId id="302" r:id="rId19"/>
-    <p:sldId id="303" r:id="rId20"/>
-    <p:sldId id="304" r:id="rId21"/>
-    <p:sldId id="266" r:id="rId22"/>
-    <p:sldId id="295" r:id="rId23"/>
-    <p:sldId id="260" r:id="rId24"/>
-    <p:sldId id="263" r:id="rId25"/>
-    <p:sldId id="261" r:id="rId26"/>
-    <p:sldId id="265" r:id="rId27"/>
-    <p:sldId id="272" r:id="rId28"/>
-    <p:sldId id="271" r:id="rId29"/>
+    <p:sldId id="304" r:id="rId20"/>
+    <p:sldId id="266" r:id="rId21"/>
+    <p:sldId id="295" r:id="rId22"/>
+    <p:sldId id="260" r:id="rId23"/>
+    <p:sldId id="263" r:id="rId24"/>
+    <p:sldId id="261" r:id="rId25"/>
+    <p:sldId id="265" r:id="rId26"/>
+    <p:sldId id="272" r:id="rId27"/>
+    <p:sldId id="271" r:id="rId28"/>
+    <p:sldId id="303" r:id="rId29"/>
     <p:sldId id="269" r:id="rId30"/>
     <p:sldId id="275" r:id="rId31"/>
     <p:sldId id="276" r:id="rId32"/>
     <p:sldId id="298" r:id="rId33"/>
-    <p:sldId id="262" r:id="rId34"/>
-    <p:sldId id="297" r:id="rId35"/>
-    <p:sldId id="292" r:id="rId36"/>
-    <p:sldId id="306" r:id="rId37"/>
-    <p:sldId id="305" r:id="rId38"/>
-    <p:sldId id="307" r:id="rId39"/>
-    <p:sldId id="283" r:id="rId40"/>
-    <p:sldId id="308" r:id="rId41"/>
-    <p:sldId id="309" r:id="rId42"/>
-    <p:sldId id="310" r:id="rId43"/>
-    <p:sldId id="280" r:id="rId44"/>
-    <p:sldId id="270" r:id="rId45"/>
-    <p:sldId id="281" r:id="rId46"/>
-    <p:sldId id="284" r:id="rId47"/>
-    <p:sldId id="285" r:id="rId48"/>
-    <p:sldId id="286" r:id="rId49"/>
-    <p:sldId id="291" r:id="rId50"/>
+    <p:sldId id="311" r:id="rId34"/>
+    <p:sldId id="262" r:id="rId35"/>
+    <p:sldId id="297" r:id="rId36"/>
+    <p:sldId id="292" r:id="rId37"/>
+    <p:sldId id="306" r:id="rId38"/>
+    <p:sldId id="305" r:id="rId39"/>
+    <p:sldId id="307" r:id="rId40"/>
+    <p:sldId id="283" r:id="rId41"/>
+    <p:sldId id="308" r:id="rId42"/>
+    <p:sldId id="309" r:id="rId43"/>
+    <p:sldId id="310" r:id="rId44"/>
+    <p:sldId id="280" r:id="rId45"/>
+    <p:sldId id="270" r:id="rId46"/>
+    <p:sldId id="281" r:id="rId47"/>
+    <p:sldId id="284" r:id="rId48"/>
+    <p:sldId id="285" r:id="rId49"/>
+    <p:sldId id="286" r:id="rId50"/>
   </p:sldIdLst>
   <p:sldSz cx="12192000" cy="6858000"/>
   <p:notesSz cx="6858000" cy="9144000"/>
@@ -3649,11 +3649,7 @@
           <a:p>
             <a:r>
               <a:rPr lang="en-US" altLang="zh-CN" dirty="0" smtClean="0"/>
-              <a:t>Function </a:t>
-            </a:r>
-            <a:r>
-              <a:rPr lang="en-US" altLang="zh-CN" dirty="0" smtClean="0"/>
-              <a:t>hoisting(</a:t>
+              <a:t>Function hoisting(</a:t>
             </a:r>
             <a:r>
               <a:rPr lang="zh-CN" altLang="en-US" dirty="0" smtClean="0"/>
@@ -3861,7 +3857,7 @@
             </a:r>
             <a:r>
               <a:rPr lang="zh-CN" altLang="en-US" dirty="0" smtClean="0"/>
-              <a:t>对象（批量？）</a:t>
+              <a:t>对象</a:t>
             </a:r>
             <a:endParaRPr lang="zh-CN" altLang="en-US" dirty="0"/>
           </a:p>
@@ -4014,18 +4010,6 @@
               <a:rPr lang="zh-CN" altLang="en-US" dirty="0" smtClean="0"/>
               <a:t>方法</a:t>
             </a:r>
-            <a:r>
-              <a:rPr lang="en-US" altLang="zh-CN" dirty="0" smtClean="0"/>
-              <a:t>(</a:t>
-            </a:r>
-            <a:r>
-              <a:rPr lang="zh-CN" altLang="en-US" dirty="0" smtClean="0"/>
-              <a:t>方法共享？</a:t>
-            </a:r>
-            <a:r>
-              <a:rPr lang="en-US" altLang="zh-CN" dirty="0" smtClean="0"/>
-              <a:t>)</a:t>
-            </a:r>
             <a:endParaRPr lang="zh-CN" altLang="en-US" dirty="0"/>
           </a:p>
         </p:txBody>
@@ -4234,7 +4218,11 @@
           <a:p>
             <a:r>
               <a:rPr lang="zh-CN" altLang="en-US" dirty="0" smtClean="0"/>
-              <a:t>构造方法（方法共享）</a:t>
+              <a:t>构造</a:t>
+            </a:r>
+            <a:r>
+              <a:rPr lang="zh-CN" altLang="en-US" dirty="0" smtClean="0"/>
+              <a:t>方法</a:t>
             </a:r>
             <a:endParaRPr lang="zh-CN" altLang="en-US" dirty="0"/>
           </a:p>
@@ -4464,7 +4452,7 @@
           <a:p>
             <a:r>
               <a:rPr lang="zh-CN" altLang="en-US" dirty="0" smtClean="0"/>
-              <a:t>原型（弊端：共享属性）</a:t>
+              <a:t>原型</a:t>
             </a:r>
             <a:endParaRPr lang="zh-CN" altLang="en-US" dirty="0"/>
           </a:p>
@@ -4623,15 +4611,7 @@
           <a:p>
             <a:r>
               <a:rPr lang="zh-CN" altLang="en-US" dirty="0" smtClean="0"/>
-              <a:t>原型</a:t>
-            </a:r>
-            <a:r>
-              <a:rPr lang="en-US" altLang="zh-CN" dirty="0" smtClean="0"/>
-              <a:t>+</a:t>
-            </a:r>
-            <a:r>
-              <a:rPr lang="zh-CN" altLang="en-US" dirty="0" smtClean="0"/>
-              <a:t>构造方法</a:t>
+              <a:t>动态原型</a:t>
             </a:r>
             <a:endParaRPr lang="zh-CN" altLang="en-US" dirty="0"/>
           </a:p>
@@ -4652,14 +4632,176 @@
           <a:bodyPr/>
           <a:lstStyle/>
           <a:p>
-            <a:endParaRPr lang="zh-CN" altLang="en-US"/>
+            <a:pPr marL="0" indent="0">
+              <a:buNone/>
+            </a:pPr>
+            <a:r>
+              <a:rPr lang="en-US" altLang="zh-CN" dirty="0"/>
+              <a:t>f</a:t>
+            </a:r>
+            <a:r>
+              <a:rPr lang="en-US" altLang="zh-CN" dirty="0" smtClean="0"/>
+              <a:t>unction Person() {</a:t>
+            </a:r>
+          </a:p>
+          <a:p>
+            <a:pPr marL="0" indent="0">
+              <a:buNone/>
+            </a:pPr>
+            <a:r>
+              <a:rPr lang="en-US" altLang="zh-CN" dirty="0"/>
+              <a:t> </a:t>
+            </a:r>
+            <a:r>
+              <a:rPr lang="en-US" altLang="zh-CN" dirty="0" smtClean="0"/>
+              <a:t>   </a:t>
+            </a:r>
+            <a:r>
+              <a:rPr lang="en-US" altLang="zh-CN" dirty="0" err="1" smtClean="0"/>
+              <a:t>this.username</a:t>
+            </a:r>
+            <a:r>
+              <a:rPr lang="en-US" altLang="zh-CN" dirty="0" smtClean="0"/>
+              <a:t> = “</a:t>
+            </a:r>
+            <a:r>
+              <a:rPr lang="en-US" altLang="zh-CN" dirty="0" err="1" smtClean="0"/>
+              <a:t>zhangsan</a:t>
+            </a:r>
+            <a:r>
+              <a:rPr lang="en-US" altLang="zh-CN" dirty="0" smtClean="0"/>
+              <a:t>”;</a:t>
+            </a:r>
+          </a:p>
+          <a:p>
+            <a:pPr marL="0" indent="0">
+              <a:buNone/>
+            </a:pPr>
+            <a:r>
+              <a:rPr lang="en-US" altLang="zh-CN" dirty="0"/>
+              <a:t> </a:t>
+            </a:r>
+            <a:r>
+              <a:rPr lang="en-US" altLang="zh-CN" dirty="0" smtClean="0"/>
+              <a:t>   </a:t>
+            </a:r>
+            <a:r>
+              <a:rPr lang="en-US" altLang="zh-CN" dirty="0" err="1" smtClean="0"/>
+              <a:t>this.password</a:t>
+            </a:r>
+            <a:r>
+              <a:rPr lang="en-US" altLang="zh-CN" dirty="0" smtClean="0"/>
+              <a:t> = “123”;</a:t>
+            </a:r>
+          </a:p>
+          <a:p>
+            <a:pPr marL="0" indent="0">
+              <a:buNone/>
+            </a:pPr>
+            <a:r>
+              <a:rPr lang="en-US" altLang="zh-CN" dirty="0"/>
+              <a:t> </a:t>
+            </a:r>
+            <a:r>
+              <a:rPr lang="en-US" altLang="zh-CN" dirty="0" smtClean="0"/>
+              <a:t>   if (!</a:t>
+            </a:r>
+            <a:r>
+              <a:rPr lang="en-US" altLang="zh-CN" dirty="0" err="1" smtClean="0"/>
+              <a:t>Person.flag</a:t>
+            </a:r>
+            <a:r>
+              <a:rPr lang="en-US" altLang="zh-CN" dirty="0" smtClean="0"/>
+              <a:t>) {</a:t>
+            </a:r>
+          </a:p>
+          <a:p>
+            <a:pPr marL="0" indent="0">
+              <a:buNone/>
+            </a:pPr>
+            <a:r>
+              <a:rPr lang="en-US" altLang="zh-CN" dirty="0"/>
+              <a:t> </a:t>
+            </a:r>
+            <a:r>
+              <a:rPr lang="en-US" altLang="zh-CN" dirty="0" smtClean="0"/>
+              <a:t>       </a:t>
+            </a:r>
+            <a:r>
+              <a:rPr lang="en-US" altLang="zh-CN" dirty="0" err="1" smtClean="0"/>
+              <a:t>this.getInfo</a:t>
+            </a:r>
+            <a:r>
+              <a:rPr lang="en-US" altLang="zh-CN" dirty="0" smtClean="0"/>
+              <a:t> = function() {return </a:t>
+            </a:r>
+            <a:r>
+              <a:rPr lang="en-US" altLang="zh-CN" dirty="0" err="1" smtClean="0"/>
+              <a:t>this.username</a:t>
+            </a:r>
+            <a:r>
+              <a:rPr lang="en-US" altLang="zh-CN" dirty="0" smtClean="0"/>
+              <a:t> + </a:t>
+            </a:r>
+            <a:r>
+              <a:rPr lang="en-US" altLang="zh-CN" dirty="0" err="1" smtClean="0"/>
+              <a:t>this.password</a:t>
+            </a:r>
+            <a:r>
+              <a:rPr lang="en-US" altLang="zh-CN" dirty="0" smtClean="0"/>
+              <a:t>};</a:t>
+            </a:r>
+          </a:p>
+          <a:p>
+            <a:pPr marL="0" indent="0">
+              <a:buNone/>
+            </a:pPr>
+            <a:r>
+              <a:rPr lang="en-US" altLang="zh-CN" dirty="0"/>
+              <a:t> </a:t>
+            </a:r>
+            <a:r>
+              <a:rPr lang="en-US" altLang="zh-CN" dirty="0" smtClean="0"/>
+              <a:t>       </a:t>
+            </a:r>
+            <a:r>
+              <a:rPr lang="en-US" altLang="zh-CN" dirty="0" err="1" smtClean="0"/>
+              <a:t>Person.flag</a:t>
+            </a:r>
+            <a:r>
+              <a:rPr lang="en-US" altLang="zh-CN" dirty="0" smtClean="0"/>
+              <a:t> = true;</a:t>
+            </a:r>
+          </a:p>
+          <a:p>
+            <a:pPr marL="0" indent="0">
+              <a:buNone/>
+            </a:pPr>
+            <a:r>
+              <a:rPr lang="en-US" altLang="zh-CN" dirty="0"/>
+              <a:t> </a:t>
+            </a:r>
+            <a:r>
+              <a:rPr lang="en-US" altLang="zh-CN" dirty="0" smtClean="0"/>
+              <a:t>   }</a:t>
+            </a:r>
+          </a:p>
+          <a:p>
+            <a:pPr marL="0" indent="0">
+              <a:buNone/>
+            </a:pPr>
+            <a:r>
+              <a:rPr lang="en-US" altLang="zh-CN" dirty="0" smtClean="0"/>
+              <a:t>}</a:t>
+            </a:r>
+            <a:endParaRPr lang="zh-CN" altLang="en-US" dirty="0"/>
           </a:p>
         </p:txBody>
       </p:sp>
     </p:spTree>
     <p:extLst>
       <p:ext uri="{BB962C8B-B14F-4D97-AF65-F5344CB8AC3E}">
-        <p14:creationId xmlns:p14="http://schemas.microsoft.com/office/powerpoint/2010/main" val="1421987959"/>
+        <p14:creationId xmlns:p14="http://schemas.microsoft.com/office/powerpoint/2010/main" val="1182043126"/>
       </p:ext>
     </p:extLst>
   </p:cSld>
@@ -4756,240 +4898,6 @@
           <a:lstStyle/>
           <a:p>
             <a:r>
-              <a:rPr lang="zh-CN" altLang="en-US" dirty="0" smtClean="0"/>
-              <a:t>动态原型</a:t>
-            </a:r>
-            <a:endParaRPr lang="zh-CN" altLang="en-US" dirty="0"/>
-          </a:p>
-        </p:txBody>
-      </p:sp>
-      <p:sp>
-        <p:nvSpPr>
-          <p:cNvPr id="3" name="内容占位符 2"/>
-          <p:cNvSpPr>
-            <a:spLocks noGrp="1"/>
-          </p:cNvSpPr>
-          <p:nvPr>
-            <p:ph idx="1"/>
-          </p:nvPr>
-        </p:nvSpPr>
-        <p:spPr/>
-        <p:txBody>
-          <a:bodyPr/>
-          <a:lstStyle/>
-          <a:p>
-            <a:pPr marL="0" indent="0">
-              <a:buNone/>
-            </a:pPr>
-            <a:r>
-              <a:rPr lang="en-US" altLang="zh-CN" dirty="0"/>
-              <a:t>f</a:t>
-            </a:r>
-            <a:r>
-              <a:rPr lang="en-US" altLang="zh-CN" dirty="0" smtClean="0"/>
-              <a:t>unction Person() {</a:t>
-            </a:r>
-          </a:p>
-          <a:p>
-            <a:pPr marL="0" indent="0">
-              <a:buNone/>
-            </a:pPr>
-            <a:r>
-              <a:rPr lang="en-US" altLang="zh-CN" dirty="0"/>
-              <a:t> </a:t>
-            </a:r>
-            <a:r>
-              <a:rPr lang="en-US" altLang="zh-CN" dirty="0" smtClean="0"/>
-              <a:t>   </a:t>
-            </a:r>
-            <a:r>
-              <a:rPr lang="en-US" altLang="zh-CN" dirty="0" err="1" smtClean="0"/>
-              <a:t>this.username</a:t>
-            </a:r>
-            <a:r>
-              <a:rPr lang="en-US" altLang="zh-CN" dirty="0" smtClean="0"/>
-              <a:t> = “</a:t>
-            </a:r>
-            <a:r>
-              <a:rPr lang="en-US" altLang="zh-CN" dirty="0" err="1" smtClean="0"/>
-              <a:t>zhangsan</a:t>
-            </a:r>
-            <a:r>
-              <a:rPr lang="en-US" altLang="zh-CN" dirty="0" smtClean="0"/>
-              <a:t>”;</a:t>
-            </a:r>
-          </a:p>
-          <a:p>
-            <a:pPr marL="0" indent="0">
-              <a:buNone/>
-            </a:pPr>
-            <a:r>
-              <a:rPr lang="en-US" altLang="zh-CN" dirty="0"/>
-              <a:t> </a:t>
-            </a:r>
-            <a:r>
-              <a:rPr lang="en-US" altLang="zh-CN" dirty="0" smtClean="0"/>
-              <a:t>   </a:t>
-            </a:r>
-            <a:r>
-              <a:rPr lang="en-US" altLang="zh-CN" dirty="0" err="1" smtClean="0"/>
-              <a:t>this.password</a:t>
-            </a:r>
-            <a:r>
-              <a:rPr lang="en-US" altLang="zh-CN" dirty="0" smtClean="0"/>
-              <a:t> = “123”;</a:t>
-            </a:r>
-          </a:p>
-          <a:p>
-            <a:pPr marL="0" indent="0">
-              <a:buNone/>
-            </a:pPr>
-            <a:r>
-              <a:rPr lang="en-US" altLang="zh-CN" dirty="0"/>
-              <a:t> </a:t>
-            </a:r>
-            <a:r>
-              <a:rPr lang="en-US" altLang="zh-CN" dirty="0" smtClean="0"/>
-              <a:t>   if (!</a:t>
-            </a:r>
-            <a:r>
-              <a:rPr lang="en-US" altLang="zh-CN" dirty="0" err="1" smtClean="0"/>
-              <a:t>Person.flag</a:t>
-            </a:r>
-            <a:r>
-              <a:rPr lang="en-US" altLang="zh-CN" dirty="0" smtClean="0"/>
-              <a:t>) {</a:t>
-            </a:r>
-          </a:p>
-          <a:p>
-            <a:pPr marL="0" indent="0">
-              <a:buNone/>
-            </a:pPr>
-            <a:r>
-              <a:rPr lang="en-US" altLang="zh-CN" dirty="0"/>
-              <a:t> </a:t>
-            </a:r>
-            <a:r>
-              <a:rPr lang="en-US" altLang="zh-CN" dirty="0" smtClean="0"/>
-              <a:t>       </a:t>
-            </a:r>
-            <a:r>
-              <a:rPr lang="en-US" altLang="zh-CN" dirty="0" err="1" smtClean="0"/>
-              <a:t>this.getInfo</a:t>
-            </a:r>
-            <a:r>
-              <a:rPr lang="en-US" altLang="zh-CN" dirty="0" smtClean="0"/>
-              <a:t> = function() {return </a:t>
-            </a:r>
-            <a:r>
-              <a:rPr lang="en-US" altLang="zh-CN" dirty="0" err="1" smtClean="0"/>
-              <a:t>this.username</a:t>
-            </a:r>
-            <a:r>
-              <a:rPr lang="en-US" altLang="zh-CN" dirty="0" smtClean="0"/>
-              <a:t> + </a:t>
-            </a:r>
-            <a:r>
-              <a:rPr lang="en-US" altLang="zh-CN" dirty="0" err="1" smtClean="0"/>
-              <a:t>this.password</a:t>
-            </a:r>
-            <a:r>
-              <a:rPr lang="en-US" altLang="zh-CN" dirty="0" smtClean="0"/>
-              <a:t>};</a:t>
-            </a:r>
-          </a:p>
-          <a:p>
-            <a:pPr marL="0" indent="0">
-              <a:buNone/>
-            </a:pPr>
-            <a:r>
-              <a:rPr lang="en-US" altLang="zh-CN" dirty="0"/>
-              <a:t> </a:t>
-            </a:r>
-            <a:r>
-              <a:rPr lang="en-US" altLang="zh-CN" dirty="0" smtClean="0"/>
-              <a:t>       </a:t>
-            </a:r>
-            <a:r>
-              <a:rPr lang="en-US" altLang="zh-CN" dirty="0" err="1" smtClean="0"/>
-              <a:t>Person.flag</a:t>
-            </a:r>
-            <a:r>
-              <a:rPr lang="en-US" altLang="zh-CN" dirty="0" smtClean="0"/>
-              <a:t> = true;</a:t>
-            </a:r>
-          </a:p>
-          <a:p>
-            <a:pPr marL="0" indent="0">
-              <a:buNone/>
-            </a:pPr>
-            <a:r>
-              <a:rPr lang="en-US" altLang="zh-CN" dirty="0"/>
-              <a:t> </a:t>
-            </a:r>
-            <a:r>
-              <a:rPr lang="en-US" altLang="zh-CN" dirty="0" smtClean="0"/>
-              <a:t>   }</a:t>
-            </a:r>
-          </a:p>
-          <a:p>
-            <a:pPr marL="0" indent="0">
-              <a:buNone/>
-            </a:pPr>
-            <a:r>
-              <a:rPr lang="en-US" altLang="zh-CN" dirty="0" smtClean="0"/>
-              <a:t>}</a:t>
-            </a:r>
-            <a:endParaRPr lang="zh-CN" altLang="en-US" dirty="0"/>
-          </a:p>
-        </p:txBody>
-      </p:sp>
-    </p:spTree>
-    <p:extLst>
-      <p:ext uri="{BB962C8B-B14F-4D97-AF65-F5344CB8AC3E}">
-        <p14:creationId xmlns:p14="http://schemas.microsoft.com/office/powerpoint/2010/main" val="1182043126"/>
-      </p:ext>
-    </p:extLst>
-  </p:cSld>
-  <p:clrMapOvr>
-    <a:masterClrMapping/>
-  </p:clrMapOvr>
-</p:sld>
-</file>
-
-<file path=ppt/slides/slide21.xml><?xml version="1.0" encoding="utf-8"?>
-<p:sld xmlns:a="http://schemas.openxmlformats.org/drawingml/2006/main" xmlns:r="http://schemas.openxmlformats.org/officeDocument/2006/relationships" xmlns:p="http://schemas.openxmlformats.org/presentationml/2006/main">
-  <p:cSld>
-    <p:spTree>
-      <p:nvGrpSpPr>
-        <p:cNvPr id="1" name=""/>
-        <p:cNvGrpSpPr/>
-        <p:nvPr/>
-      </p:nvGrpSpPr>
-      <p:grpSpPr>
-        <a:xfrm>
-          <a:off x="0" y="0"/>
-          <a:ext cx="0" cy="0"/>
-          <a:chOff x="0" y="0"/>
-          <a:chExt cx="0" cy="0"/>
-        </a:xfrm>
-      </p:grpSpPr>
-      <p:sp>
-        <p:nvSpPr>
-          <p:cNvPr id="2" name="标题 1"/>
-          <p:cNvSpPr>
-            <a:spLocks noGrp="1"/>
-          </p:cNvSpPr>
-          <p:nvPr>
-            <p:ph type="title"/>
-          </p:nvPr>
-        </p:nvSpPr>
-        <p:spPr/>
-        <p:txBody>
-          <a:bodyPr/>
-          <a:lstStyle/>
-          <a:p>
-            <a:r>
               <a:rPr lang="en-US" altLang="zh-CN" dirty="0"/>
               <a:t>Prototype(</a:t>
             </a:r>
@@ -5134,15 +5042,7 @@
             </a:r>
             <a:r>
               <a:rPr lang="en-US" altLang="zh-CN" dirty="0" smtClean="0"/>
-              <a:t>is </a:t>
-            </a:r>
-            <a:r>
-              <a:rPr lang="en-US" altLang="zh-CN" dirty="0" smtClean="0"/>
-              <a:t>the </a:t>
-            </a:r>
-            <a:r>
-              <a:rPr lang="en-US" altLang="zh-CN" dirty="0" smtClean="0"/>
-              <a:t>top of the </a:t>
+              <a:t>is the top of the </a:t>
             </a:r>
             <a:r>
               <a:rPr lang="en-US" altLang="zh-CN" dirty="0">
@@ -5173,7 +5073,7 @@
 </p:sld>
 </file>
 
-<file path=ppt/slides/slide22.xml><?xml version="1.0" encoding="utf-8"?>
+<file path=ppt/slides/slide21.xml><?xml version="1.0" encoding="utf-8"?>
 <p:sld xmlns:a="http://schemas.openxmlformats.org/drawingml/2006/main" xmlns:r="http://schemas.openxmlformats.org/officeDocument/2006/relationships" xmlns:p="http://schemas.openxmlformats.org/presentationml/2006/main">
   <p:cSld>
     <p:spTree>
@@ -5300,6 +5200,134 @@
 </p:sld>
 </file>
 
+<file path=ppt/slides/slide22.xml><?xml version="1.0" encoding="utf-8"?>
+<p:sld xmlns:a="http://schemas.openxmlformats.org/drawingml/2006/main" xmlns:r="http://schemas.openxmlformats.org/officeDocument/2006/relationships" xmlns:p="http://schemas.openxmlformats.org/presentationml/2006/main">
+  <p:cSld>
+    <p:spTree>
+      <p:nvGrpSpPr>
+        <p:cNvPr id="1" name=""/>
+        <p:cNvGrpSpPr/>
+        <p:nvPr/>
+      </p:nvGrpSpPr>
+      <p:grpSpPr>
+        <a:xfrm>
+          <a:off x="0" y="0"/>
+          <a:ext cx="0" cy="0"/>
+          <a:chOff x="0" y="0"/>
+          <a:chExt cx="0" cy="0"/>
+        </a:xfrm>
+      </p:grpSpPr>
+      <p:sp>
+        <p:nvSpPr>
+          <p:cNvPr id="2" name="标题 1"/>
+          <p:cNvSpPr>
+            <a:spLocks noGrp="1"/>
+          </p:cNvSpPr>
+          <p:nvPr>
+            <p:ph type="title"/>
+          </p:nvPr>
+        </p:nvSpPr>
+        <p:spPr/>
+        <p:txBody>
+          <a:bodyPr/>
+          <a:lstStyle/>
+          <a:p>
+            <a:r>
+              <a:rPr lang="en-US" altLang="zh-CN" dirty="0" smtClean="0"/>
+              <a:t>Prototype(</a:t>
+            </a:r>
+            <a:r>
+              <a:rPr lang="zh-CN" altLang="en-US" dirty="0" smtClean="0"/>
+              <a:t>原型</a:t>
+            </a:r>
+            <a:r>
+              <a:rPr lang="en-US" altLang="zh-CN" dirty="0" smtClean="0"/>
+              <a:t>)</a:t>
+            </a:r>
+            <a:endParaRPr lang="zh-CN" altLang="en-US" dirty="0"/>
+          </a:p>
+        </p:txBody>
+      </p:sp>
+      <p:sp>
+        <p:nvSpPr>
+          <p:cNvPr id="3" name="内容占位符 2"/>
+          <p:cNvSpPr>
+            <a:spLocks noGrp="1"/>
+          </p:cNvSpPr>
+          <p:nvPr>
+            <p:ph idx="1"/>
+          </p:nvPr>
+        </p:nvSpPr>
+        <p:spPr>
+          <a:xfrm>
+            <a:off x="838200" y="1825624"/>
+            <a:ext cx="10515600" cy="4755479"/>
+          </a:xfrm>
+        </p:spPr>
+        <p:txBody>
+          <a:bodyPr>
+            <a:normAutofit/>
+          </a:bodyPr>
+          <a:lstStyle/>
+          <a:p>
+            <a:r>
+              <a:rPr lang="en-US" altLang="zh-CN" sz="3600" dirty="0" smtClean="0"/>
+              <a:t>All objects have a </a:t>
+            </a:r>
+            <a:r>
+              <a:rPr lang="en-US" altLang="zh-CN" sz="3600" dirty="0" smtClean="0">
+                <a:effectLst>
+                  <a:outerShdw blurRad="38100" dist="38100" dir="2700000" algn="tl">
+                    <a:srgbClr val="000000">
+                      <a:alpha val="43137"/>
+                    </a:srgbClr>
+                  </a:outerShdw>
+                </a:effectLst>
+              </a:rPr>
+              <a:t>__proto__ </a:t>
+            </a:r>
+            <a:r>
+              <a:rPr lang="en-US" altLang="zh-CN" sz="3600" dirty="0" smtClean="0"/>
+              <a:t>property </a:t>
+            </a:r>
+          </a:p>
+          <a:p>
+            <a:r>
+              <a:rPr lang="en-US" altLang="zh-CN" sz="3600" dirty="0" smtClean="0"/>
+              <a:t>When accessing a property on an object the entire </a:t>
+            </a:r>
+            <a:r>
+              <a:rPr lang="en-US" altLang="zh-CN" sz="3600" dirty="0" smtClean="0">
+                <a:effectLst>
+                  <a:outerShdw blurRad="38100" dist="38100" dir="2700000" algn="tl">
+                    <a:srgbClr val="000000">
+                      <a:alpha val="43137"/>
+                    </a:srgbClr>
+                  </a:outerShdw>
+                </a:effectLst>
+              </a:rPr>
+              <a:t>[[prototype]] chain </a:t>
+            </a:r>
+            <a:r>
+              <a:rPr lang="en-US" altLang="zh-CN" sz="3600" dirty="0" smtClean="0"/>
+              <a:t>is searched</a:t>
+            </a:r>
+          </a:p>
+        </p:txBody>
+      </p:sp>
+    </p:spTree>
+    <p:extLst>
+      <p:ext uri="{BB962C8B-B14F-4D97-AF65-F5344CB8AC3E}">
+        <p14:creationId xmlns:p14="http://schemas.microsoft.com/office/powerpoint/2010/main" val="2095398027"/>
+      </p:ext>
+    </p:extLst>
+  </p:cSld>
+  <p:clrMapOvr>
+    <a:masterClrMapping/>
+  </p:clrMapOvr>
+</p:sld>
+</file>
+
 <file path=ppt/slides/slide23.xml><?xml version="1.0" encoding="utf-8"?>
 <p:sld xmlns:a="http://schemas.openxmlformats.org/drawingml/2006/main" xmlns:r="http://schemas.openxmlformats.org/officeDocument/2006/relationships" xmlns:p="http://schemas.openxmlformats.org/presentationml/2006/main">
   <p:cSld>
@@ -5333,139 +5361,6 @@
           <a:lstStyle/>
           <a:p>
             <a:r>
-              <a:rPr lang="en-US" altLang="zh-CN" dirty="0" smtClean="0"/>
-              <a:t>Prototype(</a:t>
-            </a:r>
-            <a:r>
-              <a:rPr lang="zh-CN" altLang="en-US" dirty="0" smtClean="0"/>
-              <a:t>原型</a:t>
-            </a:r>
-            <a:r>
-              <a:rPr lang="en-US" altLang="zh-CN" dirty="0" smtClean="0"/>
-              <a:t>)</a:t>
-            </a:r>
-            <a:endParaRPr lang="zh-CN" altLang="en-US" dirty="0"/>
-          </a:p>
-        </p:txBody>
-      </p:sp>
-      <p:sp>
-        <p:nvSpPr>
-          <p:cNvPr id="3" name="内容占位符 2"/>
-          <p:cNvSpPr>
-            <a:spLocks noGrp="1"/>
-          </p:cNvSpPr>
-          <p:nvPr>
-            <p:ph idx="1"/>
-          </p:nvPr>
-        </p:nvSpPr>
-        <p:spPr>
-          <a:xfrm>
-            <a:off x="838200" y="1825624"/>
-            <a:ext cx="10515600" cy="4755479"/>
-          </a:xfrm>
-        </p:spPr>
-        <p:txBody>
-          <a:bodyPr>
-            <a:normAutofit/>
-          </a:bodyPr>
-          <a:lstStyle/>
-          <a:p>
-            <a:r>
-              <a:rPr lang="en-US" altLang="zh-CN" sz="3600" dirty="0" smtClean="0"/>
-              <a:t>All objects have a </a:t>
-            </a:r>
-            <a:r>
-              <a:rPr lang="en-US" altLang="zh-CN" sz="3600" dirty="0" smtClean="0">
-                <a:effectLst>
-                  <a:outerShdw blurRad="38100" dist="38100" dir="2700000" algn="tl">
-                    <a:srgbClr val="000000">
-                      <a:alpha val="43137"/>
-                    </a:srgbClr>
-                  </a:outerShdw>
-                </a:effectLst>
-              </a:rPr>
-              <a:t>__proto__ </a:t>
-            </a:r>
-            <a:r>
-              <a:rPr lang="en-US" altLang="zh-CN" sz="3600" dirty="0" smtClean="0"/>
-              <a:t>property </a:t>
-            </a:r>
-            <a:endParaRPr lang="en-US" altLang="zh-CN" sz="3600" dirty="0" smtClean="0"/>
-          </a:p>
-          <a:p>
-            <a:r>
-              <a:rPr lang="en-US" altLang="zh-CN" sz="3600" dirty="0" smtClean="0"/>
-              <a:t>When </a:t>
-            </a:r>
-            <a:r>
-              <a:rPr lang="en-US" altLang="zh-CN" sz="3600" dirty="0" smtClean="0"/>
-              <a:t>accessing a property on an object the entire </a:t>
-            </a:r>
-            <a:r>
-              <a:rPr lang="en-US" altLang="zh-CN" sz="3600" dirty="0" smtClean="0">
-                <a:effectLst>
-                  <a:outerShdw blurRad="38100" dist="38100" dir="2700000" algn="tl">
-                    <a:srgbClr val="000000">
-                      <a:alpha val="43137"/>
-                    </a:srgbClr>
-                  </a:outerShdw>
-                </a:effectLst>
-              </a:rPr>
-              <a:t>[[prototype]] chain </a:t>
-            </a:r>
-            <a:r>
-              <a:rPr lang="en-US" altLang="zh-CN" sz="3600" dirty="0" smtClean="0"/>
-              <a:t>is searched</a:t>
-            </a:r>
-          </a:p>
-        </p:txBody>
-      </p:sp>
-    </p:spTree>
-    <p:extLst>
-      <p:ext uri="{BB962C8B-B14F-4D97-AF65-F5344CB8AC3E}">
-        <p14:creationId xmlns:p14="http://schemas.microsoft.com/office/powerpoint/2010/main" val="2095398027"/>
-      </p:ext>
-    </p:extLst>
-  </p:cSld>
-  <p:clrMapOvr>
-    <a:masterClrMapping/>
-  </p:clrMapOvr>
-</p:sld>
-</file>
-
-<file path=ppt/slides/slide24.xml><?xml version="1.0" encoding="utf-8"?>
-<p:sld xmlns:a="http://schemas.openxmlformats.org/drawingml/2006/main" xmlns:r="http://schemas.openxmlformats.org/officeDocument/2006/relationships" xmlns:p="http://schemas.openxmlformats.org/presentationml/2006/main">
-  <p:cSld>
-    <p:spTree>
-      <p:nvGrpSpPr>
-        <p:cNvPr id="1" name=""/>
-        <p:cNvGrpSpPr/>
-        <p:nvPr/>
-      </p:nvGrpSpPr>
-      <p:grpSpPr>
-        <a:xfrm>
-          <a:off x="0" y="0"/>
-          <a:ext cx="0" cy="0"/>
-          <a:chOff x="0" y="0"/>
-          <a:chExt cx="0" cy="0"/>
-        </a:xfrm>
-      </p:grpSpPr>
-      <p:sp>
-        <p:nvSpPr>
-          <p:cNvPr id="2" name="标题 1"/>
-          <p:cNvSpPr>
-            <a:spLocks noGrp="1"/>
-          </p:cNvSpPr>
-          <p:nvPr>
-            <p:ph type="title"/>
-          </p:nvPr>
-        </p:nvSpPr>
-        <p:spPr/>
-        <p:txBody>
-          <a:bodyPr/>
-          <a:lstStyle/>
-          <a:p>
-            <a:r>
               <a:rPr lang="en-US" altLang="zh-CN" dirty="0"/>
               <a:t>Prototype(</a:t>
             </a:r>
@@ -5619,7 +5514,7 @@
 </p:sld>
 </file>
 
-<file path=ppt/slides/slide25.xml><?xml version="1.0" encoding="utf-8"?>
+<file path=ppt/slides/slide24.xml><?xml version="1.0" encoding="utf-8"?>
 <p:sld xmlns:a="http://schemas.openxmlformats.org/drawingml/2006/main" xmlns:r="http://schemas.openxmlformats.org/officeDocument/2006/relationships" xmlns:p="http://schemas.openxmlformats.org/presentationml/2006/main">
   <p:cSld>
     <p:spTree>
@@ -5706,7 +5601,7 @@
 </p:sld>
 </file>
 
-<file path=ppt/slides/slide26.xml><?xml version="1.0" encoding="utf-8"?>
+<file path=ppt/slides/slide25.xml><?xml version="1.0" encoding="utf-8"?>
 <p:sld xmlns:a="http://schemas.openxmlformats.org/drawingml/2006/main" xmlns:r="http://schemas.openxmlformats.org/officeDocument/2006/relationships" xmlns:p="http://schemas.openxmlformats.org/presentationml/2006/main">
   <p:cSld>
     <p:spTree>
@@ -5803,6 +5698,177 @@
 </p:sld>
 </file>
 
+<file path=ppt/slides/slide26.xml><?xml version="1.0" encoding="utf-8"?>
+<p:sld xmlns:a="http://schemas.openxmlformats.org/drawingml/2006/main" xmlns:r="http://schemas.openxmlformats.org/officeDocument/2006/relationships" xmlns:p="http://schemas.openxmlformats.org/presentationml/2006/main">
+  <p:cSld>
+    <p:spTree>
+      <p:nvGrpSpPr>
+        <p:cNvPr id="1" name=""/>
+        <p:cNvGrpSpPr/>
+        <p:nvPr/>
+      </p:nvGrpSpPr>
+      <p:grpSpPr>
+        <a:xfrm>
+          <a:off x="0" y="0"/>
+          <a:ext cx="0" cy="0"/>
+          <a:chOff x="0" y="0"/>
+          <a:chExt cx="0" cy="0"/>
+        </a:xfrm>
+      </p:grpSpPr>
+      <p:sp>
+        <p:nvSpPr>
+          <p:cNvPr id="2" name="标题 1"/>
+          <p:cNvSpPr>
+            <a:spLocks noGrp="1"/>
+          </p:cNvSpPr>
+          <p:nvPr>
+            <p:ph type="title"/>
+          </p:nvPr>
+        </p:nvSpPr>
+        <p:spPr/>
+        <p:txBody>
+          <a:bodyPr/>
+          <a:lstStyle/>
+          <a:p>
+            <a:r>
+              <a:rPr lang="en-US" altLang="zh-CN" dirty="0"/>
+              <a:t>Prototype(</a:t>
+            </a:r>
+            <a:r>
+              <a:rPr lang="zh-CN" altLang="en-US" dirty="0"/>
+              <a:t>原型</a:t>
+            </a:r>
+            <a:r>
+              <a:rPr lang="en-US" altLang="zh-CN" dirty="0"/>
+              <a:t>)</a:t>
+            </a:r>
+            <a:endParaRPr lang="zh-CN" altLang="en-US" dirty="0"/>
+          </a:p>
+        </p:txBody>
+      </p:sp>
+      <p:sp>
+        <p:nvSpPr>
+          <p:cNvPr id="3" name="内容占位符 2"/>
+          <p:cNvSpPr>
+            <a:spLocks noGrp="1"/>
+          </p:cNvSpPr>
+          <p:nvPr>
+            <p:ph idx="1"/>
+          </p:nvPr>
+        </p:nvSpPr>
+        <p:spPr/>
+        <p:txBody>
+          <a:bodyPr/>
+          <a:lstStyle/>
+          <a:p>
+            <a:pPr marL="0" indent="0">
+              <a:buNone/>
+            </a:pPr>
+            <a:r>
+              <a:rPr lang="en-US" altLang="zh-CN" dirty="0" err="1" smtClean="0"/>
+              <a:t>Array.prototype.remove</a:t>
+            </a:r>
+            <a:r>
+              <a:rPr lang="en-US" altLang="zh-CN" dirty="0" smtClean="0"/>
+              <a:t> = </a:t>
+            </a:r>
+            <a:r>
+              <a:rPr lang="en-US" altLang="zh-CN" dirty="0" err="1" smtClean="0"/>
+              <a:t>Array.prototype.remove</a:t>
+            </a:r>
+            <a:r>
+              <a:rPr lang="en-US" altLang="zh-CN" dirty="0" smtClean="0"/>
+              <a:t> || function(member){</a:t>
+            </a:r>
+          </a:p>
+          <a:p>
+            <a:pPr marL="0" indent="0">
+              <a:buNone/>
+            </a:pPr>
+            <a:r>
+              <a:rPr lang="en-US" altLang="zh-CN" dirty="0"/>
+              <a:t> </a:t>
+            </a:r>
+            <a:r>
+              <a:rPr lang="en-US" altLang="zh-CN" dirty="0" smtClean="0"/>
+              <a:t>   </a:t>
+            </a:r>
+            <a:r>
+              <a:rPr lang="en-US" altLang="zh-CN" dirty="0" err="1" smtClean="0"/>
+              <a:t>var</a:t>
+            </a:r>
+            <a:r>
+              <a:rPr lang="en-US" altLang="zh-CN" dirty="0" smtClean="0"/>
+              <a:t> index = </a:t>
+            </a:r>
+            <a:r>
+              <a:rPr lang="en-US" altLang="zh-CN" dirty="0" err="1" smtClean="0"/>
+              <a:t>this.indexOf</a:t>
+            </a:r>
+            <a:r>
+              <a:rPr lang="en-US" altLang="zh-CN" dirty="0" smtClean="0"/>
+              <a:t>(member);</a:t>
+            </a:r>
+          </a:p>
+          <a:p>
+            <a:pPr marL="0" indent="0">
+              <a:buNone/>
+            </a:pPr>
+            <a:r>
+              <a:rPr lang="en-US" altLang="zh-CN" dirty="0"/>
+              <a:t> </a:t>
+            </a:r>
+            <a:r>
+              <a:rPr lang="en-US" altLang="zh-CN" dirty="0" smtClean="0"/>
+              <a:t>   if (index &gt; -1) {</a:t>
+            </a:r>
+            <a:r>
+              <a:rPr lang="en-US" altLang="zh-CN" dirty="0" err="1" smtClean="0"/>
+              <a:t>this.splice</a:t>
+            </a:r>
+            <a:r>
+              <a:rPr lang="en-US" altLang="zh-CN" dirty="0" smtClean="0"/>
+              <a:t>(index, 1);};</a:t>
+            </a:r>
+          </a:p>
+          <a:p>
+            <a:pPr marL="0" indent="0">
+              <a:buNone/>
+            </a:pPr>
+            <a:r>
+              <a:rPr lang="en-US" altLang="zh-CN" dirty="0"/>
+              <a:t> </a:t>
+            </a:r>
+            <a:r>
+              <a:rPr lang="en-US" altLang="zh-CN" dirty="0" smtClean="0"/>
+              <a:t>   return this;</a:t>
+            </a:r>
+          </a:p>
+          <a:p>
+            <a:pPr marL="0" indent="0">
+              <a:buNone/>
+            </a:pPr>
+            <a:r>
+              <a:rPr lang="en-US" altLang="zh-CN" dirty="0" smtClean="0"/>
+              <a:t>}</a:t>
+            </a:r>
+            <a:endParaRPr lang="zh-CN" altLang="en-US" dirty="0"/>
+          </a:p>
+        </p:txBody>
+      </p:sp>
+    </p:spTree>
+    <p:extLst>
+      <p:ext uri="{BB962C8B-B14F-4D97-AF65-F5344CB8AC3E}">
+        <p14:creationId xmlns:p14="http://schemas.microsoft.com/office/powerpoint/2010/main" val="3735561078"/>
+      </p:ext>
+    </p:extLst>
+  </p:cSld>
+  <p:clrMapOvr>
+    <a:masterClrMapping/>
+  </p:clrMapOvr>
+</p:sld>
+</file>
+
 <file path=ppt/slides/slide27.xml><?xml version="1.0" encoding="utf-8"?>
 <p:sld xmlns:a="http://schemas.openxmlformats.org/drawingml/2006/main" xmlns:r="http://schemas.openxmlformats.org/officeDocument/2006/relationships" xmlns:p="http://schemas.openxmlformats.org/presentationml/2006/main">
   <p:cSld>
@@ -5866,105 +5932,72 @@
           <a:bodyPr/>
           <a:lstStyle/>
           <a:p>
-            <a:pPr marL="0" indent="0">
-              <a:buNone/>
-            </a:pPr>
+            <a:r>
+              <a:rPr lang="en-US" altLang="zh-CN" dirty="0" err="1"/>
+              <a:t>Object.getPrototypeOf</a:t>
+            </a:r>
+            <a:r>
+              <a:rPr lang="en-US" altLang="zh-CN" dirty="0" smtClean="0"/>
+              <a:t>()</a:t>
+            </a:r>
+          </a:p>
+          <a:p>
             <a:r>
               <a:rPr lang="en-US" altLang="zh-CN" dirty="0" err="1" smtClean="0"/>
-              <a:t>Array.prototype.remove</a:t>
-            </a:r>
-            <a:r>
-              <a:rPr lang="en-US" altLang="zh-CN" dirty="0" smtClean="0"/>
-              <a:t> = </a:t>
-            </a:r>
+              <a:t>Object.hasOwnProperty</a:t>
+            </a:r>
+            <a:r>
+              <a:rPr lang="en-US" altLang="zh-CN" dirty="0" smtClean="0"/>
+              <a:t>()</a:t>
+            </a:r>
+          </a:p>
+          <a:p>
             <a:r>
               <a:rPr lang="en-US" altLang="zh-CN" dirty="0" err="1" smtClean="0"/>
-              <a:t>Array.prototype.remove</a:t>
-            </a:r>
-            <a:r>
-              <a:rPr lang="en-US" altLang="zh-CN" dirty="0" smtClean="0"/>
-              <a:t> || function(member){</a:t>
-            </a:r>
-          </a:p>
-          <a:p>
-            <a:pPr marL="0" indent="0">
-              <a:buNone/>
-            </a:pPr>
-            <a:r>
-              <a:rPr lang="en-US" altLang="zh-CN" dirty="0"/>
-              <a:t> </a:t>
-            </a:r>
-            <a:r>
-              <a:rPr lang="en-US" altLang="zh-CN" dirty="0" smtClean="0"/>
-              <a:t>   </a:t>
-            </a:r>
+              <a:t>Object.getOwnPropertyNames</a:t>
+            </a:r>
+            <a:r>
+              <a:rPr lang="en-US" altLang="zh-CN" dirty="0" smtClean="0"/>
+              <a:t>()</a:t>
+            </a:r>
+            <a:endParaRPr lang="zh-CN" altLang="en-US" dirty="0" smtClean="0"/>
+          </a:p>
+          <a:p>
             <a:r>
               <a:rPr lang="en-US" altLang="zh-CN" dirty="0" err="1" smtClean="0"/>
-              <a:t>var</a:t>
-            </a:r>
-            <a:r>
-              <a:rPr lang="en-US" altLang="zh-CN" dirty="0" smtClean="0"/>
-              <a:t> index = </a:t>
+              <a:t>instanceof</a:t>
+            </a:r>
+            <a:endParaRPr lang="en-US" altLang="zh-CN" dirty="0" smtClean="0"/>
+          </a:p>
+          <a:p>
+            <a:pPr lvl="1"/>
+            <a:r>
+              <a:rPr lang="en-US" altLang="zh-CN" dirty="0" smtClean="0"/>
+              <a:t>The </a:t>
             </a:r>
             <a:r>
               <a:rPr lang="en-US" altLang="zh-CN" dirty="0" err="1" smtClean="0"/>
-              <a:t>this.indexOf</a:t>
-            </a:r>
-            <a:r>
-              <a:rPr lang="en-US" altLang="zh-CN" dirty="0" smtClean="0"/>
-              <a:t>(member);</a:t>
-            </a:r>
-          </a:p>
-          <a:p>
-            <a:pPr marL="0" indent="0">
-              <a:buNone/>
-            </a:pPr>
-            <a:r>
-              <a:rPr lang="en-US" altLang="zh-CN" dirty="0"/>
-              <a:t> </a:t>
-            </a:r>
-            <a:r>
-              <a:rPr lang="en-US" altLang="zh-CN" dirty="0" smtClean="0"/>
-              <a:t>   if (index &gt; -1) {</a:t>
-            </a:r>
+              <a:t>instanceof</a:t>
+            </a:r>
+            <a:r>
+              <a:rPr lang="en-US" altLang="zh-CN" dirty="0" smtClean="0"/>
+              <a:t> operator actually checks if the [[prototype]] chain of the first argument contains the prototype property of the second argument (a function)</a:t>
+            </a:r>
+            <a:endParaRPr lang="en-US" altLang="zh-CN" dirty="0"/>
+          </a:p>
+          <a:p>
             <a:r>
               <a:rPr lang="en-US" altLang="zh-CN" dirty="0" err="1" smtClean="0"/>
-              <a:t>this.splice</a:t>
-            </a:r>
-            <a:r>
-              <a:rPr lang="en-US" altLang="zh-CN" dirty="0" smtClean="0"/>
-              <a:t>(index, 1);};</a:t>
-            </a:r>
-          </a:p>
-          <a:p>
-            <a:pPr marL="0" indent="0">
-              <a:buNone/>
-            </a:pPr>
-            <a:r>
-              <a:rPr lang="en-US" altLang="zh-CN" dirty="0"/>
-              <a:t> </a:t>
-            </a:r>
-            <a:r>
-              <a:rPr lang="en-US" altLang="zh-CN" dirty="0" smtClean="0"/>
-              <a:t>   return this;</a:t>
-            </a:r>
-          </a:p>
-          <a:p>
-            <a:pPr marL="0" indent="0">
-              <a:buNone/>
-            </a:pPr>
-            <a:r>
-              <a:rPr lang="en-US" altLang="zh-CN" dirty="0" smtClean="0"/>
-              <a:t>}</a:t>
-            </a:r>
-            <a:endParaRPr lang="zh-CN" altLang="en-US" dirty="0"/>
+              <a:t>Object.create</a:t>
+            </a:r>
+            <a:endParaRPr lang="en-US" altLang="zh-CN" dirty="0" smtClean="0"/>
           </a:p>
         </p:txBody>
       </p:sp>
     </p:spTree>
     <p:extLst>
       <p:ext uri="{BB962C8B-B14F-4D97-AF65-F5344CB8AC3E}">
-        <p14:creationId xmlns:p14="http://schemas.microsoft.com/office/powerpoint/2010/main" val="3735561078"/>
+        <p14:creationId xmlns:p14="http://schemas.microsoft.com/office/powerpoint/2010/main" val="3512508059"/>
       </p:ext>
     </p:extLst>
   </p:cSld>
@@ -6007,16 +6040,16 @@
           <a:lstStyle/>
           <a:p>
             <a:r>
-              <a:rPr lang="en-US" altLang="zh-CN" dirty="0"/>
-              <a:t>Prototype(</a:t>
-            </a:r>
-            <a:r>
-              <a:rPr lang="zh-CN" altLang="en-US" dirty="0"/>
+              <a:rPr lang="zh-CN" altLang="en-US" dirty="0" smtClean="0"/>
               <a:t>原型</a:t>
             </a:r>
             <a:r>
-              <a:rPr lang="en-US" altLang="zh-CN" dirty="0"/>
-              <a:t>)</a:t>
+              <a:rPr lang="en-US" altLang="zh-CN" dirty="0" smtClean="0"/>
+              <a:t>+</a:t>
+            </a:r>
+            <a:r>
+              <a:rPr lang="zh-CN" altLang="en-US" dirty="0" smtClean="0"/>
+              <a:t>构造方法</a:t>
             </a:r>
             <a:endParaRPr lang="zh-CN" altLang="en-US" dirty="0"/>
           </a:p>
@@ -6037,76 +6070,14 @@
           <a:bodyPr/>
           <a:lstStyle/>
           <a:p>
-            <a:r>
-              <a:rPr lang="en-US" altLang="zh-CN" dirty="0" err="1"/>
-              <a:t>Object.getPrototypeOf</a:t>
-            </a:r>
-            <a:r>
-              <a:rPr lang="en-US" altLang="zh-CN" dirty="0" smtClean="0"/>
-              <a:t>()</a:t>
-            </a:r>
-          </a:p>
-          <a:p>
-            <a:r>
-              <a:rPr lang="en-US" altLang="zh-CN" dirty="0" err="1" smtClean="0"/>
-              <a:t>Object.hasOwnProperty</a:t>
-            </a:r>
-            <a:r>
-              <a:rPr lang="en-US" altLang="zh-CN" dirty="0" smtClean="0"/>
-              <a:t>()</a:t>
-            </a:r>
-          </a:p>
-          <a:p>
-            <a:r>
-              <a:rPr lang="en-US" altLang="zh-CN" dirty="0" err="1" smtClean="0"/>
-              <a:t>Object.getOwnPropertyNames</a:t>
-            </a:r>
-            <a:r>
-              <a:rPr lang="en-US" altLang="zh-CN" dirty="0" smtClean="0"/>
-              <a:t>()</a:t>
-            </a:r>
-            <a:endParaRPr lang="zh-CN" altLang="en-US" dirty="0" smtClean="0"/>
-          </a:p>
-          <a:p>
-            <a:r>
-              <a:rPr lang="en-US" altLang="zh-CN" dirty="0" err="1" smtClean="0"/>
-              <a:t>instanceof</a:t>
-            </a:r>
-            <a:endParaRPr lang="en-US" altLang="zh-CN" dirty="0" smtClean="0"/>
-          </a:p>
-          <a:p>
-            <a:pPr lvl="1"/>
-            <a:r>
-              <a:rPr lang="en-US" altLang="zh-CN" dirty="0" smtClean="0"/>
-              <a:t>The </a:t>
-            </a:r>
-            <a:r>
-              <a:rPr lang="en-US" altLang="zh-CN" dirty="0" err="1" smtClean="0"/>
-              <a:t>instanceof</a:t>
-            </a:r>
-            <a:r>
-              <a:rPr lang="en-US" altLang="zh-CN" dirty="0" smtClean="0"/>
-              <a:t> operator actually checks if the [[prototype]] chain of the first argument contains the prototype property of the second argument (a function</a:t>
-            </a:r>
-            <a:r>
-              <a:rPr lang="en-US" altLang="zh-CN" dirty="0" smtClean="0"/>
-              <a:t>)</a:t>
-            </a:r>
-            <a:endParaRPr lang="en-US" altLang="zh-CN" dirty="0"/>
-          </a:p>
-          <a:p>
-            <a:r>
-              <a:rPr lang="en-US" altLang="zh-CN" dirty="0" err="1" smtClean="0"/>
-              <a:t>Object.create</a:t>
-            </a:r>
-            <a:endParaRPr lang="en-US" altLang="zh-CN" dirty="0" smtClean="0"/>
+            <a:endParaRPr lang="zh-CN" altLang="en-US"/>
           </a:p>
         </p:txBody>
       </p:sp>
     </p:spTree>
     <p:extLst>
       <p:ext uri="{BB962C8B-B14F-4D97-AF65-F5344CB8AC3E}">
-        <p14:creationId xmlns:p14="http://schemas.microsoft.com/office/powerpoint/2010/main" val="3512508059"/>
+        <p14:creationId xmlns:p14="http://schemas.microsoft.com/office/powerpoint/2010/main" val="1421987959"/>
       </p:ext>
     </p:extLst>
   </p:cSld>
@@ -6750,28 +6721,52 @@
           <a:lstStyle/>
           <a:p>
             <a:r>
+              <a:rPr lang="en-US" altLang="zh-CN" dirty="0" smtClean="0"/>
+              <a:t>timer</a:t>
+            </a:r>
+            <a:endParaRPr lang="zh-CN" altLang="en-US" dirty="0"/>
+          </a:p>
+        </p:txBody>
+      </p:sp>
+      <p:sp>
+        <p:nvSpPr>
+          <p:cNvPr id="3" name="内容占位符 2"/>
+          <p:cNvSpPr>
+            <a:spLocks noGrp="1"/>
+          </p:cNvSpPr>
+          <p:nvPr>
+            <p:ph idx="1"/>
+          </p:nvPr>
+        </p:nvSpPr>
+        <p:spPr/>
+        <p:txBody>
+          <a:bodyPr/>
+          <a:lstStyle/>
+          <a:p>
+            <a:r>
               <a:rPr lang="en-US" altLang="zh-CN" dirty="0" err="1" smtClean="0"/>
               <a:t>setTimeout</a:t>
             </a:r>
-            <a:endParaRPr lang="zh-CN" altLang="en-US" dirty="0"/>
-          </a:p>
-        </p:txBody>
-      </p:sp>
-      <p:sp>
-        <p:nvSpPr>
-          <p:cNvPr id="3" name="内容占位符 2"/>
-          <p:cNvSpPr>
-            <a:spLocks noGrp="1"/>
-          </p:cNvSpPr>
-          <p:nvPr>
-            <p:ph idx="1"/>
-          </p:nvPr>
-        </p:nvSpPr>
-        <p:spPr/>
-        <p:txBody>
-          <a:bodyPr/>
-          <a:lstStyle/>
-          <a:p>
+            <a:r>
+              <a:rPr lang="en-US" altLang="zh-CN" dirty="0" smtClean="0"/>
+              <a:t>(</a:t>
+            </a:r>
+            <a:r>
+              <a:rPr lang="en-US" altLang="zh-CN" dirty="0" err="1" smtClean="0"/>
+              <a:t>fn</a:t>
+            </a:r>
+            <a:r>
+              <a:rPr lang="en-US" altLang="zh-CN" dirty="0" smtClean="0"/>
+              <a:t>, </a:t>
+            </a:r>
+            <a:r>
+              <a:rPr lang="en-US" altLang="zh-CN" dirty="0" err="1" smtClean="0"/>
+              <a:t>ms</a:t>
+            </a:r>
+            <a:r>
+              <a:rPr lang="en-US" altLang="zh-CN" dirty="0" smtClean="0"/>
+              <a:t>);</a:t>
+            </a:r>
             <a:endParaRPr lang="zh-CN" altLang="en-US" dirty="0"/>
           </a:p>
         </p:txBody>
@@ -6823,176 +6818,45 @@
           <a:p>
             <a:r>
               <a:rPr lang="en-US" altLang="zh-CN" dirty="0" smtClean="0"/>
-              <a:t>Curry</a:t>
+              <a:t>Event loop</a:t>
             </a:r>
             <a:endParaRPr lang="zh-CN" altLang="en-US" dirty="0"/>
           </a:p>
         </p:txBody>
       </p:sp>
-      <p:sp>
-        <p:nvSpPr>
-          <p:cNvPr id="3" name="内容占位符 2"/>
-          <p:cNvSpPr>
-            <a:spLocks noGrp="1"/>
-          </p:cNvSpPr>
+      <p:pic>
+        <p:nvPicPr>
+          <p:cNvPr id="4" name="内容占位符 3"/>
+          <p:cNvPicPr>
+            <a:picLocks noGrp="1" noChangeAspect="1"/>
+          </p:cNvPicPr>
           <p:nvPr>
             <p:ph idx="1"/>
           </p:nvPr>
-        </p:nvSpPr>
-        <p:spPr/>
-        <p:txBody>
-          <a:bodyPr>
-            <a:normAutofit lnSpcReduction="10000"/>
-          </a:bodyPr>
-          <a:lstStyle/>
-          <a:p>
-            <a:pPr marL="0" indent="0">
-              <a:buNone/>
-            </a:pPr>
-            <a:r>
-              <a:rPr lang="en-US" altLang="zh-CN" dirty="0" err="1"/>
-              <a:t>Function.prototype.curry</a:t>
-            </a:r>
-            <a:r>
-              <a:rPr lang="en-US" altLang="zh-CN" dirty="0"/>
-              <a:t> = function() {</a:t>
-            </a:r>
-          </a:p>
-          <a:p>
-            <a:pPr marL="0" indent="0">
-              <a:buNone/>
-            </a:pPr>
-            <a:r>
-              <a:rPr lang="en-US" altLang="zh-CN" dirty="0"/>
-              <a:t>    </a:t>
-            </a:r>
-            <a:r>
-              <a:rPr lang="en-US" altLang="zh-CN" dirty="0" err="1"/>
-              <a:t>var</a:t>
-            </a:r>
-            <a:r>
-              <a:rPr lang="en-US" altLang="zh-CN" dirty="0"/>
-              <a:t> </a:t>
-            </a:r>
-            <a:r>
-              <a:rPr lang="en-US" altLang="zh-CN" dirty="0" err="1"/>
-              <a:t>args</a:t>
-            </a:r>
-            <a:r>
-              <a:rPr lang="en-US" altLang="zh-CN" dirty="0"/>
-              <a:t> = </a:t>
-            </a:r>
-            <a:r>
-              <a:rPr lang="en-US" altLang="zh-CN" dirty="0" err="1"/>
-              <a:t>Array.prototype.slice.apply</a:t>
-            </a:r>
-            <a:r>
-              <a:rPr lang="en-US" altLang="zh-CN" dirty="0"/>
-              <a:t>(arguments);</a:t>
-            </a:r>
-          </a:p>
-          <a:p>
-            <a:pPr marL="0" indent="0">
-              <a:buNone/>
-            </a:pPr>
-            <a:r>
-              <a:rPr lang="en-US" altLang="zh-CN" dirty="0"/>
-              <a:t>    </a:t>
-            </a:r>
-          </a:p>
-          <a:p>
-            <a:pPr marL="0" indent="0">
-              <a:buNone/>
-            </a:pPr>
-            <a:r>
-              <a:rPr lang="en-US" altLang="zh-CN" dirty="0"/>
-              <a:t>    </a:t>
-            </a:r>
-            <a:r>
-              <a:rPr lang="en-US" altLang="zh-CN" dirty="0" err="1"/>
-              <a:t>var</a:t>
-            </a:r>
-            <a:r>
-              <a:rPr lang="en-US" altLang="zh-CN" dirty="0"/>
-              <a:t> __method = this</a:t>
-            </a:r>
-            <a:r>
-              <a:rPr lang="en-US" altLang="zh-CN" dirty="0" smtClean="0"/>
-              <a:t>;</a:t>
-            </a:r>
-            <a:endParaRPr lang="en-US" altLang="zh-CN" dirty="0"/>
-          </a:p>
-          <a:p>
-            <a:pPr marL="0" indent="0">
-              <a:buNone/>
-            </a:pPr>
-            <a:r>
-              <a:rPr lang="en-US" altLang="zh-CN" dirty="0"/>
-              <a:t>    return function() {</a:t>
-            </a:r>
-          </a:p>
-          <a:p>
-            <a:pPr marL="0" indent="0">
-              <a:buNone/>
-            </a:pPr>
-            <a:r>
-              <a:rPr lang="en-US" altLang="zh-CN" dirty="0"/>
-              <a:t>        return __</a:t>
-            </a:r>
-            <a:r>
-              <a:rPr lang="en-US" altLang="zh-CN" dirty="0" err="1"/>
-              <a:t>method.apply</a:t>
-            </a:r>
-            <a:r>
-              <a:rPr lang="en-US" altLang="zh-CN" dirty="0"/>
-              <a:t>(this, </a:t>
-            </a:r>
-            <a:r>
-              <a:rPr lang="en-US" altLang="zh-CN" dirty="0" err="1" smtClean="0"/>
-              <a:t>args.concat</a:t>
-            </a:r>
-            <a:r>
-              <a:rPr lang="en-US" altLang="zh-CN" dirty="0" smtClean="0"/>
-              <a:t>(</a:t>
-            </a:r>
-            <a:r>
-              <a:rPr lang="en-US" altLang="zh-CN" dirty="0" err="1" smtClean="0"/>
-              <a:t>Array.prototype.slice.apply</a:t>
-            </a:r>
-            <a:r>
-              <a:rPr lang="en-US" altLang="zh-CN" dirty="0" smtClean="0"/>
-              <a:t>(arguments</a:t>
-            </a:r>
-            <a:r>
-              <a:rPr lang="en-US" altLang="zh-CN" dirty="0"/>
-              <a:t>)));</a:t>
-            </a:r>
-          </a:p>
-          <a:p>
-            <a:pPr marL="0" indent="0">
-              <a:buNone/>
-            </a:pPr>
-            <a:r>
-              <a:rPr lang="en-US" altLang="zh-CN" dirty="0"/>
-              <a:t>    }</a:t>
-            </a:r>
-          </a:p>
-          <a:p>
-            <a:pPr marL="0" indent="0">
-              <a:buNone/>
-            </a:pPr>
-            <a:r>
-              <a:rPr lang="en-US" altLang="zh-CN" dirty="0"/>
-              <a:t>}</a:t>
-            </a:r>
-            <a:endParaRPr lang="zh-CN" altLang="en-US" dirty="0"/>
-          </a:p>
-        </p:txBody>
-      </p:sp>
+        </p:nvPicPr>
+        <p:blipFill>
+          <a:blip r:embed="rId2">
+            <a:extLst>
+              <a:ext uri="{28A0092B-C50C-407E-A947-70E740481C1C}">
+                <a14:useLocalDpi xmlns:a14="http://schemas.microsoft.com/office/drawing/2010/main" val="0"/>
+              </a:ext>
+            </a:extLst>
+          </a:blip>
+          <a:stretch>
+            <a:fillRect/>
+          </a:stretch>
+        </p:blipFill>
+        <p:spPr>
+          <a:xfrm>
+            <a:off x="3015192" y="1690688"/>
+            <a:ext cx="5981700" cy="4486275"/>
+          </a:xfrm>
+        </p:spPr>
+      </p:pic>
     </p:spTree>
     <p:extLst>
       <p:ext uri="{BB962C8B-B14F-4D97-AF65-F5344CB8AC3E}">
-        <p14:creationId xmlns:p14="http://schemas.microsoft.com/office/powerpoint/2010/main" val="1657822600"/>
+        <p14:creationId xmlns:p14="http://schemas.microsoft.com/office/powerpoint/2010/main" val="2566459839"/>
       </p:ext>
     </p:extLst>
   </p:cSld>
@@ -7036,15 +6900,7 @@
           <a:p>
             <a:r>
               <a:rPr lang="en-US" altLang="zh-CN" dirty="0" smtClean="0"/>
-              <a:t>Encapsulation(</a:t>
-            </a:r>
-            <a:r>
-              <a:rPr lang="zh-CN" altLang="en-US" dirty="0" smtClean="0"/>
-              <a:t>封装</a:t>
-            </a:r>
-            <a:r>
-              <a:rPr lang="en-US" altLang="zh-CN" dirty="0" smtClean="0"/>
-              <a:t>)</a:t>
+              <a:t>Curry</a:t>
             </a:r>
             <a:endParaRPr lang="zh-CN" altLang="en-US" dirty="0"/>
           </a:p>
@@ -7062,17 +6918,158 @@
         </p:nvSpPr>
         <p:spPr/>
         <p:txBody>
-          <a:bodyPr/>
+          <a:bodyPr>
+            <a:normAutofit lnSpcReduction="10000"/>
+          </a:bodyPr>
           <a:lstStyle/>
           <a:p>
-            <a:endParaRPr lang="zh-CN" altLang="en-US"/>
+            <a:pPr marL="0" indent="0">
+              <a:buNone/>
+            </a:pPr>
+            <a:r>
+              <a:rPr lang="en-US" altLang="zh-CN" dirty="0" err="1"/>
+              <a:t>Function.prototype.curry</a:t>
+            </a:r>
+            <a:r>
+              <a:rPr lang="en-US" altLang="zh-CN" dirty="0"/>
+              <a:t> = function() {</a:t>
+            </a:r>
+          </a:p>
+          <a:p>
+            <a:pPr marL="0" indent="0">
+              <a:buNone/>
+            </a:pPr>
+            <a:r>
+              <a:rPr lang="en-US" altLang="zh-CN" dirty="0"/>
+              <a:t>    </a:t>
+            </a:r>
+            <a:r>
+              <a:rPr lang="en-US" altLang="zh-CN" dirty="0" err="1"/>
+              <a:t>var</a:t>
+            </a:r>
+            <a:r>
+              <a:rPr lang="en-US" altLang="zh-CN" dirty="0"/>
+              <a:t> </a:t>
+            </a:r>
+            <a:r>
+              <a:rPr lang="en-US" altLang="zh-CN" dirty="0" err="1"/>
+              <a:t>args</a:t>
+            </a:r>
+            <a:r>
+              <a:rPr lang="en-US" altLang="zh-CN" dirty="0"/>
+              <a:t> = </a:t>
+            </a:r>
+            <a:r>
+              <a:rPr lang="en-US" altLang="zh-CN" dirty="0" err="1"/>
+              <a:t>Array.prototype.slice.apply</a:t>
+            </a:r>
+            <a:r>
+              <a:rPr lang="en-US" altLang="zh-CN" dirty="0"/>
+              <a:t>(arguments);</a:t>
+            </a:r>
+          </a:p>
+          <a:p>
+            <a:pPr marL="0" indent="0">
+              <a:buNone/>
+            </a:pPr>
+            <a:r>
+              <a:rPr lang="en-US" altLang="zh-CN" dirty="0"/>
+              <a:t>    </a:t>
+            </a:r>
+          </a:p>
+          <a:p>
+            <a:pPr marL="0" indent="0">
+              <a:buNone/>
+            </a:pPr>
+            <a:r>
+              <a:rPr lang="en-US" altLang="zh-CN" dirty="0"/>
+              <a:t>    </a:t>
+            </a:r>
+            <a:r>
+              <a:rPr lang="en-US" altLang="zh-CN" dirty="0" err="1"/>
+              <a:t>var</a:t>
+            </a:r>
+            <a:r>
+              <a:rPr lang="en-US" altLang="zh-CN" dirty="0"/>
+              <a:t> __method = this</a:t>
+            </a:r>
+            <a:r>
+              <a:rPr lang="en-US" altLang="zh-CN" dirty="0" smtClean="0"/>
+              <a:t>;</a:t>
+            </a:r>
+            <a:endParaRPr lang="en-US" altLang="zh-CN" dirty="0"/>
+          </a:p>
+          <a:p>
+            <a:pPr marL="0" indent="0">
+              <a:buNone/>
+            </a:pPr>
+            <a:r>
+              <a:rPr lang="en-US" altLang="zh-CN" dirty="0"/>
+              <a:t>    return function() {</a:t>
+            </a:r>
+          </a:p>
+          <a:p>
+            <a:pPr marL="0" indent="0">
+              <a:buNone/>
+            </a:pPr>
+            <a:r>
+              <a:rPr lang="en-US" altLang="zh-CN" dirty="0"/>
+              <a:t>        return __</a:t>
+            </a:r>
+            <a:r>
+              <a:rPr lang="en-US" altLang="zh-CN" dirty="0" err="1"/>
+              <a:t>method.apply</a:t>
+            </a:r>
+            <a:r>
+              <a:rPr lang="en-US" altLang="zh-CN" dirty="0"/>
+              <a:t>(this, </a:t>
+            </a:r>
+            <a:r>
+              <a:rPr lang="en-US" altLang="zh-CN" dirty="0" err="1" smtClean="0"/>
+              <a:t>args.concat</a:t>
+            </a:r>
+            <a:r>
+              <a:rPr lang="en-US" altLang="zh-CN" dirty="0" smtClean="0"/>
+              <a:t>(</a:t>
+            </a:r>
+            <a:r>
+              <a:rPr lang="en-US" altLang="zh-CN" dirty="0" err="1" smtClean="0"/>
+              <a:t>Array.prototype.slice.apply</a:t>
+            </a:r>
+            <a:r>
+              <a:rPr lang="en-US" altLang="zh-CN" dirty="0" smtClean="0"/>
+              <a:t>(arguments</a:t>
+            </a:r>
+            <a:r>
+              <a:rPr lang="en-US" altLang="zh-CN" dirty="0"/>
+              <a:t>)));</a:t>
+            </a:r>
+          </a:p>
+          <a:p>
+            <a:pPr marL="0" indent="0">
+              <a:buNone/>
+            </a:pPr>
+            <a:r>
+              <a:rPr lang="en-US" altLang="zh-CN" dirty="0"/>
+              <a:t>    }</a:t>
+            </a:r>
+          </a:p>
+          <a:p>
+            <a:pPr marL="0" indent="0">
+              <a:buNone/>
+            </a:pPr>
+            <a:r>
+              <a:rPr lang="en-US" altLang="zh-CN" dirty="0"/>
+              <a:t>}</a:t>
+            </a:r>
+            <a:endParaRPr lang="zh-CN" altLang="en-US" dirty="0"/>
           </a:p>
         </p:txBody>
       </p:sp>
     </p:spTree>
     <p:extLst>
       <p:ext uri="{BB962C8B-B14F-4D97-AF65-F5344CB8AC3E}">
-        <p14:creationId xmlns:p14="http://schemas.microsoft.com/office/powerpoint/2010/main" val="4110042064"/>
+        <p14:creationId xmlns:p14="http://schemas.microsoft.com/office/powerpoint/2010/main" val="1657822600"/>
       </p:ext>
     </p:extLst>
   </p:cSld>
@@ -7116,11 +7113,11 @@
           <a:p>
             <a:r>
               <a:rPr lang="en-US" altLang="zh-CN" dirty="0" smtClean="0"/>
-              <a:t>Inheritance(</a:t>
+              <a:t>Encapsulation(</a:t>
             </a:r>
             <a:r>
               <a:rPr lang="zh-CN" altLang="en-US" dirty="0" smtClean="0"/>
-              <a:t>继承</a:t>
+              <a:t>封装</a:t>
             </a:r>
             <a:r>
               <a:rPr lang="en-US" altLang="zh-CN" dirty="0" smtClean="0"/>
@@ -7145,64 +7142,14 @@
           <a:bodyPr/>
           <a:lstStyle/>
           <a:p>
-            <a:r>
-              <a:rPr lang="zh-CN" altLang="en-US" dirty="0" smtClean="0"/>
-              <a:t>对象拷贝</a:t>
-            </a:r>
-            <a:endParaRPr lang="en-US" altLang="zh-CN" dirty="0" smtClean="0"/>
-          </a:p>
-          <a:p>
-            <a:r>
-              <a:rPr lang="zh-CN" altLang="en-US" dirty="0" smtClean="0"/>
-              <a:t>对象冒充</a:t>
-            </a:r>
-            <a:endParaRPr lang="en-US" altLang="zh-CN" dirty="0" smtClean="0"/>
-          </a:p>
-          <a:p>
-            <a:r>
-              <a:rPr lang="en-US" altLang="zh-CN" dirty="0" smtClean="0"/>
-              <a:t>Call</a:t>
-            </a:r>
-            <a:r>
-              <a:rPr lang="zh-CN" altLang="en-US" dirty="0" smtClean="0"/>
-              <a:t>方法</a:t>
-            </a:r>
-            <a:endParaRPr lang="en-US" altLang="zh-CN" dirty="0" smtClean="0"/>
-          </a:p>
-          <a:p>
-            <a:r>
-              <a:rPr lang="en-US" altLang="zh-CN" dirty="0" smtClean="0"/>
-              <a:t>Apply</a:t>
-            </a:r>
-            <a:r>
-              <a:rPr lang="zh-CN" altLang="en-US" dirty="0" smtClean="0"/>
-              <a:t>方法</a:t>
-            </a:r>
-            <a:endParaRPr lang="en-US" altLang="zh-CN" dirty="0" smtClean="0"/>
-          </a:p>
-          <a:p>
-            <a:r>
-              <a:rPr lang="zh-CN" altLang="en-US" dirty="0" smtClean="0"/>
-              <a:t>原型链</a:t>
-            </a:r>
-            <a:endParaRPr lang="en-US" altLang="zh-CN" dirty="0" smtClean="0"/>
-          </a:p>
-          <a:p>
-            <a:r>
-              <a:rPr lang="zh-CN" altLang="en-US" dirty="0" smtClean="0"/>
-              <a:t>混合方式</a:t>
-            </a:r>
-            <a:endParaRPr lang="en-US" altLang="zh-CN" dirty="0" smtClean="0"/>
-          </a:p>
-          <a:p>
-            <a:endParaRPr lang="zh-CN" altLang="en-US" dirty="0"/>
+            <a:endParaRPr lang="zh-CN" altLang="en-US"/>
           </a:p>
         </p:txBody>
       </p:sp>
     </p:spTree>
     <p:extLst>
       <p:ext uri="{BB962C8B-B14F-4D97-AF65-F5344CB8AC3E}">
-        <p14:creationId xmlns:p14="http://schemas.microsoft.com/office/powerpoint/2010/main" val="3855739098"/>
+        <p14:creationId xmlns:p14="http://schemas.microsoft.com/office/powerpoint/2010/main" val="4110042064"/>
       </p:ext>
     </p:extLst>
   </p:cSld>
@@ -7239,23 +7186,22 @@
             <p:ph type="title"/>
           </p:nvPr>
         </p:nvSpPr>
-        <p:spPr>
-          <a:xfrm>
-            <a:off x="838200" y="365126"/>
-            <a:ext cx="10515600" cy="1000036"/>
-          </a:xfrm>
-        </p:spPr>
+        <p:spPr/>
         <p:txBody>
           <a:bodyPr/>
           <a:lstStyle/>
           <a:p>
             <a:r>
-              <a:rPr lang="zh-CN" altLang="en-US" dirty="0"/>
-              <a:t>对象</a:t>
+              <a:rPr lang="en-US" altLang="zh-CN" dirty="0" smtClean="0"/>
+              <a:t>Inheritance(</a:t>
             </a:r>
             <a:r>
               <a:rPr lang="zh-CN" altLang="en-US" dirty="0" smtClean="0"/>
-              <a:t>拷贝</a:t>
+              <a:t>继承</a:t>
+            </a:r>
+            <a:r>
+              <a:rPr lang="en-US" altLang="zh-CN" dirty="0" smtClean="0"/>
+              <a:t>)</a:t>
             </a:r>
             <a:endParaRPr lang="zh-CN" altLang="en-US" dirty="0"/>
           </a:p>
@@ -7271,164 +7217,61 @@
             <p:ph idx="1"/>
           </p:nvPr>
         </p:nvSpPr>
-        <p:spPr>
-          <a:xfrm>
-            <a:off x="838200" y="1365162"/>
-            <a:ext cx="10515600" cy="4811801"/>
-          </a:xfrm>
-        </p:spPr>
+        <p:spPr/>
         <p:txBody>
           <a:bodyPr/>
           <a:lstStyle/>
           <a:p>
-            <a:pPr marL="0" indent="0">
-              <a:buNone/>
-            </a:pPr>
-            <a:r>
-              <a:rPr lang="en-US" altLang="zh-CN" dirty="0" smtClean="0"/>
-              <a:t>function Parent(username) {</a:t>
-            </a:r>
-          </a:p>
-          <a:p>
-            <a:pPr marL="0" indent="0">
-              <a:buNone/>
-            </a:pPr>
-            <a:r>
-              <a:rPr lang="en-US" altLang="zh-CN" dirty="0" smtClean="0"/>
-              <a:t>    </a:t>
-            </a:r>
-            <a:r>
-              <a:rPr lang="en-US" altLang="zh-CN" dirty="0" err="1" smtClean="0"/>
-              <a:t>this.username</a:t>
-            </a:r>
-            <a:r>
-              <a:rPr lang="en-US" altLang="zh-CN" dirty="0" smtClean="0"/>
-              <a:t> = username;</a:t>
-            </a:r>
-          </a:p>
-          <a:p>
-            <a:pPr marL="0" indent="0">
-              <a:buNone/>
-            </a:pPr>
-            <a:r>
-              <a:rPr lang="en-US" altLang="zh-CN" dirty="0" smtClean="0"/>
-              <a:t>    </a:t>
-            </a:r>
-            <a:r>
-              <a:rPr lang="en-US" altLang="zh-CN" dirty="0" err="1" smtClean="0"/>
-              <a:t>this.sayHello</a:t>
-            </a:r>
-            <a:r>
-              <a:rPr lang="en-US" altLang="zh-CN" dirty="0" smtClean="0"/>
-              <a:t> = function() {return </a:t>
-            </a:r>
-            <a:r>
-              <a:rPr lang="en-US" altLang="zh-CN" dirty="0" err="1" smtClean="0"/>
-              <a:t>this.username</a:t>
-            </a:r>
-            <a:r>
-              <a:rPr lang="en-US" altLang="zh-CN" dirty="0" smtClean="0"/>
-              <a:t>;};</a:t>
-            </a:r>
-          </a:p>
-          <a:p>
-            <a:pPr marL="0" indent="0">
-              <a:buNone/>
-            </a:pPr>
-            <a:r>
-              <a:rPr lang="en-US" altLang="zh-CN" dirty="0" smtClean="0"/>
-              <a:t>}</a:t>
-            </a:r>
-          </a:p>
-          <a:p>
-            <a:pPr marL="0" indent="0">
-              <a:buNone/>
-            </a:pPr>
-            <a:r>
-              <a:rPr lang="en-US" altLang="zh-CN" dirty="0" smtClean="0"/>
-              <a:t>function extend(parent, child) {</a:t>
-            </a:r>
-          </a:p>
-          <a:p>
-            <a:pPr marL="0" indent="0">
-              <a:buNone/>
-            </a:pPr>
-            <a:r>
-              <a:rPr lang="en-US" altLang="zh-CN" dirty="0" smtClean="0"/>
-              <a:t>    for (</a:t>
-            </a:r>
-            <a:r>
-              <a:rPr lang="en-US" altLang="zh-CN" dirty="0" err="1" smtClean="0"/>
-              <a:t>var</a:t>
-            </a:r>
-            <a:r>
-              <a:rPr lang="en-US" altLang="zh-CN" dirty="0" smtClean="0"/>
-              <a:t> </a:t>
-            </a:r>
-            <a:r>
-              <a:rPr lang="en-US" altLang="zh-CN" dirty="0" err="1" smtClean="0"/>
-              <a:t>i</a:t>
-            </a:r>
-            <a:r>
-              <a:rPr lang="en-US" altLang="zh-CN" dirty="0" smtClean="0"/>
-              <a:t> in parent) {child[</a:t>
-            </a:r>
-            <a:r>
-              <a:rPr lang="en-US" altLang="zh-CN" dirty="0" err="1" smtClean="0"/>
-              <a:t>i</a:t>
-            </a:r>
-            <a:r>
-              <a:rPr lang="en-US" altLang="zh-CN" dirty="0" smtClean="0"/>
-              <a:t>] = parent[</a:t>
-            </a:r>
-            <a:r>
-              <a:rPr lang="en-US" altLang="zh-CN" dirty="0" err="1" smtClean="0"/>
-              <a:t>i</a:t>
-            </a:r>
-            <a:r>
-              <a:rPr lang="en-US" altLang="zh-CN" dirty="0" smtClean="0"/>
-              <a:t>]};</a:t>
-            </a:r>
-            <a:endParaRPr lang="en-US" altLang="zh-CN" dirty="0"/>
-          </a:p>
-          <a:p>
-            <a:pPr marL="0" indent="0">
-              <a:buNone/>
-            </a:pPr>
-            <a:r>
-              <a:rPr lang="en-US" altLang="zh-CN" dirty="0" smtClean="0"/>
-              <a:t>}</a:t>
-            </a:r>
-          </a:p>
-          <a:p>
-            <a:pPr marL="0" indent="0">
-              <a:buNone/>
-            </a:pPr>
-            <a:r>
-              <a:rPr lang="en-US" altLang="zh-CN" dirty="0"/>
-              <a:t>f</a:t>
-            </a:r>
-            <a:r>
-              <a:rPr lang="en-US" altLang="zh-CN" dirty="0" smtClean="0"/>
-              <a:t>unction Child() {};</a:t>
-            </a:r>
-          </a:p>
-          <a:p>
-            <a:pPr marL="0" indent="0">
-              <a:buNone/>
-            </a:pPr>
-            <a:r>
-              <a:rPr lang="en-US" altLang="zh-CN" dirty="0" err="1"/>
-              <a:t>v</a:t>
-            </a:r>
-            <a:r>
-              <a:rPr lang="en-US" altLang="zh-CN" dirty="0" err="1" smtClean="0"/>
-              <a:t>ar</a:t>
-            </a:r>
-            <a:r>
-              <a:rPr lang="en-US" altLang="zh-CN" dirty="0" smtClean="0"/>
-              <a:t> child = new Child(); extend(parent, child);</a:t>
-            </a:r>
+            <a:r>
+              <a:rPr lang="zh-CN" altLang="en-US" dirty="0" smtClean="0"/>
+              <a:t>对象拷贝</a:t>
+            </a:r>
+            <a:endParaRPr lang="en-US" altLang="zh-CN" dirty="0" smtClean="0"/>
+          </a:p>
+          <a:p>
+            <a:r>
+              <a:rPr lang="zh-CN" altLang="en-US" dirty="0" smtClean="0"/>
+              <a:t>对象冒充</a:t>
+            </a:r>
+            <a:endParaRPr lang="en-US" altLang="zh-CN" dirty="0" smtClean="0"/>
+          </a:p>
+          <a:p>
+            <a:r>
+              <a:rPr lang="en-US" altLang="zh-CN" dirty="0" smtClean="0"/>
+              <a:t>Call</a:t>
+            </a:r>
+            <a:r>
+              <a:rPr lang="zh-CN" altLang="en-US" dirty="0" smtClean="0"/>
+              <a:t>方法</a:t>
+            </a:r>
+            <a:endParaRPr lang="en-US" altLang="zh-CN" dirty="0" smtClean="0"/>
+          </a:p>
+          <a:p>
+            <a:r>
+              <a:rPr lang="en-US" altLang="zh-CN" dirty="0" smtClean="0"/>
+              <a:t>Apply</a:t>
+            </a:r>
+            <a:r>
+              <a:rPr lang="zh-CN" altLang="en-US" dirty="0" smtClean="0"/>
+              <a:t>方法</a:t>
+            </a:r>
+            <a:endParaRPr lang="en-US" altLang="zh-CN" dirty="0" smtClean="0"/>
+          </a:p>
+          <a:p>
+            <a:r>
+              <a:rPr lang="zh-CN" altLang="en-US" dirty="0" smtClean="0"/>
+              <a:t>原型链</a:t>
+            </a:r>
+            <a:endParaRPr lang="en-US" altLang="zh-CN" dirty="0" smtClean="0"/>
+          </a:p>
+          <a:p>
+            <a:r>
+              <a:rPr lang="zh-CN" altLang="en-US" dirty="0" smtClean="0"/>
+              <a:t>混合方式</a:t>
+            </a:r>
+            <a:endParaRPr lang="en-US" altLang="zh-CN" dirty="0" smtClean="0"/>
+          </a:p>
+          <a:p>
             <a:endParaRPr lang="zh-CN" altLang="en-US" dirty="0"/>
           </a:p>
         </p:txBody>
@@ -7436,7 +7279,7 @@
     </p:spTree>
     <p:extLst>
       <p:ext uri="{BB962C8B-B14F-4D97-AF65-F5344CB8AC3E}">
-        <p14:creationId xmlns:p14="http://schemas.microsoft.com/office/powerpoint/2010/main" val="4164907142"/>
+        <p14:creationId xmlns:p14="http://schemas.microsoft.com/office/powerpoint/2010/main" val="3855739098"/>
       </p:ext>
     </p:extLst>
   </p:cSld>
@@ -7473,7 +7316,12 @@
             <p:ph type="title"/>
           </p:nvPr>
         </p:nvSpPr>
-        <p:spPr/>
+        <p:spPr>
+          <a:xfrm>
+            <a:off x="838200" y="365126"/>
+            <a:ext cx="10515600" cy="1000036"/>
+          </a:xfrm>
+        </p:spPr>
         <p:txBody>
           <a:bodyPr/>
           <a:lstStyle/>
@@ -7484,7 +7332,7 @@
             </a:r>
             <a:r>
               <a:rPr lang="zh-CN" altLang="en-US" dirty="0" smtClean="0"/>
-              <a:t>冒充</a:t>
+              <a:t>拷贝</a:t>
             </a:r>
             <a:endParaRPr lang="zh-CN" altLang="en-US" dirty="0"/>
           </a:p>
@@ -7500,23 +7348,22 @@
             <p:ph idx="1"/>
           </p:nvPr>
         </p:nvSpPr>
-        <p:spPr/>
-        <p:txBody>
-          <a:bodyPr>
-            <a:normAutofit fontScale="77500" lnSpcReduction="20000"/>
-          </a:bodyPr>
+        <p:spPr>
+          <a:xfrm>
+            <a:off x="838200" y="1365162"/>
+            <a:ext cx="10515600" cy="4811801"/>
+          </a:xfrm>
+        </p:spPr>
+        <p:txBody>
+          <a:bodyPr/>
           <a:lstStyle/>
           <a:p>
             <a:pPr marL="0" indent="0">
               <a:buNone/>
             </a:pPr>
             <a:r>
-              <a:rPr lang="en-US" altLang="zh-CN" dirty="0"/>
-              <a:t>f</a:t>
-            </a:r>
-            <a:r>
-              <a:rPr lang="en-US" altLang="zh-CN" dirty="0" smtClean="0"/>
-              <a:t>unction Parent(username) {</a:t>
+              <a:rPr lang="en-US" altLang="zh-CN" dirty="0" smtClean="0"/>
+              <a:t>function Parent(username) {</a:t>
             </a:r>
           </a:p>
           <a:p>
@@ -7541,12 +7388,8 @@
               <a:buNone/>
             </a:pPr>
             <a:r>
-              <a:rPr lang="en-US" altLang="zh-CN" dirty="0"/>
-              <a:t> </a:t>
-            </a:r>
-            <a:r>
-              <a:rPr lang="en-US" altLang="zh-CN" dirty="0" smtClean="0"/>
-              <a:t>   </a:t>
+              <a:rPr lang="en-US" altLang="zh-CN" dirty="0" smtClean="0"/>
+              <a:t>    </a:t>
             </a:r>
             <a:r>
               <a:rPr lang="en-US" altLang="zh-CN" dirty="0" err="1" smtClean="0"/>
@@ -7578,6 +7421,51 @@
             <a:pPr marL="0" indent="0">
               <a:buNone/>
             </a:pPr>
+            <a:r>
+              <a:rPr lang="en-US" altLang="zh-CN" dirty="0" smtClean="0"/>
+              <a:t>function extend(parent, child) {</a:t>
+            </a:r>
+          </a:p>
+          <a:p>
+            <a:pPr marL="0" indent="0">
+              <a:buNone/>
+            </a:pPr>
+            <a:r>
+              <a:rPr lang="en-US" altLang="zh-CN" dirty="0" smtClean="0"/>
+              <a:t>    for (</a:t>
+            </a:r>
+            <a:r>
+              <a:rPr lang="en-US" altLang="zh-CN" dirty="0" err="1" smtClean="0"/>
+              <a:t>var</a:t>
+            </a:r>
+            <a:r>
+              <a:rPr lang="en-US" altLang="zh-CN" dirty="0" smtClean="0"/>
+              <a:t> </a:t>
+            </a:r>
+            <a:r>
+              <a:rPr lang="en-US" altLang="zh-CN" dirty="0" err="1" smtClean="0"/>
+              <a:t>i</a:t>
+            </a:r>
+            <a:r>
+              <a:rPr lang="en-US" altLang="zh-CN" dirty="0" smtClean="0"/>
+              <a:t> in parent) {child[</a:t>
+            </a:r>
+            <a:r>
+              <a:rPr lang="en-US" altLang="zh-CN" dirty="0" err="1" smtClean="0"/>
+              <a:t>i</a:t>
+            </a:r>
+            <a:r>
+              <a:rPr lang="en-US" altLang="zh-CN" dirty="0" smtClean="0"/>
+              <a:t>] = parent[</a:t>
+            </a:r>
+            <a:r>
+              <a:rPr lang="en-US" altLang="zh-CN" dirty="0" err="1" smtClean="0"/>
+              <a:t>i</a:t>
+            </a:r>
+            <a:r>
+              <a:rPr lang="en-US" altLang="zh-CN" dirty="0" smtClean="0"/>
+              <a:t>]};</a:t>
+            </a:r>
             <a:endParaRPr lang="en-US" altLang="zh-CN" dirty="0"/>
           </a:p>
           <a:p>
@@ -7585,115 +7473,38 @@
               <a:buNone/>
             </a:pPr>
             <a:r>
+              <a:rPr lang="en-US" altLang="zh-CN" dirty="0" smtClean="0"/>
+              <a:t>}</a:t>
+            </a:r>
+          </a:p>
+          <a:p>
+            <a:pPr marL="0" indent="0">
+              <a:buNone/>
+            </a:pPr>
+            <a:r>
               <a:rPr lang="en-US" altLang="zh-CN" dirty="0"/>
               <a:t>f</a:t>
             </a:r>
             <a:r>
               <a:rPr lang="en-US" altLang="zh-CN" dirty="0" smtClean="0"/>
-              <a:t>unction Child(username, password) {</a:t>
-            </a:r>
-          </a:p>
-          <a:p>
-            <a:pPr marL="0" indent="0">
-              <a:buNone/>
-            </a:pPr>
-            <a:r>
-              <a:rPr lang="en-US" altLang="zh-CN" dirty="0" smtClean="0"/>
-              <a:t>    </a:t>
+              <a:t>unction Child() {};</a:t>
+            </a:r>
+          </a:p>
+          <a:p>
+            <a:pPr marL="0" indent="0">
+              <a:buNone/>
+            </a:pPr>
+            <a:r>
+              <a:rPr lang="en-US" altLang="zh-CN" dirty="0" err="1"/>
+              <a:t>v</a:t>
             </a:r>
             <a:r>
               <a:rPr lang="en-US" altLang="zh-CN" dirty="0" err="1" smtClean="0"/>
-              <a:t>this.method</a:t>
-            </a:r>
-            <a:r>
-              <a:rPr lang="en-US" altLang="zh-CN" dirty="0" smtClean="0"/>
-              <a:t> = Parent;</a:t>
-            </a:r>
-          </a:p>
-          <a:p>
-            <a:pPr marL="0" indent="0">
-              <a:buNone/>
-            </a:pPr>
-            <a:r>
-              <a:rPr lang="en-US" altLang="zh-CN" dirty="0"/>
-              <a:t> </a:t>
-            </a:r>
-            <a:r>
-              <a:rPr lang="en-US" altLang="zh-CN" dirty="0" smtClean="0"/>
-              <a:t>   </a:t>
-            </a:r>
-            <a:r>
-              <a:rPr lang="en-US" altLang="zh-CN" dirty="0" err="1" smtClean="0"/>
-              <a:t>this.method</a:t>
-            </a:r>
-            <a:r>
-              <a:rPr lang="en-US" altLang="zh-CN" dirty="0" smtClean="0"/>
-              <a:t>(username);</a:t>
-            </a:r>
-          </a:p>
-          <a:p>
-            <a:pPr marL="0" indent="0">
-              <a:buNone/>
-            </a:pPr>
-            <a:r>
-              <a:rPr lang="en-US" altLang="zh-CN" dirty="0"/>
-              <a:t> </a:t>
-            </a:r>
-            <a:r>
-              <a:rPr lang="en-US" altLang="zh-CN" dirty="0" smtClean="0"/>
-              <a:t>   delete </a:t>
-            </a:r>
-            <a:r>
-              <a:rPr lang="en-US" altLang="zh-CN" dirty="0" err="1" smtClean="0"/>
-              <a:t>this.method</a:t>
-            </a:r>
-            <a:r>
-              <a:rPr lang="en-US" altLang="zh-CN" dirty="0" smtClean="0"/>
-              <a:t>;</a:t>
-            </a:r>
-          </a:p>
-          <a:p>
-            <a:pPr marL="0" indent="0">
-              <a:buNone/>
-            </a:pPr>
-            <a:r>
-              <a:rPr lang="en-US" altLang="zh-CN" dirty="0"/>
-              <a:t> </a:t>
-            </a:r>
-            <a:r>
-              <a:rPr lang="en-US" altLang="zh-CN" dirty="0" smtClean="0"/>
-              <a:t>   </a:t>
-            </a:r>
-          </a:p>
-          <a:p>
-            <a:pPr marL="0" indent="0">
-              <a:buNone/>
-            </a:pPr>
-            <a:r>
-              <a:rPr lang="en-US" altLang="zh-CN" dirty="0"/>
-              <a:t> </a:t>
-            </a:r>
-            <a:r>
-              <a:rPr lang="en-US" altLang="zh-CN" dirty="0" smtClean="0"/>
-              <a:t>   </a:t>
-            </a:r>
-            <a:r>
-              <a:rPr lang="en-US" altLang="zh-CN" dirty="0" err="1" smtClean="0"/>
-              <a:t>this.password</a:t>
-            </a:r>
-            <a:r>
-              <a:rPr lang="en-US" altLang="zh-CN" dirty="0" smtClean="0"/>
-              <a:t> = password;</a:t>
-            </a:r>
-            <a:endParaRPr lang="en-US" altLang="zh-CN" dirty="0"/>
-          </a:p>
-          <a:p>
-            <a:pPr marL="0" indent="0">
-              <a:buNone/>
-            </a:pPr>
-            <a:r>
-              <a:rPr lang="en-US" altLang="zh-CN" dirty="0" smtClean="0"/>
-              <a:t>};</a:t>
+              <a:t>ar</a:t>
+            </a:r>
+            <a:r>
+              <a:rPr lang="en-US" altLang="zh-CN" dirty="0" smtClean="0"/>
+              <a:t> child = new Child(); extend(parent, child);</a:t>
             </a:r>
             <a:endParaRPr lang="zh-CN" altLang="en-US" dirty="0"/>
           </a:p>
@@ -7702,7 +7513,7 @@
     </p:spTree>
     <p:extLst>
       <p:ext uri="{BB962C8B-B14F-4D97-AF65-F5344CB8AC3E}">
-        <p14:creationId xmlns:p14="http://schemas.microsoft.com/office/powerpoint/2010/main" val="1751695984"/>
+        <p14:creationId xmlns:p14="http://schemas.microsoft.com/office/powerpoint/2010/main" val="4164907142"/>
       </p:ext>
     </p:extLst>
   </p:cSld>
@@ -7745,12 +7556,12 @@
           <a:lstStyle/>
           <a:p>
             <a:r>
-              <a:rPr lang="en-US" altLang="zh-CN" dirty="0"/>
-              <a:t>Call</a:t>
+              <a:rPr lang="zh-CN" altLang="en-US" dirty="0"/>
+              <a:t>对象</a:t>
             </a:r>
             <a:r>
               <a:rPr lang="zh-CN" altLang="en-US" dirty="0" smtClean="0"/>
-              <a:t>方法</a:t>
+              <a:t>冒充</a:t>
             </a:r>
             <a:endParaRPr lang="zh-CN" altLang="en-US" dirty="0"/>
           </a:p>
@@ -7769,7 +7580,7 @@
         <p:spPr/>
         <p:txBody>
           <a:bodyPr>
-            <a:normAutofit/>
+            <a:normAutofit fontScale="77500" lnSpcReduction="20000"/>
           </a:bodyPr>
           <a:lstStyle/>
           <a:p>
@@ -7778,23 +7589,27 @@
             </a:pPr>
             <a:r>
               <a:rPr lang="en-US" altLang="zh-CN" dirty="0"/>
-              <a:t>function Parent(username) {</a:t>
-            </a:r>
-          </a:p>
-          <a:p>
-            <a:pPr marL="0" indent="0">
-              <a:buNone/>
-            </a:pPr>
-            <a:r>
-              <a:rPr lang="en-US" altLang="zh-CN" dirty="0"/>
+              <a:t>f</a:t>
+            </a:r>
+            <a:r>
+              <a:rPr lang="en-US" altLang="zh-CN" dirty="0" smtClean="0"/>
+              <a:t>unction Parent(username) {</a:t>
+            </a:r>
+          </a:p>
+          <a:p>
+            <a:pPr marL="0" indent="0">
+              <a:buNone/>
+            </a:pPr>
+            <a:r>
+              <a:rPr lang="en-US" altLang="zh-CN" dirty="0" smtClean="0"/>
               <a:t>    </a:t>
             </a:r>
             <a:r>
-              <a:rPr lang="en-US" altLang="zh-CN" dirty="0" err="1"/>
+              <a:rPr lang="en-US" altLang="zh-CN" dirty="0" err="1" smtClean="0"/>
               <a:t>this.username</a:t>
             </a:r>
             <a:r>
-              <a:rPr lang="en-US" altLang="zh-CN" dirty="0"/>
+              <a:rPr lang="en-US" altLang="zh-CN" dirty="0" smtClean="0"/>
               <a:t> = username;</a:t>
             </a:r>
           </a:p>
@@ -7804,58 +7619,148 @@
             </a:pPr>
             <a:r>
               <a:rPr lang="en-US" altLang="zh-CN" dirty="0"/>
+              <a:t> </a:t>
+            </a:r>
+            <a:r>
+              <a:rPr lang="en-US" altLang="zh-CN" dirty="0" smtClean="0"/>
+              <a:t>   </a:t>
+            </a:r>
+            <a:r>
+              <a:rPr lang="en-US" altLang="zh-CN" dirty="0" err="1" smtClean="0"/>
+              <a:t>this.sayHello</a:t>
+            </a:r>
+            <a:r>
+              <a:rPr lang="en-US" altLang="zh-CN" dirty="0" smtClean="0"/>
+              <a:t> = function() {return </a:t>
+            </a:r>
+            <a:r>
+              <a:rPr lang="en-US" altLang="zh-CN" dirty="0" err="1" smtClean="0"/>
+              <a:t>this.username</a:t>
+            </a:r>
+            <a:r>
+              <a:rPr lang="en-US" altLang="zh-CN" dirty="0" smtClean="0"/>
+              <a:t>;};</a:t>
+            </a:r>
+          </a:p>
+          <a:p>
+            <a:pPr marL="0" indent="0">
+              <a:buNone/>
+            </a:pPr>
+            <a:r>
+              <a:rPr lang="en-US" altLang="zh-CN" dirty="0" smtClean="0"/>
+              <a:t>}</a:t>
+            </a:r>
+          </a:p>
+          <a:p>
+            <a:pPr marL="0" indent="0">
+              <a:buNone/>
+            </a:pPr>
+            <a:endParaRPr lang="en-US" altLang="zh-CN" dirty="0"/>
+          </a:p>
+          <a:p>
+            <a:pPr marL="0" indent="0">
+              <a:buNone/>
+            </a:pPr>
+            <a:r>
+              <a:rPr lang="en-US" altLang="zh-CN" dirty="0"/>
+              <a:t>f</a:t>
+            </a:r>
+            <a:r>
+              <a:rPr lang="en-US" altLang="zh-CN" dirty="0" smtClean="0"/>
+              <a:t>unction Child(username, password) {</a:t>
+            </a:r>
+          </a:p>
+          <a:p>
+            <a:pPr marL="0" indent="0">
+              <a:buNone/>
+            </a:pPr>
+            <a:r>
+              <a:rPr lang="en-US" altLang="zh-CN" dirty="0" smtClean="0"/>
               <a:t>    </a:t>
             </a:r>
             <a:r>
-              <a:rPr lang="en-US" altLang="zh-CN" dirty="0" err="1"/>
-              <a:t>this.sayHello</a:t>
-            </a:r>
-            <a:r>
-              <a:rPr lang="en-US" altLang="zh-CN" dirty="0"/>
-              <a:t> = function() {return </a:t>
-            </a:r>
-            <a:r>
-              <a:rPr lang="en-US" altLang="zh-CN" dirty="0" err="1"/>
-              <a:t>this.username</a:t>
-            </a:r>
-            <a:r>
-              <a:rPr lang="en-US" altLang="zh-CN" dirty="0"/>
-              <a:t>;};</a:t>
-            </a:r>
-          </a:p>
-          <a:p>
-            <a:pPr marL="0" indent="0">
-              <a:buNone/>
-            </a:pPr>
-            <a:r>
-              <a:rPr lang="en-US" altLang="zh-CN" dirty="0" smtClean="0"/>
-              <a:t>}</a:t>
-            </a:r>
-          </a:p>
-          <a:p>
-            <a:pPr marL="0" indent="0">
-              <a:buNone/>
-            </a:pPr>
-            <a:r>
-              <a:rPr lang="en-US" altLang="zh-CN" dirty="0"/>
-              <a:t>function Child(username, password) {</a:t>
-            </a:r>
-          </a:p>
-          <a:p>
-            <a:pPr marL="0" indent="0">
-              <a:buNone/>
-            </a:pPr>
-            <a:r>
-              <a:rPr lang="en-US" altLang="zh-CN" dirty="0" smtClean="0"/>
-              <a:t>    </a:t>
-            </a:r>
-            <a:r>
               <a:rPr lang="en-US" altLang="zh-CN" dirty="0" err="1" smtClean="0"/>
-              <a:t>Parent.call</a:t>
-            </a:r>
-            <a:r>
-              <a:rPr lang="en-US" altLang="zh-CN" dirty="0" smtClean="0"/>
-              <a:t>(this, username);</a:t>
+              <a:t>this.method</a:t>
+            </a:r>
+            <a:r>
+              <a:rPr lang="en-US" altLang="zh-CN" dirty="0" smtClean="0"/>
+              <a:t> = Parent;</a:t>
+            </a:r>
+          </a:p>
+          <a:p>
+            <a:pPr marL="0" indent="0">
+              <a:buNone/>
+            </a:pPr>
+            <a:r>
+              <a:rPr lang="en-US" altLang="zh-CN" dirty="0"/>
+              <a:t> </a:t>
+            </a:r>
+            <a:r>
+              <a:rPr lang="en-US" altLang="zh-CN" dirty="0" smtClean="0"/>
+              <a:t>   </a:t>
+            </a:r>
+            <a:r>
+              <a:rPr lang="en-US" altLang="zh-CN" dirty="0" err="1" smtClean="0"/>
+              <a:t>this.method</a:t>
+            </a:r>
+            <a:r>
+              <a:rPr lang="en-US" altLang="zh-CN" dirty="0" smtClean="0"/>
+              <a:t>(username);</a:t>
+            </a:r>
+          </a:p>
+          <a:p>
+            <a:pPr marL="0" indent="0">
+              <a:buNone/>
+            </a:pPr>
+            <a:r>
+              <a:rPr lang="en-US" altLang="zh-CN" dirty="0"/>
+              <a:t> </a:t>
+            </a:r>
+            <a:r>
+              <a:rPr lang="en-US" altLang="zh-CN" dirty="0" smtClean="0"/>
+              <a:t>   delete </a:t>
+            </a:r>
+            <a:r>
+              <a:rPr lang="en-US" altLang="zh-CN" dirty="0" err="1" smtClean="0"/>
+              <a:t>this.method</a:t>
+            </a:r>
+            <a:r>
+              <a:rPr lang="en-US" altLang="zh-CN" dirty="0" smtClean="0"/>
+              <a:t>;</a:t>
+            </a:r>
+          </a:p>
+          <a:p>
+            <a:pPr marL="0" indent="0">
+              <a:buNone/>
+            </a:pPr>
+            <a:r>
+              <a:rPr lang="en-US" altLang="zh-CN" dirty="0"/>
+              <a:t> </a:t>
+            </a:r>
+            <a:r>
+              <a:rPr lang="en-US" altLang="zh-CN" dirty="0" smtClean="0"/>
+              <a:t>   </a:t>
+            </a:r>
+          </a:p>
+          <a:p>
+            <a:pPr marL="0" indent="0">
+              <a:buNone/>
+            </a:pPr>
+            <a:r>
+              <a:rPr lang="en-US" altLang="zh-CN" dirty="0"/>
+              <a:t> </a:t>
+            </a:r>
+            <a:r>
+              <a:rPr lang="en-US" altLang="zh-CN" dirty="0" smtClean="0"/>
+              <a:t>   </a:t>
+            </a:r>
+            <a:r>
+              <a:rPr lang="en-US" altLang="zh-CN" dirty="0" err="1" smtClean="0"/>
+              <a:t>this.password</a:t>
+            </a:r>
+            <a:r>
+              <a:rPr lang="en-US" altLang="zh-CN" dirty="0" smtClean="0"/>
+              <a:t> = password;</a:t>
             </a:r>
             <a:endParaRPr lang="en-US" altLang="zh-CN" dirty="0"/>
           </a:p>
@@ -7864,38 +7769,9 @@
               <a:buNone/>
             </a:pPr>
             <a:r>
-              <a:rPr lang="en-US" altLang="zh-CN" dirty="0"/>
-              <a:t>    </a:t>
-            </a:r>
-            <a:r>
-              <a:rPr lang="en-US" altLang="zh-CN" dirty="0" err="1"/>
-              <a:t>this.password</a:t>
-            </a:r>
-            <a:r>
-              <a:rPr lang="en-US" altLang="zh-CN" dirty="0"/>
-              <a:t> = password;</a:t>
-            </a:r>
-          </a:p>
-          <a:p>
-            <a:pPr marL="0" indent="0">
-              <a:buNone/>
-            </a:pPr>
-            <a:r>
-              <a:rPr lang="en-US" altLang="zh-CN" dirty="0"/>
+              <a:rPr lang="en-US" altLang="zh-CN" dirty="0" smtClean="0"/>
               <a:t>};</a:t>
             </a:r>
-            <a:endParaRPr lang="zh-CN" altLang="en-US" dirty="0"/>
-          </a:p>
-          <a:p>
-            <a:pPr marL="0" indent="0">
-              <a:buNone/>
-            </a:pPr>
-            <a:endParaRPr lang="en-US" altLang="zh-CN" dirty="0"/>
-          </a:p>
-          <a:p>
-            <a:pPr marL="0" indent="0">
-              <a:buNone/>
-            </a:pPr>
             <a:endParaRPr lang="zh-CN" altLang="en-US" dirty="0"/>
           </a:p>
         </p:txBody>
@@ -7903,7 +7779,7 @@
     </p:spTree>
     <p:extLst>
       <p:ext uri="{BB962C8B-B14F-4D97-AF65-F5344CB8AC3E}">
-        <p14:creationId xmlns:p14="http://schemas.microsoft.com/office/powerpoint/2010/main" val="399984294"/>
+        <p14:creationId xmlns:p14="http://schemas.microsoft.com/office/powerpoint/2010/main" val="1751695984"/>
       </p:ext>
     </p:extLst>
   </p:cSld>
@@ -7946,8 +7822,12 @@
           <a:lstStyle/>
           <a:p>
             <a:r>
-              <a:rPr lang="en-US" altLang="zh-CN" dirty="0" smtClean="0"/>
-              <a:t>Call/Apply</a:t>
+              <a:rPr lang="en-US" altLang="zh-CN" dirty="0"/>
+              <a:t>Call</a:t>
+            </a:r>
+            <a:r>
+              <a:rPr lang="zh-CN" altLang="en-US" dirty="0" smtClean="0"/>
+              <a:t>方法</a:t>
             </a:r>
             <a:endParaRPr lang="zh-CN" altLang="en-US" dirty="0"/>
           </a:p>
@@ -7965,7 +7845,9 @@
         </p:nvSpPr>
         <p:spPr/>
         <p:txBody>
-          <a:bodyPr/>
+          <a:bodyPr>
+            <a:normAutofit/>
+          </a:bodyPr>
           <a:lstStyle/>
           <a:p>
             <a:pPr marL="0" indent="0">
@@ -7973,77 +7855,124 @@
             </a:pPr>
             <a:r>
               <a:rPr lang="en-US" altLang="zh-CN" dirty="0"/>
-              <a:t>function foo() {</a:t>
-            </a:r>
-          </a:p>
-          <a:p>
-            <a:pPr marL="0" indent="0">
-              <a:buNone/>
-            </a:pPr>
-            <a:r>
-              <a:rPr lang="en-US" altLang="zh-CN" dirty="0" smtClean="0"/>
+              <a:t>function Parent(username) {</a:t>
+            </a:r>
+          </a:p>
+          <a:p>
+            <a:pPr marL="0" indent="0">
+              <a:buNone/>
+            </a:pPr>
+            <a:r>
+              <a:rPr lang="en-US" altLang="zh-CN" dirty="0"/>
               <a:t>    </a:t>
             </a:r>
             <a:r>
+              <a:rPr lang="en-US" altLang="zh-CN" dirty="0" err="1"/>
+              <a:t>this.username</a:t>
+            </a:r>
+            <a:r>
+              <a:rPr lang="en-US" altLang="zh-CN" dirty="0"/>
+              <a:t> = username;</a:t>
+            </a:r>
+          </a:p>
+          <a:p>
+            <a:pPr marL="0" indent="0">
+              <a:buNone/>
+            </a:pPr>
+            <a:r>
+              <a:rPr lang="en-US" altLang="zh-CN" dirty="0"/>
+              <a:t>    </a:t>
+            </a:r>
+            <a:r>
+              <a:rPr lang="en-US" altLang="zh-CN" dirty="0" err="1"/>
+              <a:t>this.sayHello</a:t>
+            </a:r>
+            <a:r>
+              <a:rPr lang="en-US" altLang="zh-CN" dirty="0"/>
+              <a:t> = function() {return </a:t>
+            </a:r>
+            <a:r>
+              <a:rPr lang="en-US" altLang="zh-CN" dirty="0" err="1"/>
+              <a:t>this.username</a:t>
+            </a:r>
+            <a:r>
+              <a:rPr lang="en-US" altLang="zh-CN" dirty="0"/>
+              <a:t>;};</a:t>
+            </a:r>
+          </a:p>
+          <a:p>
+            <a:pPr marL="0" indent="0">
+              <a:buNone/>
+            </a:pPr>
+            <a:r>
+              <a:rPr lang="en-US" altLang="zh-CN" dirty="0" smtClean="0"/>
+              <a:t>}</a:t>
+            </a:r>
+          </a:p>
+          <a:p>
+            <a:pPr marL="0" indent="0">
+              <a:buNone/>
+            </a:pPr>
+            <a:r>
+              <a:rPr lang="en-US" altLang="zh-CN" dirty="0"/>
+              <a:t>function Child(username, password) {</a:t>
+            </a:r>
+          </a:p>
+          <a:p>
+            <a:pPr marL="0" indent="0">
+              <a:buNone/>
+            </a:pPr>
+            <a:r>
+              <a:rPr lang="en-US" altLang="zh-CN" dirty="0" smtClean="0"/>
+              <a:t>    </a:t>
+            </a:r>
+            <a:r>
               <a:rPr lang="en-US" altLang="zh-CN" dirty="0" err="1" smtClean="0"/>
-              <a:t>this.bar</a:t>
-            </a:r>
-            <a:r>
-              <a:rPr lang="en-US" altLang="zh-CN" dirty="0"/>
-              <a:t>();</a:t>
-            </a:r>
-          </a:p>
-          <a:p>
-            <a:pPr marL="0" indent="0">
-              <a:buNone/>
-            </a:pPr>
-            <a:r>
-              <a:rPr lang="en-US" altLang="zh-CN" dirty="0"/>
-              <a:t>}; </a:t>
-            </a:r>
-          </a:p>
-          <a:p>
-            <a:pPr marL="0" indent="0">
-              <a:buNone/>
-            </a:pPr>
-            <a:r>
-              <a:rPr lang="en-US" altLang="zh-CN" dirty="0"/>
-              <a:t> </a:t>
-            </a:r>
-          </a:p>
-          <a:p>
-            <a:pPr marL="0" indent="0">
-              <a:buNone/>
-            </a:pPr>
-            <a:r>
-              <a:rPr lang="en-US" altLang="zh-CN" dirty="0" err="1" smtClean="0"/>
-              <a:t>foo.call</a:t>
-            </a:r>
-            <a:r>
-              <a:rPr lang="en-US" altLang="zh-CN" dirty="0" smtClean="0"/>
-              <a:t>(scope</a:t>
-            </a:r>
-            <a:r>
-              <a:rPr lang="en-US" altLang="zh-CN" dirty="0"/>
-              <a:t>, arg1, arg2, ... );</a:t>
-            </a:r>
-          </a:p>
-          <a:p>
-            <a:pPr marL="0" indent="0">
-              <a:buNone/>
-            </a:pPr>
-            <a:r>
-              <a:rPr lang="en-US" altLang="zh-CN" dirty="0" err="1" smtClean="0"/>
-              <a:t>foo.apply</a:t>
-            </a:r>
-            <a:r>
-              <a:rPr lang="en-US" altLang="zh-CN" smtClean="0"/>
-              <a:t>(scope</a:t>
-            </a:r>
-            <a:r>
-              <a:rPr lang="en-US" altLang="zh-CN" dirty="0"/>
-              <a:t>, [arg1, arg2, ...] );</a:t>
-            </a:r>
+              <a:t>Parent.call</a:t>
+            </a:r>
+            <a:r>
+              <a:rPr lang="en-US" altLang="zh-CN" dirty="0" smtClean="0"/>
+              <a:t>(this, username);</a:t>
+            </a:r>
+            <a:endParaRPr lang="en-US" altLang="zh-CN" dirty="0"/>
+          </a:p>
+          <a:p>
+            <a:pPr marL="0" indent="0">
+              <a:buNone/>
+            </a:pPr>
+            <a:r>
+              <a:rPr lang="en-US" altLang="zh-CN" dirty="0"/>
+              <a:t>    </a:t>
+            </a:r>
+            <a:r>
+              <a:rPr lang="en-US" altLang="zh-CN" dirty="0" err="1"/>
+              <a:t>this.password</a:t>
+            </a:r>
+            <a:r>
+              <a:rPr lang="en-US" altLang="zh-CN" dirty="0"/>
+              <a:t> = password;</a:t>
+            </a:r>
+          </a:p>
+          <a:p>
+            <a:pPr marL="0" indent="0">
+              <a:buNone/>
+            </a:pPr>
+            <a:r>
+              <a:rPr lang="en-US" altLang="zh-CN" dirty="0"/>
+              <a:t>};</a:t>
+            </a:r>
+            <a:endParaRPr lang="zh-CN" altLang="en-US" dirty="0"/>
+          </a:p>
+          <a:p>
+            <a:pPr marL="0" indent="0">
+              <a:buNone/>
+            </a:pPr>
+            <a:endParaRPr lang="en-US" altLang="zh-CN" dirty="0"/>
+          </a:p>
+          <a:p>
+            <a:pPr marL="0" indent="0">
+              <a:buNone/>
+            </a:pPr>
             <a:endParaRPr lang="zh-CN" altLang="en-US" dirty="0"/>
           </a:p>
         </p:txBody>
@@ -8051,7 +7980,7 @@
     </p:spTree>
     <p:extLst>
       <p:ext uri="{BB962C8B-B14F-4D97-AF65-F5344CB8AC3E}">
-        <p14:creationId xmlns:p14="http://schemas.microsoft.com/office/powerpoint/2010/main" val="3383850283"/>
+        <p14:creationId xmlns:p14="http://schemas.microsoft.com/office/powerpoint/2010/main" val="399984294"/>
       </p:ext>
     </p:extLst>
   </p:cSld>
@@ -8186,7 +8115,7 @@
             </a:r>
             <a:r>
               <a:rPr lang="en-US" altLang="zh-CN" dirty="0" smtClean="0"/>
-              <a:t>-Z])+/)[1].</a:t>
+              <a:t>-Z]+)/[1].</a:t>
             </a:r>
             <a:r>
               <a:rPr lang="en-US" altLang="zh-CN" dirty="0" err="1" smtClean="0"/>
@@ -8256,11 +8185,7 @@
           <a:p>
             <a:r>
               <a:rPr lang="en-US" altLang="zh-CN" dirty="0" smtClean="0"/>
-              <a:t>Apply</a:t>
-            </a:r>
-            <a:r>
-              <a:rPr lang="zh-CN" altLang="en-US" dirty="0" smtClean="0"/>
-              <a:t>方法</a:t>
+              <a:t>Call/Apply</a:t>
             </a:r>
             <a:endParaRPr lang="zh-CN" altLang="en-US" dirty="0"/>
           </a:p>
@@ -8286,118 +8211,77 @@
             </a:pPr>
             <a:r>
               <a:rPr lang="en-US" altLang="zh-CN" dirty="0"/>
-              <a:t>function Parent(username) {</a:t>
-            </a:r>
-          </a:p>
-          <a:p>
-            <a:pPr marL="0" indent="0">
-              <a:buNone/>
-            </a:pPr>
-            <a:r>
-              <a:rPr lang="en-US" altLang="zh-CN" dirty="0"/>
+              <a:t>function foo() {</a:t>
+            </a:r>
+          </a:p>
+          <a:p>
+            <a:pPr marL="0" indent="0">
+              <a:buNone/>
+            </a:pPr>
+            <a:r>
+              <a:rPr lang="en-US" altLang="zh-CN" dirty="0" smtClean="0"/>
               <a:t>    </a:t>
             </a:r>
             <a:r>
-              <a:rPr lang="en-US" altLang="zh-CN" dirty="0" err="1"/>
-              <a:t>this.username</a:t>
-            </a:r>
-            <a:r>
-              <a:rPr lang="en-US" altLang="zh-CN" dirty="0"/>
-              <a:t> = username;</a:t>
-            </a:r>
-          </a:p>
-          <a:p>
-            <a:pPr marL="0" indent="0">
-              <a:buNone/>
-            </a:pPr>
-            <a:r>
-              <a:rPr lang="en-US" altLang="zh-CN" dirty="0"/>
-              <a:t>    </a:t>
-            </a:r>
-            <a:r>
-              <a:rPr lang="en-US" altLang="zh-CN" dirty="0" err="1"/>
-              <a:t>this.sayHello</a:t>
-            </a:r>
-            <a:r>
-              <a:rPr lang="en-US" altLang="zh-CN" dirty="0"/>
-              <a:t> = function() {return </a:t>
-            </a:r>
-            <a:r>
-              <a:rPr lang="en-US" altLang="zh-CN" dirty="0" err="1"/>
-              <a:t>this.username</a:t>
-            </a:r>
-            <a:r>
-              <a:rPr lang="en-US" altLang="zh-CN" dirty="0"/>
-              <a:t>;};</a:t>
-            </a:r>
-          </a:p>
-          <a:p>
-            <a:pPr marL="0" indent="0">
-              <a:buNone/>
-            </a:pPr>
-            <a:r>
-              <a:rPr lang="en-US" altLang="zh-CN" dirty="0"/>
-              <a:t>}</a:t>
-            </a:r>
-          </a:p>
-          <a:p>
-            <a:pPr marL="0" indent="0">
-              <a:buNone/>
-            </a:pPr>
-            <a:r>
-              <a:rPr lang="en-US" altLang="zh-CN" dirty="0"/>
-              <a:t>function Child(username, password) {</a:t>
-            </a:r>
-          </a:p>
-          <a:p>
-            <a:pPr marL="0" indent="0">
-              <a:buNone/>
-            </a:pPr>
-            <a:r>
-              <a:rPr lang="en-US" altLang="zh-CN" dirty="0"/>
-              <a:t>    </a:t>
-            </a:r>
-            <a:r>
               <a:rPr lang="en-US" altLang="zh-CN" dirty="0" err="1" smtClean="0"/>
-              <a:t>Parent.apply</a:t>
-            </a:r>
-            <a:r>
-              <a:rPr lang="en-US" altLang="zh-CN" dirty="0" smtClean="0"/>
-              <a:t>(this, [username]);</a:t>
-            </a:r>
-            <a:endParaRPr lang="en-US" altLang="zh-CN" dirty="0"/>
-          </a:p>
-          <a:p>
-            <a:pPr marL="0" indent="0">
-              <a:buNone/>
-            </a:pPr>
-            <a:r>
-              <a:rPr lang="en-US" altLang="zh-CN" dirty="0"/>
-              <a:t>    </a:t>
-            </a:r>
-            <a:r>
-              <a:rPr lang="en-US" altLang="zh-CN" dirty="0" err="1"/>
-              <a:t>this.password</a:t>
-            </a:r>
-            <a:r>
-              <a:rPr lang="en-US" altLang="zh-CN" dirty="0"/>
-              <a:t> = password;</a:t>
-            </a:r>
-          </a:p>
-          <a:p>
-            <a:pPr marL="0" indent="0">
-              <a:buNone/>
-            </a:pPr>
-            <a:r>
-              <a:rPr lang="en-US" altLang="zh-CN" dirty="0"/>
-              <a:t>};</a:t>
-            </a:r>
-            <a:endParaRPr lang="zh-CN" altLang="en-US" dirty="0"/>
-          </a:p>
-          <a:p>
-            <a:pPr marL="0" indent="0">
-              <a:buNone/>
-            </a:pPr>
+              <a:t>this.bar</a:t>
+            </a:r>
+            <a:r>
+              <a:rPr lang="en-US" altLang="zh-CN" dirty="0"/>
+              <a:t>();</a:t>
+            </a:r>
+          </a:p>
+          <a:p>
+            <a:pPr marL="0" indent="0">
+              <a:buNone/>
+            </a:pPr>
+            <a:r>
+              <a:rPr lang="en-US" altLang="zh-CN" dirty="0"/>
+              <a:t>}; </a:t>
+            </a:r>
+          </a:p>
+          <a:p>
+            <a:pPr marL="0" indent="0">
+              <a:buNone/>
+            </a:pPr>
+            <a:r>
+              <a:rPr lang="en-US" altLang="zh-CN" dirty="0"/>
+              <a:t> </a:t>
+            </a:r>
+          </a:p>
+          <a:p>
+            <a:pPr marL="0" indent="0">
+              <a:buNone/>
+            </a:pPr>
+            <a:r>
+              <a:rPr lang="en-US" altLang="zh-CN" dirty="0" err="1" smtClean="0"/>
+              <a:t>foo.call</a:t>
+            </a:r>
+            <a:r>
+              <a:rPr lang="en-US" altLang="zh-CN" dirty="0" smtClean="0"/>
+              <a:t>(scope</a:t>
+            </a:r>
+            <a:r>
+              <a:rPr lang="en-US" altLang="zh-CN" dirty="0"/>
+              <a:t>, arg1, arg2, ... );</a:t>
+            </a:r>
+          </a:p>
+          <a:p>
+            <a:pPr marL="0" indent="0">
+              <a:buNone/>
+            </a:pPr>
+            <a:r>
+              <a:rPr lang="en-US" altLang="zh-CN" dirty="0" err="1" smtClean="0"/>
+              <a:t>foo.apply</a:t>
+            </a:r>
+            <a:r>
+              <a:rPr lang="en-US" altLang="zh-CN" smtClean="0"/>
+              <a:t>(scope</a:t>
+            </a:r>
+            <a:r>
+              <a:rPr lang="en-US" altLang="zh-CN" dirty="0"/>
+              <a:t>, [arg1, arg2, ...] );</a:t>
+            </a:r>
             <a:endParaRPr lang="zh-CN" altLang="en-US" dirty="0"/>
           </a:p>
         </p:txBody>
@@ -8405,7 +8289,7 @@
     </p:spTree>
     <p:extLst>
       <p:ext uri="{BB962C8B-B14F-4D97-AF65-F5344CB8AC3E}">
-        <p14:creationId xmlns:p14="http://schemas.microsoft.com/office/powerpoint/2010/main" val="95985323"/>
+        <p14:creationId xmlns:p14="http://schemas.microsoft.com/office/powerpoint/2010/main" val="3383850283"/>
       </p:ext>
     </p:extLst>
   </p:cSld>
@@ -8448,24 +8332,12 @@
           <a:lstStyle/>
           <a:p>
             <a:r>
-              <a:rPr lang="zh-CN" altLang="en-US" dirty="0"/>
-              <a:t>原型</a:t>
+              <a:rPr lang="en-US" altLang="zh-CN" dirty="0" smtClean="0"/>
+              <a:t>Apply</a:t>
             </a:r>
             <a:r>
               <a:rPr lang="zh-CN" altLang="en-US" dirty="0" smtClean="0"/>
-              <a:t>链</a:t>
-            </a:r>
-            <a:r>
-              <a:rPr lang="en-US" altLang="zh-CN" dirty="0" smtClean="0"/>
-              <a:t>(</a:t>
-            </a:r>
-            <a:r>
-              <a:rPr lang="en-US" altLang="zh-CN" dirty="0" err="1" smtClean="0"/>
-              <a:t>Object.create</a:t>
-            </a:r>
-            <a:r>
-              <a:rPr lang="en-US" altLang="zh-CN" dirty="0" smtClean="0"/>
-              <a:t>?)</a:t>
+              <a:t>方法</a:t>
             </a:r>
             <a:endParaRPr lang="zh-CN" altLang="en-US" dirty="0"/>
           </a:p>
@@ -8491,157 +8363,113 @@
             </a:pPr>
             <a:r>
               <a:rPr lang="en-US" altLang="zh-CN" dirty="0"/>
-              <a:t>function Parent(username) </a:t>
-            </a:r>
-            <a:r>
-              <a:rPr lang="en-US" altLang="zh-CN" dirty="0" smtClean="0"/>
-              <a:t>{};</a:t>
-            </a:r>
-            <a:endParaRPr lang="en-US" altLang="zh-CN" dirty="0"/>
-          </a:p>
-          <a:p>
-            <a:pPr marL="0" indent="0">
-              <a:buNone/>
-            </a:pPr>
-            <a:r>
-              <a:rPr lang="en-US" altLang="zh-CN" dirty="0" err="1" smtClean="0"/>
-              <a:t>Parent.prototype.username</a:t>
-            </a:r>
-            <a:r>
-              <a:rPr lang="en-US" altLang="zh-CN" dirty="0" smtClean="0"/>
-              <a:t> </a:t>
-            </a:r>
-            <a:r>
-              <a:rPr lang="en-US" altLang="zh-CN" dirty="0"/>
-              <a:t>= </a:t>
-            </a:r>
-            <a:r>
-              <a:rPr lang="en-US" altLang="zh-CN" dirty="0" smtClean="0"/>
-              <a:t>“</a:t>
-            </a:r>
-            <a:r>
-              <a:rPr lang="en-US" altLang="zh-CN" dirty="0" err="1" smtClean="0"/>
-              <a:t>zhangsan</a:t>
-            </a:r>
-            <a:r>
-              <a:rPr lang="en-US" altLang="zh-CN" dirty="0" smtClean="0"/>
-              <a:t>”;</a:t>
-            </a:r>
-            <a:endParaRPr lang="en-US" altLang="zh-CN" dirty="0"/>
-          </a:p>
-          <a:p>
-            <a:pPr marL="0" indent="0">
-              <a:buNone/>
-            </a:pPr>
-            <a:r>
-              <a:rPr lang="en-US" altLang="zh-CN" dirty="0" err="1" smtClean="0"/>
-              <a:t>Parent.prototype.sayHello</a:t>
-            </a:r>
-            <a:r>
-              <a:rPr lang="en-US" altLang="zh-CN" dirty="0" smtClean="0"/>
-              <a:t> </a:t>
-            </a:r>
-            <a:r>
-              <a:rPr lang="en-US" altLang="zh-CN" dirty="0"/>
-              <a:t>= function() {return </a:t>
+              <a:t>function Parent(username) {</a:t>
+            </a:r>
+          </a:p>
+          <a:p>
+            <a:pPr marL="0" indent="0">
+              <a:buNone/>
+            </a:pPr>
+            <a:r>
+              <a:rPr lang="en-US" altLang="zh-CN" dirty="0"/>
+              <a:t>    </a:t>
             </a:r>
             <a:r>
               <a:rPr lang="en-US" altLang="zh-CN" dirty="0" err="1"/>
               <a:t>this.username</a:t>
             </a:r>
             <a:r>
-              <a:rPr lang="en-US" altLang="zh-CN" dirty="0" smtClean="0"/>
+              <a:rPr lang="en-US" altLang="zh-CN" dirty="0"/>
+              <a:t> = username;</a:t>
+            </a:r>
+          </a:p>
+          <a:p>
+            <a:pPr marL="0" indent="0">
+              <a:buNone/>
+            </a:pPr>
+            <a:r>
+              <a:rPr lang="en-US" altLang="zh-CN" dirty="0"/>
+              <a:t>    </a:t>
+            </a:r>
+            <a:r>
+              <a:rPr lang="en-US" altLang="zh-CN" dirty="0" err="1"/>
+              <a:t>this.sayHello</a:t>
+            </a:r>
+            <a:r>
+              <a:rPr lang="en-US" altLang="zh-CN" dirty="0"/>
+              <a:t> = function() {return </a:t>
+            </a:r>
+            <a:r>
+              <a:rPr lang="en-US" altLang="zh-CN" dirty="0" err="1"/>
+              <a:t>this.username</a:t>
+            </a:r>
+            <a:r>
+              <a:rPr lang="en-US" altLang="zh-CN" dirty="0"/>
               <a:t>;};</a:t>
             </a:r>
+          </a:p>
+          <a:p>
+            <a:pPr marL="0" indent="0">
+              <a:buNone/>
+            </a:pPr>
+            <a:r>
+              <a:rPr lang="en-US" altLang="zh-CN" dirty="0"/>
+              <a:t>}</a:t>
+            </a:r>
+          </a:p>
+          <a:p>
+            <a:pPr marL="0" indent="0">
+              <a:buNone/>
+            </a:pPr>
+            <a:r>
+              <a:rPr lang="en-US" altLang="zh-CN" dirty="0"/>
+              <a:t>function Child(username, password) {</a:t>
+            </a:r>
+          </a:p>
+          <a:p>
+            <a:pPr marL="0" indent="0">
+              <a:buNone/>
+            </a:pPr>
+            <a:r>
+              <a:rPr lang="en-US" altLang="zh-CN" dirty="0"/>
+              <a:t>    </a:t>
+            </a:r>
+            <a:r>
+              <a:rPr lang="en-US" altLang="zh-CN" dirty="0" err="1" smtClean="0"/>
+              <a:t>Parent.apply</a:t>
+            </a:r>
+            <a:r>
+              <a:rPr lang="en-US" altLang="zh-CN" dirty="0" smtClean="0"/>
+              <a:t>(this, [username]);</a:t>
+            </a:r>
             <a:endParaRPr lang="en-US" altLang="zh-CN" dirty="0"/>
           </a:p>
           <a:p>
             <a:pPr marL="0" indent="0">
               <a:buNone/>
             </a:pPr>
-            <a:endParaRPr lang="en-US" altLang="zh-CN" dirty="0" smtClean="0"/>
-          </a:p>
-          <a:p>
-            <a:pPr marL="0" indent="0">
-              <a:buNone/>
-            </a:pPr>
-            <a:r>
-              <a:rPr lang="en-US" altLang="zh-CN" dirty="0" smtClean="0"/>
-              <a:t>function </a:t>
-            </a:r>
-            <a:r>
-              <a:rPr lang="en-US" altLang="zh-CN" dirty="0"/>
-              <a:t>Child(username, password) </a:t>
-            </a:r>
-            <a:r>
-              <a:rPr lang="en-US" altLang="zh-CN" dirty="0" smtClean="0"/>
-              <a:t>{};</a:t>
-            </a:r>
-          </a:p>
-          <a:p>
-            <a:pPr marL="0" indent="0">
-              <a:buNone/>
-            </a:pPr>
-            <a:r>
-              <a:rPr lang="en-US" altLang="zh-CN" dirty="0" err="1" smtClean="0"/>
-              <a:t>Child.protype</a:t>
-            </a:r>
-            <a:r>
-              <a:rPr lang="en-US" altLang="zh-CN" dirty="0" smtClean="0"/>
-              <a:t> = new Parent();</a:t>
+            <a:r>
+              <a:rPr lang="en-US" altLang="zh-CN" dirty="0"/>
+              <a:t>    </a:t>
+            </a:r>
+            <a:r>
+              <a:rPr lang="en-US" altLang="zh-CN" dirty="0" err="1"/>
+              <a:t>this.password</a:t>
+            </a:r>
+            <a:r>
+              <a:rPr lang="en-US" altLang="zh-CN" dirty="0"/>
+              <a:t> = password;</a:t>
+            </a:r>
+          </a:p>
+          <a:p>
+            <a:pPr marL="0" indent="0">
+              <a:buNone/>
+            </a:pPr>
+            <a:r>
+              <a:rPr lang="en-US" altLang="zh-CN" dirty="0"/>
+              <a:t>};</a:t>
             </a:r>
             <a:endParaRPr lang="zh-CN" altLang="en-US" dirty="0"/>
-          </a:p>
-          <a:p>
-            <a:pPr marL="0" indent="0">
-              <a:buNone/>
-            </a:pPr>
-            <a:r>
-              <a:rPr lang="en-US" altLang="zh-CN" dirty="0" err="1" smtClean="0"/>
-              <a:t>Parent.prototype.password</a:t>
-            </a:r>
-            <a:r>
-              <a:rPr lang="en-US" altLang="zh-CN" dirty="0" smtClean="0"/>
-              <a:t> </a:t>
-            </a:r>
-            <a:r>
-              <a:rPr lang="en-US" altLang="zh-CN" dirty="0"/>
-              <a:t>= “</a:t>
-            </a:r>
-            <a:r>
-              <a:rPr lang="en-US" altLang="zh-CN" dirty="0" err="1"/>
-              <a:t>zhangsan</a:t>
-            </a:r>
-            <a:r>
-              <a:rPr lang="en-US" altLang="zh-CN" dirty="0"/>
-              <a:t>”;</a:t>
-            </a:r>
-          </a:p>
-          <a:p>
-            <a:pPr marL="0" indent="0">
-              <a:buNone/>
-            </a:pPr>
-            <a:r>
-              <a:rPr lang="en-US" altLang="zh-CN" dirty="0" err="1" smtClean="0"/>
-              <a:t>Parent.prototype.sayWord</a:t>
-            </a:r>
-            <a:r>
-              <a:rPr lang="en-US" altLang="zh-CN" dirty="0" smtClean="0"/>
-              <a:t> </a:t>
-            </a:r>
-            <a:r>
-              <a:rPr lang="en-US" altLang="zh-CN" dirty="0"/>
-              <a:t>= function() {return </a:t>
-            </a:r>
-            <a:r>
-              <a:rPr lang="en-US" altLang="zh-CN" dirty="0" err="1" smtClean="0"/>
-              <a:t>this.password</a:t>
-            </a:r>
-            <a:r>
-              <a:rPr lang="en-US" altLang="zh-CN" dirty="0" smtClean="0"/>
-              <a:t>;};</a:t>
-            </a:r>
-            <a:endParaRPr lang="en-US" altLang="zh-CN" dirty="0"/>
           </a:p>
           <a:p>
             <a:pPr marL="0" indent="0">
@@ -8654,7 +8482,7 @@
     </p:spTree>
     <p:extLst>
       <p:ext uri="{BB962C8B-B14F-4D97-AF65-F5344CB8AC3E}">
-        <p14:creationId xmlns:p14="http://schemas.microsoft.com/office/powerpoint/2010/main" val="266511135"/>
+        <p14:creationId xmlns:p14="http://schemas.microsoft.com/office/powerpoint/2010/main" val="95985323"/>
       </p:ext>
     </p:extLst>
   </p:cSld>
@@ -8697,6 +8525,243 @@
           <a:lstStyle/>
           <a:p>
             <a:r>
+              <a:rPr lang="zh-CN" altLang="en-US" dirty="0"/>
+              <a:t>原型</a:t>
+            </a:r>
+            <a:r>
+              <a:rPr lang="zh-CN" altLang="en-US" dirty="0" smtClean="0"/>
+              <a:t>链</a:t>
+            </a:r>
+            <a:endParaRPr lang="zh-CN" altLang="en-US" dirty="0"/>
+          </a:p>
+        </p:txBody>
+      </p:sp>
+      <p:sp>
+        <p:nvSpPr>
+          <p:cNvPr id="3" name="内容占位符 2"/>
+          <p:cNvSpPr>
+            <a:spLocks noGrp="1"/>
+          </p:cNvSpPr>
+          <p:nvPr>
+            <p:ph idx="1"/>
+          </p:nvPr>
+        </p:nvSpPr>
+        <p:spPr/>
+        <p:txBody>
+          <a:bodyPr/>
+          <a:lstStyle/>
+          <a:p>
+            <a:pPr marL="0" indent="0">
+              <a:buNone/>
+            </a:pPr>
+            <a:r>
+              <a:rPr lang="en-US" altLang="zh-CN" dirty="0"/>
+              <a:t>function Parent(username) </a:t>
+            </a:r>
+            <a:r>
+              <a:rPr lang="en-US" altLang="zh-CN" dirty="0" smtClean="0"/>
+              <a:t>{};</a:t>
+            </a:r>
+            <a:endParaRPr lang="en-US" altLang="zh-CN" dirty="0"/>
+          </a:p>
+          <a:p>
+            <a:pPr marL="0" indent="0">
+              <a:buNone/>
+            </a:pPr>
+            <a:r>
+              <a:rPr lang="en-US" altLang="zh-CN" dirty="0" err="1" smtClean="0"/>
+              <a:t>Parent.prototype.username</a:t>
+            </a:r>
+            <a:r>
+              <a:rPr lang="en-US" altLang="zh-CN" dirty="0" smtClean="0"/>
+              <a:t> </a:t>
+            </a:r>
+            <a:r>
+              <a:rPr lang="en-US" altLang="zh-CN" dirty="0"/>
+              <a:t>= </a:t>
+            </a:r>
+            <a:r>
+              <a:rPr lang="en-US" altLang="zh-CN" dirty="0" smtClean="0"/>
+              <a:t>“</a:t>
+            </a:r>
+            <a:r>
+              <a:rPr lang="en-US" altLang="zh-CN" dirty="0" err="1" smtClean="0"/>
+              <a:t>zhangsan</a:t>
+            </a:r>
+            <a:r>
+              <a:rPr lang="en-US" altLang="zh-CN" dirty="0" smtClean="0"/>
+              <a:t>”;</a:t>
+            </a:r>
+            <a:endParaRPr lang="en-US" altLang="zh-CN" dirty="0"/>
+          </a:p>
+          <a:p>
+            <a:pPr marL="0" indent="0">
+              <a:buNone/>
+            </a:pPr>
+            <a:r>
+              <a:rPr lang="en-US" altLang="zh-CN" dirty="0" err="1" smtClean="0"/>
+              <a:t>Parent.prototype.sayHello</a:t>
+            </a:r>
+            <a:r>
+              <a:rPr lang="en-US" altLang="zh-CN" dirty="0" smtClean="0"/>
+              <a:t> </a:t>
+            </a:r>
+            <a:r>
+              <a:rPr lang="en-US" altLang="zh-CN" dirty="0"/>
+              <a:t>= function() {return </a:t>
+            </a:r>
+            <a:r>
+              <a:rPr lang="en-US" altLang="zh-CN" dirty="0" err="1"/>
+              <a:t>this.username</a:t>
+            </a:r>
+            <a:r>
+              <a:rPr lang="en-US" altLang="zh-CN" dirty="0" smtClean="0"/>
+              <a:t>;};</a:t>
+            </a:r>
+            <a:endParaRPr lang="en-US" altLang="zh-CN" dirty="0"/>
+          </a:p>
+          <a:p>
+            <a:pPr marL="0" indent="0">
+              <a:buNone/>
+            </a:pPr>
+            <a:endParaRPr lang="en-US" altLang="zh-CN" dirty="0" smtClean="0"/>
+          </a:p>
+          <a:p>
+            <a:pPr marL="0" indent="0">
+              <a:buNone/>
+            </a:pPr>
+            <a:r>
+              <a:rPr lang="en-US" altLang="zh-CN" dirty="0" smtClean="0"/>
+              <a:t>function </a:t>
+            </a:r>
+            <a:r>
+              <a:rPr lang="en-US" altLang="zh-CN" dirty="0"/>
+              <a:t>Child(username, password) </a:t>
+            </a:r>
+            <a:r>
+              <a:rPr lang="en-US" altLang="zh-CN" dirty="0" smtClean="0"/>
+              <a:t>{};</a:t>
+            </a:r>
+          </a:p>
+          <a:p>
+            <a:pPr marL="0" indent="0">
+              <a:buNone/>
+            </a:pPr>
+            <a:r>
+              <a:rPr lang="en-US" altLang="zh-CN" dirty="0" err="1" smtClean="0"/>
+              <a:t>Child.protype</a:t>
+            </a:r>
+            <a:r>
+              <a:rPr lang="en-US" altLang="zh-CN" dirty="0" smtClean="0"/>
+              <a:t> = new Parent();</a:t>
+            </a:r>
+            <a:endParaRPr lang="zh-CN" altLang="en-US" dirty="0"/>
+          </a:p>
+          <a:p>
+            <a:pPr marL="0" indent="0">
+              <a:buNone/>
+            </a:pPr>
+            <a:r>
+              <a:rPr lang="en-US" altLang="zh-CN" dirty="0" err="1" smtClean="0"/>
+              <a:t>Parent.prototype.password</a:t>
+            </a:r>
+            <a:r>
+              <a:rPr lang="en-US" altLang="zh-CN" dirty="0" smtClean="0"/>
+              <a:t> </a:t>
+            </a:r>
+            <a:r>
+              <a:rPr lang="en-US" altLang="zh-CN" dirty="0"/>
+              <a:t>= “</a:t>
+            </a:r>
+            <a:r>
+              <a:rPr lang="en-US" altLang="zh-CN" dirty="0" err="1"/>
+              <a:t>zhangsan</a:t>
+            </a:r>
+            <a:r>
+              <a:rPr lang="en-US" altLang="zh-CN" dirty="0"/>
+              <a:t>”;</a:t>
+            </a:r>
+          </a:p>
+          <a:p>
+            <a:pPr marL="0" indent="0">
+              <a:buNone/>
+            </a:pPr>
+            <a:r>
+              <a:rPr lang="en-US" altLang="zh-CN" dirty="0" err="1" smtClean="0"/>
+              <a:t>Parent.prototype.sayWord</a:t>
+            </a:r>
+            <a:r>
+              <a:rPr lang="en-US" altLang="zh-CN" dirty="0" smtClean="0"/>
+              <a:t> </a:t>
+            </a:r>
+            <a:r>
+              <a:rPr lang="en-US" altLang="zh-CN" dirty="0"/>
+              <a:t>= function() {return </a:t>
+            </a:r>
+            <a:r>
+              <a:rPr lang="en-US" altLang="zh-CN" dirty="0" err="1" smtClean="0"/>
+              <a:t>this.password</a:t>
+            </a:r>
+            <a:r>
+              <a:rPr lang="en-US" altLang="zh-CN" dirty="0" smtClean="0"/>
+              <a:t>;};</a:t>
+            </a:r>
+            <a:endParaRPr lang="en-US" altLang="zh-CN" dirty="0"/>
+          </a:p>
+          <a:p>
+            <a:pPr marL="0" indent="0">
+              <a:buNone/>
+            </a:pPr>
+            <a:endParaRPr lang="zh-CN" altLang="en-US" dirty="0"/>
+          </a:p>
+        </p:txBody>
+      </p:sp>
+    </p:spTree>
+    <p:extLst>
+      <p:ext uri="{BB962C8B-B14F-4D97-AF65-F5344CB8AC3E}">
+        <p14:creationId xmlns:p14="http://schemas.microsoft.com/office/powerpoint/2010/main" val="266511135"/>
+      </p:ext>
+    </p:extLst>
+  </p:cSld>
+  <p:clrMapOvr>
+    <a:masterClrMapping/>
+  </p:clrMapOvr>
+</p:sld>
+</file>
+
+<file path=ppt/slides/slide43.xml><?xml version="1.0" encoding="utf-8"?>
+<p:sld xmlns:a="http://schemas.openxmlformats.org/drawingml/2006/main" xmlns:r="http://schemas.openxmlformats.org/officeDocument/2006/relationships" xmlns:p="http://schemas.openxmlformats.org/presentationml/2006/main">
+  <p:cSld>
+    <p:spTree>
+      <p:nvGrpSpPr>
+        <p:cNvPr id="1" name=""/>
+        <p:cNvGrpSpPr/>
+        <p:nvPr/>
+      </p:nvGrpSpPr>
+      <p:grpSpPr>
+        <a:xfrm>
+          <a:off x="0" y="0"/>
+          <a:ext cx="0" cy="0"/>
+          <a:chOff x="0" y="0"/>
+          <a:chExt cx="0" cy="0"/>
+        </a:xfrm>
+      </p:grpSpPr>
+      <p:sp>
+        <p:nvSpPr>
+          <p:cNvPr id="2" name="标题 1"/>
+          <p:cNvSpPr>
+            <a:spLocks noGrp="1"/>
+          </p:cNvSpPr>
+          <p:nvPr>
+            <p:ph type="title"/>
+          </p:nvPr>
+        </p:nvSpPr>
+        <p:spPr/>
+        <p:txBody>
+          <a:bodyPr/>
+          <a:lstStyle/>
+          <a:p>
+            <a:r>
               <a:rPr lang="zh-CN" altLang="en-US"/>
               <a:t>混合</a:t>
             </a:r>
@@ -8740,7 +8805,7 @@
 </p:sld>
 </file>
 
-<file path=ppt/slides/slide43.xml><?xml version="1.0" encoding="utf-8"?>
+<file path=ppt/slides/slide44.xml><?xml version="1.0" encoding="utf-8"?>
 <p:sld xmlns:a="http://schemas.openxmlformats.org/drawingml/2006/main" xmlns:r="http://schemas.openxmlformats.org/officeDocument/2006/relationships" xmlns:p="http://schemas.openxmlformats.org/presentationml/2006/main">
   <p:cSld>
     <p:spTree>
@@ -10237,101 +10302,6 @@
 </p:sld>
 </file>
 
-<file path=ppt/slides/slide44.xml><?xml version="1.0" encoding="utf-8"?>
-<p:sld xmlns:a="http://schemas.openxmlformats.org/drawingml/2006/main" xmlns:r="http://schemas.openxmlformats.org/officeDocument/2006/relationships" xmlns:p="http://schemas.openxmlformats.org/presentationml/2006/main">
-  <p:cSld>
-    <p:spTree>
-      <p:nvGrpSpPr>
-        <p:cNvPr id="1" name=""/>
-        <p:cNvGrpSpPr/>
-        <p:nvPr/>
-      </p:nvGrpSpPr>
-      <p:grpSpPr>
-        <a:xfrm>
-          <a:off x="0" y="0"/>
-          <a:ext cx="0" cy="0"/>
-          <a:chOff x="0" y="0"/>
-          <a:chExt cx="0" cy="0"/>
-        </a:xfrm>
-      </p:grpSpPr>
-      <p:sp>
-        <p:nvSpPr>
-          <p:cNvPr id="2" name="标题 1"/>
-          <p:cNvSpPr>
-            <a:spLocks noGrp="1"/>
-          </p:cNvSpPr>
-          <p:nvPr>
-            <p:ph type="title"/>
-          </p:nvPr>
-        </p:nvSpPr>
-        <p:spPr>
-          <a:xfrm>
-            <a:off x="838200" y="218941"/>
-            <a:ext cx="10515600" cy="965915"/>
-          </a:xfrm>
-        </p:spPr>
-        <p:txBody>
-          <a:bodyPr/>
-          <a:lstStyle/>
-          <a:p>
-            <a:r>
-              <a:rPr lang="en-US" altLang="zh-CN" dirty="0" smtClean="0"/>
-              <a:t>Polymorphism(</a:t>
-            </a:r>
-            <a:r>
-              <a:rPr lang="zh-CN" altLang="en-US" dirty="0" smtClean="0"/>
-              <a:t>多态</a:t>
-            </a:r>
-            <a:r>
-              <a:rPr lang="en-US" altLang="zh-CN" dirty="0" smtClean="0"/>
-              <a:t>)</a:t>
-            </a:r>
-            <a:endParaRPr lang="zh-CN" altLang="en-US" dirty="0"/>
-          </a:p>
-        </p:txBody>
-      </p:sp>
-      <p:sp>
-        <p:nvSpPr>
-          <p:cNvPr id="3" name="内容占位符 2"/>
-          <p:cNvSpPr>
-            <a:spLocks noGrp="1"/>
-          </p:cNvSpPr>
-          <p:nvPr>
-            <p:ph idx="1"/>
-          </p:nvPr>
-        </p:nvSpPr>
-        <p:spPr>
-          <a:xfrm>
-            <a:off x="838199" y="1313646"/>
-            <a:ext cx="10714149" cy="5293216"/>
-          </a:xfrm>
-        </p:spPr>
-        <p:txBody>
-          <a:bodyPr>
-            <a:normAutofit/>
-          </a:bodyPr>
-          <a:lstStyle/>
-          <a:p>
-            <a:pPr marL="0" indent="0">
-              <a:buNone/>
-            </a:pPr>
-            <a:endParaRPr lang="zh-CN" altLang="en-US" sz="2400" dirty="0"/>
-          </a:p>
-        </p:txBody>
-      </p:sp>
-    </p:spTree>
-    <p:extLst>
-      <p:ext uri="{BB962C8B-B14F-4D97-AF65-F5344CB8AC3E}">
-        <p14:creationId xmlns:p14="http://schemas.microsoft.com/office/powerpoint/2010/main" val="286037670"/>
-      </p:ext>
-    </p:extLst>
-  </p:cSld>
-  <p:clrMapOvr>
-    <a:masterClrMapping/>
-  </p:clrMapOvr>
-</p:sld>
-</file>
-
 <file path=ppt/slides/slide45.xml><?xml version="1.0" encoding="utf-8"?>
 <p:sld xmlns:a="http://schemas.openxmlformats.org/drawingml/2006/main" xmlns:r="http://schemas.openxmlformats.org/officeDocument/2006/relationships" xmlns:p="http://schemas.openxmlformats.org/presentationml/2006/main">
   <p:cSld>
@@ -10359,15 +10329,29 @@
             <p:ph type="title"/>
           </p:nvPr>
         </p:nvSpPr>
-        <p:spPr/>
+        <p:spPr>
+          <a:xfrm>
+            <a:off x="838200" y="218941"/>
+            <a:ext cx="10515600" cy="965915"/>
+          </a:xfrm>
+        </p:spPr>
         <p:txBody>
           <a:bodyPr/>
           <a:lstStyle/>
           <a:p>
             <a:r>
-              <a:rPr lang="en-US" altLang="zh-CN" b="1" dirty="0"/>
-              <a:t>Truth, Equality</a:t>
-            </a:r>
+              <a:rPr lang="en-US" altLang="zh-CN" dirty="0" smtClean="0"/>
+              <a:t>Polymorphism(</a:t>
+            </a:r>
+            <a:r>
+              <a:rPr lang="zh-CN" altLang="en-US" dirty="0" smtClean="0"/>
+              <a:t>多态</a:t>
+            </a:r>
+            <a:r>
+              <a:rPr lang="en-US" altLang="zh-CN" dirty="0" smtClean="0"/>
+              <a:t>)</a:t>
+            </a:r>
+            <a:endParaRPr lang="zh-CN" altLang="en-US" dirty="0"/>
           </a:p>
         </p:txBody>
       </p:sp>
@@ -10381,123 +10365,29 @@
             <p:ph idx="1"/>
           </p:nvPr>
         </p:nvSpPr>
-        <p:spPr/>
-        <p:txBody>
-          <a:bodyPr/>
+        <p:spPr>
+          <a:xfrm>
+            <a:off x="838199" y="1313646"/>
+            <a:ext cx="10714149" cy="5293216"/>
+          </a:xfrm>
+        </p:spPr>
+        <p:txBody>
+          <a:bodyPr>
+            <a:normAutofit/>
+          </a:bodyPr>
           <a:lstStyle/>
           <a:p>
-            <a:pPr lvl="0">
-              <a:buNone/>
-            </a:pPr>
-            <a:r>
-              <a:rPr lang="en" altLang="zh-CN" dirty="0"/>
-              <a:t>The following values are falsy</a:t>
-            </a:r>
-          </a:p>
-          <a:p>
-            <a:pPr marL="914400" lvl="1" indent="-381000">
-              <a:buClr>
-                <a:schemeClr val="dk2"/>
-              </a:buClr>
-              <a:buSzPct val="80000"/>
-              <a:buFont typeface="Courier New"/>
-              <a:buChar char="o"/>
-            </a:pPr>
-            <a:r>
-              <a:rPr lang="en" altLang="zh-CN" dirty="0"/>
-              <a:t>false</a:t>
-            </a:r>
-          </a:p>
-          <a:p>
-            <a:pPr marL="914400" lvl="1" indent="-381000">
-              <a:buClr>
-                <a:schemeClr val="dk2"/>
-              </a:buClr>
-              <a:buSzPct val="80000"/>
-              <a:buFont typeface="Courier New"/>
-              <a:buChar char="o"/>
-            </a:pPr>
-            <a:r>
-              <a:rPr lang="en" altLang="zh-CN" dirty="0"/>
-              <a:t>0 (zero)</a:t>
-            </a:r>
-          </a:p>
-          <a:p>
-            <a:pPr marL="914400" lvl="1" indent="-381000">
-              <a:buClr>
-                <a:schemeClr val="dk2"/>
-              </a:buClr>
-              <a:buSzPct val="80000"/>
-              <a:buFont typeface="Courier New"/>
-              <a:buChar char="o"/>
-            </a:pPr>
-            <a:r>
-              <a:rPr lang="en" altLang="zh-CN" dirty="0"/>
-              <a:t>“” (empty string”)</a:t>
-            </a:r>
-          </a:p>
-          <a:p>
-            <a:pPr marL="914400" lvl="1" indent="-381000">
-              <a:buClr>
-                <a:schemeClr val="dk2"/>
-              </a:buClr>
-              <a:buSzPct val="80000"/>
-              <a:buFont typeface="Courier New"/>
-              <a:buChar char="o"/>
-            </a:pPr>
-            <a:r>
-              <a:rPr lang="en" altLang="zh-CN" dirty="0"/>
-              <a:t>null</a:t>
-            </a:r>
-          </a:p>
-          <a:p>
-            <a:pPr marL="914400" lvl="1" indent="-381000">
-              <a:buClr>
-                <a:schemeClr val="dk2"/>
-              </a:buClr>
-              <a:buSzPct val="80000"/>
-              <a:buFont typeface="Courier New"/>
-              <a:buChar char="o"/>
-            </a:pPr>
-            <a:r>
-              <a:rPr lang="en" altLang="zh-CN" dirty="0"/>
-              <a:t>undefined</a:t>
-            </a:r>
-          </a:p>
-          <a:p>
-            <a:pPr marL="914400" lvl="1" indent="-381000">
-              <a:buClr>
-                <a:schemeClr val="dk2"/>
-              </a:buClr>
-              <a:buSzPct val="80000"/>
-              <a:buFont typeface="Courier New"/>
-              <a:buChar char="o"/>
-            </a:pPr>
-            <a:r>
-              <a:rPr lang="en" altLang="zh-CN" dirty="0"/>
-              <a:t>NaN (not a number)</a:t>
-            </a:r>
-          </a:p>
-          <a:p>
-            <a:pPr lvl="0">
-              <a:buNone/>
-            </a:pPr>
-            <a:r>
-              <a:rPr lang="en" altLang="zh-CN" dirty="0"/>
-              <a:t>Everything else is </a:t>
-            </a:r>
-            <a:r>
-              <a:rPr lang="en" altLang="zh-CN" dirty="0" smtClean="0"/>
-              <a:t>truthy</a:t>
-            </a:r>
-            <a:endParaRPr lang="en" altLang="zh-CN" dirty="0"/>
+            <a:pPr marL="0" indent="0">
+              <a:buNone/>
+            </a:pPr>
+            <a:endParaRPr lang="zh-CN" altLang="en-US" sz="2400" dirty="0"/>
           </a:p>
         </p:txBody>
       </p:sp>
     </p:spTree>
     <p:extLst>
       <p:ext uri="{BB962C8B-B14F-4D97-AF65-F5344CB8AC3E}">
-        <p14:creationId xmlns:p14="http://schemas.microsoft.com/office/powerpoint/2010/main" val="1319081848"/>
+        <p14:creationId xmlns:p14="http://schemas.microsoft.com/office/powerpoint/2010/main" val="286037670"/>
       </p:ext>
     </p:extLst>
   </p:cSld>
@@ -10543,6 +10433,181 @@
               <a:rPr lang="en-US" altLang="zh-CN" b="1" dirty="0"/>
               <a:t>Truth, Equality</a:t>
             </a:r>
+          </a:p>
+        </p:txBody>
+      </p:sp>
+      <p:sp>
+        <p:nvSpPr>
+          <p:cNvPr id="3" name="内容占位符 2"/>
+          <p:cNvSpPr>
+            <a:spLocks noGrp="1"/>
+          </p:cNvSpPr>
+          <p:nvPr>
+            <p:ph idx="1"/>
+          </p:nvPr>
+        </p:nvSpPr>
+        <p:spPr/>
+        <p:txBody>
+          <a:bodyPr/>
+          <a:lstStyle/>
+          <a:p>
+            <a:pPr lvl="0">
+              <a:buNone/>
+            </a:pPr>
+            <a:r>
+              <a:rPr lang="en" altLang="zh-CN" dirty="0"/>
+              <a:t>The following values are falsy</a:t>
+            </a:r>
+          </a:p>
+          <a:p>
+            <a:pPr marL="914400" lvl="1" indent="-381000">
+              <a:buClr>
+                <a:schemeClr val="dk2"/>
+              </a:buClr>
+              <a:buSzPct val="80000"/>
+              <a:buFont typeface="Courier New"/>
+              <a:buChar char="o"/>
+            </a:pPr>
+            <a:r>
+              <a:rPr lang="en" altLang="zh-CN" dirty="0"/>
+              <a:t>false</a:t>
+            </a:r>
+          </a:p>
+          <a:p>
+            <a:pPr marL="914400" lvl="1" indent="-381000">
+              <a:buClr>
+                <a:schemeClr val="dk2"/>
+              </a:buClr>
+              <a:buSzPct val="80000"/>
+              <a:buFont typeface="Courier New"/>
+              <a:buChar char="o"/>
+            </a:pPr>
+            <a:r>
+              <a:rPr lang="en" altLang="zh-CN" dirty="0"/>
+              <a:t>0 (zero)</a:t>
+            </a:r>
+          </a:p>
+          <a:p>
+            <a:pPr marL="914400" lvl="1" indent="-381000">
+              <a:buClr>
+                <a:schemeClr val="dk2"/>
+              </a:buClr>
+              <a:buSzPct val="80000"/>
+              <a:buFont typeface="Courier New"/>
+              <a:buChar char="o"/>
+            </a:pPr>
+            <a:r>
+              <a:rPr lang="en" altLang="zh-CN" dirty="0"/>
+              <a:t>“” (empty string”)</a:t>
+            </a:r>
+          </a:p>
+          <a:p>
+            <a:pPr marL="914400" lvl="1" indent="-381000">
+              <a:buClr>
+                <a:schemeClr val="dk2"/>
+              </a:buClr>
+              <a:buSzPct val="80000"/>
+              <a:buFont typeface="Courier New"/>
+              <a:buChar char="o"/>
+            </a:pPr>
+            <a:r>
+              <a:rPr lang="en" altLang="zh-CN" dirty="0"/>
+              <a:t>null</a:t>
+            </a:r>
+          </a:p>
+          <a:p>
+            <a:pPr marL="914400" lvl="1" indent="-381000">
+              <a:buClr>
+                <a:schemeClr val="dk2"/>
+              </a:buClr>
+              <a:buSzPct val="80000"/>
+              <a:buFont typeface="Courier New"/>
+              <a:buChar char="o"/>
+            </a:pPr>
+            <a:r>
+              <a:rPr lang="en" altLang="zh-CN" dirty="0"/>
+              <a:t>undefined</a:t>
+            </a:r>
+          </a:p>
+          <a:p>
+            <a:pPr marL="914400" lvl="1" indent="-381000">
+              <a:buClr>
+                <a:schemeClr val="dk2"/>
+              </a:buClr>
+              <a:buSzPct val="80000"/>
+              <a:buFont typeface="Courier New"/>
+              <a:buChar char="o"/>
+            </a:pPr>
+            <a:r>
+              <a:rPr lang="en" altLang="zh-CN" dirty="0"/>
+              <a:t>NaN (not a number)</a:t>
+            </a:r>
+          </a:p>
+          <a:p>
+            <a:pPr lvl="0">
+              <a:buNone/>
+            </a:pPr>
+            <a:r>
+              <a:rPr lang="en" altLang="zh-CN" dirty="0"/>
+              <a:t>Everything else is </a:t>
+            </a:r>
+            <a:r>
+              <a:rPr lang="en" altLang="zh-CN" dirty="0" smtClean="0"/>
+              <a:t>truthy</a:t>
+            </a:r>
+            <a:endParaRPr lang="en" altLang="zh-CN" dirty="0"/>
+          </a:p>
+        </p:txBody>
+      </p:sp>
+    </p:spTree>
+    <p:extLst>
+      <p:ext uri="{BB962C8B-B14F-4D97-AF65-F5344CB8AC3E}">
+        <p14:creationId xmlns:p14="http://schemas.microsoft.com/office/powerpoint/2010/main" val="1319081848"/>
+      </p:ext>
+    </p:extLst>
+  </p:cSld>
+  <p:clrMapOvr>
+    <a:masterClrMapping/>
+  </p:clrMapOvr>
+</p:sld>
+</file>
+
+<file path=ppt/slides/slide47.xml><?xml version="1.0" encoding="utf-8"?>
+<p:sld xmlns:a="http://schemas.openxmlformats.org/drawingml/2006/main" xmlns:r="http://schemas.openxmlformats.org/officeDocument/2006/relationships" xmlns:p="http://schemas.openxmlformats.org/presentationml/2006/main">
+  <p:cSld>
+    <p:spTree>
+      <p:nvGrpSpPr>
+        <p:cNvPr id="1" name=""/>
+        <p:cNvGrpSpPr/>
+        <p:nvPr/>
+      </p:nvGrpSpPr>
+      <p:grpSpPr>
+        <a:xfrm>
+          <a:off x="0" y="0"/>
+          <a:ext cx="0" cy="0"/>
+          <a:chOff x="0" y="0"/>
+          <a:chExt cx="0" cy="0"/>
+        </a:xfrm>
+      </p:grpSpPr>
+      <p:sp>
+        <p:nvSpPr>
+          <p:cNvPr id="2" name="标题 1"/>
+          <p:cNvSpPr>
+            <a:spLocks noGrp="1"/>
+          </p:cNvSpPr>
+          <p:nvPr>
+            <p:ph type="title"/>
+          </p:nvPr>
+        </p:nvSpPr>
+        <p:spPr/>
+        <p:txBody>
+          <a:bodyPr/>
+          <a:lstStyle/>
+          <a:p>
+            <a:r>
+              <a:rPr lang="en-US" altLang="zh-CN" b="1" dirty="0"/>
+              <a:t>Truth, Equality</a:t>
+            </a:r>
             <a:endParaRPr lang="zh-CN" altLang="en-US" dirty="0"/>
           </a:p>
         </p:txBody>
@@ -10656,7 +10721,7 @@
 </p:sld>
 </file>
 
-<file path=ppt/slides/slide47.xml><?xml version="1.0" encoding="utf-8"?>
+<file path=ppt/slides/slide48.xml><?xml version="1.0" encoding="utf-8"?>
 <p:sld xmlns:a="http://schemas.openxmlformats.org/drawingml/2006/main" xmlns:r="http://schemas.openxmlformats.org/officeDocument/2006/relationships" xmlns:p="http://schemas.openxmlformats.org/presentationml/2006/main">
   <p:cSld>
     <p:spTree>
@@ -11722,7 +11787,7 @@
 </p:sld>
 </file>
 
-<file path=ppt/slides/slide48.xml><?xml version="1.0" encoding="utf-8"?>
+<file path=ppt/slides/slide49.xml><?xml version="1.0" encoding="utf-8"?>
 <p:sld xmlns:a="http://schemas.openxmlformats.org/drawingml/2006/main" xmlns:r="http://schemas.openxmlformats.org/officeDocument/2006/relationships" xmlns:p="http://schemas.openxmlformats.org/presentationml/2006/main">
   <p:cSld>
     <p:spTree>
@@ -11772,22 +11837,22 @@
             <p:ph idx="1"/>
             <p:extLst>
               <p:ext uri="{D42A27DB-BD31-4B8C-83A1-F6EECF244321}">
-                <p14:modId xmlns:p14="http://schemas.microsoft.com/office/powerpoint/2010/main" val="1318705623"/>
+                <p14:modId xmlns:p14="http://schemas.microsoft.com/office/powerpoint/2010/main" val="1041176323"/>
               </p:ext>
             </p:extLst>
           </p:nvPr>
         </p:nvGraphicFramePr>
         <p:xfrm>
           <a:off x="1996225" y="2163650"/>
-          <a:ext cx="7705559" cy="2809194"/>
+          <a:ext cx="7705559" cy="2813047"/>
         </p:xfrm>
         <a:graphic>
           <a:graphicData uri="http://schemas.openxmlformats.org/drawingml/2006/table">
             <a:tbl>
               <a:tblPr/>
               <a:tblGrid>
-                <a:gridCol w="1446565"/>
-                <a:gridCol w="6258994"/>
+                <a:gridCol w="1887952"/>
+                <a:gridCol w="5817607"/>
               </a:tblGrid>
               <a:tr h="936398">
                 <a:tc>
@@ -11978,7 +12043,13 @@
                       </a:r>
                       <a:r>
                         <a:rPr lang="en-US" b="0" dirty="0" err="1">
-                          <a:effectLst/>
+                          <a:effectLst>
+                            <a:outerShdw blurRad="38100" dist="38100" dir="2700000" algn="tl">
+                              <a:srgbClr val="000000">
+                                <a:alpha val="43137"/>
+                              </a:srgbClr>
+                            </a:outerShdw>
+                          </a:effectLst>
                         </a:rPr>
                         <a:t>toString</a:t>
                       </a:r>
@@ -12153,284 +12224,6 @@
     <p:extLst>
       <p:ext uri="{BB962C8B-B14F-4D97-AF65-F5344CB8AC3E}">
         <p14:creationId xmlns:p14="http://schemas.microsoft.com/office/powerpoint/2010/main" val="1572224073"/>
-      </p:ext>
-    </p:extLst>
-  </p:cSld>
-  <p:clrMapOvr>
-    <a:masterClrMapping/>
-  </p:clrMapOvr>
-</p:sld>
-</file>
-
-<file path=ppt/slides/slide49.xml><?xml version="1.0" encoding="utf-8"?>
-<p:sld xmlns:a="http://schemas.openxmlformats.org/drawingml/2006/main" xmlns:r="http://schemas.openxmlformats.org/officeDocument/2006/relationships" xmlns:p="http://schemas.openxmlformats.org/presentationml/2006/main">
-  <p:cSld>
-    <p:spTree>
-      <p:nvGrpSpPr>
-        <p:cNvPr id="1" name=""/>
-        <p:cNvGrpSpPr/>
-        <p:nvPr/>
-      </p:nvGrpSpPr>
-      <p:grpSpPr>
-        <a:xfrm>
-          <a:off x="0" y="0"/>
-          <a:ext cx="0" cy="0"/>
-          <a:chOff x="0" y="0"/>
-          <a:chExt cx="0" cy="0"/>
-        </a:xfrm>
-      </p:grpSpPr>
-      <p:sp>
-        <p:nvSpPr>
-          <p:cNvPr id="2" name="标题 1"/>
-          <p:cNvSpPr>
-            <a:spLocks noGrp="1"/>
-          </p:cNvSpPr>
-          <p:nvPr>
-            <p:ph type="title"/>
-          </p:nvPr>
-        </p:nvSpPr>
-        <p:spPr/>
-        <p:txBody>
-          <a:bodyPr/>
-          <a:lstStyle/>
-          <a:p>
-            <a:endParaRPr lang="zh-CN" altLang="en-US"/>
-          </a:p>
-        </p:txBody>
-      </p:sp>
-      <p:sp>
-        <p:nvSpPr>
-          <p:cNvPr id="3" name="内容占位符 2"/>
-          <p:cNvSpPr>
-            <a:spLocks noGrp="1"/>
-          </p:cNvSpPr>
-          <p:nvPr>
-            <p:ph idx="1"/>
-          </p:nvPr>
-        </p:nvSpPr>
-        <p:spPr/>
-        <p:txBody>
-          <a:bodyPr>
-            <a:normAutofit fontScale="85000" lnSpcReduction="20000"/>
-          </a:bodyPr>
-          <a:lstStyle/>
-          <a:p>
-            <a:pPr marL="0" indent="0">
-              <a:buNone/>
-            </a:pPr>
-            <a:r>
-              <a:rPr lang="zh-CN" altLang="en-US" dirty="0"/>
-              <a:t>数据类型（</a:t>
-            </a:r>
-            <a:r>
-              <a:rPr lang="en-US" altLang="zh-CN" dirty="0"/>
-              <a:t>Array</a:t>
-            </a:r>
-            <a:r>
-              <a:rPr lang="zh-CN" altLang="en-US" dirty="0"/>
-              <a:t>）</a:t>
-            </a:r>
-            <a:r>
-              <a:rPr lang="en-US" altLang="zh-CN" dirty="0" err="1"/>
-              <a:t>typeof</a:t>
-            </a:r>
-            <a:r>
-              <a:rPr lang="en-US" altLang="zh-CN" dirty="0"/>
-              <a:t> -&gt; </a:t>
-            </a:r>
-            <a:r>
-              <a:rPr lang="en-US" altLang="zh-CN" dirty="0" err="1"/>
-              <a:t>isArray</a:t>
-            </a:r>
-            <a:r>
-              <a:rPr lang="zh-CN" altLang="en-US" dirty="0"/>
-              <a:t>？</a:t>
-            </a:r>
-            <a:endParaRPr lang="en-US" altLang="zh-CN" dirty="0"/>
-          </a:p>
-          <a:p>
-            <a:pPr marL="0" indent="0">
-              <a:buNone/>
-            </a:pPr>
-            <a:r>
-              <a:rPr lang="zh-CN" altLang="en-US" dirty="0"/>
-              <a:t>函数（</a:t>
-            </a:r>
-            <a:r>
-              <a:rPr lang="en-US" altLang="zh-CN" dirty="0"/>
-              <a:t>Function</a:t>
-            </a:r>
-            <a:r>
-              <a:rPr lang="zh-CN" altLang="en-US" dirty="0"/>
-              <a:t>）</a:t>
-            </a:r>
-            <a:r>
-              <a:rPr lang="en-US" altLang="zh-CN" dirty="0"/>
-              <a:t>-&gt; passed/return-&gt; overload -&gt;arguments</a:t>
-            </a:r>
-          </a:p>
-          <a:p>
-            <a:pPr marL="0" indent="0">
-              <a:buNone/>
-            </a:pPr>
-            <a:r>
-              <a:rPr lang="zh-CN" altLang="en-US" dirty="0"/>
-              <a:t>提升机制 </a:t>
-            </a:r>
-            <a:r>
-              <a:rPr lang="en-US" altLang="zh-CN" dirty="0"/>
-              <a:t>Hoisting</a:t>
-            </a:r>
-          </a:p>
-          <a:p>
-            <a:pPr marL="0" indent="0">
-              <a:buNone/>
-            </a:pPr>
-            <a:endParaRPr lang="en-US" altLang="zh-CN" dirty="0"/>
-          </a:p>
-          <a:p>
-            <a:pPr marL="0" indent="0">
-              <a:buNone/>
-            </a:pPr>
-            <a:r>
-              <a:rPr lang="zh-CN" altLang="en-US" dirty="0"/>
-              <a:t>定义对象的方式</a:t>
-            </a:r>
-            <a:r>
-              <a:rPr lang="en-US" altLang="zh-CN" dirty="0"/>
-              <a:t>-</a:t>
-            </a:r>
-            <a:r>
-              <a:rPr lang="zh-CN" altLang="en-US" dirty="0"/>
-              <a:t>通过方法来构造</a:t>
-            </a:r>
-            <a:endParaRPr lang="en-US" altLang="zh-CN" dirty="0"/>
-          </a:p>
-          <a:p>
-            <a:pPr marL="0" indent="0">
-              <a:buNone/>
-            </a:pPr>
-            <a:r>
-              <a:rPr lang="zh-CN" altLang="en-US" dirty="0"/>
-              <a:t>扩展对象</a:t>
-            </a:r>
-            <a:r>
-              <a:rPr lang="en-US" altLang="zh-CN" dirty="0"/>
-              <a:t> </a:t>
-            </a:r>
-            <a:r>
-              <a:rPr lang="zh-CN" altLang="en-US" dirty="0"/>
-              <a:t>工厂方法 构造方法 原型</a:t>
-            </a:r>
-            <a:r>
-              <a:rPr lang="en-US" altLang="zh-CN" dirty="0"/>
-              <a:t>(</a:t>
-            </a:r>
-            <a:r>
-              <a:rPr lang="en-US" altLang="zh-CN" dirty="0" err="1"/>
-              <a:t>hasOwnProperty</a:t>
-            </a:r>
-            <a:r>
-              <a:rPr lang="en-US" altLang="zh-CN" dirty="0"/>
-              <a:t>)</a:t>
-            </a:r>
-            <a:r>
-              <a:rPr lang="zh-CN" altLang="en-US" dirty="0"/>
-              <a:t> 构造方法</a:t>
-            </a:r>
-            <a:r>
-              <a:rPr lang="en-US" altLang="zh-CN" dirty="0"/>
-              <a:t>+</a:t>
-            </a:r>
-            <a:r>
-              <a:rPr lang="zh-CN" altLang="en-US" dirty="0"/>
-              <a:t>原型 动态原型</a:t>
-            </a:r>
-            <a:endParaRPr lang="en-US" altLang="zh-CN" dirty="0"/>
-          </a:p>
-          <a:p>
-            <a:pPr marL="0" indent="0">
-              <a:buNone/>
-            </a:pPr>
-            <a:r>
-              <a:rPr lang="zh-CN" altLang="en-US" dirty="0"/>
-              <a:t>私有方法</a:t>
-            </a:r>
-            <a:r>
-              <a:rPr lang="en-US" altLang="zh-CN" dirty="0"/>
-              <a:t>-&gt;closure-&gt;</a:t>
-            </a:r>
-            <a:r>
-              <a:rPr lang="en-US" altLang="zh-CN" dirty="0" err="1"/>
-              <a:t>setTimeout</a:t>
-            </a:r>
-            <a:r>
-              <a:rPr lang="en-US" altLang="zh-CN" dirty="0"/>
-              <a:t>-&gt;curry</a:t>
-            </a:r>
-          </a:p>
-          <a:p>
-            <a:pPr marL="0" indent="0">
-              <a:buNone/>
-            </a:pPr>
-            <a:endParaRPr lang="en-US" altLang="zh-CN" dirty="0"/>
-          </a:p>
-          <a:p>
-            <a:pPr marL="0" indent="0">
-              <a:buNone/>
-            </a:pPr>
-            <a:r>
-              <a:rPr lang="zh-CN" altLang="en-US" dirty="0"/>
-              <a:t>继承</a:t>
-            </a:r>
-            <a:r>
-              <a:rPr lang="en-US" altLang="zh-CN" dirty="0"/>
-              <a:t>-&gt;</a:t>
-            </a:r>
-            <a:r>
-              <a:rPr lang="zh-CN" altLang="en-US" dirty="0"/>
-              <a:t>对象冒充</a:t>
-            </a:r>
-            <a:r>
-              <a:rPr lang="en-US" altLang="zh-CN" dirty="0"/>
-              <a:t>-&gt;call</a:t>
-            </a:r>
-            <a:r>
-              <a:rPr lang="zh-CN" altLang="en-US" dirty="0"/>
-              <a:t>方法</a:t>
-            </a:r>
-            <a:endParaRPr lang="en-US" altLang="zh-CN" dirty="0"/>
-          </a:p>
-          <a:p>
-            <a:pPr marL="0" indent="0">
-              <a:buNone/>
-            </a:pPr>
-            <a:r>
-              <a:rPr lang="en-US" altLang="zh-CN" dirty="0"/>
-              <a:t>apply &amp;&amp; call-&gt;this</a:t>
-            </a:r>
-          </a:p>
-          <a:p>
-            <a:pPr marL="0" indent="0">
-              <a:buNone/>
-            </a:pPr>
-            <a:r>
-              <a:rPr lang="en-US" altLang="zh-CN" dirty="0"/>
-              <a:t>Equality &amp;&amp; ==</a:t>
-            </a:r>
-          </a:p>
-          <a:p>
-            <a:pPr marL="0" indent="0">
-              <a:buNone/>
-            </a:pPr>
-            <a:endParaRPr lang="zh-CN" altLang="en-US" dirty="0"/>
-          </a:p>
-        </p:txBody>
-      </p:sp>
-    </p:spTree>
-    <p:extLst>
-      <p:ext uri="{BB962C8B-B14F-4D97-AF65-F5344CB8AC3E}">
-        <p14:creationId xmlns:p14="http://schemas.microsoft.com/office/powerpoint/2010/main" val="4107118658"/>
       </p:ext>
     </p:extLst>
   </p:cSld>
@@ -12479,11 +12272,7 @@
           <a:p>
             <a:r>
               <a:rPr lang="en-US" altLang="zh-CN" dirty="0" smtClean="0"/>
-              <a:t>Objects</a:t>
-            </a:r>
-            <a:r>
-              <a:rPr lang="en-US" altLang="zh-CN" dirty="0" smtClean="0"/>
-              <a:t>(</a:t>
+              <a:t>Objects(</a:t>
             </a:r>
             <a:r>
               <a:rPr lang="zh-CN" altLang="en-US" dirty="0"/>
@@ -12605,11 +12394,7 @@
             </a:r>
             <a:r>
               <a:rPr lang="en-US" altLang="zh-CN" dirty="0" smtClean="0"/>
-              <a:t> </a:t>
-            </a:r>
-            <a:r>
-              <a:rPr lang="en-US" altLang="zh-CN" dirty="0" smtClean="0"/>
-              <a:t>= 42; </a:t>
+              <a:t> = 42; </a:t>
             </a:r>
           </a:p>
           <a:p>
@@ -12718,11 +12503,7 @@
           <a:p>
             <a:r>
               <a:rPr lang="en-US" altLang="zh-CN" dirty="0" smtClean="0"/>
-              <a:t>Function</a:t>
-            </a:r>
-            <a:r>
-              <a:rPr lang="en-US" altLang="zh-CN" dirty="0" smtClean="0"/>
-              <a:t>(</a:t>
+              <a:t>Function(</a:t>
             </a:r>
             <a:r>
               <a:rPr lang="zh-CN" altLang="en-US" dirty="0" smtClean="0"/>
@@ -12765,19 +12546,7 @@
                   </a:outerShdw>
                 </a:effectLst>
               </a:rPr>
-              <a:t>are </a:t>
-            </a:r>
-            <a:r>
-              <a:rPr lang="en-US" altLang="zh-CN" dirty="0" smtClean="0">
-                <a:effectLst>
-                  <a:outerShdw blurRad="38100" dist="38100" dir="2700000" algn="tl">
-                    <a:srgbClr val="000000">
-                      <a:alpha val="43137"/>
-                    </a:srgbClr>
-                  </a:outerShdw>
-                </a:effectLst>
-              </a:rPr>
-              <a:t>objects</a:t>
+              <a:t>are objects</a:t>
             </a:r>
             <a:r>
               <a:rPr lang="en-US" altLang="zh-CN" dirty="0" smtClean="0">
@@ -12787,11 +12556,6 @@
               </a:rPr>
               <a:t>(??)</a:t>
             </a:r>
-            <a:endParaRPr lang="en-US" altLang="zh-CN" dirty="0" smtClean="0">
-              <a:solidFill>
-                <a:srgbClr val="FF0000"/>
-              </a:solidFill>
-            </a:endParaRPr>
           </a:p>
           <a:p>
             <a:r>
@@ -12806,7 +12570,6 @@
               <a:rPr lang="en-US" altLang="zh-CN" dirty="0" smtClean="0"/>
               <a:t>methods</a:t>
             </a:r>
-            <a:endParaRPr lang="en-US" altLang="zh-CN" dirty="0" smtClean="0"/>
           </a:p>
           <a:p>
             <a:r>
@@ -12817,11 +12580,7 @@
           <a:p>
             <a:r>
               <a:rPr lang="en-US" altLang="zh-CN" dirty="0" smtClean="0"/>
-              <a:t>Return from </a:t>
-            </a:r>
-            <a:r>
-              <a:rPr lang="en-US" altLang="zh-CN" dirty="0" smtClean="0"/>
-              <a:t>functions</a:t>
+              <a:t>Return from functions</a:t>
             </a:r>
           </a:p>
           <a:p>

--- a/JavaScript.pptx
+++ b/JavaScript.pptx
@@ -23,16 +23,16 @@
     <p:sldId id="300" r:id="rId17"/>
     <p:sldId id="301" r:id="rId18"/>
     <p:sldId id="302" r:id="rId19"/>
-    <p:sldId id="304" r:id="rId20"/>
-    <p:sldId id="266" r:id="rId21"/>
-    <p:sldId id="295" r:id="rId22"/>
-    <p:sldId id="260" r:id="rId23"/>
-    <p:sldId id="263" r:id="rId24"/>
-    <p:sldId id="261" r:id="rId25"/>
-    <p:sldId id="265" r:id="rId26"/>
-    <p:sldId id="272" r:id="rId27"/>
-    <p:sldId id="271" r:id="rId28"/>
-    <p:sldId id="303" r:id="rId29"/>
+    <p:sldId id="266" r:id="rId20"/>
+    <p:sldId id="295" r:id="rId21"/>
+    <p:sldId id="260" r:id="rId22"/>
+    <p:sldId id="263" r:id="rId23"/>
+    <p:sldId id="261" r:id="rId24"/>
+    <p:sldId id="265" r:id="rId25"/>
+    <p:sldId id="272" r:id="rId26"/>
+    <p:sldId id="271" r:id="rId27"/>
+    <p:sldId id="303" r:id="rId28"/>
+    <p:sldId id="304" r:id="rId29"/>
     <p:sldId id="269" r:id="rId30"/>
     <p:sldId id="275" r:id="rId31"/>
     <p:sldId id="276" r:id="rId32"/>
@@ -4218,11 +4218,7 @@
           <a:p>
             <a:r>
               <a:rPr lang="zh-CN" altLang="en-US" dirty="0" smtClean="0"/>
-              <a:t>构造</a:t>
-            </a:r>
-            <a:r>
-              <a:rPr lang="zh-CN" altLang="en-US" dirty="0" smtClean="0"/>
-              <a:t>方法</a:t>
+              <a:t>构造方法</a:t>
             </a:r>
             <a:endParaRPr lang="zh-CN" altLang="en-US" dirty="0"/>
           </a:p>
@@ -4610,8 +4606,16 @@
           <a:lstStyle/>
           <a:p>
             <a:r>
-              <a:rPr lang="zh-CN" altLang="en-US" dirty="0" smtClean="0"/>
-              <a:t>动态原型</a:t>
+              <a:rPr lang="en-US" altLang="zh-CN" dirty="0"/>
+              <a:t>Prototype(</a:t>
+            </a:r>
+            <a:r>
+              <a:rPr lang="zh-CN" altLang="en-US" dirty="0"/>
+              <a:t>原型</a:t>
+            </a:r>
+            <a:r>
+              <a:rPr lang="en-US" altLang="zh-CN" dirty="0"/>
+              <a:t>)</a:t>
             </a:r>
             <a:endParaRPr lang="zh-CN" altLang="en-US" dirty="0"/>
           </a:p>
@@ -4632,167 +4636,133 @@
           <a:bodyPr/>
           <a:lstStyle/>
           <a:p>
-            <a:pPr marL="0" indent="0">
-              <a:buNone/>
-            </a:pPr>
-            <a:r>
-              <a:rPr lang="en-US" altLang="zh-CN" dirty="0"/>
-              <a:t>f</a:t>
-            </a:r>
-            <a:r>
-              <a:rPr lang="en-US" altLang="zh-CN" dirty="0" smtClean="0"/>
-              <a:t>unction Person() {</a:t>
-            </a:r>
-          </a:p>
-          <a:p>
-            <a:pPr marL="0" indent="0">
-              <a:buNone/>
-            </a:pPr>
+            <a:r>
+              <a:rPr lang="en-US" altLang="zh-CN" dirty="0" smtClean="0"/>
+              <a:t>All functions has a </a:t>
+            </a:r>
+            <a:r>
+              <a:rPr lang="en-US" altLang="zh-CN" dirty="0" smtClean="0">
+                <a:effectLst>
+                  <a:outerShdw blurRad="38100" dist="38100" dir="2700000" algn="tl">
+                    <a:srgbClr val="000000">
+                      <a:alpha val="43137"/>
+                    </a:srgbClr>
+                  </a:outerShdw>
+                </a:effectLst>
+              </a:rPr>
+              <a:t>prototype</a:t>
+            </a:r>
+            <a:r>
+              <a:rPr lang="en-US" altLang="zh-CN" dirty="0" smtClean="0"/>
+              <a:t> property</a:t>
+            </a:r>
+          </a:p>
+          <a:p>
+            <a:r>
+              <a:rPr lang="en-US" altLang="zh-CN" dirty="0" smtClean="0">
+                <a:effectLst>
+                  <a:outerShdw blurRad="38100" dist="38100" dir="2700000" algn="tl">
+                    <a:srgbClr val="000000">
+                      <a:alpha val="43137"/>
+                    </a:srgbClr>
+                  </a:outerShdw>
+                </a:effectLst>
+              </a:rPr>
+              <a:t>prototype</a:t>
+            </a:r>
+            <a:r>
+              <a:rPr lang="en-US" altLang="zh-CN" dirty="0" smtClean="0"/>
+              <a:t>, which is itself an object, inherits from its parent’s </a:t>
+            </a:r>
+            <a:r>
+              <a:rPr lang="en-US" altLang="zh-CN" dirty="0" smtClean="0">
+                <a:effectLst>
+                  <a:outerShdw blurRad="38100" dist="38100" dir="2700000" algn="tl">
+                    <a:srgbClr val="000000">
+                      <a:alpha val="43137"/>
+                    </a:srgbClr>
+                  </a:outerShdw>
+                </a:effectLst>
+              </a:rPr>
+              <a:t>prototype</a:t>
+            </a:r>
+            <a:r>
+              <a:rPr lang="en-US" altLang="zh-CN" dirty="0" smtClean="0"/>
+              <a:t>, which inherits from its parent’s </a:t>
+            </a:r>
+            <a:r>
+              <a:rPr lang="en-US" altLang="zh-CN" dirty="0" smtClean="0">
+                <a:effectLst>
+                  <a:outerShdw blurRad="38100" dist="38100" dir="2700000" algn="tl">
+                    <a:srgbClr val="000000">
+                      <a:alpha val="43137"/>
+                    </a:srgbClr>
+                  </a:outerShdw>
+                </a:effectLst>
+              </a:rPr>
+              <a:t>prototype</a:t>
+            </a:r>
+            <a:r>
+              <a:rPr lang="en-US" altLang="zh-CN" dirty="0" smtClean="0"/>
+              <a:t>, and </a:t>
+            </a:r>
+            <a:r>
+              <a:rPr lang="en-US" altLang="zh-CN" dirty="0" err="1" smtClean="0"/>
+              <a:t>and</a:t>
+            </a:r>
+            <a:r>
+              <a:rPr lang="en-US" altLang="zh-CN" dirty="0" smtClean="0"/>
+              <a:t> so on. This is often referred to as the </a:t>
+            </a:r>
+            <a:r>
+              <a:rPr lang="en-US" altLang="zh-CN" dirty="0" smtClean="0">
+                <a:effectLst>
+                  <a:outerShdw blurRad="38100" dist="38100" dir="2700000" algn="tl">
+                    <a:srgbClr val="000000">
+                      <a:alpha val="43137"/>
+                    </a:srgbClr>
+                  </a:outerShdw>
+                </a:effectLst>
+              </a:rPr>
+              <a:t>[[prototype]] chain</a:t>
+            </a:r>
+            <a:r>
+              <a:rPr lang="en-US" altLang="zh-CN" dirty="0" smtClean="0"/>
+              <a:t>.</a:t>
+            </a:r>
+          </a:p>
+          <a:p>
+            <a:r>
+              <a:rPr lang="en-US" altLang="zh-CN" dirty="0" err="1" smtClean="0">
+                <a:effectLst>
+                  <a:outerShdw blurRad="38100" dist="38100" dir="2700000" algn="tl">
+                    <a:srgbClr val="000000">
+                      <a:alpha val="43137"/>
+                    </a:srgbClr>
+                  </a:outerShdw>
+                </a:effectLst>
+              </a:rPr>
+              <a:t>Object.prototype</a:t>
+            </a:r>
             <a:r>
               <a:rPr lang="en-US" altLang="zh-CN" dirty="0"/>
               <a:t> </a:t>
             </a:r>
             <a:r>
               <a:rPr lang="en-US" altLang="zh-CN" dirty="0" smtClean="0"/>
-              <a:t>   </a:t>
-            </a:r>
-            <a:r>
-              <a:rPr lang="en-US" altLang="zh-CN" dirty="0" err="1" smtClean="0"/>
-              <a:t>this.username</a:t>
-            </a:r>
-            <a:r>
-              <a:rPr lang="en-US" altLang="zh-CN" dirty="0" smtClean="0"/>
-              <a:t> = “</a:t>
-            </a:r>
-            <a:r>
-              <a:rPr lang="en-US" altLang="zh-CN" dirty="0" err="1" smtClean="0"/>
-              <a:t>zhangsan</a:t>
-            </a:r>
-            <a:r>
-              <a:rPr lang="en-US" altLang="zh-CN" dirty="0" smtClean="0"/>
-              <a:t>”;</a:t>
-            </a:r>
-          </a:p>
-          <a:p>
-            <a:pPr marL="0" indent="0">
-              <a:buNone/>
-            </a:pPr>
-            <a:r>
-              <a:rPr lang="en-US" altLang="zh-CN" dirty="0"/>
-              <a:t> </a:t>
-            </a:r>
-            <a:r>
-              <a:rPr lang="en-US" altLang="zh-CN" dirty="0" smtClean="0"/>
-              <a:t>   </a:t>
-            </a:r>
-            <a:r>
-              <a:rPr lang="en-US" altLang="zh-CN" dirty="0" err="1" smtClean="0"/>
-              <a:t>this.password</a:t>
-            </a:r>
-            <a:r>
-              <a:rPr lang="en-US" altLang="zh-CN" dirty="0" smtClean="0"/>
-              <a:t> = “123”;</a:t>
-            </a:r>
-          </a:p>
-          <a:p>
-            <a:pPr marL="0" indent="0">
-              <a:buNone/>
-            </a:pPr>
-            <a:r>
-              <a:rPr lang="en-US" altLang="zh-CN" dirty="0"/>
-              <a:t> </a:t>
-            </a:r>
-            <a:r>
-              <a:rPr lang="en-US" altLang="zh-CN" dirty="0" smtClean="0"/>
-              <a:t>   if (!</a:t>
-            </a:r>
-            <a:r>
-              <a:rPr lang="en-US" altLang="zh-CN" dirty="0" err="1" smtClean="0"/>
-              <a:t>Person.flag</a:t>
-            </a:r>
-            <a:r>
-              <a:rPr lang="en-US" altLang="zh-CN" dirty="0" smtClean="0"/>
-              <a:t>) {</a:t>
-            </a:r>
-          </a:p>
-          <a:p>
-            <a:pPr marL="0" indent="0">
-              <a:buNone/>
-            </a:pPr>
-            <a:r>
-              <a:rPr lang="en-US" altLang="zh-CN" dirty="0"/>
-              <a:t> </a:t>
-            </a:r>
-            <a:r>
-              <a:rPr lang="en-US" altLang="zh-CN" dirty="0" smtClean="0"/>
-              <a:t>       </a:t>
-            </a:r>
-            <a:r>
-              <a:rPr lang="en-US" altLang="zh-CN" dirty="0" err="1" smtClean="0"/>
-              <a:t>this.getInfo</a:t>
-            </a:r>
-            <a:r>
-              <a:rPr lang="en-US" altLang="zh-CN" dirty="0" smtClean="0"/>
-              <a:t> = function() {return </a:t>
-            </a:r>
-            <a:r>
-              <a:rPr lang="en-US" altLang="zh-CN" dirty="0" err="1" smtClean="0"/>
-              <a:t>this.username</a:t>
-            </a:r>
-            <a:r>
-              <a:rPr lang="en-US" altLang="zh-CN" dirty="0" smtClean="0"/>
-              <a:t> + </a:t>
-            </a:r>
-            <a:r>
-              <a:rPr lang="en-US" altLang="zh-CN" dirty="0" err="1" smtClean="0"/>
-              <a:t>this.password</a:t>
-            </a:r>
-            <a:r>
-              <a:rPr lang="en-US" altLang="zh-CN" dirty="0" smtClean="0"/>
-              <a:t>};</a:t>
-            </a:r>
-          </a:p>
-          <a:p>
-            <a:pPr marL="0" indent="0">
-              <a:buNone/>
-            </a:pPr>
-            <a:r>
-              <a:rPr lang="en-US" altLang="zh-CN" dirty="0"/>
-              <a:t> </a:t>
-            </a:r>
-            <a:r>
-              <a:rPr lang="en-US" altLang="zh-CN" dirty="0" smtClean="0"/>
-              <a:t>       </a:t>
-            </a:r>
-            <a:r>
-              <a:rPr lang="en-US" altLang="zh-CN" dirty="0" err="1" smtClean="0"/>
-              <a:t>Person.flag</a:t>
-            </a:r>
-            <a:r>
-              <a:rPr lang="en-US" altLang="zh-CN" dirty="0" smtClean="0"/>
-              <a:t> = true;</a:t>
-            </a:r>
-          </a:p>
-          <a:p>
-            <a:pPr marL="0" indent="0">
-              <a:buNone/>
-            </a:pPr>
-            <a:r>
-              <a:rPr lang="en-US" altLang="zh-CN" dirty="0"/>
-              <a:t> </a:t>
-            </a:r>
-            <a:r>
-              <a:rPr lang="en-US" altLang="zh-CN" dirty="0" smtClean="0"/>
-              <a:t>   }</a:t>
-            </a:r>
-          </a:p>
-          <a:p>
-            <a:pPr marL="0" indent="0">
-              <a:buNone/>
-            </a:pPr>
-            <a:r>
-              <a:rPr lang="en-US" altLang="zh-CN" dirty="0" smtClean="0"/>
-              <a:t>}</a:t>
+              <a:t>is the top of the </a:t>
+            </a:r>
+            <a:r>
+              <a:rPr lang="en-US" altLang="zh-CN" dirty="0">
+                <a:effectLst>
+                  <a:outerShdw blurRad="38100" dist="38100" dir="2700000" algn="tl">
+                    <a:srgbClr val="000000">
+                      <a:alpha val="43137"/>
+                    </a:srgbClr>
+                  </a:outerShdw>
+                </a:effectLst>
+              </a:rPr>
+              <a:t>[[prototype]] chain</a:t>
             </a:r>
             <a:endParaRPr lang="zh-CN" altLang="en-US" dirty="0"/>
           </a:p>
@@ -4801,7 +4771,7 @@
     </p:spTree>
     <p:extLst>
       <p:ext uri="{BB962C8B-B14F-4D97-AF65-F5344CB8AC3E}">
-        <p14:creationId xmlns:p14="http://schemas.microsoft.com/office/powerpoint/2010/main" val="1182043126"/>
+        <p14:creationId xmlns:p14="http://schemas.microsoft.com/office/powerpoint/2010/main" val="1566214702"/>
       </p:ext>
     </p:extLst>
   </p:cSld>
@@ -4913,214 +4883,6 @@
           </a:p>
         </p:txBody>
       </p:sp>
-      <p:sp>
-        <p:nvSpPr>
-          <p:cNvPr id="3" name="内容占位符 2"/>
-          <p:cNvSpPr>
-            <a:spLocks noGrp="1"/>
-          </p:cNvSpPr>
-          <p:nvPr>
-            <p:ph idx="1"/>
-          </p:nvPr>
-        </p:nvSpPr>
-        <p:spPr/>
-        <p:txBody>
-          <a:bodyPr/>
-          <a:lstStyle/>
-          <a:p>
-            <a:r>
-              <a:rPr lang="en-US" altLang="zh-CN" dirty="0" smtClean="0"/>
-              <a:t>All functions has a </a:t>
-            </a:r>
-            <a:r>
-              <a:rPr lang="en-US" altLang="zh-CN" dirty="0" smtClean="0">
-                <a:effectLst>
-                  <a:outerShdw blurRad="38100" dist="38100" dir="2700000" algn="tl">
-                    <a:srgbClr val="000000">
-                      <a:alpha val="43137"/>
-                    </a:srgbClr>
-                  </a:outerShdw>
-                </a:effectLst>
-              </a:rPr>
-              <a:t>prototype</a:t>
-            </a:r>
-            <a:r>
-              <a:rPr lang="en-US" altLang="zh-CN" dirty="0" smtClean="0"/>
-              <a:t> property</a:t>
-            </a:r>
-          </a:p>
-          <a:p>
-            <a:r>
-              <a:rPr lang="en-US" altLang="zh-CN" dirty="0" smtClean="0">
-                <a:effectLst>
-                  <a:outerShdw blurRad="38100" dist="38100" dir="2700000" algn="tl">
-                    <a:srgbClr val="000000">
-                      <a:alpha val="43137"/>
-                    </a:srgbClr>
-                  </a:outerShdw>
-                </a:effectLst>
-              </a:rPr>
-              <a:t>prototype</a:t>
-            </a:r>
-            <a:r>
-              <a:rPr lang="en-US" altLang="zh-CN" dirty="0" smtClean="0"/>
-              <a:t>, which is itself an object, inherits from its parent’s </a:t>
-            </a:r>
-            <a:r>
-              <a:rPr lang="en-US" altLang="zh-CN" dirty="0" smtClean="0">
-                <a:effectLst>
-                  <a:outerShdw blurRad="38100" dist="38100" dir="2700000" algn="tl">
-                    <a:srgbClr val="000000">
-                      <a:alpha val="43137"/>
-                    </a:srgbClr>
-                  </a:outerShdw>
-                </a:effectLst>
-              </a:rPr>
-              <a:t>prototype</a:t>
-            </a:r>
-            <a:r>
-              <a:rPr lang="en-US" altLang="zh-CN" dirty="0" smtClean="0"/>
-              <a:t>, which inherits from its parent’s </a:t>
-            </a:r>
-            <a:r>
-              <a:rPr lang="en-US" altLang="zh-CN" dirty="0" smtClean="0">
-                <a:effectLst>
-                  <a:outerShdw blurRad="38100" dist="38100" dir="2700000" algn="tl">
-                    <a:srgbClr val="000000">
-                      <a:alpha val="43137"/>
-                    </a:srgbClr>
-                  </a:outerShdw>
-                </a:effectLst>
-              </a:rPr>
-              <a:t>prototype</a:t>
-            </a:r>
-            <a:r>
-              <a:rPr lang="en-US" altLang="zh-CN" dirty="0" smtClean="0"/>
-              <a:t>, and </a:t>
-            </a:r>
-            <a:r>
-              <a:rPr lang="en-US" altLang="zh-CN" dirty="0" err="1" smtClean="0"/>
-              <a:t>and</a:t>
-            </a:r>
-            <a:r>
-              <a:rPr lang="en-US" altLang="zh-CN" dirty="0" smtClean="0"/>
-              <a:t> so on. This is often referred to as the </a:t>
-            </a:r>
-            <a:r>
-              <a:rPr lang="en-US" altLang="zh-CN" dirty="0" smtClean="0">
-                <a:effectLst>
-                  <a:outerShdw blurRad="38100" dist="38100" dir="2700000" algn="tl">
-                    <a:srgbClr val="000000">
-                      <a:alpha val="43137"/>
-                    </a:srgbClr>
-                  </a:outerShdw>
-                </a:effectLst>
-              </a:rPr>
-              <a:t>[[prototype]] chain</a:t>
-            </a:r>
-            <a:r>
-              <a:rPr lang="en-US" altLang="zh-CN" dirty="0" smtClean="0"/>
-              <a:t>.</a:t>
-            </a:r>
-          </a:p>
-          <a:p>
-            <a:r>
-              <a:rPr lang="en-US" altLang="zh-CN" dirty="0" err="1" smtClean="0">
-                <a:effectLst>
-                  <a:outerShdw blurRad="38100" dist="38100" dir="2700000" algn="tl">
-                    <a:srgbClr val="000000">
-                      <a:alpha val="43137"/>
-                    </a:srgbClr>
-                  </a:outerShdw>
-                </a:effectLst>
-              </a:rPr>
-              <a:t>Object.prototype</a:t>
-            </a:r>
-            <a:r>
-              <a:rPr lang="en-US" altLang="zh-CN" dirty="0"/>
-              <a:t> </a:t>
-            </a:r>
-            <a:r>
-              <a:rPr lang="en-US" altLang="zh-CN" dirty="0" smtClean="0"/>
-              <a:t>is the top of the </a:t>
-            </a:r>
-            <a:r>
-              <a:rPr lang="en-US" altLang="zh-CN" dirty="0">
-                <a:effectLst>
-                  <a:outerShdw blurRad="38100" dist="38100" dir="2700000" algn="tl">
-                    <a:srgbClr val="000000">
-                      <a:alpha val="43137"/>
-                    </a:srgbClr>
-                  </a:outerShdw>
-                </a:effectLst>
-              </a:rPr>
-              <a:t>[[prototype]] chain</a:t>
-            </a:r>
-            <a:endParaRPr lang="zh-CN" altLang="en-US" dirty="0"/>
-          </a:p>
-        </p:txBody>
-      </p:sp>
-    </p:spTree>
-    <p:extLst>
-      <p:ext uri="{BB962C8B-B14F-4D97-AF65-F5344CB8AC3E}">
-        <p14:creationId xmlns:p14="http://schemas.microsoft.com/office/powerpoint/2010/main" val="1566214702"/>
-      </p:ext>
-    </p:extLst>
-  </p:cSld>
-  <p:clrMapOvr>
-    <a:masterClrMapping/>
-  </p:clrMapOvr>
-</p:sld>
-</file>
-
-<file path=ppt/slides/slide21.xml><?xml version="1.0" encoding="utf-8"?>
-<p:sld xmlns:a="http://schemas.openxmlformats.org/drawingml/2006/main" xmlns:r="http://schemas.openxmlformats.org/officeDocument/2006/relationships" xmlns:p="http://schemas.openxmlformats.org/presentationml/2006/main">
-  <p:cSld>
-    <p:spTree>
-      <p:nvGrpSpPr>
-        <p:cNvPr id="1" name=""/>
-        <p:cNvGrpSpPr/>
-        <p:nvPr/>
-      </p:nvGrpSpPr>
-      <p:grpSpPr>
-        <a:xfrm>
-          <a:off x="0" y="0"/>
-          <a:ext cx="0" cy="0"/>
-          <a:chOff x="0" y="0"/>
-          <a:chExt cx="0" cy="0"/>
-        </a:xfrm>
-      </p:grpSpPr>
-      <p:sp>
-        <p:nvSpPr>
-          <p:cNvPr id="2" name="标题 1"/>
-          <p:cNvSpPr>
-            <a:spLocks noGrp="1"/>
-          </p:cNvSpPr>
-          <p:nvPr>
-            <p:ph type="title"/>
-          </p:nvPr>
-        </p:nvSpPr>
-        <p:spPr/>
-        <p:txBody>
-          <a:bodyPr/>
-          <a:lstStyle/>
-          <a:p>
-            <a:r>
-              <a:rPr lang="en-US" altLang="zh-CN" dirty="0"/>
-              <a:t>Prototype(</a:t>
-            </a:r>
-            <a:r>
-              <a:rPr lang="zh-CN" altLang="en-US" dirty="0"/>
-              <a:t>原型</a:t>
-            </a:r>
-            <a:r>
-              <a:rPr lang="en-US" altLang="zh-CN" dirty="0"/>
-              <a:t>)</a:t>
-            </a:r>
-            <a:endParaRPr lang="zh-CN" altLang="en-US" dirty="0"/>
-          </a:p>
-        </p:txBody>
-      </p:sp>
       <p:pic>
         <p:nvPicPr>
           <p:cNvPr id="4" name="Picture 5"/>
@@ -5200,6 +4962,134 @@
 </p:sld>
 </file>
 
+<file path=ppt/slides/slide21.xml><?xml version="1.0" encoding="utf-8"?>
+<p:sld xmlns:a="http://schemas.openxmlformats.org/drawingml/2006/main" xmlns:r="http://schemas.openxmlformats.org/officeDocument/2006/relationships" xmlns:p="http://schemas.openxmlformats.org/presentationml/2006/main">
+  <p:cSld>
+    <p:spTree>
+      <p:nvGrpSpPr>
+        <p:cNvPr id="1" name=""/>
+        <p:cNvGrpSpPr/>
+        <p:nvPr/>
+      </p:nvGrpSpPr>
+      <p:grpSpPr>
+        <a:xfrm>
+          <a:off x="0" y="0"/>
+          <a:ext cx="0" cy="0"/>
+          <a:chOff x="0" y="0"/>
+          <a:chExt cx="0" cy="0"/>
+        </a:xfrm>
+      </p:grpSpPr>
+      <p:sp>
+        <p:nvSpPr>
+          <p:cNvPr id="2" name="标题 1"/>
+          <p:cNvSpPr>
+            <a:spLocks noGrp="1"/>
+          </p:cNvSpPr>
+          <p:nvPr>
+            <p:ph type="title"/>
+          </p:nvPr>
+        </p:nvSpPr>
+        <p:spPr/>
+        <p:txBody>
+          <a:bodyPr/>
+          <a:lstStyle/>
+          <a:p>
+            <a:r>
+              <a:rPr lang="en-US" altLang="zh-CN" dirty="0" smtClean="0"/>
+              <a:t>Prototype(</a:t>
+            </a:r>
+            <a:r>
+              <a:rPr lang="zh-CN" altLang="en-US" dirty="0" smtClean="0"/>
+              <a:t>原型</a:t>
+            </a:r>
+            <a:r>
+              <a:rPr lang="en-US" altLang="zh-CN" dirty="0" smtClean="0"/>
+              <a:t>)</a:t>
+            </a:r>
+            <a:endParaRPr lang="zh-CN" altLang="en-US" dirty="0"/>
+          </a:p>
+        </p:txBody>
+      </p:sp>
+      <p:sp>
+        <p:nvSpPr>
+          <p:cNvPr id="3" name="内容占位符 2"/>
+          <p:cNvSpPr>
+            <a:spLocks noGrp="1"/>
+          </p:cNvSpPr>
+          <p:nvPr>
+            <p:ph idx="1"/>
+          </p:nvPr>
+        </p:nvSpPr>
+        <p:spPr>
+          <a:xfrm>
+            <a:off x="838200" y="1825624"/>
+            <a:ext cx="10515600" cy="4755479"/>
+          </a:xfrm>
+        </p:spPr>
+        <p:txBody>
+          <a:bodyPr>
+            <a:normAutofit/>
+          </a:bodyPr>
+          <a:lstStyle/>
+          <a:p>
+            <a:r>
+              <a:rPr lang="en-US" altLang="zh-CN" sz="3600" dirty="0" smtClean="0"/>
+              <a:t>All objects have a </a:t>
+            </a:r>
+            <a:r>
+              <a:rPr lang="en-US" altLang="zh-CN" sz="3600" dirty="0" smtClean="0">
+                <a:effectLst>
+                  <a:outerShdw blurRad="38100" dist="38100" dir="2700000" algn="tl">
+                    <a:srgbClr val="000000">
+                      <a:alpha val="43137"/>
+                    </a:srgbClr>
+                  </a:outerShdw>
+                </a:effectLst>
+              </a:rPr>
+              <a:t>__proto__ </a:t>
+            </a:r>
+            <a:r>
+              <a:rPr lang="en-US" altLang="zh-CN" sz="3600" dirty="0" smtClean="0"/>
+              <a:t>property </a:t>
+            </a:r>
+          </a:p>
+          <a:p>
+            <a:r>
+              <a:rPr lang="en-US" altLang="zh-CN" sz="3600" dirty="0" smtClean="0"/>
+              <a:t>When accessing a property on an object the entire </a:t>
+            </a:r>
+            <a:r>
+              <a:rPr lang="en-US" altLang="zh-CN" sz="3600" dirty="0" smtClean="0">
+                <a:effectLst>
+                  <a:outerShdw blurRad="38100" dist="38100" dir="2700000" algn="tl">
+                    <a:srgbClr val="000000">
+                      <a:alpha val="43137"/>
+                    </a:srgbClr>
+                  </a:outerShdw>
+                </a:effectLst>
+              </a:rPr>
+              <a:t>[[prototype]] chain </a:t>
+            </a:r>
+            <a:r>
+              <a:rPr lang="en-US" altLang="zh-CN" sz="3600" dirty="0" smtClean="0"/>
+              <a:t>is searched</a:t>
+            </a:r>
+          </a:p>
+        </p:txBody>
+      </p:sp>
+    </p:spTree>
+    <p:extLst>
+      <p:ext uri="{BB962C8B-B14F-4D97-AF65-F5344CB8AC3E}">
+        <p14:creationId xmlns:p14="http://schemas.microsoft.com/office/powerpoint/2010/main" val="2095398027"/>
+      </p:ext>
+    </p:extLst>
+  </p:cSld>
+  <p:clrMapOvr>
+    <a:masterClrMapping/>
+  </p:clrMapOvr>
+</p:sld>
+</file>
+
 <file path=ppt/slides/slide22.xml><?xml version="1.0" encoding="utf-8"?>
 <p:sld xmlns:a="http://schemas.openxmlformats.org/drawingml/2006/main" xmlns:r="http://schemas.openxmlformats.org/officeDocument/2006/relationships" xmlns:p="http://schemas.openxmlformats.org/presentationml/2006/main">
   <p:cSld>
@@ -5233,134 +5123,6 @@
           <a:lstStyle/>
           <a:p>
             <a:r>
-              <a:rPr lang="en-US" altLang="zh-CN" dirty="0" smtClean="0"/>
-              <a:t>Prototype(</a:t>
-            </a:r>
-            <a:r>
-              <a:rPr lang="zh-CN" altLang="en-US" dirty="0" smtClean="0"/>
-              <a:t>原型</a:t>
-            </a:r>
-            <a:r>
-              <a:rPr lang="en-US" altLang="zh-CN" dirty="0" smtClean="0"/>
-              <a:t>)</a:t>
-            </a:r>
-            <a:endParaRPr lang="zh-CN" altLang="en-US" dirty="0"/>
-          </a:p>
-        </p:txBody>
-      </p:sp>
-      <p:sp>
-        <p:nvSpPr>
-          <p:cNvPr id="3" name="内容占位符 2"/>
-          <p:cNvSpPr>
-            <a:spLocks noGrp="1"/>
-          </p:cNvSpPr>
-          <p:nvPr>
-            <p:ph idx="1"/>
-          </p:nvPr>
-        </p:nvSpPr>
-        <p:spPr>
-          <a:xfrm>
-            <a:off x="838200" y="1825624"/>
-            <a:ext cx="10515600" cy="4755479"/>
-          </a:xfrm>
-        </p:spPr>
-        <p:txBody>
-          <a:bodyPr>
-            <a:normAutofit/>
-          </a:bodyPr>
-          <a:lstStyle/>
-          <a:p>
-            <a:r>
-              <a:rPr lang="en-US" altLang="zh-CN" sz="3600" dirty="0" smtClean="0"/>
-              <a:t>All objects have a </a:t>
-            </a:r>
-            <a:r>
-              <a:rPr lang="en-US" altLang="zh-CN" sz="3600" dirty="0" smtClean="0">
-                <a:effectLst>
-                  <a:outerShdw blurRad="38100" dist="38100" dir="2700000" algn="tl">
-                    <a:srgbClr val="000000">
-                      <a:alpha val="43137"/>
-                    </a:srgbClr>
-                  </a:outerShdw>
-                </a:effectLst>
-              </a:rPr>
-              <a:t>__proto__ </a:t>
-            </a:r>
-            <a:r>
-              <a:rPr lang="en-US" altLang="zh-CN" sz="3600" dirty="0" smtClean="0"/>
-              <a:t>property </a:t>
-            </a:r>
-          </a:p>
-          <a:p>
-            <a:r>
-              <a:rPr lang="en-US" altLang="zh-CN" sz="3600" dirty="0" smtClean="0"/>
-              <a:t>When accessing a property on an object the entire </a:t>
-            </a:r>
-            <a:r>
-              <a:rPr lang="en-US" altLang="zh-CN" sz="3600" dirty="0" smtClean="0">
-                <a:effectLst>
-                  <a:outerShdw blurRad="38100" dist="38100" dir="2700000" algn="tl">
-                    <a:srgbClr val="000000">
-                      <a:alpha val="43137"/>
-                    </a:srgbClr>
-                  </a:outerShdw>
-                </a:effectLst>
-              </a:rPr>
-              <a:t>[[prototype]] chain </a:t>
-            </a:r>
-            <a:r>
-              <a:rPr lang="en-US" altLang="zh-CN" sz="3600" dirty="0" smtClean="0"/>
-              <a:t>is searched</a:t>
-            </a:r>
-          </a:p>
-        </p:txBody>
-      </p:sp>
-    </p:spTree>
-    <p:extLst>
-      <p:ext uri="{BB962C8B-B14F-4D97-AF65-F5344CB8AC3E}">
-        <p14:creationId xmlns:p14="http://schemas.microsoft.com/office/powerpoint/2010/main" val="2095398027"/>
-      </p:ext>
-    </p:extLst>
-  </p:cSld>
-  <p:clrMapOvr>
-    <a:masterClrMapping/>
-  </p:clrMapOvr>
-</p:sld>
-</file>
-
-<file path=ppt/slides/slide23.xml><?xml version="1.0" encoding="utf-8"?>
-<p:sld xmlns:a="http://schemas.openxmlformats.org/drawingml/2006/main" xmlns:r="http://schemas.openxmlformats.org/officeDocument/2006/relationships" xmlns:p="http://schemas.openxmlformats.org/presentationml/2006/main">
-  <p:cSld>
-    <p:spTree>
-      <p:nvGrpSpPr>
-        <p:cNvPr id="1" name=""/>
-        <p:cNvGrpSpPr/>
-        <p:nvPr/>
-      </p:nvGrpSpPr>
-      <p:grpSpPr>
-        <a:xfrm>
-          <a:off x="0" y="0"/>
-          <a:ext cx="0" cy="0"/>
-          <a:chOff x="0" y="0"/>
-          <a:chExt cx="0" cy="0"/>
-        </a:xfrm>
-      </p:grpSpPr>
-      <p:sp>
-        <p:nvSpPr>
-          <p:cNvPr id="2" name="标题 1"/>
-          <p:cNvSpPr>
-            <a:spLocks noGrp="1"/>
-          </p:cNvSpPr>
-          <p:nvPr>
-            <p:ph type="title"/>
-          </p:nvPr>
-        </p:nvSpPr>
-        <p:spPr/>
-        <p:txBody>
-          <a:bodyPr/>
-          <a:lstStyle/>
-          <a:p>
-            <a:r>
               <a:rPr lang="en-US" altLang="zh-CN" dirty="0"/>
               <a:t>Prototype(</a:t>
             </a:r>
@@ -5514,7 +5276,7 @@
 </p:sld>
 </file>
 
-<file path=ppt/slides/slide24.xml><?xml version="1.0" encoding="utf-8"?>
+<file path=ppt/slides/slide23.xml><?xml version="1.0" encoding="utf-8"?>
 <p:sld xmlns:a="http://schemas.openxmlformats.org/drawingml/2006/main" xmlns:r="http://schemas.openxmlformats.org/officeDocument/2006/relationships" xmlns:p="http://schemas.openxmlformats.org/presentationml/2006/main">
   <p:cSld>
     <p:spTree>
@@ -5601,7 +5363,7 @@
 </p:sld>
 </file>
 
-<file path=ppt/slides/slide25.xml><?xml version="1.0" encoding="utf-8"?>
+<file path=ppt/slides/slide24.xml><?xml version="1.0" encoding="utf-8"?>
 <p:sld xmlns:a="http://schemas.openxmlformats.org/drawingml/2006/main" xmlns:r="http://schemas.openxmlformats.org/officeDocument/2006/relationships" xmlns:p="http://schemas.openxmlformats.org/presentationml/2006/main">
   <p:cSld>
     <p:spTree>
@@ -5698,6 +5460,177 @@
 </p:sld>
 </file>
 
+<file path=ppt/slides/slide25.xml><?xml version="1.0" encoding="utf-8"?>
+<p:sld xmlns:a="http://schemas.openxmlformats.org/drawingml/2006/main" xmlns:r="http://schemas.openxmlformats.org/officeDocument/2006/relationships" xmlns:p="http://schemas.openxmlformats.org/presentationml/2006/main">
+  <p:cSld>
+    <p:spTree>
+      <p:nvGrpSpPr>
+        <p:cNvPr id="1" name=""/>
+        <p:cNvGrpSpPr/>
+        <p:nvPr/>
+      </p:nvGrpSpPr>
+      <p:grpSpPr>
+        <a:xfrm>
+          <a:off x="0" y="0"/>
+          <a:ext cx="0" cy="0"/>
+          <a:chOff x="0" y="0"/>
+          <a:chExt cx="0" cy="0"/>
+        </a:xfrm>
+      </p:grpSpPr>
+      <p:sp>
+        <p:nvSpPr>
+          <p:cNvPr id="2" name="标题 1"/>
+          <p:cNvSpPr>
+            <a:spLocks noGrp="1"/>
+          </p:cNvSpPr>
+          <p:nvPr>
+            <p:ph type="title"/>
+          </p:nvPr>
+        </p:nvSpPr>
+        <p:spPr/>
+        <p:txBody>
+          <a:bodyPr/>
+          <a:lstStyle/>
+          <a:p>
+            <a:r>
+              <a:rPr lang="en-US" altLang="zh-CN" dirty="0"/>
+              <a:t>Prototype(</a:t>
+            </a:r>
+            <a:r>
+              <a:rPr lang="zh-CN" altLang="en-US" dirty="0"/>
+              <a:t>原型</a:t>
+            </a:r>
+            <a:r>
+              <a:rPr lang="en-US" altLang="zh-CN" dirty="0"/>
+              <a:t>)</a:t>
+            </a:r>
+            <a:endParaRPr lang="zh-CN" altLang="en-US" dirty="0"/>
+          </a:p>
+        </p:txBody>
+      </p:sp>
+      <p:sp>
+        <p:nvSpPr>
+          <p:cNvPr id="3" name="内容占位符 2"/>
+          <p:cNvSpPr>
+            <a:spLocks noGrp="1"/>
+          </p:cNvSpPr>
+          <p:nvPr>
+            <p:ph idx="1"/>
+          </p:nvPr>
+        </p:nvSpPr>
+        <p:spPr/>
+        <p:txBody>
+          <a:bodyPr/>
+          <a:lstStyle/>
+          <a:p>
+            <a:pPr marL="0" indent="0">
+              <a:buNone/>
+            </a:pPr>
+            <a:r>
+              <a:rPr lang="en-US" altLang="zh-CN" dirty="0" err="1" smtClean="0"/>
+              <a:t>Array.prototype.remove</a:t>
+            </a:r>
+            <a:r>
+              <a:rPr lang="en-US" altLang="zh-CN" dirty="0" smtClean="0"/>
+              <a:t> = </a:t>
+            </a:r>
+            <a:r>
+              <a:rPr lang="en-US" altLang="zh-CN" dirty="0" err="1" smtClean="0"/>
+              <a:t>Array.prototype.remove</a:t>
+            </a:r>
+            <a:r>
+              <a:rPr lang="en-US" altLang="zh-CN" dirty="0" smtClean="0"/>
+              <a:t> || function(member){</a:t>
+            </a:r>
+          </a:p>
+          <a:p>
+            <a:pPr marL="0" indent="0">
+              <a:buNone/>
+            </a:pPr>
+            <a:r>
+              <a:rPr lang="en-US" altLang="zh-CN" dirty="0"/>
+              <a:t> </a:t>
+            </a:r>
+            <a:r>
+              <a:rPr lang="en-US" altLang="zh-CN" dirty="0" smtClean="0"/>
+              <a:t>   </a:t>
+            </a:r>
+            <a:r>
+              <a:rPr lang="en-US" altLang="zh-CN" dirty="0" err="1" smtClean="0"/>
+              <a:t>var</a:t>
+            </a:r>
+            <a:r>
+              <a:rPr lang="en-US" altLang="zh-CN" dirty="0" smtClean="0"/>
+              <a:t> index = </a:t>
+            </a:r>
+            <a:r>
+              <a:rPr lang="en-US" altLang="zh-CN" dirty="0" err="1" smtClean="0"/>
+              <a:t>this.indexOf</a:t>
+            </a:r>
+            <a:r>
+              <a:rPr lang="en-US" altLang="zh-CN" dirty="0" smtClean="0"/>
+              <a:t>(member);</a:t>
+            </a:r>
+          </a:p>
+          <a:p>
+            <a:pPr marL="0" indent="0">
+              <a:buNone/>
+            </a:pPr>
+            <a:r>
+              <a:rPr lang="en-US" altLang="zh-CN" dirty="0"/>
+              <a:t> </a:t>
+            </a:r>
+            <a:r>
+              <a:rPr lang="en-US" altLang="zh-CN" dirty="0" smtClean="0"/>
+              <a:t>   if (index &gt; -1) {</a:t>
+            </a:r>
+            <a:r>
+              <a:rPr lang="en-US" altLang="zh-CN" dirty="0" err="1" smtClean="0"/>
+              <a:t>this.splice</a:t>
+            </a:r>
+            <a:r>
+              <a:rPr lang="en-US" altLang="zh-CN" dirty="0" smtClean="0"/>
+              <a:t>(index, 1);};</a:t>
+            </a:r>
+          </a:p>
+          <a:p>
+            <a:pPr marL="0" indent="0">
+              <a:buNone/>
+            </a:pPr>
+            <a:r>
+              <a:rPr lang="en-US" altLang="zh-CN" dirty="0"/>
+              <a:t> </a:t>
+            </a:r>
+            <a:r>
+              <a:rPr lang="en-US" altLang="zh-CN" dirty="0" smtClean="0"/>
+              <a:t>   return this;</a:t>
+            </a:r>
+          </a:p>
+          <a:p>
+            <a:pPr marL="0" indent="0">
+              <a:buNone/>
+            </a:pPr>
+            <a:r>
+              <a:rPr lang="en-US" altLang="zh-CN" dirty="0" smtClean="0"/>
+              <a:t>}</a:t>
+            </a:r>
+            <a:endParaRPr lang="zh-CN" altLang="en-US" dirty="0"/>
+          </a:p>
+        </p:txBody>
+      </p:sp>
+    </p:spTree>
+    <p:extLst>
+      <p:ext uri="{BB962C8B-B14F-4D97-AF65-F5344CB8AC3E}">
+        <p14:creationId xmlns:p14="http://schemas.microsoft.com/office/powerpoint/2010/main" val="3735561078"/>
+      </p:ext>
+    </p:extLst>
+  </p:cSld>
+  <p:clrMapOvr>
+    <a:masterClrMapping/>
+  </p:clrMapOvr>
+</p:sld>
+</file>
+
 <file path=ppt/slides/slide26.xml><?xml version="1.0" encoding="utf-8"?>
 <p:sld xmlns:a="http://schemas.openxmlformats.org/drawingml/2006/main" xmlns:r="http://schemas.openxmlformats.org/officeDocument/2006/relationships" xmlns:p="http://schemas.openxmlformats.org/presentationml/2006/main">
   <p:cSld>
@@ -5761,105 +5694,72 @@
           <a:bodyPr/>
           <a:lstStyle/>
           <a:p>
-            <a:pPr marL="0" indent="0">
-              <a:buNone/>
-            </a:pPr>
+            <a:r>
+              <a:rPr lang="en-US" altLang="zh-CN" dirty="0" err="1"/>
+              <a:t>Object.getPrototypeOf</a:t>
+            </a:r>
+            <a:r>
+              <a:rPr lang="en-US" altLang="zh-CN" dirty="0" smtClean="0"/>
+              <a:t>()</a:t>
+            </a:r>
+          </a:p>
+          <a:p>
             <a:r>
               <a:rPr lang="en-US" altLang="zh-CN" dirty="0" err="1" smtClean="0"/>
-              <a:t>Array.prototype.remove</a:t>
-            </a:r>
-            <a:r>
-              <a:rPr lang="en-US" altLang="zh-CN" dirty="0" smtClean="0"/>
-              <a:t> = </a:t>
-            </a:r>
+              <a:t>Object.hasOwnProperty</a:t>
+            </a:r>
+            <a:r>
+              <a:rPr lang="en-US" altLang="zh-CN" dirty="0" smtClean="0"/>
+              <a:t>()</a:t>
+            </a:r>
+          </a:p>
+          <a:p>
             <a:r>
               <a:rPr lang="en-US" altLang="zh-CN" dirty="0" err="1" smtClean="0"/>
-              <a:t>Array.prototype.remove</a:t>
-            </a:r>
-            <a:r>
-              <a:rPr lang="en-US" altLang="zh-CN" dirty="0" smtClean="0"/>
-              <a:t> || function(member){</a:t>
-            </a:r>
-          </a:p>
-          <a:p>
-            <a:pPr marL="0" indent="0">
-              <a:buNone/>
-            </a:pPr>
-            <a:r>
-              <a:rPr lang="en-US" altLang="zh-CN" dirty="0"/>
-              <a:t> </a:t>
-            </a:r>
-            <a:r>
-              <a:rPr lang="en-US" altLang="zh-CN" dirty="0" smtClean="0"/>
-              <a:t>   </a:t>
-            </a:r>
+              <a:t>Object.getOwnPropertyNames</a:t>
+            </a:r>
+            <a:r>
+              <a:rPr lang="en-US" altLang="zh-CN" dirty="0" smtClean="0"/>
+              <a:t>()</a:t>
+            </a:r>
+            <a:endParaRPr lang="zh-CN" altLang="en-US" dirty="0" smtClean="0"/>
+          </a:p>
+          <a:p>
             <a:r>
               <a:rPr lang="en-US" altLang="zh-CN" dirty="0" err="1" smtClean="0"/>
-              <a:t>var</a:t>
-            </a:r>
-            <a:r>
-              <a:rPr lang="en-US" altLang="zh-CN" dirty="0" smtClean="0"/>
-              <a:t> index = </a:t>
+              <a:t>instanceof</a:t>
+            </a:r>
+            <a:endParaRPr lang="en-US" altLang="zh-CN" dirty="0" smtClean="0"/>
+          </a:p>
+          <a:p>
+            <a:pPr lvl="1"/>
+            <a:r>
+              <a:rPr lang="en-US" altLang="zh-CN" dirty="0" smtClean="0"/>
+              <a:t>The </a:t>
             </a:r>
             <a:r>
               <a:rPr lang="en-US" altLang="zh-CN" dirty="0" err="1" smtClean="0"/>
-              <a:t>this.indexOf</a:t>
-            </a:r>
-            <a:r>
-              <a:rPr lang="en-US" altLang="zh-CN" dirty="0" smtClean="0"/>
-              <a:t>(member);</a:t>
-            </a:r>
-          </a:p>
-          <a:p>
-            <a:pPr marL="0" indent="0">
-              <a:buNone/>
-            </a:pPr>
-            <a:r>
-              <a:rPr lang="en-US" altLang="zh-CN" dirty="0"/>
-              <a:t> </a:t>
-            </a:r>
-            <a:r>
-              <a:rPr lang="en-US" altLang="zh-CN" dirty="0" smtClean="0"/>
-              <a:t>   if (index &gt; -1) {</a:t>
-            </a:r>
+              <a:t>instanceof</a:t>
+            </a:r>
+            <a:r>
+              <a:rPr lang="en-US" altLang="zh-CN" dirty="0" smtClean="0"/>
+              <a:t> operator actually checks if the [[prototype]] chain of the first argument contains the prototype property of the second argument (a function)</a:t>
+            </a:r>
+            <a:endParaRPr lang="en-US" altLang="zh-CN" dirty="0"/>
+          </a:p>
+          <a:p>
             <a:r>
               <a:rPr lang="en-US" altLang="zh-CN" dirty="0" err="1" smtClean="0"/>
-              <a:t>this.splice</a:t>
-            </a:r>
-            <a:r>
-              <a:rPr lang="en-US" altLang="zh-CN" dirty="0" smtClean="0"/>
-              <a:t>(index, 1);};</a:t>
-            </a:r>
-          </a:p>
-          <a:p>
-            <a:pPr marL="0" indent="0">
-              <a:buNone/>
-            </a:pPr>
-            <a:r>
-              <a:rPr lang="en-US" altLang="zh-CN" dirty="0"/>
-              <a:t> </a:t>
-            </a:r>
-            <a:r>
-              <a:rPr lang="en-US" altLang="zh-CN" dirty="0" smtClean="0"/>
-              <a:t>   return this;</a:t>
-            </a:r>
-          </a:p>
-          <a:p>
-            <a:pPr marL="0" indent="0">
-              <a:buNone/>
-            </a:pPr>
-            <a:r>
-              <a:rPr lang="en-US" altLang="zh-CN" dirty="0" smtClean="0"/>
-              <a:t>}</a:t>
-            </a:r>
-            <a:endParaRPr lang="zh-CN" altLang="en-US" dirty="0"/>
+              <a:t>Object.create</a:t>
+            </a:r>
+            <a:endParaRPr lang="en-US" altLang="zh-CN" dirty="0" smtClean="0"/>
           </a:p>
         </p:txBody>
       </p:sp>
     </p:spTree>
     <p:extLst>
       <p:ext uri="{BB962C8B-B14F-4D97-AF65-F5344CB8AC3E}">
-        <p14:creationId xmlns:p14="http://schemas.microsoft.com/office/powerpoint/2010/main" val="3735561078"/>
+        <p14:creationId xmlns:p14="http://schemas.microsoft.com/office/powerpoint/2010/main" val="3512508059"/>
       </p:ext>
     </p:extLst>
   </p:cSld>
@@ -5902,16 +5802,16 @@
           <a:lstStyle/>
           <a:p>
             <a:r>
-              <a:rPr lang="en-US" altLang="zh-CN" dirty="0"/>
-              <a:t>Prototype(</a:t>
-            </a:r>
-            <a:r>
-              <a:rPr lang="zh-CN" altLang="en-US" dirty="0"/>
+              <a:rPr lang="zh-CN" altLang="en-US" dirty="0" smtClean="0"/>
               <a:t>原型</a:t>
             </a:r>
             <a:r>
-              <a:rPr lang="en-US" altLang="zh-CN" dirty="0"/>
-              <a:t>)</a:t>
+              <a:rPr lang="en-US" altLang="zh-CN" dirty="0" smtClean="0"/>
+              <a:t>+</a:t>
+            </a:r>
+            <a:r>
+              <a:rPr lang="zh-CN" altLang="en-US" dirty="0" smtClean="0"/>
+              <a:t>构造方法</a:t>
             </a:r>
             <a:endParaRPr lang="zh-CN" altLang="en-US" dirty="0"/>
           </a:p>
@@ -5932,72 +5832,14 @@
           <a:bodyPr/>
           <a:lstStyle/>
           <a:p>
-            <a:r>
-              <a:rPr lang="en-US" altLang="zh-CN" dirty="0" err="1"/>
-              <a:t>Object.getPrototypeOf</a:t>
-            </a:r>
-            <a:r>
-              <a:rPr lang="en-US" altLang="zh-CN" dirty="0" smtClean="0"/>
-              <a:t>()</a:t>
-            </a:r>
-          </a:p>
-          <a:p>
-            <a:r>
-              <a:rPr lang="en-US" altLang="zh-CN" dirty="0" err="1" smtClean="0"/>
-              <a:t>Object.hasOwnProperty</a:t>
-            </a:r>
-            <a:r>
-              <a:rPr lang="en-US" altLang="zh-CN" dirty="0" smtClean="0"/>
-              <a:t>()</a:t>
-            </a:r>
-          </a:p>
-          <a:p>
-            <a:r>
-              <a:rPr lang="en-US" altLang="zh-CN" dirty="0" err="1" smtClean="0"/>
-              <a:t>Object.getOwnPropertyNames</a:t>
-            </a:r>
-            <a:r>
-              <a:rPr lang="en-US" altLang="zh-CN" dirty="0" smtClean="0"/>
-              <a:t>()</a:t>
-            </a:r>
-            <a:endParaRPr lang="zh-CN" altLang="en-US" dirty="0" smtClean="0"/>
-          </a:p>
-          <a:p>
-            <a:r>
-              <a:rPr lang="en-US" altLang="zh-CN" dirty="0" err="1" smtClean="0"/>
-              <a:t>instanceof</a:t>
-            </a:r>
-            <a:endParaRPr lang="en-US" altLang="zh-CN" dirty="0" smtClean="0"/>
-          </a:p>
-          <a:p>
-            <a:pPr lvl="1"/>
-            <a:r>
-              <a:rPr lang="en-US" altLang="zh-CN" dirty="0" smtClean="0"/>
-              <a:t>The </a:t>
-            </a:r>
-            <a:r>
-              <a:rPr lang="en-US" altLang="zh-CN" dirty="0" err="1" smtClean="0"/>
-              <a:t>instanceof</a:t>
-            </a:r>
-            <a:r>
-              <a:rPr lang="en-US" altLang="zh-CN" dirty="0" smtClean="0"/>
-              <a:t> operator actually checks if the [[prototype]] chain of the first argument contains the prototype property of the second argument (a function)</a:t>
-            </a:r>
-            <a:endParaRPr lang="en-US" altLang="zh-CN" dirty="0"/>
-          </a:p>
-          <a:p>
-            <a:r>
-              <a:rPr lang="en-US" altLang="zh-CN" dirty="0" err="1" smtClean="0"/>
-              <a:t>Object.create</a:t>
-            </a:r>
-            <a:endParaRPr lang="en-US" altLang="zh-CN" dirty="0" smtClean="0"/>
+            <a:endParaRPr lang="zh-CN" altLang="en-US"/>
           </a:p>
         </p:txBody>
       </p:sp>
     </p:spTree>
     <p:extLst>
       <p:ext uri="{BB962C8B-B14F-4D97-AF65-F5344CB8AC3E}">
-        <p14:creationId xmlns:p14="http://schemas.microsoft.com/office/powerpoint/2010/main" val="3512508059"/>
+        <p14:creationId xmlns:p14="http://schemas.microsoft.com/office/powerpoint/2010/main" val="1421987959"/>
       </p:ext>
     </p:extLst>
   </p:cSld>
@@ -6041,15 +5883,7 @@
           <a:p>
             <a:r>
               <a:rPr lang="zh-CN" altLang="en-US" dirty="0" smtClean="0"/>
-              <a:t>原型</a:t>
-            </a:r>
-            <a:r>
-              <a:rPr lang="en-US" altLang="zh-CN" dirty="0" smtClean="0"/>
-              <a:t>+</a:t>
-            </a:r>
-            <a:r>
-              <a:rPr lang="zh-CN" altLang="en-US" dirty="0" smtClean="0"/>
-              <a:t>构造方法</a:t>
+              <a:t>动态原型</a:t>
             </a:r>
             <a:endParaRPr lang="zh-CN" altLang="en-US" dirty="0"/>
           </a:p>
@@ -6070,14 +5904,176 @@
           <a:bodyPr/>
           <a:lstStyle/>
           <a:p>
-            <a:endParaRPr lang="zh-CN" altLang="en-US"/>
+            <a:pPr marL="0" indent="0">
+              <a:buNone/>
+            </a:pPr>
+            <a:r>
+              <a:rPr lang="en-US" altLang="zh-CN" dirty="0"/>
+              <a:t>f</a:t>
+            </a:r>
+            <a:r>
+              <a:rPr lang="en-US" altLang="zh-CN" dirty="0" smtClean="0"/>
+              <a:t>unction Person() {</a:t>
+            </a:r>
+          </a:p>
+          <a:p>
+            <a:pPr marL="0" indent="0">
+              <a:buNone/>
+            </a:pPr>
+            <a:r>
+              <a:rPr lang="en-US" altLang="zh-CN" dirty="0"/>
+              <a:t> </a:t>
+            </a:r>
+            <a:r>
+              <a:rPr lang="en-US" altLang="zh-CN" dirty="0" smtClean="0"/>
+              <a:t>   </a:t>
+            </a:r>
+            <a:r>
+              <a:rPr lang="en-US" altLang="zh-CN" dirty="0" err="1" smtClean="0"/>
+              <a:t>this.username</a:t>
+            </a:r>
+            <a:r>
+              <a:rPr lang="en-US" altLang="zh-CN" dirty="0" smtClean="0"/>
+              <a:t> = “</a:t>
+            </a:r>
+            <a:r>
+              <a:rPr lang="en-US" altLang="zh-CN" dirty="0" err="1" smtClean="0"/>
+              <a:t>zhangsan</a:t>
+            </a:r>
+            <a:r>
+              <a:rPr lang="en-US" altLang="zh-CN" dirty="0" smtClean="0"/>
+              <a:t>”;</a:t>
+            </a:r>
+          </a:p>
+          <a:p>
+            <a:pPr marL="0" indent="0">
+              <a:buNone/>
+            </a:pPr>
+            <a:r>
+              <a:rPr lang="en-US" altLang="zh-CN" dirty="0"/>
+              <a:t> </a:t>
+            </a:r>
+            <a:r>
+              <a:rPr lang="en-US" altLang="zh-CN" dirty="0" smtClean="0"/>
+              <a:t>   </a:t>
+            </a:r>
+            <a:r>
+              <a:rPr lang="en-US" altLang="zh-CN" dirty="0" err="1" smtClean="0"/>
+              <a:t>this.password</a:t>
+            </a:r>
+            <a:r>
+              <a:rPr lang="en-US" altLang="zh-CN" dirty="0" smtClean="0"/>
+              <a:t> = “123”;</a:t>
+            </a:r>
+          </a:p>
+          <a:p>
+            <a:pPr marL="0" indent="0">
+              <a:buNone/>
+            </a:pPr>
+            <a:r>
+              <a:rPr lang="en-US" altLang="zh-CN" dirty="0"/>
+              <a:t> </a:t>
+            </a:r>
+            <a:r>
+              <a:rPr lang="en-US" altLang="zh-CN" dirty="0" smtClean="0"/>
+              <a:t>   if (!</a:t>
+            </a:r>
+            <a:r>
+              <a:rPr lang="en-US" altLang="zh-CN" dirty="0" err="1" smtClean="0"/>
+              <a:t>Person.flag</a:t>
+            </a:r>
+            <a:r>
+              <a:rPr lang="en-US" altLang="zh-CN" dirty="0" smtClean="0"/>
+              <a:t>) {</a:t>
+            </a:r>
+          </a:p>
+          <a:p>
+            <a:pPr marL="0" indent="0">
+              <a:buNone/>
+            </a:pPr>
+            <a:r>
+              <a:rPr lang="en-US" altLang="zh-CN" dirty="0"/>
+              <a:t> </a:t>
+            </a:r>
+            <a:r>
+              <a:rPr lang="en-US" altLang="zh-CN" dirty="0" smtClean="0"/>
+              <a:t>       </a:t>
+            </a:r>
+            <a:r>
+              <a:rPr lang="en-US" altLang="zh-CN" dirty="0" err="1" smtClean="0"/>
+              <a:t>this.getInfo</a:t>
+            </a:r>
+            <a:r>
+              <a:rPr lang="en-US" altLang="zh-CN" dirty="0" smtClean="0"/>
+              <a:t> = function() {return </a:t>
+            </a:r>
+            <a:r>
+              <a:rPr lang="en-US" altLang="zh-CN" dirty="0" err="1" smtClean="0"/>
+              <a:t>this.username</a:t>
+            </a:r>
+            <a:r>
+              <a:rPr lang="en-US" altLang="zh-CN" dirty="0" smtClean="0"/>
+              <a:t> + </a:t>
+            </a:r>
+            <a:r>
+              <a:rPr lang="en-US" altLang="zh-CN" dirty="0" err="1" smtClean="0"/>
+              <a:t>this.password</a:t>
+            </a:r>
+            <a:r>
+              <a:rPr lang="en-US" altLang="zh-CN" dirty="0" smtClean="0"/>
+              <a:t>};</a:t>
+            </a:r>
+          </a:p>
+          <a:p>
+            <a:pPr marL="0" indent="0">
+              <a:buNone/>
+            </a:pPr>
+            <a:r>
+              <a:rPr lang="en-US" altLang="zh-CN" dirty="0"/>
+              <a:t> </a:t>
+            </a:r>
+            <a:r>
+              <a:rPr lang="en-US" altLang="zh-CN" dirty="0" smtClean="0"/>
+              <a:t>       </a:t>
+            </a:r>
+            <a:r>
+              <a:rPr lang="en-US" altLang="zh-CN" dirty="0" err="1" smtClean="0"/>
+              <a:t>Person.flag</a:t>
+            </a:r>
+            <a:r>
+              <a:rPr lang="en-US" altLang="zh-CN" dirty="0" smtClean="0"/>
+              <a:t> = true;</a:t>
+            </a:r>
+          </a:p>
+          <a:p>
+            <a:pPr marL="0" indent="0">
+              <a:buNone/>
+            </a:pPr>
+            <a:r>
+              <a:rPr lang="en-US" altLang="zh-CN" dirty="0"/>
+              <a:t> </a:t>
+            </a:r>
+            <a:r>
+              <a:rPr lang="en-US" altLang="zh-CN" dirty="0" smtClean="0"/>
+              <a:t>   }</a:t>
+            </a:r>
+          </a:p>
+          <a:p>
+            <a:pPr marL="0" indent="0">
+              <a:buNone/>
+            </a:pPr>
+            <a:r>
+              <a:rPr lang="en-US" altLang="zh-CN" dirty="0" smtClean="0"/>
+              <a:t>}</a:t>
+            </a:r>
+            <a:endParaRPr lang="zh-CN" altLang="en-US" dirty="0"/>
           </a:p>
         </p:txBody>
       </p:sp>
     </p:spTree>
     <p:extLst>
       <p:ext uri="{BB962C8B-B14F-4D97-AF65-F5344CB8AC3E}">
-        <p14:creationId xmlns:p14="http://schemas.microsoft.com/office/powerpoint/2010/main" val="1421987959"/>
+        <p14:creationId xmlns:p14="http://schemas.microsoft.com/office/powerpoint/2010/main" val="1182043126"/>
       </p:ext>
     </p:extLst>
   </p:cSld>
